--- a/unpublished/avatar.pptx
+++ b/unpublished/avatar.pptx
@@ -6,8 +6,6 @@
   </p:sldMasterIdLst>
   <p:sldIdLst>
     <p:sldId id="256" r:id="rId2"/>
-    <p:sldId id="258" r:id="rId3"/>
-    <p:sldId id="259" r:id="rId4"/>
   </p:sldIdLst>
   <p:sldSz cx="9144000" cy="9144000"/>
   <p:notesSz cx="6858000" cy="9144000"/>
@@ -245,7 +243,7 @@
           <a:p>
             <a:fld id="{76515867-63A8-0E4C-94B1-A995DCB441AF}" type="datetimeFigureOut">
               <a:rPr lang="en-US" smtClean="0"/>
-              <a:t>4/16/17</a:t>
+              <a:t>8/18/17</a:t>
             </a:fld>
             <a:endParaRPr lang="en-US"/>
           </a:p>
@@ -415,7 +413,7 @@
           <a:p>
             <a:fld id="{76515867-63A8-0E4C-94B1-A995DCB441AF}" type="datetimeFigureOut">
               <a:rPr lang="en-US" smtClean="0"/>
-              <a:t>4/16/17</a:t>
+              <a:t>8/18/17</a:t>
             </a:fld>
             <a:endParaRPr lang="en-US"/>
           </a:p>
@@ -595,7 +593,7 @@
           <a:p>
             <a:fld id="{76515867-63A8-0E4C-94B1-A995DCB441AF}" type="datetimeFigureOut">
               <a:rPr lang="en-US" smtClean="0"/>
-              <a:t>4/16/17</a:t>
+              <a:t>8/18/17</a:t>
             </a:fld>
             <a:endParaRPr lang="en-US"/>
           </a:p>
@@ -765,7 +763,7 @@
           <a:p>
             <a:fld id="{76515867-63A8-0E4C-94B1-A995DCB441AF}" type="datetimeFigureOut">
               <a:rPr lang="en-US" smtClean="0"/>
-              <a:t>4/16/17</a:t>
+              <a:t>8/18/17</a:t>
             </a:fld>
             <a:endParaRPr lang="en-US"/>
           </a:p>
@@ -1009,7 +1007,7 @@
           <a:p>
             <a:fld id="{76515867-63A8-0E4C-94B1-A995DCB441AF}" type="datetimeFigureOut">
               <a:rPr lang="en-US" smtClean="0"/>
-              <a:t>4/16/17</a:t>
+              <a:t>8/18/17</a:t>
             </a:fld>
             <a:endParaRPr lang="en-US"/>
           </a:p>
@@ -1241,7 +1239,7 @@
           <a:p>
             <a:fld id="{76515867-63A8-0E4C-94B1-A995DCB441AF}" type="datetimeFigureOut">
               <a:rPr lang="en-US" smtClean="0"/>
-              <a:t>4/16/17</a:t>
+              <a:t>8/18/17</a:t>
             </a:fld>
             <a:endParaRPr lang="en-US"/>
           </a:p>
@@ -1608,7 +1606,7 @@
           <a:p>
             <a:fld id="{76515867-63A8-0E4C-94B1-A995DCB441AF}" type="datetimeFigureOut">
               <a:rPr lang="en-US" smtClean="0"/>
-              <a:t>4/16/17</a:t>
+              <a:t>8/18/17</a:t>
             </a:fld>
             <a:endParaRPr lang="en-US"/>
           </a:p>
@@ -1726,7 +1724,7 @@
           <a:p>
             <a:fld id="{76515867-63A8-0E4C-94B1-A995DCB441AF}" type="datetimeFigureOut">
               <a:rPr lang="en-US" smtClean="0"/>
-              <a:t>4/16/17</a:t>
+              <a:t>8/18/17</a:t>
             </a:fld>
             <a:endParaRPr lang="en-US"/>
           </a:p>
@@ -1821,7 +1819,7 @@
           <a:p>
             <a:fld id="{76515867-63A8-0E4C-94B1-A995DCB441AF}" type="datetimeFigureOut">
               <a:rPr lang="en-US" smtClean="0"/>
-              <a:t>4/16/17</a:t>
+              <a:t>8/18/17</a:t>
             </a:fld>
             <a:endParaRPr lang="en-US"/>
           </a:p>
@@ -2098,7 +2096,7 @@
           <a:p>
             <a:fld id="{76515867-63A8-0E4C-94B1-A995DCB441AF}" type="datetimeFigureOut">
               <a:rPr lang="en-US" smtClean="0"/>
-              <a:t>4/16/17</a:t>
+              <a:t>8/18/17</a:t>
             </a:fld>
             <a:endParaRPr lang="en-US"/>
           </a:p>
@@ -2355,7 +2353,7 @@
           <a:p>
             <a:fld id="{76515867-63A8-0E4C-94B1-A995DCB441AF}" type="datetimeFigureOut">
               <a:rPr lang="en-US" smtClean="0"/>
-              <a:t>4/16/17</a:t>
+              <a:t>8/18/17</a:t>
             </a:fld>
             <a:endParaRPr lang="en-US"/>
           </a:p>
@@ -2568,7 +2566,7 @@
           <a:p>
             <a:fld id="{76515867-63A8-0E4C-94B1-A995DCB441AF}" type="datetimeFigureOut">
               <a:rPr lang="en-US" smtClean="0"/>
-              <a:t>4/16/17</a:t>
+              <a:t>8/18/17</a:t>
             </a:fld>
             <a:endParaRPr lang="en-US"/>
           </a:p>
@@ -4514,4320 +4512,6 @@
 </p:sld>
 </file>
 
-<file path=ppt/slides/slide2.xml><?xml version="1.0" encoding="utf-8"?>
-<p:sld xmlns:a="http://schemas.openxmlformats.org/drawingml/2006/main" xmlns:r="http://schemas.openxmlformats.org/officeDocument/2006/relationships" xmlns:p="http://schemas.openxmlformats.org/presentationml/2006/main" show="0">
-  <p:cSld>
-    <p:spTree>
-      <p:nvGrpSpPr>
-        <p:cNvPr id="1" name=""/>
-        <p:cNvGrpSpPr/>
-        <p:nvPr/>
-      </p:nvGrpSpPr>
-      <p:grpSpPr>
-        <a:xfrm>
-          <a:off x="0" y="0"/>
-          <a:ext cx="0" cy="0"/>
-          <a:chOff x="0" y="0"/>
-          <a:chExt cx="0" cy="0"/>
-        </a:xfrm>
-      </p:grpSpPr>
-      <p:sp>
-        <p:nvSpPr>
-          <p:cNvPr id="4" name="Rectangle 3"/>
-          <p:cNvSpPr/>
-          <p:nvPr/>
-        </p:nvSpPr>
-        <p:spPr>
-          <a:xfrm>
-            <a:off x="0" y="0"/>
-            <a:ext cx="9144000" cy="9144000"/>
-          </a:xfrm>
-          <a:prstGeom prst="rect">
-            <a:avLst/>
-          </a:prstGeom>
-          <a:solidFill>
-            <a:srgbClr val="9AABCB"/>
-          </a:solidFill>
-          <a:ln>
-            <a:noFill/>
-          </a:ln>
-        </p:spPr>
-        <p:style>
-          <a:lnRef idx="2">
-            <a:schemeClr val="accent1">
-              <a:shade val="50000"/>
-            </a:schemeClr>
-          </a:lnRef>
-          <a:fillRef idx="1">
-            <a:schemeClr val="accent1"/>
-          </a:fillRef>
-          <a:effectRef idx="0">
-            <a:schemeClr val="accent1"/>
-          </a:effectRef>
-          <a:fontRef idx="minor">
-            <a:schemeClr val="lt1"/>
-          </a:fontRef>
-        </p:style>
-        <p:txBody>
-          <a:bodyPr rtlCol="0" anchor="ctr"/>
-          <a:lstStyle/>
-          <a:p>
-            <a:pPr algn="ctr"/>
-            <a:endParaRPr lang="en-US" sz="1350"/>
-          </a:p>
-        </p:txBody>
-      </p:sp>
-      <p:sp>
-        <p:nvSpPr>
-          <p:cNvPr id="6" name="TextBox 5"/>
-          <p:cNvSpPr txBox="1"/>
-          <p:nvPr/>
-        </p:nvSpPr>
-        <p:spPr>
-          <a:xfrm>
-            <a:off x="2759645" y="5942634"/>
-            <a:ext cx="3624710" cy="2215991"/>
-          </a:xfrm>
-          <a:prstGeom prst="rect">
-            <a:avLst/>
-          </a:prstGeom>
-          <a:noFill/>
-          <a:ln>
-            <a:noFill/>
-          </a:ln>
-        </p:spPr>
-        <p:txBody>
-          <a:bodyPr wrap="none" rtlCol="0" anchor="ctr" anchorCtr="0">
-            <a:spAutoFit/>
-          </a:bodyPr>
-          <a:lstStyle/>
-          <a:p>
-            <a:pPr algn="ctr"/>
-            <a:r>
-              <a:rPr lang="en-US" sz="13800" dirty="0" smtClean="0">
-                <a:solidFill>
-                  <a:schemeClr val="bg1"/>
-                </a:solidFill>
-                <a:latin typeface="Roboto Thin" charset="0"/>
-                <a:ea typeface="Roboto Thin" charset="0"/>
-                <a:cs typeface="Roboto Thin" charset="0"/>
-              </a:rPr>
-              <a:t>DDS</a:t>
-            </a:r>
-            <a:endParaRPr lang="en-US" sz="13800" dirty="0">
-              <a:solidFill>
-                <a:schemeClr val="bg1"/>
-              </a:solidFill>
-              <a:latin typeface="Roboto Thin" charset="0"/>
-              <a:ea typeface="Roboto Thin" charset="0"/>
-              <a:cs typeface="Roboto Thin" charset="0"/>
-            </a:endParaRPr>
-          </a:p>
-        </p:txBody>
-      </p:sp>
-      <p:sp>
-        <p:nvSpPr>
-          <p:cNvPr id="11" name="Freeform 10"/>
-          <p:cNvSpPr/>
-          <p:nvPr/>
-        </p:nvSpPr>
-        <p:spPr>
-          <a:xfrm rot="10800000">
-            <a:off x="3186409" y="977566"/>
-            <a:ext cx="2743200" cy="4318334"/>
-          </a:xfrm>
-          <a:custGeom>
-            <a:avLst/>
-            <a:gdLst>
-              <a:gd name="connsiteX0" fmla="*/ 652421 w 4261902"/>
-              <a:gd name="connsiteY0" fmla="*/ 6330902 h 6719567"/>
-              <a:gd name="connsiteX1" fmla="*/ 494160 w 4261902"/>
-              <a:gd name="connsiteY1" fmla="*/ 5434087 h 6719567"/>
-              <a:gd name="connsiteX2" fmla="*/ 388652 w 4261902"/>
-              <a:gd name="connsiteY2" fmla="*/ 4115241 h 6719567"/>
-              <a:gd name="connsiteX3" fmla="*/ 423821 w 4261902"/>
-              <a:gd name="connsiteY3" fmla="*/ 3130502 h 6719567"/>
-              <a:gd name="connsiteX4" fmla="*/ 177637 w 4261902"/>
-              <a:gd name="connsiteY4" fmla="*/ 2356779 h 6719567"/>
-              <a:gd name="connsiteX5" fmla="*/ 1791 w 4261902"/>
-              <a:gd name="connsiteY5" fmla="*/ 1248949 h 6719567"/>
-              <a:gd name="connsiteX6" fmla="*/ 142468 w 4261902"/>
-              <a:gd name="connsiteY6" fmla="*/ 299379 h 6719567"/>
-              <a:gd name="connsiteX7" fmla="*/ 881021 w 4261902"/>
-              <a:gd name="connsiteY7" fmla="*/ 441 h 6719567"/>
-              <a:gd name="connsiteX8" fmla="*/ 2147114 w 4261902"/>
-              <a:gd name="connsiteY8" fmla="*/ 229041 h 6719567"/>
-              <a:gd name="connsiteX9" fmla="*/ 2850498 w 4261902"/>
-              <a:gd name="connsiteY9" fmla="*/ 88364 h 6719567"/>
-              <a:gd name="connsiteX10" fmla="*/ 3465960 w 4261902"/>
-              <a:gd name="connsiteY10" fmla="*/ 18025 h 6719567"/>
-              <a:gd name="connsiteX11" fmla="*/ 4028668 w 4261902"/>
-              <a:gd name="connsiteY11" fmla="*/ 158702 h 6719567"/>
-              <a:gd name="connsiteX12" fmla="*/ 4257268 w 4261902"/>
-              <a:gd name="connsiteY12" fmla="*/ 967595 h 6719567"/>
-              <a:gd name="connsiteX13" fmla="*/ 4151760 w 4261902"/>
-              <a:gd name="connsiteY13" fmla="*/ 2128179 h 6719567"/>
-              <a:gd name="connsiteX14" fmla="*/ 3800068 w 4261902"/>
-              <a:gd name="connsiteY14" fmla="*/ 3060164 h 6719567"/>
-              <a:gd name="connsiteX15" fmla="*/ 3800068 w 4261902"/>
-              <a:gd name="connsiteY15" fmla="*/ 3886641 h 6719567"/>
-              <a:gd name="connsiteX16" fmla="*/ 3712144 w 4261902"/>
-              <a:gd name="connsiteY16" fmla="*/ 5187902 h 6719567"/>
-              <a:gd name="connsiteX17" fmla="*/ 3413206 w 4261902"/>
-              <a:gd name="connsiteY17" fmla="*/ 6717764 h 6719567"/>
-              <a:gd name="connsiteX18" fmla="*/ 2780160 w 4261902"/>
-              <a:gd name="connsiteY18" fmla="*/ 5469256 h 6719567"/>
-              <a:gd name="connsiteX19" fmla="*/ 2569144 w 4261902"/>
-              <a:gd name="connsiteY19" fmla="*/ 4220749 h 6719567"/>
-              <a:gd name="connsiteX20" fmla="*/ 2182283 w 4261902"/>
-              <a:gd name="connsiteY20" fmla="*/ 3904225 h 6719567"/>
-              <a:gd name="connsiteX21" fmla="*/ 1689914 w 4261902"/>
-              <a:gd name="connsiteY21" fmla="*/ 3974564 h 6719567"/>
-              <a:gd name="connsiteX22" fmla="*/ 1461314 w 4261902"/>
-              <a:gd name="connsiteY22" fmla="*/ 4185579 h 6719567"/>
-              <a:gd name="connsiteX23" fmla="*/ 1338221 w 4261902"/>
-              <a:gd name="connsiteY23" fmla="*/ 5135149 h 6719567"/>
-              <a:gd name="connsiteX24" fmla="*/ 1127206 w 4261902"/>
-              <a:gd name="connsiteY24" fmla="*/ 6137472 h 6719567"/>
-              <a:gd name="connsiteX25" fmla="*/ 845852 w 4261902"/>
-              <a:gd name="connsiteY25" fmla="*/ 6700179 h 6719567"/>
-              <a:gd name="connsiteX26" fmla="*/ 652421 w 4261902"/>
-              <a:gd name="connsiteY26" fmla="*/ 6330902 h 6719567"/>
-              <a:gd name="connsiteX0" fmla="*/ 652421 w 4261902"/>
-              <a:gd name="connsiteY0" fmla="*/ 6330902 h 6719567"/>
-              <a:gd name="connsiteX1" fmla="*/ 494160 w 4261902"/>
-              <a:gd name="connsiteY1" fmla="*/ 5434087 h 6719567"/>
-              <a:gd name="connsiteX2" fmla="*/ 388652 w 4261902"/>
-              <a:gd name="connsiteY2" fmla="*/ 4115241 h 6719567"/>
-              <a:gd name="connsiteX3" fmla="*/ 398063 w 4261902"/>
-              <a:gd name="connsiteY3" fmla="*/ 3104745 h 6719567"/>
-              <a:gd name="connsiteX4" fmla="*/ 177637 w 4261902"/>
-              <a:gd name="connsiteY4" fmla="*/ 2356779 h 6719567"/>
-              <a:gd name="connsiteX5" fmla="*/ 1791 w 4261902"/>
-              <a:gd name="connsiteY5" fmla="*/ 1248949 h 6719567"/>
-              <a:gd name="connsiteX6" fmla="*/ 142468 w 4261902"/>
-              <a:gd name="connsiteY6" fmla="*/ 299379 h 6719567"/>
-              <a:gd name="connsiteX7" fmla="*/ 881021 w 4261902"/>
-              <a:gd name="connsiteY7" fmla="*/ 441 h 6719567"/>
-              <a:gd name="connsiteX8" fmla="*/ 2147114 w 4261902"/>
-              <a:gd name="connsiteY8" fmla="*/ 229041 h 6719567"/>
-              <a:gd name="connsiteX9" fmla="*/ 2850498 w 4261902"/>
-              <a:gd name="connsiteY9" fmla="*/ 88364 h 6719567"/>
-              <a:gd name="connsiteX10" fmla="*/ 3465960 w 4261902"/>
-              <a:gd name="connsiteY10" fmla="*/ 18025 h 6719567"/>
-              <a:gd name="connsiteX11" fmla="*/ 4028668 w 4261902"/>
-              <a:gd name="connsiteY11" fmla="*/ 158702 h 6719567"/>
-              <a:gd name="connsiteX12" fmla="*/ 4257268 w 4261902"/>
-              <a:gd name="connsiteY12" fmla="*/ 967595 h 6719567"/>
-              <a:gd name="connsiteX13" fmla="*/ 4151760 w 4261902"/>
-              <a:gd name="connsiteY13" fmla="*/ 2128179 h 6719567"/>
-              <a:gd name="connsiteX14" fmla="*/ 3800068 w 4261902"/>
-              <a:gd name="connsiteY14" fmla="*/ 3060164 h 6719567"/>
-              <a:gd name="connsiteX15" fmla="*/ 3800068 w 4261902"/>
-              <a:gd name="connsiteY15" fmla="*/ 3886641 h 6719567"/>
-              <a:gd name="connsiteX16" fmla="*/ 3712144 w 4261902"/>
-              <a:gd name="connsiteY16" fmla="*/ 5187902 h 6719567"/>
-              <a:gd name="connsiteX17" fmla="*/ 3413206 w 4261902"/>
-              <a:gd name="connsiteY17" fmla="*/ 6717764 h 6719567"/>
-              <a:gd name="connsiteX18" fmla="*/ 2780160 w 4261902"/>
-              <a:gd name="connsiteY18" fmla="*/ 5469256 h 6719567"/>
-              <a:gd name="connsiteX19" fmla="*/ 2569144 w 4261902"/>
-              <a:gd name="connsiteY19" fmla="*/ 4220749 h 6719567"/>
-              <a:gd name="connsiteX20" fmla="*/ 2182283 w 4261902"/>
-              <a:gd name="connsiteY20" fmla="*/ 3904225 h 6719567"/>
-              <a:gd name="connsiteX21" fmla="*/ 1689914 w 4261902"/>
-              <a:gd name="connsiteY21" fmla="*/ 3974564 h 6719567"/>
-              <a:gd name="connsiteX22" fmla="*/ 1461314 w 4261902"/>
-              <a:gd name="connsiteY22" fmla="*/ 4185579 h 6719567"/>
-              <a:gd name="connsiteX23" fmla="*/ 1338221 w 4261902"/>
-              <a:gd name="connsiteY23" fmla="*/ 5135149 h 6719567"/>
-              <a:gd name="connsiteX24" fmla="*/ 1127206 w 4261902"/>
-              <a:gd name="connsiteY24" fmla="*/ 6137472 h 6719567"/>
-              <a:gd name="connsiteX25" fmla="*/ 845852 w 4261902"/>
-              <a:gd name="connsiteY25" fmla="*/ 6700179 h 6719567"/>
-              <a:gd name="connsiteX26" fmla="*/ 652421 w 4261902"/>
-              <a:gd name="connsiteY26" fmla="*/ 6330902 h 6719567"/>
-              <a:gd name="connsiteX0" fmla="*/ 652421 w 4261902"/>
-              <a:gd name="connsiteY0" fmla="*/ 6330902 h 6719567"/>
-              <a:gd name="connsiteX1" fmla="*/ 494160 w 4261902"/>
-              <a:gd name="connsiteY1" fmla="*/ 5434087 h 6719567"/>
-              <a:gd name="connsiteX2" fmla="*/ 388652 w 4261902"/>
-              <a:gd name="connsiteY2" fmla="*/ 4115241 h 6719567"/>
-              <a:gd name="connsiteX3" fmla="*/ 398063 w 4261902"/>
-              <a:gd name="connsiteY3" fmla="*/ 3104745 h 6719567"/>
-              <a:gd name="connsiteX4" fmla="*/ 177637 w 4261902"/>
-              <a:gd name="connsiteY4" fmla="*/ 2356779 h 6719567"/>
-              <a:gd name="connsiteX5" fmla="*/ 1791 w 4261902"/>
-              <a:gd name="connsiteY5" fmla="*/ 1248949 h 6719567"/>
-              <a:gd name="connsiteX6" fmla="*/ 142468 w 4261902"/>
-              <a:gd name="connsiteY6" fmla="*/ 299379 h 6719567"/>
-              <a:gd name="connsiteX7" fmla="*/ 881021 w 4261902"/>
-              <a:gd name="connsiteY7" fmla="*/ 441 h 6719567"/>
-              <a:gd name="connsiteX8" fmla="*/ 2147114 w 4261902"/>
-              <a:gd name="connsiteY8" fmla="*/ 229041 h 6719567"/>
-              <a:gd name="connsiteX9" fmla="*/ 2850498 w 4261902"/>
-              <a:gd name="connsiteY9" fmla="*/ 88364 h 6719567"/>
-              <a:gd name="connsiteX10" fmla="*/ 3465960 w 4261902"/>
-              <a:gd name="connsiteY10" fmla="*/ 18025 h 6719567"/>
-              <a:gd name="connsiteX11" fmla="*/ 4028668 w 4261902"/>
-              <a:gd name="connsiteY11" fmla="*/ 158702 h 6719567"/>
-              <a:gd name="connsiteX12" fmla="*/ 4257268 w 4261902"/>
-              <a:gd name="connsiteY12" fmla="*/ 967595 h 6719567"/>
-              <a:gd name="connsiteX13" fmla="*/ 4151760 w 4261902"/>
-              <a:gd name="connsiteY13" fmla="*/ 2128179 h 6719567"/>
-              <a:gd name="connsiteX14" fmla="*/ 3800068 w 4261902"/>
-              <a:gd name="connsiteY14" fmla="*/ 3085922 h 6719567"/>
-              <a:gd name="connsiteX15" fmla="*/ 3800068 w 4261902"/>
-              <a:gd name="connsiteY15" fmla="*/ 3886641 h 6719567"/>
-              <a:gd name="connsiteX16" fmla="*/ 3712144 w 4261902"/>
-              <a:gd name="connsiteY16" fmla="*/ 5187902 h 6719567"/>
-              <a:gd name="connsiteX17" fmla="*/ 3413206 w 4261902"/>
-              <a:gd name="connsiteY17" fmla="*/ 6717764 h 6719567"/>
-              <a:gd name="connsiteX18" fmla="*/ 2780160 w 4261902"/>
-              <a:gd name="connsiteY18" fmla="*/ 5469256 h 6719567"/>
-              <a:gd name="connsiteX19" fmla="*/ 2569144 w 4261902"/>
-              <a:gd name="connsiteY19" fmla="*/ 4220749 h 6719567"/>
-              <a:gd name="connsiteX20" fmla="*/ 2182283 w 4261902"/>
-              <a:gd name="connsiteY20" fmla="*/ 3904225 h 6719567"/>
-              <a:gd name="connsiteX21" fmla="*/ 1689914 w 4261902"/>
-              <a:gd name="connsiteY21" fmla="*/ 3974564 h 6719567"/>
-              <a:gd name="connsiteX22" fmla="*/ 1461314 w 4261902"/>
-              <a:gd name="connsiteY22" fmla="*/ 4185579 h 6719567"/>
-              <a:gd name="connsiteX23" fmla="*/ 1338221 w 4261902"/>
-              <a:gd name="connsiteY23" fmla="*/ 5135149 h 6719567"/>
-              <a:gd name="connsiteX24" fmla="*/ 1127206 w 4261902"/>
-              <a:gd name="connsiteY24" fmla="*/ 6137472 h 6719567"/>
-              <a:gd name="connsiteX25" fmla="*/ 845852 w 4261902"/>
-              <a:gd name="connsiteY25" fmla="*/ 6700179 h 6719567"/>
-              <a:gd name="connsiteX26" fmla="*/ 652421 w 4261902"/>
-              <a:gd name="connsiteY26" fmla="*/ 6330902 h 6719567"/>
-              <a:gd name="connsiteX0" fmla="*/ 652421 w 4261902"/>
-              <a:gd name="connsiteY0" fmla="*/ 6330902 h 6703211"/>
-              <a:gd name="connsiteX1" fmla="*/ 494160 w 4261902"/>
-              <a:gd name="connsiteY1" fmla="*/ 5434087 h 6703211"/>
-              <a:gd name="connsiteX2" fmla="*/ 388652 w 4261902"/>
-              <a:gd name="connsiteY2" fmla="*/ 4115241 h 6703211"/>
-              <a:gd name="connsiteX3" fmla="*/ 398063 w 4261902"/>
-              <a:gd name="connsiteY3" fmla="*/ 3104745 h 6703211"/>
-              <a:gd name="connsiteX4" fmla="*/ 177637 w 4261902"/>
-              <a:gd name="connsiteY4" fmla="*/ 2356779 h 6703211"/>
-              <a:gd name="connsiteX5" fmla="*/ 1791 w 4261902"/>
-              <a:gd name="connsiteY5" fmla="*/ 1248949 h 6703211"/>
-              <a:gd name="connsiteX6" fmla="*/ 142468 w 4261902"/>
-              <a:gd name="connsiteY6" fmla="*/ 299379 h 6703211"/>
-              <a:gd name="connsiteX7" fmla="*/ 881021 w 4261902"/>
-              <a:gd name="connsiteY7" fmla="*/ 441 h 6703211"/>
-              <a:gd name="connsiteX8" fmla="*/ 2147114 w 4261902"/>
-              <a:gd name="connsiteY8" fmla="*/ 229041 h 6703211"/>
-              <a:gd name="connsiteX9" fmla="*/ 2850498 w 4261902"/>
-              <a:gd name="connsiteY9" fmla="*/ 88364 h 6703211"/>
-              <a:gd name="connsiteX10" fmla="*/ 3465960 w 4261902"/>
-              <a:gd name="connsiteY10" fmla="*/ 18025 h 6703211"/>
-              <a:gd name="connsiteX11" fmla="*/ 4028668 w 4261902"/>
-              <a:gd name="connsiteY11" fmla="*/ 158702 h 6703211"/>
-              <a:gd name="connsiteX12" fmla="*/ 4257268 w 4261902"/>
-              <a:gd name="connsiteY12" fmla="*/ 967595 h 6703211"/>
-              <a:gd name="connsiteX13" fmla="*/ 4151760 w 4261902"/>
-              <a:gd name="connsiteY13" fmla="*/ 2128179 h 6703211"/>
-              <a:gd name="connsiteX14" fmla="*/ 3800068 w 4261902"/>
-              <a:gd name="connsiteY14" fmla="*/ 3085922 h 6703211"/>
-              <a:gd name="connsiteX15" fmla="*/ 3800068 w 4261902"/>
-              <a:gd name="connsiteY15" fmla="*/ 3886641 h 6703211"/>
-              <a:gd name="connsiteX16" fmla="*/ 3712144 w 4261902"/>
-              <a:gd name="connsiteY16" fmla="*/ 5187902 h 6703211"/>
-              <a:gd name="connsiteX17" fmla="*/ 3348812 w 4261902"/>
-              <a:gd name="connsiteY17" fmla="*/ 6679128 h 6703211"/>
-              <a:gd name="connsiteX18" fmla="*/ 2780160 w 4261902"/>
-              <a:gd name="connsiteY18" fmla="*/ 5469256 h 6703211"/>
-              <a:gd name="connsiteX19" fmla="*/ 2569144 w 4261902"/>
-              <a:gd name="connsiteY19" fmla="*/ 4220749 h 6703211"/>
-              <a:gd name="connsiteX20" fmla="*/ 2182283 w 4261902"/>
-              <a:gd name="connsiteY20" fmla="*/ 3904225 h 6703211"/>
-              <a:gd name="connsiteX21" fmla="*/ 1689914 w 4261902"/>
-              <a:gd name="connsiteY21" fmla="*/ 3974564 h 6703211"/>
-              <a:gd name="connsiteX22" fmla="*/ 1461314 w 4261902"/>
-              <a:gd name="connsiteY22" fmla="*/ 4185579 h 6703211"/>
-              <a:gd name="connsiteX23" fmla="*/ 1338221 w 4261902"/>
-              <a:gd name="connsiteY23" fmla="*/ 5135149 h 6703211"/>
-              <a:gd name="connsiteX24" fmla="*/ 1127206 w 4261902"/>
-              <a:gd name="connsiteY24" fmla="*/ 6137472 h 6703211"/>
-              <a:gd name="connsiteX25" fmla="*/ 845852 w 4261902"/>
-              <a:gd name="connsiteY25" fmla="*/ 6700179 h 6703211"/>
-              <a:gd name="connsiteX26" fmla="*/ 652421 w 4261902"/>
-              <a:gd name="connsiteY26" fmla="*/ 6330902 h 6703211"/>
-              <a:gd name="connsiteX0" fmla="*/ 652421 w 4261902"/>
-              <a:gd name="connsiteY0" fmla="*/ 6330902 h 6703211"/>
-              <a:gd name="connsiteX1" fmla="*/ 494160 w 4261902"/>
-              <a:gd name="connsiteY1" fmla="*/ 5434087 h 6703211"/>
-              <a:gd name="connsiteX2" fmla="*/ 388652 w 4261902"/>
-              <a:gd name="connsiteY2" fmla="*/ 4115241 h 6703211"/>
-              <a:gd name="connsiteX3" fmla="*/ 398063 w 4261902"/>
-              <a:gd name="connsiteY3" fmla="*/ 3104745 h 6703211"/>
-              <a:gd name="connsiteX4" fmla="*/ 177637 w 4261902"/>
-              <a:gd name="connsiteY4" fmla="*/ 2356779 h 6703211"/>
-              <a:gd name="connsiteX5" fmla="*/ 1791 w 4261902"/>
-              <a:gd name="connsiteY5" fmla="*/ 1248949 h 6703211"/>
-              <a:gd name="connsiteX6" fmla="*/ 142468 w 4261902"/>
-              <a:gd name="connsiteY6" fmla="*/ 299379 h 6703211"/>
-              <a:gd name="connsiteX7" fmla="*/ 881021 w 4261902"/>
-              <a:gd name="connsiteY7" fmla="*/ 441 h 6703211"/>
-              <a:gd name="connsiteX8" fmla="*/ 2147114 w 4261902"/>
-              <a:gd name="connsiteY8" fmla="*/ 229041 h 6703211"/>
-              <a:gd name="connsiteX9" fmla="*/ 2850498 w 4261902"/>
-              <a:gd name="connsiteY9" fmla="*/ 88364 h 6703211"/>
-              <a:gd name="connsiteX10" fmla="*/ 3465960 w 4261902"/>
-              <a:gd name="connsiteY10" fmla="*/ 18025 h 6703211"/>
-              <a:gd name="connsiteX11" fmla="*/ 4028668 w 4261902"/>
-              <a:gd name="connsiteY11" fmla="*/ 158702 h 6703211"/>
-              <a:gd name="connsiteX12" fmla="*/ 4257268 w 4261902"/>
-              <a:gd name="connsiteY12" fmla="*/ 967595 h 6703211"/>
-              <a:gd name="connsiteX13" fmla="*/ 4151760 w 4261902"/>
-              <a:gd name="connsiteY13" fmla="*/ 2128179 h 6703211"/>
-              <a:gd name="connsiteX14" fmla="*/ 3800068 w 4261902"/>
-              <a:gd name="connsiteY14" fmla="*/ 3085922 h 6703211"/>
-              <a:gd name="connsiteX15" fmla="*/ 3800068 w 4261902"/>
-              <a:gd name="connsiteY15" fmla="*/ 3886641 h 6703211"/>
-              <a:gd name="connsiteX16" fmla="*/ 3712144 w 4261902"/>
-              <a:gd name="connsiteY16" fmla="*/ 5187902 h 6703211"/>
-              <a:gd name="connsiteX17" fmla="*/ 3348812 w 4261902"/>
-              <a:gd name="connsiteY17" fmla="*/ 6679128 h 6703211"/>
-              <a:gd name="connsiteX18" fmla="*/ 2780160 w 4261902"/>
-              <a:gd name="connsiteY18" fmla="*/ 5469256 h 6703211"/>
-              <a:gd name="connsiteX19" fmla="*/ 2530507 w 4261902"/>
-              <a:gd name="connsiteY19" fmla="*/ 4272264 h 6703211"/>
-              <a:gd name="connsiteX20" fmla="*/ 2182283 w 4261902"/>
-              <a:gd name="connsiteY20" fmla="*/ 3904225 h 6703211"/>
-              <a:gd name="connsiteX21" fmla="*/ 1689914 w 4261902"/>
-              <a:gd name="connsiteY21" fmla="*/ 3974564 h 6703211"/>
-              <a:gd name="connsiteX22" fmla="*/ 1461314 w 4261902"/>
-              <a:gd name="connsiteY22" fmla="*/ 4185579 h 6703211"/>
-              <a:gd name="connsiteX23" fmla="*/ 1338221 w 4261902"/>
-              <a:gd name="connsiteY23" fmla="*/ 5135149 h 6703211"/>
-              <a:gd name="connsiteX24" fmla="*/ 1127206 w 4261902"/>
-              <a:gd name="connsiteY24" fmla="*/ 6137472 h 6703211"/>
-              <a:gd name="connsiteX25" fmla="*/ 845852 w 4261902"/>
-              <a:gd name="connsiteY25" fmla="*/ 6700179 h 6703211"/>
-              <a:gd name="connsiteX26" fmla="*/ 652421 w 4261902"/>
-              <a:gd name="connsiteY26" fmla="*/ 6330902 h 6703211"/>
-              <a:gd name="connsiteX0" fmla="*/ 652421 w 4261902"/>
-              <a:gd name="connsiteY0" fmla="*/ 6330902 h 6703211"/>
-              <a:gd name="connsiteX1" fmla="*/ 494160 w 4261902"/>
-              <a:gd name="connsiteY1" fmla="*/ 5434087 h 6703211"/>
-              <a:gd name="connsiteX2" fmla="*/ 388652 w 4261902"/>
-              <a:gd name="connsiteY2" fmla="*/ 4115241 h 6703211"/>
-              <a:gd name="connsiteX3" fmla="*/ 398063 w 4261902"/>
-              <a:gd name="connsiteY3" fmla="*/ 3104745 h 6703211"/>
-              <a:gd name="connsiteX4" fmla="*/ 177637 w 4261902"/>
-              <a:gd name="connsiteY4" fmla="*/ 2356779 h 6703211"/>
-              <a:gd name="connsiteX5" fmla="*/ 1791 w 4261902"/>
-              <a:gd name="connsiteY5" fmla="*/ 1248949 h 6703211"/>
-              <a:gd name="connsiteX6" fmla="*/ 142468 w 4261902"/>
-              <a:gd name="connsiteY6" fmla="*/ 299379 h 6703211"/>
-              <a:gd name="connsiteX7" fmla="*/ 881021 w 4261902"/>
-              <a:gd name="connsiteY7" fmla="*/ 441 h 6703211"/>
-              <a:gd name="connsiteX8" fmla="*/ 2147114 w 4261902"/>
-              <a:gd name="connsiteY8" fmla="*/ 229041 h 6703211"/>
-              <a:gd name="connsiteX9" fmla="*/ 2850498 w 4261902"/>
-              <a:gd name="connsiteY9" fmla="*/ 88364 h 6703211"/>
-              <a:gd name="connsiteX10" fmla="*/ 3465960 w 4261902"/>
-              <a:gd name="connsiteY10" fmla="*/ 18025 h 6703211"/>
-              <a:gd name="connsiteX11" fmla="*/ 4028668 w 4261902"/>
-              <a:gd name="connsiteY11" fmla="*/ 158702 h 6703211"/>
-              <a:gd name="connsiteX12" fmla="*/ 4257268 w 4261902"/>
-              <a:gd name="connsiteY12" fmla="*/ 967595 h 6703211"/>
-              <a:gd name="connsiteX13" fmla="*/ 4151760 w 4261902"/>
-              <a:gd name="connsiteY13" fmla="*/ 2128179 h 6703211"/>
-              <a:gd name="connsiteX14" fmla="*/ 3800068 w 4261902"/>
-              <a:gd name="connsiteY14" fmla="*/ 3085922 h 6703211"/>
-              <a:gd name="connsiteX15" fmla="*/ 3800068 w 4261902"/>
-              <a:gd name="connsiteY15" fmla="*/ 3886641 h 6703211"/>
-              <a:gd name="connsiteX16" fmla="*/ 3712144 w 4261902"/>
-              <a:gd name="connsiteY16" fmla="*/ 5187902 h 6703211"/>
-              <a:gd name="connsiteX17" fmla="*/ 3348812 w 4261902"/>
-              <a:gd name="connsiteY17" fmla="*/ 6679128 h 6703211"/>
-              <a:gd name="connsiteX18" fmla="*/ 2780160 w 4261902"/>
-              <a:gd name="connsiteY18" fmla="*/ 5469256 h 6703211"/>
-              <a:gd name="connsiteX19" fmla="*/ 2530507 w 4261902"/>
-              <a:gd name="connsiteY19" fmla="*/ 4272264 h 6703211"/>
-              <a:gd name="connsiteX20" fmla="*/ 2182283 w 4261902"/>
-              <a:gd name="connsiteY20" fmla="*/ 3904225 h 6703211"/>
-              <a:gd name="connsiteX21" fmla="*/ 1857339 w 4261902"/>
-              <a:gd name="connsiteY21" fmla="*/ 3884411 h 6703211"/>
-              <a:gd name="connsiteX22" fmla="*/ 1461314 w 4261902"/>
-              <a:gd name="connsiteY22" fmla="*/ 4185579 h 6703211"/>
-              <a:gd name="connsiteX23" fmla="*/ 1338221 w 4261902"/>
-              <a:gd name="connsiteY23" fmla="*/ 5135149 h 6703211"/>
-              <a:gd name="connsiteX24" fmla="*/ 1127206 w 4261902"/>
-              <a:gd name="connsiteY24" fmla="*/ 6137472 h 6703211"/>
-              <a:gd name="connsiteX25" fmla="*/ 845852 w 4261902"/>
-              <a:gd name="connsiteY25" fmla="*/ 6700179 h 6703211"/>
-              <a:gd name="connsiteX26" fmla="*/ 652421 w 4261902"/>
-              <a:gd name="connsiteY26" fmla="*/ 6330902 h 6703211"/>
-              <a:gd name="connsiteX0" fmla="*/ 652421 w 4261902"/>
-              <a:gd name="connsiteY0" fmla="*/ 6330902 h 6703211"/>
-              <a:gd name="connsiteX1" fmla="*/ 494160 w 4261902"/>
-              <a:gd name="connsiteY1" fmla="*/ 5434087 h 6703211"/>
-              <a:gd name="connsiteX2" fmla="*/ 388652 w 4261902"/>
-              <a:gd name="connsiteY2" fmla="*/ 4115241 h 6703211"/>
-              <a:gd name="connsiteX3" fmla="*/ 398063 w 4261902"/>
-              <a:gd name="connsiteY3" fmla="*/ 3104745 h 6703211"/>
-              <a:gd name="connsiteX4" fmla="*/ 177637 w 4261902"/>
-              <a:gd name="connsiteY4" fmla="*/ 2356779 h 6703211"/>
-              <a:gd name="connsiteX5" fmla="*/ 1791 w 4261902"/>
-              <a:gd name="connsiteY5" fmla="*/ 1248949 h 6703211"/>
-              <a:gd name="connsiteX6" fmla="*/ 142468 w 4261902"/>
-              <a:gd name="connsiteY6" fmla="*/ 299379 h 6703211"/>
-              <a:gd name="connsiteX7" fmla="*/ 881021 w 4261902"/>
-              <a:gd name="connsiteY7" fmla="*/ 441 h 6703211"/>
-              <a:gd name="connsiteX8" fmla="*/ 2147114 w 4261902"/>
-              <a:gd name="connsiteY8" fmla="*/ 229041 h 6703211"/>
-              <a:gd name="connsiteX9" fmla="*/ 2850498 w 4261902"/>
-              <a:gd name="connsiteY9" fmla="*/ 88364 h 6703211"/>
-              <a:gd name="connsiteX10" fmla="*/ 3465960 w 4261902"/>
-              <a:gd name="connsiteY10" fmla="*/ 18025 h 6703211"/>
-              <a:gd name="connsiteX11" fmla="*/ 4028668 w 4261902"/>
-              <a:gd name="connsiteY11" fmla="*/ 158702 h 6703211"/>
-              <a:gd name="connsiteX12" fmla="*/ 4257268 w 4261902"/>
-              <a:gd name="connsiteY12" fmla="*/ 967595 h 6703211"/>
-              <a:gd name="connsiteX13" fmla="*/ 4151760 w 4261902"/>
-              <a:gd name="connsiteY13" fmla="*/ 2128179 h 6703211"/>
-              <a:gd name="connsiteX14" fmla="*/ 3800068 w 4261902"/>
-              <a:gd name="connsiteY14" fmla="*/ 3085922 h 6703211"/>
-              <a:gd name="connsiteX15" fmla="*/ 3800068 w 4261902"/>
-              <a:gd name="connsiteY15" fmla="*/ 3886641 h 6703211"/>
-              <a:gd name="connsiteX16" fmla="*/ 3712144 w 4261902"/>
-              <a:gd name="connsiteY16" fmla="*/ 5187902 h 6703211"/>
-              <a:gd name="connsiteX17" fmla="*/ 3348812 w 4261902"/>
-              <a:gd name="connsiteY17" fmla="*/ 6679128 h 6703211"/>
-              <a:gd name="connsiteX18" fmla="*/ 2780160 w 4261902"/>
-              <a:gd name="connsiteY18" fmla="*/ 5469256 h 6703211"/>
-              <a:gd name="connsiteX19" fmla="*/ 2530507 w 4261902"/>
-              <a:gd name="connsiteY19" fmla="*/ 4272264 h 6703211"/>
-              <a:gd name="connsiteX20" fmla="*/ 2182283 w 4261902"/>
-              <a:gd name="connsiteY20" fmla="*/ 3904225 h 6703211"/>
-              <a:gd name="connsiteX21" fmla="*/ 1857339 w 4261902"/>
-              <a:gd name="connsiteY21" fmla="*/ 3884411 h 6703211"/>
-              <a:gd name="connsiteX22" fmla="*/ 1512829 w 4261902"/>
-              <a:gd name="connsiteY22" fmla="*/ 4121184 h 6703211"/>
-              <a:gd name="connsiteX23" fmla="*/ 1338221 w 4261902"/>
-              <a:gd name="connsiteY23" fmla="*/ 5135149 h 6703211"/>
-              <a:gd name="connsiteX24" fmla="*/ 1127206 w 4261902"/>
-              <a:gd name="connsiteY24" fmla="*/ 6137472 h 6703211"/>
-              <a:gd name="connsiteX25" fmla="*/ 845852 w 4261902"/>
-              <a:gd name="connsiteY25" fmla="*/ 6700179 h 6703211"/>
-              <a:gd name="connsiteX26" fmla="*/ 652421 w 4261902"/>
-              <a:gd name="connsiteY26" fmla="*/ 6330902 h 6703211"/>
-              <a:gd name="connsiteX0" fmla="*/ 652421 w 4261902"/>
-              <a:gd name="connsiteY0" fmla="*/ 6330902 h 6703211"/>
-              <a:gd name="connsiteX1" fmla="*/ 494160 w 4261902"/>
-              <a:gd name="connsiteY1" fmla="*/ 5434087 h 6703211"/>
-              <a:gd name="connsiteX2" fmla="*/ 388652 w 4261902"/>
-              <a:gd name="connsiteY2" fmla="*/ 4115241 h 6703211"/>
-              <a:gd name="connsiteX3" fmla="*/ 398063 w 4261902"/>
-              <a:gd name="connsiteY3" fmla="*/ 3104745 h 6703211"/>
-              <a:gd name="connsiteX4" fmla="*/ 177637 w 4261902"/>
-              <a:gd name="connsiteY4" fmla="*/ 2356779 h 6703211"/>
-              <a:gd name="connsiteX5" fmla="*/ 1791 w 4261902"/>
-              <a:gd name="connsiteY5" fmla="*/ 1248949 h 6703211"/>
-              <a:gd name="connsiteX6" fmla="*/ 142468 w 4261902"/>
-              <a:gd name="connsiteY6" fmla="*/ 299379 h 6703211"/>
-              <a:gd name="connsiteX7" fmla="*/ 881021 w 4261902"/>
-              <a:gd name="connsiteY7" fmla="*/ 441 h 6703211"/>
-              <a:gd name="connsiteX8" fmla="*/ 2147114 w 4261902"/>
-              <a:gd name="connsiteY8" fmla="*/ 229041 h 6703211"/>
-              <a:gd name="connsiteX9" fmla="*/ 2850498 w 4261902"/>
-              <a:gd name="connsiteY9" fmla="*/ 88364 h 6703211"/>
-              <a:gd name="connsiteX10" fmla="*/ 3465960 w 4261902"/>
-              <a:gd name="connsiteY10" fmla="*/ 18025 h 6703211"/>
-              <a:gd name="connsiteX11" fmla="*/ 4028668 w 4261902"/>
-              <a:gd name="connsiteY11" fmla="*/ 158702 h 6703211"/>
-              <a:gd name="connsiteX12" fmla="*/ 4257268 w 4261902"/>
-              <a:gd name="connsiteY12" fmla="*/ 967595 h 6703211"/>
-              <a:gd name="connsiteX13" fmla="*/ 4151760 w 4261902"/>
-              <a:gd name="connsiteY13" fmla="*/ 2128179 h 6703211"/>
-              <a:gd name="connsiteX14" fmla="*/ 3800068 w 4261902"/>
-              <a:gd name="connsiteY14" fmla="*/ 3085922 h 6703211"/>
-              <a:gd name="connsiteX15" fmla="*/ 3800068 w 4261902"/>
-              <a:gd name="connsiteY15" fmla="*/ 3886641 h 6703211"/>
-              <a:gd name="connsiteX16" fmla="*/ 3712144 w 4261902"/>
-              <a:gd name="connsiteY16" fmla="*/ 5187902 h 6703211"/>
-              <a:gd name="connsiteX17" fmla="*/ 3348812 w 4261902"/>
-              <a:gd name="connsiteY17" fmla="*/ 6679128 h 6703211"/>
-              <a:gd name="connsiteX18" fmla="*/ 2780160 w 4261902"/>
-              <a:gd name="connsiteY18" fmla="*/ 5469256 h 6703211"/>
-              <a:gd name="connsiteX19" fmla="*/ 2530507 w 4261902"/>
-              <a:gd name="connsiteY19" fmla="*/ 4272264 h 6703211"/>
-              <a:gd name="connsiteX20" fmla="*/ 2182283 w 4261902"/>
-              <a:gd name="connsiteY20" fmla="*/ 3904225 h 6703211"/>
-              <a:gd name="connsiteX21" fmla="*/ 1857339 w 4261902"/>
-              <a:gd name="connsiteY21" fmla="*/ 3884411 h 6703211"/>
-              <a:gd name="connsiteX22" fmla="*/ 1512829 w 4261902"/>
-              <a:gd name="connsiteY22" fmla="*/ 4211337 h 6703211"/>
-              <a:gd name="connsiteX23" fmla="*/ 1338221 w 4261902"/>
-              <a:gd name="connsiteY23" fmla="*/ 5135149 h 6703211"/>
-              <a:gd name="connsiteX24" fmla="*/ 1127206 w 4261902"/>
-              <a:gd name="connsiteY24" fmla="*/ 6137472 h 6703211"/>
-              <a:gd name="connsiteX25" fmla="*/ 845852 w 4261902"/>
-              <a:gd name="connsiteY25" fmla="*/ 6700179 h 6703211"/>
-              <a:gd name="connsiteX26" fmla="*/ 652421 w 4261902"/>
-              <a:gd name="connsiteY26" fmla="*/ 6330902 h 6703211"/>
-              <a:gd name="connsiteX0" fmla="*/ 652421 w 4261902"/>
-              <a:gd name="connsiteY0" fmla="*/ 6330902 h 6703211"/>
-              <a:gd name="connsiteX1" fmla="*/ 494160 w 4261902"/>
-              <a:gd name="connsiteY1" fmla="*/ 5434087 h 6703211"/>
-              <a:gd name="connsiteX2" fmla="*/ 388652 w 4261902"/>
-              <a:gd name="connsiteY2" fmla="*/ 4115241 h 6703211"/>
-              <a:gd name="connsiteX3" fmla="*/ 398063 w 4261902"/>
-              <a:gd name="connsiteY3" fmla="*/ 3104745 h 6703211"/>
-              <a:gd name="connsiteX4" fmla="*/ 177637 w 4261902"/>
-              <a:gd name="connsiteY4" fmla="*/ 2356779 h 6703211"/>
-              <a:gd name="connsiteX5" fmla="*/ 1791 w 4261902"/>
-              <a:gd name="connsiteY5" fmla="*/ 1248949 h 6703211"/>
-              <a:gd name="connsiteX6" fmla="*/ 142468 w 4261902"/>
-              <a:gd name="connsiteY6" fmla="*/ 299379 h 6703211"/>
-              <a:gd name="connsiteX7" fmla="*/ 881021 w 4261902"/>
-              <a:gd name="connsiteY7" fmla="*/ 441 h 6703211"/>
-              <a:gd name="connsiteX8" fmla="*/ 2147114 w 4261902"/>
-              <a:gd name="connsiteY8" fmla="*/ 229041 h 6703211"/>
-              <a:gd name="connsiteX9" fmla="*/ 2850498 w 4261902"/>
-              <a:gd name="connsiteY9" fmla="*/ 88364 h 6703211"/>
-              <a:gd name="connsiteX10" fmla="*/ 3465960 w 4261902"/>
-              <a:gd name="connsiteY10" fmla="*/ 18025 h 6703211"/>
-              <a:gd name="connsiteX11" fmla="*/ 4028668 w 4261902"/>
-              <a:gd name="connsiteY11" fmla="*/ 158702 h 6703211"/>
-              <a:gd name="connsiteX12" fmla="*/ 4257268 w 4261902"/>
-              <a:gd name="connsiteY12" fmla="*/ 967595 h 6703211"/>
-              <a:gd name="connsiteX13" fmla="*/ 4151760 w 4261902"/>
-              <a:gd name="connsiteY13" fmla="*/ 2128179 h 6703211"/>
-              <a:gd name="connsiteX14" fmla="*/ 3800068 w 4261902"/>
-              <a:gd name="connsiteY14" fmla="*/ 3085922 h 6703211"/>
-              <a:gd name="connsiteX15" fmla="*/ 3800068 w 4261902"/>
-              <a:gd name="connsiteY15" fmla="*/ 3886641 h 6703211"/>
-              <a:gd name="connsiteX16" fmla="*/ 3712144 w 4261902"/>
-              <a:gd name="connsiteY16" fmla="*/ 5187902 h 6703211"/>
-              <a:gd name="connsiteX17" fmla="*/ 3348812 w 4261902"/>
-              <a:gd name="connsiteY17" fmla="*/ 6679128 h 6703211"/>
-              <a:gd name="connsiteX18" fmla="*/ 2780160 w 4261902"/>
-              <a:gd name="connsiteY18" fmla="*/ 5469256 h 6703211"/>
-              <a:gd name="connsiteX19" fmla="*/ 2530507 w 4261902"/>
-              <a:gd name="connsiteY19" fmla="*/ 4272264 h 6703211"/>
-              <a:gd name="connsiteX20" fmla="*/ 2233798 w 4261902"/>
-              <a:gd name="connsiteY20" fmla="*/ 3891347 h 6703211"/>
-              <a:gd name="connsiteX21" fmla="*/ 1857339 w 4261902"/>
-              <a:gd name="connsiteY21" fmla="*/ 3884411 h 6703211"/>
-              <a:gd name="connsiteX22" fmla="*/ 1512829 w 4261902"/>
-              <a:gd name="connsiteY22" fmla="*/ 4211337 h 6703211"/>
-              <a:gd name="connsiteX23" fmla="*/ 1338221 w 4261902"/>
-              <a:gd name="connsiteY23" fmla="*/ 5135149 h 6703211"/>
-              <a:gd name="connsiteX24" fmla="*/ 1127206 w 4261902"/>
-              <a:gd name="connsiteY24" fmla="*/ 6137472 h 6703211"/>
-              <a:gd name="connsiteX25" fmla="*/ 845852 w 4261902"/>
-              <a:gd name="connsiteY25" fmla="*/ 6700179 h 6703211"/>
-              <a:gd name="connsiteX26" fmla="*/ 652421 w 4261902"/>
-              <a:gd name="connsiteY26" fmla="*/ 6330902 h 6703211"/>
-              <a:gd name="connsiteX0" fmla="*/ 652421 w 4264883"/>
-              <a:gd name="connsiteY0" fmla="*/ 6330902 h 6703211"/>
-              <a:gd name="connsiteX1" fmla="*/ 494160 w 4264883"/>
-              <a:gd name="connsiteY1" fmla="*/ 5434087 h 6703211"/>
-              <a:gd name="connsiteX2" fmla="*/ 388652 w 4264883"/>
-              <a:gd name="connsiteY2" fmla="*/ 4115241 h 6703211"/>
-              <a:gd name="connsiteX3" fmla="*/ 398063 w 4264883"/>
-              <a:gd name="connsiteY3" fmla="*/ 3104745 h 6703211"/>
-              <a:gd name="connsiteX4" fmla="*/ 177637 w 4264883"/>
-              <a:gd name="connsiteY4" fmla="*/ 2356779 h 6703211"/>
-              <a:gd name="connsiteX5" fmla="*/ 1791 w 4264883"/>
-              <a:gd name="connsiteY5" fmla="*/ 1248949 h 6703211"/>
-              <a:gd name="connsiteX6" fmla="*/ 142468 w 4264883"/>
-              <a:gd name="connsiteY6" fmla="*/ 299379 h 6703211"/>
-              <a:gd name="connsiteX7" fmla="*/ 881021 w 4264883"/>
-              <a:gd name="connsiteY7" fmla="*/ 441 h 6703211"/>
-              <a:gd name="connsiteX8" fmla="*/ 2147114 w 4264883"/>
-              <a:gd name="connsiteY8" fmla="*/ 229041 h 6703211"/>
-              <a:gd name="connsiteX9" fmla="*/ 2850498 w 4264883"/>
-              <a:gd name="connsiteY9" fmla="*/ 88364 h 6703211"/>
-              <a:gd name="connsiteX10" fmla="*/ 3465960 w 4264883"/>
-              <a:gd name="connsiteY10" fmla="*/ 18025 h 6703211"/>
-              <a:gd name="connsiteX11" fmla="*/ 3977152 w 4264883"/>
-              <a:gd name="connsiteY11" fmla="*/ 184460 h 6703211"/>
-              <a:gd name="connsiteX12" fmla="*/ 4257268 w 4264883"/>
-              <a:gd name="connsiteY12" fmla="*/ 967595 h 6703211"/>
-              <a:gd name="connsiteX13" fmla="*/ 4151760 w 4264883"/>
-              <a:gd name="connsiteY13" fmla="*/ 2128179 h 6703211"/>
-              <a:gd name="connsiteX14" fmla="*/ 3800068 w 4264883"/>
-              <a:gd name="connsiteY14" fmla="*/ 3085922 h 6703211"/>
-              <a:gd name="connsiteX15" fmla="*/ 3800068 w 4264883"/>
-              <a:gd name="connsiteY15" fmla="*/ 3886641 h 6703211"/>
-              <a:gd name="connsiteX16" fmla="*/ 3712144 w 4264883"/>
-              <a:gd name="connsiteY16" fmla="*/ 5187902 h 6703211"/>
-              <a:gd name="connsiteX17" fmla="*/ 3348812 w 4264883"/>
-              <a:gd name="connsiteY17" fmla="*/ 6679128 h 6703211"/>
-              <a:gd name="connsiteX18" fmla="*/ 2780160 w 4264883"/>
-              <a:gd name="connsiteY18" fmla="*/ 5469256 h 6703211"/>
-              <a:gd name="connsiteX19" fmla="*/ 2530507 w 4264883"/>
-              <a:gd name="connsiteY19" fmla="*/ 4272264 h 6703211"/>
-              <a:gd name="connsiteX20" fmla="*/ 2233798 w 4264883"/>
-              <a:gd name="connsiteY20" fmla="*/ 3891347 h 6703211"/>
-              <a:gd name="connsiteX21" fmla="*/ 1857339 w 4264883"/>
-              <a:gd name="connsiteY21" fmla="*/ 3884411 h 6703211"/>
-              <a:gd name="connsiteX22" fmla="*/ 1512829 w 4264883"/>
-              <a:gd name="connsiteY22" fmla="*/ 4211337 h 6703211"/>
-              <a:gd name="connsiteX23" fmla="*/ 1338221 w 4264883"/>
-              <a:gd name="connsiteY23" fmla="*/ 5135149 h 6703211"/>
-              <a:gd name="connsiteX24" fmla="*/ 1127206 w 4264883"/>
-              <a:gd name="connsiteY24" fmla="*/ 6137472 h 6703211"/>
-              <a:gd name="connsiteX25" fmla="*/ 845852 w 4264883"/>
-              <a:gd name="connsiteY25" fmla="*/ 6700179 h 6703211"/>
-              <a:gd name="connsiteX26" fmla="*/ 652421 w 4264883"/>
-              <a:gd name="connsiteY26" fmla="*/ 6330902 h 6703211"/>
-              <a:gd name="connsiteX0" fmla="*/ 652421 w 4261876"/>
-              <a:gd name="connsiteY0" fmla="*/ 6330902 h 6703211"/>
-              <a:gd name="connsiteX1" fmla="*/ 494160 w 4261876"/>
-              <a:gd name="connsiteY1" fmla="*/ 5434087 h 6703211"/>
-              <a:gd name="connsiteX2" fmla="*/ 388652 w 4261876"/>
-              <a:gd name="connsiteY2" fmla="*/ 4115241 h 6703211"/>
-              <a:gd name="connsiteX3" fmla="*/ 398063 w 4261876"/>
-              <a:gd name="connsiteY3" fmla="*/ 3104745 h 6703211"/>
-              <a:gd name="connsiteX4" fmla="*/ 177637 w 4261876"/>
-              <a:gd name="connsiteY4" fmla="*/ 2356779 h 6703211"/>
-              <a:gd name="connsiteX5" fmla="*/ 1791 w 4261876"/>
-              <a:gd name="connsiteY5" fmla="*/ 1248949 h 6703211"/>
-              <a:gd name="connsiteX6" fmla="*/ 142468 w 4261876"/>
-              <a:gd name="connsiteY6" fmla="*/ 299379 h 6703211"/>
-              <a:gd name="connsiteX7" fmla="*/ 881021 w 4261876"/>
-              <a:gd name="connsiteY7" fmla="*/ 441 h 6703211"/>
-              <a:gd name="connsiteX8" fmla="*/ 2147114 w 4261876"/>
-              <a:gd name="connsiteY8" fmla="*/ 229041 h 6703211"/>
-              <a:gd name="connsiteX9" fmla="*/ 2850498 w 4261876"/>
-              <a:gd name="connsiteY9" fmla="*/ 88364 h 6703211"/>
-              <a:gd name="connsiteX10" fmla="*/ 3465960 w 4261876"/>
-              <a:gd name="connsiteY10" fmla="*/ 18025 h 6703211"/>
-              <a:gd name="connsiteX11" fmla="*/ 3977152 w 4261876"/>
-              <a:gd name="connsiteY11" fmla="*/ 184460 h 6703211"/>
-              <a:gd name="connsiteX12" fmla="*/ 4257268 w 4261876"/>
-              <a:gd name="connsiteY12" fmla="*/ 967595 h 6703211"/>
-              <a:gd name="connsiteX13" fmla="*/ 4126002 w 4261876"/>
-              <a:gd name="connsiteY13" fmla="*/ 2269846 h 6703211"/>
-              <a:gd name="connsiteX14" fmla="*/ 3800068 w 4261876"/>
-              <a:gd name="connsiteY14" fmla="*/ 3085922 h 6703211"/>
-              <a:gd name="connsiteX15" fmla="*/ 3800068 w 4261876"/>
-              <a:gd name="connsiteY15" fmla="*/ 3886641 h 6703211"/>
-              <a:gd name="connsiteX16" fmla="*/ 3712144 w 4261876"/>
-              <a:gd name="connsiteY16" fmla="*/ 5187902 h 6703211"/>
-              <a:gd name="connsiteX17" fmla="*/ 3348812 w 4261876"/>
-              <a:gd name="connsiteY17" fmla="*/ 6679128 h 6703211"/>
-              <a:gd name="connsiteX18" fmla="*/ 2780160 w 4261876"/>
-              <a:gd name="connsiteY18" fmla="*/ 5469256 h 6703211"/>
-              <a:gd name="connsiteX19" fmla="*/ 2530507 w 4261876"/>
-              <a:gd name="connsiteY19" fmla="*/ 4272264 h 6703211"/>
-              <a:gd name="connsiteX20" fmla="*/ 2233798 w 4261876"/>
-              <a:gd name="connsiteY20" fmla="*/ 3891347 h 6703211"/>
-              <a:gd name="connsiteX21" fmla="*/ 1857339 w 4261876"/>
-              <a:gd name="connsiteY21" fmla="*/ 3884411 h 6703211"/>
-              <a:gd name="connsiteX22" fmla="*/ 1512829 w 4261876"/>
-              <a:gd name="connsiteY22" fmla="*/ 4211337 h 6703211"/>
-              <a:gd name="connsiteX23" fmla="*/ 1338221 w 4261876"/>
-              <a:gd name="connsiteY23" fmla="*/ 5135149 h 6703211"/>
-              <a:gd name="connsiteX24" fmla="*/ 1127206 w 4261876"/>
-              <a:gd name="connsiteY24" fmla="*/ 6137472 h 6703211"/>
-              <a:gd name="connsiteX25" fmla="*/ 845852 w 4261876"/>
-              <a:gd name="connsiteY25" fmla="*/ 6700179 h 6703211"/>
-              <a:gd name="connsiteX26" fmla="*/ 652421 w 4261876"/>
-              <a:gd name="connsiteY26" fmla="*/ 6330902 h 6703211"/>
-              <a:gd name="connsiteX0" fmla="*/ 652421 w 4261876"/>
-              <a:gd name="connsiteY0" fmla="*/ 6330895 h 6703204"/>
-              <a:gd name="connsiteX1" fmla="*/ 494160 w 4261876"/>
-              <a:gd name="connsiteY1" fmla="*/ 5434080 h 6703204"/>
-              <a:gd name="connsiteX2" fmla="*/ 388652 w 4261876"/>
-              <a:gd name="connsiteY2" fmla="*/ 4115234 h 6703204"/>
-              <a:gd name="connsiteX3" fmla="*/ 398063 w 4261876"/>
-              <a:gd name="connsiteY3" fmla="*/ 3104738 h 6703204"/>
-              <a:gd name="connsiteX4" fmla="*/ 177637 w 4261876"/>
-              <a:gd name="connsiteY4" fmla="*/ 2356772 h 6703204"/>
-              <a:gd name="connsiteX5" fmla="*/ 1791 w 4261876"/>
-              <a:gd name="connsiteY5" fmla="*/ 1248942 h 6703204"/>
-              <a:gd name="connsiteX6" fmla="*/ 142468 w 4261876"/>
-              <a:gd name="connsiteY6" fmla="*/ 299372 h 6703204"/>
-              <a:gd name="connsiteX7" fmla="*/ 881021 w 4261876"/>
-              <a:gd name="connsiteY7" fmla="*/ 434 h 6703204"/>
-              <a:gd name="connsiteX8" fmla="*/ 2147114 w 4261876"/>
-              <a:gd name="connsiteY8" fmla="*/ 229034 h 6703204"/>
-              <a:gd name="connsiteX9" fmla="*/ 2811861 w 4261876"/>
-              <a:gd name="connsiteY9" fmla="*/ 62599 h 6703204"/>
-              <a:gd name="connsiteX10" fmla="*/ 3465960 w 4261876"/>
-              <a:gd name="connsiteY10" fmla="*/ 18018 h 6703204"/>
-              <a:gd name="connsiteX11" fmla="*/ 3977152 w 4261876"/>
-              <a:gd name="connsiteY11" fmla="*/ 184453 h 6703204"/>
-              <a:gd name="connsiteX12" fmla="*/ 4257268 w 4261876"/>
-              <a:gd name="connsiteY12" fmla="*/ 967588 h 6703204"/>
-              <a:gd name="connsiteX13" fmla="*/ 4126002 w 4261876"/>
-              <a:gd name="connsiteY13" fmla="*/ 2269839 h 6703204"/>
-              <a:gd name="connsiteX14" fmla="*/ 3800068 w 4261876"/>
-              <a:gd name="connsiteY14" fmla="*/ 3085915 h 6703204"/>
-              <a:gd name="connsiteX15" fmla="*/ 3800068 w 4261876"/>
-              <a:gd name="connsiteY15" fmla="*/ 3886634 h 6703204"/>
-              <a:gd name="connsiteX16" fmla="*/ 3712144 w 4261876"/>
-              <a:gd name="connsiteY16" fmla="*/ 5187895 h 6703204"/>
-              <a:gd name="connsiteX17" fmla="*/ 3348812 w 4261876"/>
-              <a:gd name="connsiteY17" fmla="*/ 6679121 h 6703204"/>
-              <a:gd name="connsiteX18" fmla="*/ 2780160 w 4261876"/>
-              <a:gd name="connsiteY18" fmla="*/ 5469249 h 6703204"/>
-              <a:gd name="connsiteX19" fmla="*/ 2530507 w 4261876"/>
-              <a:gd name="connsiteY19" fmla="*/ 4272257 h 6703204"/>
-              <a:gd name="connsiteX20" fmla="*/ 2233798 w 4261876"/>
-              <a:gd name="connsiteY20" fmla="*/ 3891340 h 6703204"/>
-              <a:gd name="connsiteX21" fmla="*/ 1857339 w 4261876"/>
-              <a:gd name="connsiteY21" fmla="*/ 3884404 h 6703204"/>
-              <a:gd name="connsiteX22" fmla="*/ 1512829 w 4261876"/>
-              <a:gd name="connsiteY22" fmla="*/ 4211330 h 6703204"/>
-              <a:gd name="connsiteX23" fmla="*/ 1338221 w 4261876"/>
-              <a:gd name="connsiteY23" fmla="*/ 5135142 h 6703204"/>
-              <a:gd name="connsiteX24" fmla="*/ 1127206 w 4261876"/>
-              <a:gd name="connsiteY24" fmla="*/ 6137465 h 6703204"/>
-              <a:gd name="connsiteX25" fmla="*/ 845852 w 4261876"/>
-              <a:gd name="connsiteY25" fmla="*/ 6700172 h 6703204"/>
-              <a:gd name="connsiteX26" fmla="*/ 652421 w 4261876"/>
-              <a:gd name="connsiteY26" fmla="*/ 6330895 h 6703204"/>
-              <a:gd name="connsiteX0" fmla="*/ 652421 w 4261876"/>
-              <a:gd name="connsiteY0" fmla="*/ 6331638 h 6703947"/>
-              <a:gd name="connsiteX1" fmla="*/ 494160 w 4261876"/>
-              <a:gd name="connsiteY1" fmla="*/ 5434823 h 6703947"/>
-              <a:gd name="connsiteX2" fmla="*/ 388652 w 4261876"/>
-              <a:gd name="connsiteY2" fmla="*/ 4115977 h 6703947"/>
-              <a:gd name="connsiteX3" fmla="*/ 398063 w 4261876"/>
-              <a:gd name="connsiteY3" fmla="*/ 3105481 h 6703947"/>
-              <a:gd name="connsiteX4" fmla="*/ 177637 w 4261876"/>
-              <a:gd name="connsiteY4" fmla="*/ 2357515 h 6703947"/>
-              <a:gd name="connsiteX5" fmla="*/ 1791 w 4261876"/>
-              <a:gd name="connsiteY5" fmla="*/ 1249685 h 6703947"/>
-              <a:gd name="connsiteX6" fmla="*/ 142468 w 4261876"/>
-              <a:gd name="connsiteY6" fmla="*/ 300115 h 6703947"/>
-              <a:gd name="connsiteX7" fmla="*/ 881021 w 4261876"/>
-              <a:gd name="connsiteY7" fmla="*/ 1177 h 6703947"/>
-              <a:gd name="connsiteX8" fmla="*/ 2121357 w 4261876"/>
-              <a:gd name="connsiteY8" fmla="*/ 191140 h 6703947"/>
-              <a:gd name="connsiteX9" fmla="*/ 2811861 w 4261876"/>
-              <a:gd name="connsiteY9" fmla="*/ 63342 h 6703947"/>
-              <a:gd name="connsiteX10" fmla="*/ 3465960 w 4261876"/>
-              <a:gd name="connsiteY10" fmla="*/ 18761 h 6703947"/>
-              <a:gd name="connsiteX11" fmla="*/ 3977152 w 4261876"/>
-              <a:gd name="connsiteY11" fmla="*/ 185196 h 6703947"/>
-              <a:gd name="connsiteX12" fmla="*/ 4257268 w 4261876"/>
-              <a:gd name="connsiteY12" fmla="*/ 968331 h 6703947"/>
-              <a:gd name="connsiteX13" fmla="*/ 4126002 w 4261876"/>
-              <a:gd name="connsiteY13" fmla="*/ 2270582 h 6703947"/>
-              <a:gd name="connsiteX14" fmla="*/ 3800068 w 4261876"/>
-              <a:gd name="connsiteY14" fmla="*/ 3086658 h 6703947"/>
-              <a:gd name="connsiteX15" fmla="*/ 3800068 w 4261876"/>
-              <a:gd name="connsiteY15" fmla="*/ 3887377 h 6703947"/>
-              <a:gd name="connsiteX16" fmla="*/ 3712144 w 4261876"/>
-              <a:gd name="connsiteY16" fmla="*/ 5188638 h 6703947"/>
-              <a:gd name="connsiteX17" fmla="*/ 3348812 w 4261876"/>
-              <a:gd name="connsiteY17" fmla="*/ 6679864 h 6703947"/>
-              <a:gd name="connsiteX18" fmla="*/ 2780160 w 4261876"/>
-              <a:gd name="connsiteY18" fmla="*/ 5469992 h 6703947"/>
-              <a:gd name="connsiteX19" fmla="*/ 2530507 w 4261876"/>
-              <a:gd name="connsiteY19" fmla="*/ 4273000 h 6703947"/>
-              <a:gd name="connsiteX20" fmla="*/ 2233798 w 4261876"/>
-              <a:gd name="connsiteY20" fmla="*/ 3892083 h 6703947"/>
-              <a:gd name="connsiteX21" fmla="*/ 1857339 w 4261876"/>
-              <a:gd name="connsiteY21" fmla="*/ 3885147 h 6703947"/>
-              <a:gd name="connsiteX22" fmla="*/ 1512829 w 4261876"/>
-              <a:gd name="connsiteY22" fmla="*/ 4212073 h 6703947"/>
-              <a:gd name="connsiteX23" fmla="*/ 1338221 w 4261876"/>
-              <a:gd name="connsiteY23" fmla="*/ 5135885 h 6703947"/>
-              <a:gd name="connsiteX24" fmla="*/ 1127206 w 4261876"/>
-              <a:gd name="connsiteY24" fmla="*/ 6138208 h 6703947"/>
-              <a:gd name="connsiteX25" fmla="*/ 845852 w 4261876"/>
-              <a:gd name="connsiteY25" fmla="*/ 6700915 h 6703947"/>
-              <a:gd name="connsiteX26" fmla="*/ 652421 w 4261876"/>
-              <a:gd name="connsiteY26" fmla="*/ 6331638 h 6703947"/>
-              <a:gd name="connsiteX0" fmla="*/ 652421 w 4257613"/>
-              <a:gd name="connsiteY0" fmla="*/ 6331638 h 6703947"/>
-              <a:gd name="connsiteX1" fmla="*/ 494160 w 4257613"/>
-              <a:gd name="connsiteY1" fmla="*/ 5434823 h 6703947"/>
-              <a:gd name="connsiteX2" fmla="*/ 388652 w 4257613"/>
-              <a:gd name="connsiteY2" fmla="*/ 4115977 h 6703947"/>
-              <a:gd name="connsiteX3" fmla="*/ 398063 w 4257613"/>
-              <a:gd name="connsiteY3" fmla="*/ 3105481 h 6703947"/>
-              <a:gd name="connsiteX4" fmla="*/ 177637 w 4257613"/>
-              <a:gd name="connsiteY4" fmla="*/ 2357515 h 6703947"/>
-              <a:gd name="connsiteX5" fmla="*/ 1791 w 4257613"/>
-              <a:gd name="connsiteY5" fmla="*/ 1249685 h 6703947"/>
-              <a:gd name="connsiteX6" fmla="*/ 142468 w 4257613"/>
-              <a:gd name="connsiteY6" fmla="*/ 300115 h 6703947"/>
-              <a:gd name="connsiteX7" fmla="*/ 881021 w 4257613"/>
-              <a:gd name="connsiteY7" fmla="*/ 1177 h 6703947"/>
-              <a:gd name="connsiteX8" fmla="*/ 2121357 w 4257613"/>
-              <a:gd name="connsiteY8" fmla="*/ 191140 h 6703947"/>
-              <a:gd name="connsiteX9" fmla="*/ 2811861 w 4257613"/>
-              <a:gd name="connsiteY9" fmla="*/ 63342 h 6703947"/>
-              <a:gd name="connsiteX10" fmla="*/ 3465960 w 4257613"/>
-              <a:gd name="connsiteY10" fmla="*/ 18761 h 6703947"/>
-              <a:gd name="connsiteX11" fmla="*/ 4093061 w 4257613"/>
-              <a:gd name="connsiteY11" fmla="*/ 236711 h 6703947"/>
-              <a:gd name="connsiteX12" fmla="*/ 4257268 w 4257613"/>
-              <a:gd name="connsiteY12" fmla="*/ 968331 h 6703947"/>
-              <a:gd name="connsiteX13" fmla="*/ 4126002 w 4257613"/>
-              <a:gd name="connsiteY13" fmla="*/ 2270582 h 6703947"/>
-              <a:gd name="connsiteX14" fmla="*/ 3800068 w 4257613"/>
-              <a:gd name="connsiteY14" fmla="*/ 3086658 h 6703947"/>
-              <a:gd name="connsiteX15" fmla="*/ 3800068 w 4257613"/>
-              <a:gd name="connsiteY15" fmla="*/ 3887377 h 6703947"/>
-              <a:gd name="connsiteX16" fmla="*/ 3712144 w 4257613"/>
-              <a:gd name="connsiteY16" fmla="*/ 5188638 h 6703947"/>
-              <a:gd name="connsiteX17" fmla="*/ 3348812 w 4257613"/>
-              <a:gd name="connsiteY17" fmla="*/ 6679864 h 6703947"/>
-              <a:gd name="connsiteX18" fmla="*/ 2780160 w 4257613"/>
-              <a:gd name="connsiteY18" fmla="*/ 5469992 h 6703947"/>
-              <a:gd name="connsiteX19" fmla="*/ 2530507 w 4257613"/>
-              <a:gd name="connsiteY19" fmla="*/ 4273000 h 6703947"/>
-              <a:gd name="connsiteX20" fmla="*/ 2233798 w 4257613"/>
-              <a:gd name="connsiteY20" fmla="*/ 3892083 h 6703947"/>
-              <a:gd name="connsiteX21" fmla="*/ 1857339 w 4257613"/>
-              <a:gd name="connsiteY21" fmla="*/ 3885147 h 6703947"/>
-              <a:gd name="connsiteX22" fmla="*/ 1512829 w 4257613"/>
-              <a:gd name="connsiteY22" fmla="*/ 4212073 h 6703947"/>
-              <a:gd name="connsiteX23" fmla="*/ 1338221 w 4257613"/>
-              <a:gd name="connsiteY23" fmla="*/ 5135885 h 6703947"/>
-              <a:gd name="connsiteX24" fmla="*/ 1127206 w 4257613"/>
-              <a:gd name="connsiteY24" fmla="*/ 6138208 h 6703947"/>
-              <a:gd name="connsiteX25" fmla="*/ 845852 w 4257613"/>
-              <a:gd name="connsiteY25" fmla="*/ 6700915 h 6703947"/>
-              <a:gd name="connsiteX26" fmla="*/ 652421 w 4257613"/>
-              <a:gd name="connsiteY26" fmla="*/ 6331638 h 6703947"/>
-              <a:gd name="connsiteX0" fmla="*/ 652421 w 4258651"/>
-              <a:gd name="connsiteY0" fmla="*/ 6331638 h 6703947"/>
-              <a:gd name="connsiteX1" fmla="*/ 494160 w 4258651"/>
-              <a:gd name="connsiteY1" fmla="*/ 5434823 h 6703947"/>
-              <a:gd name="connsiteX2" fmla="*/ 388652 w 4258651"/>
-              <a:gd name="connsiteY2" fmla="*/ 4115977 h 6703947"/>
-              <a:gd name="connsiteX3" fmla="*/ 398063 w 4258651"/>
-              <a:gd name="connsiteY3" fmla="*/ 3105481 h 6703947"/>
-              <a:gd name="connsiteX4" fmla="*/ 177637 w 4258651"/>
-              <a:gd name="connsiteY4" fmla="*/ 2357515 h 6703947"/>
-              <a:gd name="connsiteX5" fmla="*/ 1791 w 4258651"/>
-              <a:gd name="connsiteY5" fmla="*/ 1249685 h 6703947"/>
-              <a:gd name="connsiteX6" fmla="*/ 142468 w 4258651"/>
-              <a:gd name="connsiteY6" fmla="*/ 300115 h 6703947"/>
-              <a:gd name="connsiteX7" fmla="*/ 881021 w 4258651"/>
-              <a:gd name="connsiteY7" fmla="*/ 1177 h 6703947"/>
-              <a:gd name="connsiteX8" fmla="*/ 2121357 w 4258651"/>
-              <a:gd name="connsiteY8" fmla="*/ 191140 h 6703947"/>
-              <a:gd name="connsiteX9" fmla="*/ 2811861 w 4258651"/>
-              <a:gd name="connsiteY9" fmla="*/ 63342 h 6703947"/>
-              <a:gd name="connsiteX10" fmla="*/ 3465960 w 4258651"/>
-              <a:gd name="connsiteY10" fmla="*/ 18761 h 6703947"/>
-              <a:gd name="connsiteX11" fmla="*/ 4054425 w 4258651"/>
-              <a:gd name="connsiteY11" fmla="*/ 236711 h 6703947"/>
-              <a:gd name="connsiteX12" fmla="*/ 4257268 w 4258651"/>
-              <a:gd name="connsiteY12" fmla="*/ 968331 h 6703947"/>
-              <a:gd name="connsiteX13" fmla="*/ 4126002 w 4258651"/>
-              <a:gd name="connsiteY13" fmla="*/ 2270582 h 6703947"/>
-              <a:gd name="connsiteX14" fmla="*/ 3800068 w 4258651"/>
-              <a:gd name="connsiteY14" fmla="*/ 3086658 h 6703947"/>
-              <a:gd name="connsiteX15" fmla="*/ 3800068 w 4258651"/>
-              <a:gd name="connsiteY15" fmla="*/ 3887377 h 6703947"/>
-              <a:gd name="connsiteX16" fmla="*/ 3712144 w 4258651"/>
-              <a:gd name="connsiteY16" fmla="*/ 5188638 h 6703947"/>
-              <a:gd name="connsiteX17" fmla="*/ 3348812 w 4258651"/>
-              <a:gd name="connsiteY17" fmla="*/ 6679864 h 6703947"/>
-              <a:gd name="connsiteX18" fmla="*/ 2780160 w 4258651"/>
-              <a:gd name="connsiteY18" fmla="*/ 5469992 h 6703947"/>
-              <a:gd name="connsiteX19" fmla="*/ 2530507 w 4258651"/>
-              <a:gd name="connsiteY19" fmla="*/ 4273000 h 6703947"/>
-              <a:gd name="connsiteX20" fmla="*/ 2233798 w 4258651"/>
-              <a:gd name="connsiteY20" fmla="*/ 3892083 h 6703947"/>
-              <a:gd name="connsiteX21" fmla="*/ 1857339 w 4258651"/>
-              <a:gd name="connsiteY21" fmla="*/ 3885147 h 6703947"/>
-              <a:gd name="connsiteX22" fmla="*/ 1512829 w 4258651"/>
-              <a:gd name="connsiteY22" fmla="*/ 4212073 h 6703947"/>
-              <a:gd name="connsiteX23" fmla="*/ 1338221 w 4258651"/>
-              <a:gd name="connsiteY23" fmla="*/ 5135885 h 6703947"/>
-              <a:gd name="connsiteX24" fmla="*/ 1127206 w 4258651"/>
-              <a:gd name="connsiteY24" fmla="*/ 6138208 h 6703947"/>
-              <a:gd name="connsiteX25" fmla="*/ 845852 w 4258651"/>
-              <a:gd name="connsiteY25" fmla="*/ 6700915 h 6703947"/>
-              <a:gd name="connsiteX26" fmla="*/ 652421 w 4258651"/>
-              <a:gd name="connsiteY26" fmla="*/ 6331638 h 6703947"/>
-              <a:gd name="connsiteX0" fmla="*/ 652421 w 4258651"/>
-              <a:gd name="connsiteY0" fmla="*/ 6331638 h 6703947"/>
-              <a:gd name="connsiteX1" fmla="*/ 494160 w 4258651"/>
-              <a:gd name="connsiteY1" fmla="*/ 5434823 h 6703947"/>
-              <a:gd name="connsiteX2" fmla="*/ 388652 w 4258651"/>
-              <a:gd name="connsiteY2" fmla="*/ 4115977 h 6703947"/>
-              <a:gd name="connsiteX3" fmla="*/ 398063 w 4258651"/>
-              <a:gd name="connsiteY3" fmla="*/ 3105481 h 6703947"/>
-              <a:gd name="connsiteX4" fmla="*/ 177637 w 4258651"/>
-              <a:gd name="connsiteY4" fmla="*/ 2357515 h 6703947"/>
-              <a:gd name="connsiteX5" fmla="*/ 1791 w 4258651"/>
-              <a:gd name="connsiteY5" fmla="*/ 1249685 h 6703947"/>
-              <a:gd name="connsiteX6" fmla="*/ 142468 w 4258651"/>
-              <a:gd name="connsiteY6" fmla="*/ 300115 h 6703947"/>
-              <a:gd name="connsiteX7" fmla="*/ 881021 w 4258651"/>
-              <a:gd name="connsiteY7" fmla="*/ 1177 h 6703947"/>
-              <a:gd name="connsiteX8" fmla="*/ 2121357 w 4258651"/>
-              <a:gd name="connsiteY8" fmla="*/ 191140 h 6703947"/>
-              <a:gd name="connsiteX9" fmla="*/ 2811861 w 4258651"/>
-              <a:gd name="connsiteY9" fmla="*/ 63342 h 6703947"/>
-              <a:gd name="connsiteX10" fmla="*/ 3465960 w 4258651"/>
-              <a:gd name="connsiteY10" fmla="*/ 18761 h 6703947"/>
-              <a:gd name="connsiteX11" fmla="*/ 4054425 w 4258651"/>
-              <a:gd name="connsiteY11" fmla="*/ 236711 h 6703947"/>
-              <a:gd name="connsiteX12" fmla="*/ 4257268 w 4258651"/>
-              <a:gd name="connsiteY12" fmla="*/ 968331 h 6703947"/>
-              <a:gd name="connsiteX13" fmla="*/ 4126002 w 4258651"/>
-              <a:gd name="connsiteY13" fmla="*/ 2270582 h 6703947"/>
-              <a:gd name="connsiteX14" fmla="*/ 3800068 w 4258651"/>
-              <a:gd name="connsiteY14" fmla="*/ 3086658 h 6703947"/>
-              <a:gd name="connsiteX15" fmla="*/ 3800068 w 4258651"/>
-              <a:gd name="connsiteY15" fmla="*/ 3887377 h 6703947"/>
-              <a:gd name="connsiteX16" fmla="*/ 3712144 w 4258651"/>
-              <a:gd name="connsiteY16" fmla="*/ 5188638 h 6703947"/>
-              <a:gd name="connsiteX17" fmla="*/ 3348812 w 4258651"/>
-              <a:gd name="connsiteY17" fmla="*/ 6679864 h 6703947"/>
-              <a:gd name="connsiteX18" fmla="*/ 2780160 w 4258651"/>
-              <a:gd name="connsiteY18" fmla="*/ 5469992 h 6703947"/>
-              <a:gd name="connsiteX19" fmla="*/ 2530507 w 4258651"/>
-              <a:gd name="connsiteY19" fmla="*/ 4273000 h 6703947"/>
-              <a:gd name="connsiteX20" fmla="*/ 2272435 w 4258651"/>
-              <a:gd name="connsiteY20" fmla="*/ 3892083 h 6703947"/>
-              <a:gd name="connsiteX21" fmla="*/ 1857339 w 4258651"/>
-              <a:gd name="connsiteY21" fmla="*/ 3885147 h 6703947"/>
-              <a:gd name="connsiteX22" fmla="*/ 1512829 w 4258651"/>
-              <a:gd name="connsiteY22" fmla="*/ 4212073 h 6703947"/>
-              <a:gd name="connsiteX23" fmla="*/ 1338221 w 4258651"/>
-              <a:gd name="connsiteY23" fmla="*/ 5135885 h 6703947"/>
-              <a:gd name="connsiteX24" fmla="*/ 1127206 w 4258651"/>
-              <a:gd name="connsiteY24" fmla="*/ 6138208 h 6703947"/>
-              <a:gd name="connsiteX25" fmla="*/ 845852 w 4258651"/>
-              <a:gd name="connsiteY25" fmla="*/ 6700915 h 6703947"/>
-              <a:gd name="connsiteX26" fmla="*/ 652421 w 4258651"/>
-              <a:gd name="connsiteY26" fmla="*/ 6331638 h 6703947"/>
-              <a:gd name="connsiteX0" fmla="*/ 652421 w 4258651"/>
-              <a:gd name="connsiteY0" fmla="*/ 6331638 h 6703947"/>
-              <a:gd name="connsiteX1" fmla="*/ 494160 w 4258651"/>
-              <a:gd name="connsiteY1" fmla="*/ 5434823 h 6703947"/>
-              <a:gd name="connsiteX2" fmla="*/ 388652 w 4258651"/>
-              <a:gd name="connsiteY2" fmla="*/ 4115977 h 6703947"/>
-              <a:gd name="connsiteX3" fmla="*/ 398063 w 4258651"/>
-              <a:gd name="connsiteY3" fmla="*/ 3105481 h 6703947"/>
-              <a:gd name="connsiteX4" fmla="*/ 177637 w 4258651"/>
-              <a:gd name="connsiteY4" fmla="*/ 2357515 h 6703947"/>
-              <a:gd name="connsiteX5" fmla="*/ 1791 w 4258651"/>
-              <a:gd name="connsiteY5" fmla="*/ 1249685 h 6703947"/>
-              <a:gd name="connsiteX6" fmla="*/ 142468 w 4258651"/>
-              <a:gd name="connsiteY6" fmla="*/ 300115 h 6703947"/>
-              <a:gd name="connsiteX7" fmla="*/ 881021 w 4258651"/>
-              <a:gd name="connsiteY7" fmla="*/ 1177 h 6703947"/>
-              <a:gd name="connsiteX8" fmla="*/ 2121357 w 4258651"/>
-              <a:gd name="connsiteY8" fmla="*/ 191140 h 6703947"/>
-              <a:gd name="connsiteX9" fmla="*/ 2811861 w 4258651"/>
-              <a:gd name="connsiteY9" fmla="*/ 63342 h 6703947"/>
-              <a:gd name="connsiteX10" fmla="*/ 3465960 w 4258651"/>
-              <a:gd name="connsiteY10" fmla="*/ 18761 h 6703947"/>
-              <a:gd name="connsiteX11" fmla="*/ 4054425 w 4258651"/>
-              <a:gd name="connsiteY11" fmla="*/ 236711 h 6703947"/>
-              <a:gd name="connsiteX12" fmla="*/ 4257268 w 4258651"/>
-              <a:gd name="connsiteY12" fmla="*/ 968331 h 6703947"/>
-              <a:gd name="connsiteX13" fmla="*/ 4126002 w 4258651"/>
-              <a:gd name="connsiteY13" fmla="*/ 2270582 h 6703947"/>
-              <a:gd name="connsiteX14" fmla="*/ 3800068 w 4258651"/>
-              <a:gd name="connsiteY14" fmla="*/ 3086658 h 6703947"/>
-              <a:gd name="connsiteX15" fmla="*/ 3800068 w 4258651"/>
-              <a:gd name="connsiteY15" fmla="*/ 3887377 h 6703947"/>
-              <a:gd name="connsiteX16" fmla="*/ 3712144 w 4258651"/>
-              <a:gd name="connsiteY16" fmla="*/ 5188638 h 6703947"/>
-              <a:gd name="connsiteX17" fmla="*/ 3348812 w 4258651"/>
-              <a:gd name="connsiteY17" fmla="*/ 6679864 h 6703947"/>
-              <a:gd name="connsiteX18" fmla="*/ 2780160 w 4258651"/>
-              <a:gd name="connsiteY18" fmla="*/ 5469992 h 6703947"/>
-              <a:gd name="connsiteX19" fmla="*/ 2530507 w 4258651"/>
-              <a:gd name="connsiteY19" fmla="*/ 4273000 h 6703947"/>
-              <a:gd name="connsiteX20" fmla="*/ 2272435 w 4258651"/>
-              <a:gd name="connsiteY20" fmla="*/ 3892083 h 6703947"/>
-              <a:gd name="connsiteX21" fmla="*/ 1857339 w 4258651"/>
-              <a:gd name="connsiteY21" fmla="*/ 3885147 h 6703947"/>
-              <a:gd name="connsiteX22" fmla="*/ 1512829 w 4258651"/>
-              <a:gd name="connsiteY22" fmla="*/ 4212073 h 6703947"/>
-              <a:gd name="connsiteX23" fmla="*/ 1338221 w 4258651"/>
-              <a:gd name="connsiteY23" fmla="*/ 5135885 h 6703947"/>
-              <a:gd name="connsiteX24" fmla="*/ 1127206 w 4258651"/>
-              <a:gd name="connsiteY24" fmla="*/ 6138208 h 6703947"/>
-              <a:gd name="connsiteX25" fmla="*/ 845852 w 4258651"/>
-              <a:gd name="connsiteY25" fmla="*/ 6700915 h 6703947"/>
-              <a:gd name="connsiteX26" fmla="*/ 652421 w 4258651"/>
-              <a:gd name="connsiteY26" fmla="*/ 6331638 h 6703947"/>
-              <a:gd name="connsiteX0" fmla="*/ 652421 w 4258651"/>
-              <a:gd name="connsiteY0" fmla="*/ 6331638 h 6703947"/>
-              <a:gd name="connsiteX1" fmla="*/ 494160 w 4258651"/>
-              <a:gd name="connsiteY1" fmla="*/ 5434823 h 6703947"/>
-              <a:gd name="connsiteX2" fmla="*/ 388652 w 4258651"/>
-              <a:gd name="connsiteY2" fmla="*/ 4115977 h 6703947"/>
-              <a:gd name="connsiteX3" fmla="*/ 398063 w 4258651"/>
-              <a:gd name="connsiteY3" fmla="*/ 3105481 h 6703947"/>
-              <a:gd name="connsiteX4" fmla="*/ 177637 w 4258651"/>
-              <a:gd name="connsiteY4" fmla="*/ 2357515 h 6703947"/>
-              <a:gd name="connsiteX5" fmla="*/ 1791 w 4258651"/>
-              <a:gd name="connsiteY5" fmla="*/ 1249685 h 6703947"/>
-              <a:gd name="connsiteX6" fmla="*/ 142468 w 4258651"/>
-              <a:gd name="connsiteY6" fmla="*/ 300115 h 6703947"/>
-              <a:gd name="connsiteX7" fmla="*/ 881021 w 4258651"/>
-              <a:gd name="connsiteY7" fmla="*/ 1177 h 6703947"/>
-              <a:gd name="connsiteX8" fmla="*/ 2121357 w 4258651"/>
-              <a:gd name="connsiteY8" fmla="*/ 191140 h 6703947"/>
-              <a:gd name="connsiteX9" fmla="*/ 2811861 w 4258651"/>
-              <a:gd name="connsiteY9" fmla="*/ 63342 h 6703947"/>
-              <a:gd name="connsiteX10" fmla="*/ 3465960 w 4258651"/>
-              <a:gd name="connsiteY10" fmla="*/ 18761 h 6703947"/>
-              <a:gd name="connsiteX11" fmla="*/ 4054425 w 4258651"/>
-              <a:gd name="connsiteY11" fmla="*/ 236711 h 6703947"/>
-              <a:gd name="connsiteX12" fmla="*/ 4257268 w 4258651"/>
-              <a:gd name="connsiteY12" fmla="*/ 968331 h 6703947"/>
-              <a:gd name="connsiteX13" fmla="*/ 4126002 w 4258651"/>
-              <a:gd name="connsiteY13" fmla="*/ 2270582 h 6703947"/>
-              <a:gd name="connsiteX14" fmla="*/ 3800068 w 4258651"/>
-              <a:gd name="connsiteY14" fmla="*/ 3086658 h 6703947"/>
-              <a:gd name="connsiteX15" fmla="*/ 3800068 w 4258651"/>
-              <a:gd name="connsiteY15" fmla="*/ 3887377 h 6703947"/>
-              <a:gd name="connsiteX16" fmla="*/ 3712144 w 4258651"/>
-              <a:gd name="connsiteY16" fmla="*/ 5188638 h 6703947"/>
-              <a:gd name="connsiteX17" fmla="*/ 3348812 w 4258651"/>
-              <a:gd name="connsiteY17" fmla="*/ 6679864 h 6703947"/>
-              <a:gd name="connsiteX18" fmla="*/ 2780160 w 4258651"/>
-              <a:gd name="connsiteY18" fmla="*/ 5469992 h 6703947"/>
-              <a:gd name="connsiteX19" fmla="*/ 2530507 w 4258651"/>
-              <a:gd name="connsiteY19" fmla="*/ 4273000 h 6703947"/>
-              <a:gd name="connsiteX20" fmla="*/ 2272435 w 4258651"/>
-              <a:gd name="connsiteY20" fmla="*/ 3892083 h 6703947"/>
-              <a:gd name="connsiteX21" fmla="*/ 1857339 w 4258651"/>
-              <a:gd name="connsiteY21" fmla="*/ 3885147 h 6703947"/>
-              <a:gd name="connsiteX22" fmla="*/ 1512829 w 4258651"/>
-              <a:gd name="connsiteY22" fmla="*/ 4212073 h 6703947"/>
-              <a:gd name="connsiteX23" fmla="*/ 1338221 w 4258651"/>
-              <a:gd name="connsiteY23" fmla="*/ 5135885 h 6703947"/>
-              <a:gd name="connsiteX24" fmla="*/ 1127206 w 4258651"/>
-              <a:gd name="connsiteY24" fmla="*/ 6138208 h 6703947"/>
-              <a:gd name="connsiteX25" fmla="*/ 845852 w 4258651"/>
-              <a:gd name="connsiteY25" fmla="*/ 6700915 h 6703947"/>
-              <a:gd name="connsiteX26" fmla="*/ 652421 w 4258651"/>
-              <a:gd name="connsiteY26" fmla="*/ 6331638 h 6703947"/>
-              <a:gd name="connsiteX0" fmla="*/ 652421 w 4258651"/>
-              <a:gd name="connsiteY0" fmla="*/ 6331638 h 6703947"/>
-              <a:gd name="connsiteX1" fmla="*/ 494160 w 4258651"/>
-              <a:gd name="connsiteY1" fmla="*/ 5434823 h 6703947"/>
-              <a:gd name="connsiteX2" fmla="*/ 388652 w 4258651"/>
-              <a:gd name="connsiteY2" fmla="*/ 4115977 h 6703947"/>
-              <a:gd name="connsiteX3" fmla="*/ 398063 w 4258651"/>
-              <a:gd name="connsiteY3" fmla="*/ 3105481 h 6703947"/>
-              <a:gd name="connsiteX4" fmla="*/ 177637 w 4258651"/>
-              <a:gd name="connsiteY4" fmla="*/ 2357515 h 6703947"/>
-              <a:gd name="connsiteX5" fmla="*/ 1791 w 4258651"/>
-              <a:gd name="connsiteY5" fmla="*/ 1249685 h 6703947"/>
-              <a:gd name="connsiteX6" fmla="*/ 142468 w 4258651"/>
-              <a:gd name="connsiteY6" fmla="*/ 300115 h 6703947"/>
-              <a:gd name="connsiteX7" fmla="*/ 881021 w 4258651"/>
-              <a:gd name="connsiteY7" fmla="*/ 1177 h 6703947"/>
-              <a:gd name="connsiteX8" fmla="*/ 2121357 w 4258651"/>
-              <a:gd name="connsiteY8" fmla="*/ 191140 h 6703947"/>
-              <a:gd name="connsiteX9" fmla="*/ 2811861 w 4258651"/>
-              <a:gd name="connsiteY9" fmla="*/ 63342 h 6703947"/>
-              <a:gd name="connsiteX10" fmla="*/ 3465960 w 4258651"/>
-              <a:gd name="connsiteY10" fmla="*/ 18761 h 6703947"/>
-              <a:gd name="connsiteX11" fmla="*/ 4054425 w 4258651"/>
-              <a:gd name="connsiteY11" fmla="*/ 236711 h 6703947"/>
-              <a:gd name="connsiteX12" fmla="*/ 4257268 w 4258651"/>
-              <a:gd name="connsiteY12" fmla="*/ 968331 h 6703947"/>
-              <a:gd name="connsiteX13" fmla="*/ 4126002 w 4258651"/>
-              <a:gd name="connsiteY13" fmla="*/ 2270582 h 6703947"/>
-              <a:gd name="connsiteX14" fmla="*/ 3800068 w 4258651"/>
-              <a:gd name="connsiteY14" fmla="*/ 3086658 h 6703947"/>
-              <a:gd name="connsiteX15" fmla="*/ 3800068 w 4258651"/>
-              <a:gd name="connsiteY15" fmla="*/ 3887377 h 6703947"/>
-              <a:gd name="connsiteX16" fmla="*/ 3712144 w 4258651"/>
-              <a:gd name="connsiteY16" fmla="*/ 5188638 h 6703947"/>
-              <a:gd name="connsiteX17" fmla="*/ 3348812 w 4258651"/>
-              <a:gd name="connsiteY17" fmla="*/ 6679864 h 6703947"/>
-              <a:gd name="connsiteX18" fmla="*/ 2780160 w 4258651"/>
-              <a:gd name="connsiteY18" fmla="*/ 5469992 h 6703947"/>
-              <a:gd name="connsiteX19" fmla="*/ 2530507 w 4258651"/>
-              <a:gd name="connsiteY19" fmla="*/ 4273000 h 6703947"/>
-              <a:gd name="connsiteX20" fmla="*/ 2272435 w 4258651"/>
-              <a:gd name="connsiteY20" fmla="*/ 3892083 h 6703947"/>
-              <a:gd name="connsiteX21" fmla="*/ 1857339 w 4258651"/>
-              <a:gd name="connsiteY21" fmla="*/ 3885147 h 6703947"/>
-              <a:gd name="connsiteX22" fmla="*/ 1512829 w 4258651"/>
-              <a:gd name="connsiteY22" fmla="*/ 4212073 h 6703947"/>
-              <a:gd name="connsiteX23" fmla="*/ 1338221 w 4258651"/>
-              <a:gd name="connsiteY23" fmla="*/ 5135885 h 6703947"/>
-              <a:gd name="connsiteX24" fmla="*/ 1127206 w 4258651"/>
-              <a:gd name="connsiteY24" fmla="*/ 6138208 h 6703947"/>
-              <a:gd name="connsiteX25" fmla="*/ 845852 w 4258651"/>
-              <a:gd name="connsiteY25" fmla="*/ 6700915 h 6703947"/>
-              <a:gd name="connsiteX26" fmla="*/ 652421 w 4258651"/>
-              <a:gd name="connsiteY26" fmla="*/ 6331638 h 6703947"/>
-              <a:gd name="connsiteX0" fmla="*/ 652421 w 4258651"/>
-              <a:gd name="connsiteY0" fmla="*/ 6331638 h 6703947"/>
-              <a:gd name="connsiteX1" fmla="*/ 494160 w 4258651"/>
-              <a:gd name="connsiteY1" fmla="*/ 5434823 h 6703947"/>
-              <a:gd name="connsiteX2" fmla="*/ 388652 w 4258651"/>
-              <a:gd name="connsiteY2" fmla="*/ 4115977 h 6703947"/>
-              <a:gd name="connsiteX3" fmla="*/ 398063 w 4258651"/>
-              <a:gd name="connsiteY3" fmla="*/ 3105481 h 6703947"/>
-              <a:gd name="connsiteX4" fmla="*/ 177637 w 4258651"/>
-              <a:gd name="connsiteY4" fmla="*/ 2357515 h 6703947"/>
-              <a:gd name="connsiteX5" fmla="*/ 1791 w 4258651"/>
-              <a:gd name="connsiteY5" fmla="*/ 1249685 h 6703947"/>
-              <a:gd name="connsiteX6" fmla="*/ 142468 w 4258651"/>
-              <a:gd name="connsiteY6" fmla="*/ 300115 h 6703947"/>
-              <a:gd name="connsiteX7" fmla="*/ 881021 w 4258651"/>
-              <a:gd name="connsiteY7" fmla="*/ 1177 h 6703947"/>
-              <a:gd name="connsiteX8" fmla="*/ 2121357 w 4258651"/>
-              <a:gd name="connsiteY8" fmla="*/ 191140 h 6703947"/>
-              <a:gd name="connsiteX9" fmla="*/ 2811861 w 4258651"/>
-              <a:gd name="connsiteY9" fmla="*/ 63342 h 6703947"/>
-              <a:gd name="connsiteX10" fmla="*/ 3465960 w 4258651"/>
-              <a:gd name="connsiteY10" fmla="*/ 18761 h 6703947"/>
-              <a:gd name="connsiteX11" fmla="*/ 4054425 w 4258651"/>
-              <a:gd name="connsiteY11" fmla="*/ 236711 h 6703947"/>
-              <a:gd name="connsiteX12" fmla="*/ 4257268 w 4258651"/>
-              <a:gd name="connsiteY12" fmla="*/ 968331 h 6703947"/>
-              <a:gd name="connsiteX13" fmla="*/ 4126002 w 4258651"/>
-              <a:gd name="connsiteY13" fmla="*/ 2270582 h 6703947"/>
-              <a:gd name="connsiteX14" fmla="*/ 3800068 w 4258651"/>
-              <a:gd name="connsiteY14" fmla="*/ 3086658 h 6703947"/>
-              <a:gd name="connsiteX15" fmla="*/ 3800068 w 4258651"/>
-              <a:gd name="connsiteY15" fmla="*/ 3887377 h 6703947"/>
-              <a:gd name="connsiteX16" fmla="*/ 3712144 w 4258651"/>
-              <a:gd name="connsiteY16" fmla="*/ 5188638 h 6703947"/>
-              <a:gd name="connsiteX17" fmla="*/ 3348812 w 4258651"/>
-              <a:gd name="connsiteY17" fmla="*/ 6679864 h 6703947"/>
-              <a:gd name="connsiteX18" fmla="*/ 2780160 w 4258651"/>
-              <a:gd name="connsiteY18" fmla="*/ 5469992 h 6703947"/>
-              <a:gd name="connsiteX19" fmla="*/ 2530507 w 4258651"/>
-              <a:gd name="connsiteY19" fmla="*/ 4273000 h 6703947"/>
-              <a:gd name="connsiteX20" fmla="*/ 2272435 w 4258651"/>
-              <a:gd name="connsiteY20" fmla="*/ 3892083 h 6703947"/>
-              <a:gd name="connsiteX21" fmla="*/ 1857339 w 4258651"/>
-              <a:gd name="connsiteY21" fmla="*/ 3885147 h 6703947"/>
-              <a:gd name="connsiteX22" fmla="*/ 1512829 w 4258651"/>
-              <a:gd name="connsiteY22" fmla="*/ 4212073 h 6703947"/>
-              <a:gd name="connsiteX23" fmla="*/ 1338221 w 4258651"/>
-              <a:gd name="connsiteY23" fmla="*/ 5135885 h 6703947"/>
-              <a:gd name="connsiteX24" fmla="*/ 1127206 w 4258651"/>
-              <a:gd name="connsiteY24" fmla="*/ 6138208 h 6703947"/>
-              <a:gd name="connsiteX25" fmla="*/ 845852 w 4258651"/>
-              <a:gd name="connsiteY25" fmla="*/ 6700915 h 6703947"/>
-              <a:gd name="connsiteX26" fmla="*/ 652421 w 4258651"/>
-              <a:gd name="connsiteY26" fmla="*/ 6331638 h 6703947"/>
-              <a:gd name="connsiteX0" fmla="*/ 652421 w 4258651"/>
-              <a:gd name="connsiteY0" fmla="*/ 6331638 h 6703947"/>
-              <a:gd name="connsiteX1" fmla="*/ 494160 w 4258651"/>
-              <a:gd name="connsiteY1" fmla="*/ 5434823 h 6703947"/>
-              <a:gd name="connsiteX2" fmla="*/ 388652 w 4258651"/>
-              <a:gd name="connsiteY2" fmla="*/ 4115977 h 6703947"/>
-              <a:gd name="connsiteX3" fmla="*/ 398063 w 4258651"/>
-              <a:gd name="connsiteY3" fmla="*/ 3105481 h 6703947"/>
-              <a:gd name="connsiteX4" fmla="*/ 177637 w 4258651"/>
-              <a:gd name="connsiteY4" fmla="*/ 2357515 h 6703947"/>
-              <a:gd name="connsiteX5" fmla="*/ 1791 w 4258651"/>
-              <a:gd name="connsiteY5" fmla="*/ 1249685 h 6703947"/>
-              <a:gd name="connsiteX6" fmla="*/ 142468 w 4258651"/>
-              <a:gd name="connsiteY6" fmla="*/ 300115 h 6703947"/>
-              <a:gd name="connsiteX7" fmla="*/ 881021 w 4258651"/>
-              <a:gd name="connsiteY7" fmla="*/ 1177 h 6703947"/>
-              <a:gd name="connsiteX8" fmla="*/ 2121357 w 4258651"/>
-              <a:gd name="connsiteY8" fmla="*/ 191140 h 6703947"/>
-              <a:gd name="connsiteX9" fmla="*/ 2811861 w 4258651"/>
-              <a:gd name="connsiteY9" fmla="*/ 63342 h 6703947"/>
-              <a:gd name="connsiteX10" fmla="*/ 3465960 w 4258651"/>
-              <a:gd name="connsiteY10" fmla="*/ 18761 h 6703947"/>
-              <a:gd name="connsiteX11" fmla="*/ 4054425 w 4258651"/>
-              <a:gd name="connsiteY11" fmla="*/ 236711 h 6703947"/>
-              <a:gd name="connsiteX12" fmla="*/ 4257268 w 4258651"/>
-              <a:gd name="connsiteY12" fmla="*/ 968331 h 6703947"/>
-              <a:gd name="connsiteX13" fmla="*/ 4126002 w 4258651"/>
-              <a:gd name="connsiteY13" fmla="*/ 2270582 h 6703947"/>
-              <a:gd name="connsiteX14" fmla="*/ 3800068 w 4258651"/>
-              <a:gd name="connsiteY14" fmla="*/ 3086658 h 6703947"/>
-              <a:gd name="connsiteX15" fmla="*/ 3800068 w 4258651"/>
-              <a:gd name="connsiteY15" fmla="*/ 3887377 h 6703947"/>
-              <a:gd name="connsiteX16" fmla="*/ 3712144 w 4258651"/>
-              <a:gd name="connsiteY16" fmla="*/ 5188638 h 6703947"/>
-              <a:gd name="connsiteX17" fmla="*/ 3348812 w 4258651"/>
-              <a:gd name="connsiteY17" fmla="*/ 6679864 h 6703947"/>
-              <a:gd name="connsiteX18" fmla="*/ 2780160 w 4258651"/>
-              <a:gd name="connsiteY18" fmla="*/ 5469992 h 6703947"/>
-              <a:gd name="connsiteX19" fmla="*/ 2530507 w 4258651"/>
-              <a:gd name="connsiteY19" fmla="*/ 4273000 h 6703947"/>
-              <a:gd name="connsiteX20" fmla="*/ 2272435 w 4258651"/>
-              <a:gd name="connsiteY20" fmla="*/ 3892083 h 6703947"/>
-              <a:gd name="connsiteX21" fmla="*/ 1857339 w 4258651"/>
-              <a:gd name="connsiteY21" fmla="*/ 3885147 h 6703947"/>
-              <a:gd name="connsiteX22" fmla="*/ 1512829 w 4258651"/>
-              <a:gd name="connsiteY22" fmla="*/ 4212073 h 6703947"/>
-              <a:gd name="connsiteX23" fmla="*/ 1338221 w 4258651"/>
-              <a:gd name="connsiteY23" fmla="*/ 5135885 h 6703947"/>
-              <a:gd name="connsiteX24" fmla="*/ 1127206 w 4258651"/>
-              <a:gd name="connsiteY24" fmla="*/ 6138208 h 6703947"/>
-              <a:gd name="connsiteX25" fmla="*/ 845852 w 4258651"/>
-              <a:gd name="connsiteY25" fmla="*/ 6700915 h 6703947"/>
-              <a:gd name="connsiteX26" fmla="*/ 652421 w 4258651"/>
-              <a:gd name="connsiteY26" fmla="*/ 6331638 h 6703947"/>
-            </a:gdLst>
-            <a:ahLst/>
-            <a:cxnLst>
-              <a:cxn ang="0">
-                <a:pos x="connsiteX0" y="connsiteY0"/>
-              </a:cxn>
-              <a:cxn ang="0">
-                <a:pos x="connsiteX1" y="connsiteY1"/>
-              </a:cxn>
-              <a:cxn ang="0">
-                <a:pos x="connsiteX2" y="connsiteY2"/>
-              </a:cxn>
-              <a:cxn ang="0">
-                <a:pos x="connsiteX3" y="connsiteY3"/>
-              </a:cxn>
-              <a:cxn ang="0">
-                <a:pos x="connsiteX4" y="connsiteY4"/>
-              </a:cxn>
-              <a:cxn ang="0">
-                <a:pos x="connsiteX5" y="connsiteY5"/>
-              </a:cxn>
-              <a:cxn ang="0">
-                <a:pos x="connsiteX6" y="connsiteY6"/>
-              </a:cxn>
-              <a:cxn ang="0">
-                <a:pos x="connsiteX7" y="connsiteY7"/>
-              </a:cxn>
-              <a:cxn ang="0">
-                <a:pos x="connsiteX8" y="connsiteY8"/>
-              </a:cxn>
-              <a:cxn ang="0">
-                <a:pos x="connsiteX9" y="connsiteY9"/>
-              </a:cxn>
-              <a:cxn ang="0">
-                <a:pos x="connsiteX10" y="connsiteY10"/>
-              </a:cxn>
-              <a:cxn ang="0">
-                <a:pos x="connsiteX11" y="connsiteY11"/>
-              </a:cxn>
-              <a:cxn ang="0">
-                <a:pos x="connsiteX12" y="connsiteY12"/>
-              </a:cxn>
-              <a:cxn ang="0">
-                <a:pos x="connsiteX13" y="connsiteY13"/>
-              </a:cxn>
-              <a:cxn ang="0">
-                <a:pos x="connsiteX14" y="connsiteY14"/>
-              </a:cxn>
-              <a:cxn ang="0">
-                <a:pos x="connsiteX15" y="connsiteY15"/>
-              </a:cxn>
-              <a:cxn ang="0">
-                <a:pos x="connsiteX16" y="connsiteY16"/>
-              </a:cxn>
-              <a:cxn ang="0">
-                <a:pos x="connsiteX17" y="connsiteY17"/>
-              </a:cxn>
-              <a:cxn ang="0">
-                <a:pos x="connsiteX18" y="connsiteY18"/>
-              </a:cxn>
-              <a:cxn ang="0">
-                <a:pos x="connsiteX19" y="connsiteY19"/>
-              </a:cxn>
-              <a:cxn ang="0">
-                <a:pos x="connsiteX20" y="connsiteY20"/>
-              </a:cxn>
-              <a:cxn ang="0">
-                <a:pos x="connsiteX21" y="connsiteY21"/>
-              </a:cxn>
-              <a:cxn ang="0">
-                <a:pos x="connsiteX22" y="connsiteY22"/>
-              </a:cxn>
-              <a:cxn ang="0">
-                <a:pos x="connsiteX23" y="connsiteY23"/>
-              </a:cxn>
-              <a:cxn ang="0">
-                <a:pos x="connsiteX24" y="connsiteY24"/>
-              </a:cxn>
-              <a:cxn ang="0">
-                <a:pos x="connsiteX25" y="connsiteY25"/>
-              </a:cxn>
-              <a:cxn ang="0">
-                <a:pos x="connsiteX26" y="connsiteY26"/>
-              </a:cxn>
-            </a:cxnLst>
-            <a:rect l="l" t="t" r="r" b="b"/>
-            <a:pathLst>
-              <a:path w="4258651" h="6703947">
-                <a:moveTo>
-                  <a:pt x="652421" y="6331638"/>
-                </a:moveTo>
-                <a:cubicBezTo>
-                  <a:pt x="593806" y="6120623"/>
-                  <a:pt x="538121" y="5804100"/>
-                  <a:pt x="494160" y="5434823"/>
-                </a:cubicBezTo>
-                <a:cubicBezTo>
-                  <a:pt x="450198" y="5065546"/>
-                  <a:pt x="404668" y="4504201"/>
-                  <a:pt x="388652" y="4115977"/>
-                </a:cubicBezTo>
-                <a:cubicBezTo>
-                  <a:pt x="372636" y="3727753"/>
-                  <a:pt x="433232" y="3398558"/>
-                  <a:pt x="398063" y="3105481"/>
-                </a:cubicBezTo>
-                <a:cubicBezTo>
-                  <a:pt x="362894" y="2812404"/>
-                  <a:pt x="243682" y="2666814"/>
-                  <a:pt x="177637" y="2357515"/>
-                </a:cubicBezTo>
-                <a:cubicBezTo>
-                  <a:pt x="111592" y="2048216"/>
-                  <a:pt x="7652" y="1592585"/>
-                  <a:pt x="1791" y="1249685"/>
-                </a:cubicBezTo>
-                <a:cubicBezTo>
-                  <a:pt x="-4071" y="906785"/>
-                  <a:pt x="-4070" y="508200"/>
-                  <a:pt x="142468" y="300115"/>
-                </a:cubicBezTo>
-                <a:cubicBezTo>
-                  <a:pt x="289006" y="92030"/>
-                  <a:pt x="551206" y="19340"/>
-                  <a:pt x="881021" y="1177"/>
-                </a:cubicBezTo>
-                <a:cubicBezTo>
-                  <a:pt x="1210836" y="-16986"/>
-                  <a:pt x="1799550" y="180779"/>
-                  <a:pt x="2121357" y="191140"/>
-                </a:cubicBezTo>
-                <a:cubicBezTo>
-                  <a:pt x="2443164" y="201501"/>
-                  <a:pt x="2574882" y="111391"/>
-                  <a:pt x="2811861" y="63342"/>
-                </a:cubicBezTo>
-                <a:cubicBezTo>
-                  <a:pt x="3048840" y="15293"/>
-                  <a:pt x="3323260" y="2745"/>
-                  <a:pt x="3465960" y="18761"/>
-                </a:cubicBezTo>
-                <a:cubicBezTo>
-                  <a:pt x="3608660" y="34777"/>
-                  <a:pt x="3922540" y="78449"/>
-                  <a:pt x="4054425" y="236711"/>
-                </a:cubicBezTo>
-                <a:cubicBezTo>
-                  <a:pt x="4186310" y="394973"/>
-                  <a:pt x="4245339" y="629353"/>
-                  <a:pt x="4257268" y="968331"/>
-                </a:cubicBezTo>
-                <a:cubicBezTo>
-                  <a:pt x="4269197" y="1307309"/>
-                  <a:pt x="4202202" y="1917528"/>
-                  <a:pt x="4126002" y="2270582"/>
-                </a:cubicBezTo>
-                <a:cubicBezTo>
-                  <a:pt x="4049802" y="2623636"/>
-                  <a:pt x="3854390" y="2817192"/>
-                  <a:pt x="3800068" y="3086658"/>
-                </a:cubicBezTo>
-                <a:cubicBezTo>
-                  <a:pt x="3745746" y="3356124"/>
-                  <a:pt x="3814722" y="3537047"/>
-                  <a:pt x="3800068" y="3887377"/>
-                </a:cubicBezTo>
-                <a:cubicBezTo>
-                  <a:pt x="3785414" y="4237707"/>
-                  <a:pt x="3787353" y="4723223"/>
-                  <a:pt x="3712144" y="5188638"/>
-                </a:cubicBezTo>
-                <a:cubicBezTo>
-                  <a:pt x="3636935" y="5654053"/>
-                  <a:pt x="3504143" y="6632972"/>
-                  <a:pt x="3348812" y="6679864"/>
-                </a:cubicBezTo>
-                <a:cubicBezTo>
-                  <a:pt x="3193481" y="6726756"/>
-                  <a:pt x="2903665" y="5884015"/>
-                  <a:pt x="2780160" y="5469992"/>
-                </a:cubicBezTo>
-                <a:cubicBezTo>
-                  <a:pt x="2656655" y="5055969"/>
-                  <a:pt x="2615128" y="4535985"/>
-                  <a:pt x="2530507" y="4273000"/>
-                </a:cubicBezTo>
-                <a:cubicBezTo>
-                  <a:pt x="2445886" y="4010015"/>
-                  <a:pt x="2358871" y="3930968"/>
-                  <a:pt x="2272435" y="3892083"/>
-                </a:cubicBezTo>
-                <a:cubicBezTo>
-                  <a:pt x="2185999" y="3853198"/>
-                  <a:pt x="1983940" y="3831815"/>
-                  <a:pt x="1857339" y="3885147"/>
-                </a:cubicBezTo>
-                <a:cubicBezTo>
-                  <a:pt x="1730738" y="3938479"/>
-                  <a:pt x="1599349" y="4003617"/>
-                  <a:pt x="1512829" y="4212073"/>
-                </a:cubicBezTo>
-                <a:cubicBezTo>
-                  <a:pt x="1426309" y="4420529"/>
-                  <a:pt x="1402491" y="4814863"/>
-                  <a:pt x="1338221" y="5135885"/>
-                </a:cubicBezTo>
-                <a:cubicBezTo>
-                  <a:pt x="1273951" y="5456907"/>
-                  <a:pt x="1209267" y="5877370"/>
-                  <a:pt x="1127206" y="6138208"/>
-                </a:cubicBezTo>
-                <a:cubicBezTo>
-                  <a:pt x="1045145" y="6399046"/>
-                  <a:pt x="922052" y="6671607"/>
-                  <a:pt x="845852" y="6700915"/>
-                </a:cubicBezTo>
-                <a:cubicBezTo>
-                  <a:pt x="769652" y="6730223"/>
-                  <a:pt x="711036" y="6542653"/>
-                  <a:pt x="652421" y="6331638"/>
-                </a:cubicBezTo>
-                <a:close/>
-              </a:path>
-            </a:pathLst>
-          </a:custGeom>
-          <a:solidFill>
-            <a:schemeClr val="bg1"/>
-          </a:solidFill>
-          <a:ln>
-            <a:noFill/>
-          </a:ln>
-        </p:spPr>
-        <p:style>
-          <a:lnRef idx="2">
-            <a:schemeClr val="accent1">
-              <a:shade val="50000"/>
-            </a:schemeClr>
-          </a:lnRef>
-          <a:fillRef idx="1">
-            <a:schemeClr val="accent1"/>
-          </a:fillRef>
-          <a:effectRef idx="0">
-            <a:schemeClr val="accent1"/>
-          </a:effectRef>
-          <a:fontRef idx="minor">
-            <a:schemeClr val="lt1"/>
-          </a:fontRef>
-        </p:style>
-        <p:txBody>
-          <a:bodyPr rtlCol="0" anchor="ctr"/>
-          <a:lstStyle/>
-          <a:p>
-            <a:pPr algn="ctr"/>
-            <a:endParaRPr lang="en-US" sz="1350"/>
-          </a:p>
-        </p:txBody>
-      </p:sp>
-      <p:sp>
-        <p:nvSpPr>
-          <p:cNvPr id="16" name="Freeform 15"/>
-          <p:cNvSpPr/>
-          <p:nvPr/>
-        </p:nvSpPr>
-        <p:spPr>
-          <a:xfrm>
-            <a:off x="3906922" y="3446992"/>
-            <a:ext cx="304234" cy="191833"/>
-          </a:xfrm>
-          <a:custGeom>
-            <a:avLst/>
-            <a:gdLst>
-              <a:gd name="connsiteX0" fmla="*/ 0 w 480951"/>
-              <a:gd name="connsiteY0" fmla="*/ 95003 h 285008"/>
-              <a:gd name="connsiteX1" fmla="*/ 302821 w 480951"/>
-              <a:gd name="connsiteY1" fmla="*/ 0 h 285008"/>
-              <a:gd name="connsiteX2" fmla="*/ 480951 w 480951"/>
-              <a:gd name="connsiteY2" fmla="*/ 285008 h 285008"/>
-              <a:gd name="connsiteX3" fmla="*/ 166255 w 480951"/>
-              <a:gd name="connsiteY3" fmla="*/ 273133 h 285008"/>
-              <a:gd name="connsiteX4" fmla="*/ 0 w 480951"/>
-              <a:gd name="connsiteY4" fmla="*/ 95003 h 285008"/>
-              <a:gd name="connsiteX0" fmla="*/ 0 w 483758"/>
-              <a:gd name="connsiteY0" fmla="*/ 102150 h 292155"/>
-              <a:gd name="connsiteX1" fmla="*/ 302821 w 483758"/>
-              <a:gd name="connsiteY1" fmla="*/ 7147 h 292155"/>
-              <a:gd name="connsiteX2" fmla="*/ 480951 w 483758"/>
-              <a:gd name="connsiteY2" fmla="*/ 292155 h 292155"/>
-              <a:gd name="connsiteX3" fmla="*/ 166255 w 483758"/>
-              <a:gd name="connsiteY3" fmla="*/ 280280 h 292155"/>
-              <a:gd name="connsiteX4" fmla="*/ 0 w 483758"/>
-              <a:gd name="connsiteY4" fmla="*/ 102150 h 292155"/>
-              <a:gd name="connsiteX0" fmla="*/ 0 w 483758"/>
-              <a:gd name="connsiteY0" fmla="*/ 102150 h 292155"/>
-              <a:gd name="connsiteX1" fmla="*/ 302821 w 483758"/>
-              <a:gd name="connsiteY1" fmla="*/ 7147 h 292155"/>
-              <a:gd name="connsiteX2" fmla="*/ 480951 w 483758"/>
-              <a:gd name="connsiteY2" fmla="*/ 292155 h 292155"/>
-              <a:gd name="connsiteX3" fmla="*/ 166255 w 483758"/>
-              <a:gd name="connsiteY3" fmla="*/ 280280 h 292155"/>
-              <a:gd name="connsiteX4" fmla="*/ 0 w 483758"/>
-              <a:gd name="connsiteY4" fmla="*/ 102150 h 292155"/>
-              <a:gd name="connsiteX0" fmla="*/ 0 w 483758"/>
-              <a:gd name="connsiteY0" fmla="*/ 102150 h 292155"/>
-              <a:gd name="connsiteX1" fmla="*/ 302821 w 483758"/>
-              <a:gd name="connsiteY1" fmla="*/ 7147 h 292155"/>
-              <a:gd name="connsiteX2" fmla="*/ 480951 w 483758"/>
-              <a:gd name="connsiteY2" fmla="*/ 292155 h 292155"/>
-              <a:gd name="connsiteX3" fmla="*/ 166255 w 483758"/>
-              <a:gd name="connsiteY3" fmla="*/ 280280 h 292155"/>
-              <a:gd name="connsiteX4" fmla="*/ 0 w 483758"/>
-              <a:gd name="connsiteY4" fmla="*/ 102150 h 292155"/>
-              <a:gd name="connsiteX0" fmla="*/ 0 w 486963"/>
-              <a:gd name="connsiteY0" fmla="*/ 105906 h 295911"/>
-              <a:gd name="connsiteX1" fmla="*/ 302821 w 486963"/>
-              <a:gd name="connsiteY1" fmla="*/ 10903 h 295911"/>
-              <a:gd name="connsiteX2" fmla="*/ 480951 w 486963"/>
-              <a:gd name="connsiteY2" fmla="*/ 295911 h 295911"/>
-              <a:gd name="connsiteX3" fmla="*/ 166255 w 486963"/>
-              <a:gd name="connsiteY3" fmla="*/ 284036 h 295911"/>
-              <a:gd name="connsiteX4" fmla="*/ 0 w 486963"/>
-              <a:gd name="connsiteY4" fmla="*/ 105906 h 295911"/>
-              <a:gd name="connsiteX0" fmla="*/ 0 w 484025"/>
-              <a:gd name="connsiteY0" fmla="*/ 108797 h 298802"/>
-              <a:gd name="connsiteX1" fmla="*/ 302821 w 484025"/>
-              <a:gd name="connsiteY1" fmla="*/ 13794 h 298802"/>
-              <a:gd name="connsiteX2" fmla="*/ 480951 w 484025"/>
-              <a:gd name="connsiteY2" fmla="*/ 298802 h 298802"/>
-              <a:gd name="connsiteX3" fmla="*/ 166255 w 484025"/>
-              <a:gd name="connsiteY3" fmla="*/ 286927 h 298802"/>
-              <a:gd name="connsiteX4" fmla="*/ 0 w 484025"/>
-              <a:gd name="connsiteY4" fmla="*/ 108797 h 298802"/>
-              <a:gd name="connsiteX0" fmla="*/ 0 w 484364"/>
-              <a:gd name="connsiteY0" fmla="*/ 108797 h 298802"/>
-              <a:gd name="connsiteX1" fmla="*/ 302821 w 484364"/>
-              <a:gd name="connsiteY1" fmla="*/ 13794 h 298802"/>
-              <a:gd name="connsiteX2" fmla="*/ 480951 w 484364"/>
-              <a:gd name="connsiteY2" fmla="*/ 298802 h 298802"/>
-              <a:gd name="connsiteX3" fmla="*/ 166255 w 484364"/>
-              <a:gd name="connsiteY3" fmla="*/ 286927 h 298802"/>
-              <a:gd name="connsiteX4" fmla="*/ 0 w 484364"/>
-              <a:gd name="connsiteY4" fmla="*/ 108797 h 298802"/>
-              <a:gd name="connsiteX0" fmla="*/ 3746 w 488110"/>
-              <a:gd name="connsiteY0" fmla="*/ 108797 h 298802"/>
-              <a:gd name="connsiteX1" fmla="*/ 306567 w 488110"/>
-              <a:gd name="connsiteY1" fmla="*/ 13794 h 298802"/>
-              <a:gd name="connsiteX2" fmla="*/ 484697 w 488110"/>
-              <a:gd name="connsiteY2" fmla="*/ 298802 h 298802"/>
-              <a:gd name="connsiteX3" fmla="*/ 170001 w 488110"/>
-              <a:gd name="connsiteY3" fmla="*/ 286927 h 298802"/>
-              <a:gd name="connsiteX4" fmla="*/ 3746 w 488110"/>
-              <a:gd name="connsiteY4" fmla="*/ 108797 h 298802"/>
-              <a:gd name="connsiteX0" fmla="*/ 3746 w 488110"/>
-              <a:gd name="connsiteY0" fmla="*/ 108797 h 308145"/>
-              <a:gd name="connsiteX1" fmla="*/ 306567 w 488110"/>
-              <a:gd name="connsiteY1" fmla="*/ 13794 h 308145"/>
-              <a:gd name="connsiteX2" fmla="*/ 484697 w 488110"/>
-              <a:gd name="connsiteY2" fmla="*/ 298802 h 308145"/>
-              <a:gd name="connsiteX3" fmla="*/ 170001 w 488110"/>
-              <a:gd name="connsiteY3" fmla="*/ 286927 h 308145"/>
-              <a:gd name="connsiteX4" fmla="*/ 3746 w 488110"/>
-              <a:gd name="connsiteY4" fmla="*/ 108797 h 308145"/>
-              <a:gd name="connsiteX0" fmla="*/ 3746 w 488110"/>
-              <a:gd name="connsiteY0" fmla="*/ 108797 h 308145"/>
-              <a:gd name="connsiteX1" fmla="*/ 306567 w 488110"/>
-              <a:gd name="connsiteY1" fmla="*/ 13794 h 308145"/>
-              <a:gd name="connsiteX2" fmla="*/ 484697 w 488110"/>
-              <a:gd name="connsiteY2" fmla="*/ 298802 h 308145"/>
-              <a:gd name="connsiteX3" fmla="*/ 170001 w 488110"/>
-              <a:gd name="connsiteY3" fmla="*/ 286927 h 308145"/>
-              <a:gd name="connsiteX4" fmla="*/ 3746 w 488110"/>
-              <a:gd name="connsiteY4" fmla="*/ 108797 h 308145"/>
-              <a:gd name="connsiteX0" fmla="*/ 3746 w 484697"/>
-              <a:gd name="connsiteY0" fmla="*/ 108797 h 308145"/>
-              <a:gd name="connsiteX1" fmla="*/ 306567 w 484697"/>
-              <a:gd name="connsiteY1" fmla="*/ 13794 h 308145"/>
-              <a:gd name="connsiteX2" fmla="*/ 484697 w 484697"/>
-              <a:gd name="connsiteY2" fmla="*/ 298802 h 308145"/>
-              <a:gd name="connsiteX3" fmla="*/ 170001 w 484697"/>
-              <a:gd name="connsiteY3" fmla="*/ 286927 h 308145"/>
-              <a:gd name="connsiteX4" fmla="*/ 3746 w 484697"/>
-              <a:gd name="connsiteY4" fmla="*/ 108797 h 308145"/>
-              <a:gd name="connsiteX0" fmla="*/ 3746 w 484697"/>
-              <a:gd name="connsiteY0" fmla="*/ 108797 h 313174"/>
-              <a:gd name="connsiteX1" fmla="*/ 306567 w 484697"/>
-              <a:gd name="connsiteY1" fmla="*/ 13794 h 313174"/>
-              <a:gd name="connsiteX2" fmla="*/ 484697 w 484697"/>
-              <a:gd name="connsiteY2" fmla="*/ 298802 h 313174"/>
-              <a:gd name="connsiteX3" fmla="*/ 170001 w 484697"/>
-              <a:gd name="connsiteY3" fmla="*/ 286927 h 313174"/>
-              <a:gd name="connsiteX4" fmla="*/ 3746 w 484697"/>
-              <a:gd name="connsiteY4" fmla="*/ 108797 h 313174"/>
-              <a:gd name="connsiteX0" fmla="*/ 3746 w 484697"/>
-              <a:gd name="connsiteY0" fmla="*/ 108797 h 313174"/>
-              <a:gd name="connsiteX1" fmla="*/ 306567 w 484697"/>
-              <a:gd name="connsiteY1" fmla="*/ 13794 h 313174"/>
-              <a:gd name="connsiteX2" fmla="*/ 484697 w 484697"/>
-              <a:gd name="connsiteY2" fmla="*/ 298802 h 313174"/>
-              <a:gd name="connsiteX3" fmla="*/ 170001 w 484697"/>
-              <a:gd name="connsiteY3" fmla="*/ 286927 h 313174"/>
-              <a:gd name="connsiteX4" fmla="*/ 3746 w 484697"/>
-              <a:gd name="connsiteY4" fmla="*/ 108797 h 313174"/>
-              <a:gd name="connsiteX0" fmla="*/ 3746 w 484697"/>
-              <a:gd name="connsiteY0" fmla="*/ 110027 h 314404"/>
-              <a:gd name="connsiteX1" fmla="*/ 306567 w 484697"/>
-              <a:gd name="connsiteY1" fmla="*/ 15024 h 314404"/>
-              <a:gd name="connsiteX2" fmla="*/ 484697 w 484697"/>
-              <a:gd name="connsiteY2" fmla="*/ 300032 h 314404"/>
-              <a:gd name="connsiteX3" fmla="*/ 170001 w 484697"/>
-              <a:gd name="connsiteY3" fmla="*/ 288157 h 314404"/>
-              <a:gd name="connsiteX4" fmla="*/ 3746 w 484697"/>
-              <a:gd name="connsiteY4" fmla="*/ 110027 h 314404"/>
-              <a:gd name="connsiteX0" fmla="*/ 0 w 480951"/>
-              <a:gd name="connsiteY0" fmla="*/ 110027 h 314404"/>
-              <a:gd name="connsiteX1" fmla="*/ 302821 w 480951"/>
-              <a:gd name="connsiteY1" fmla="*/ 15024 h 314404"/>
-              <a:gd name="connsiteX2" fmla="*/ 480951 w 480951"/>
-              <a:gd name="connsiteY2" fmla="*/ 300032 h 314404"/>
-              <a:gd name="connsiteX3" fmla="*/ 166255 w 480951"/>
-              <a:gd name="connsiteY3" fmla="*/ 288157 h 314404"/>
-              <a:gd name="connsiteX4" fmla="*/ 0 w 480951"/>
-              <a:gd name="connsiteY4" fmla="*/ 110027 h 314404"/>
-              <a:gd name="connsiteX0" fmla="*/ 0 w 493651"/>
-              <a:gd name="connsiteY0" fmla="*/ 103022 h 303468"/>
-              <a:gd name="connsiteX1" fmla="*/ 315521 w 493651"/>
-              <a:gd name="connsiteY1" fmla="*/ 8019 h 303468"/>
-              <a:gd name="connsiteX2" fmla="*/ 493651 w 493651"/>
-              <a:gd name="connsiteY2" fmla="*/ 293027 h 303468"/>
-              <a:gd name="connsiteX3" fmla="*/ 178955 w 493651"/>
-              <a:gd name="connsiteY3" fmla="*/ 281152 h 303468"/>
-              <a:gd name="connsiteX4" fmla="*/ 0 w 493651"/>
-              <a:gd name="connsiteY4" fmla="*/ 103022 h 303468"/>
-              <a:gd name="connsiteX0" fmla="*/ 0 w 493651"/>
-              <a:gd name="connsiteY0" fmla="*/ 103022 h 311269"/>
-              <a:gd name="connsiteX1" fmla="*/ 315521 w 493651"/>
-              <a:gd name="connsiteY1" fmla="*/ 8019 h 311269"/>
-              <a:gd name="connsiteX2" fmla="*/ 493651 w 493651"/>
-              <a:gd name="connsiteY2" fmla="*/ 293027 h 311269"/>
-              <a:gd name="connsiteX3" fmla="*/ 178955 w 493651"/>
-              <a:gd name="connsiteY3" fmla="*/ 281152 h 311269"/>
-              <a:gd name="connsiteX4" fmla="*/ 0 w 493651"/>
-              <a:gd name="connsiteY4" fmla="*/ 103022 h 311269"/>
-            </a:gdLst>
-            <a:ahLst/>
-            <a:cxnLst>
-              <a:cxn ang="0">
-                <a:pos x="connsiteX0" y="connsiteY0"/>
-              </a:cxn>
-              <a:cxn ang="0">
-                <a:pos x="connsiteX1" y="connsiteY1"/>
-              </a:cxn>
-              <a:cxn ang="0">
-                <a:pos x="connsiteX2" y="connsiteY2"/>
-              </a:cxn>
-              <a:cxn ang="0">
-                <a:pos x="connsiteX3" y="connsiteY3"/>
-              </a:cxn>
-              <a:cxn ang="0">
-                <a:pos x="connsiteX4" y="connsiteY4"/>
-              </a:cxn>
-            </a:cxnLst>
-            <a:rect l="l" t="t" r="r" b="b"/>
-            <a:pathLst>
-              <a:path w="493651" h="311269">
-                <a:moveTo>
-                  <a:pt x="0" y="103022"/>
-                </a:moveTo>
-                <a:cubicBezTo>
-                  <a:pt x="64036" y="44800"/>
-                  <a:pt x="233246" y="-23649"/>
-                  <a:pt x="315521" y="8019"/>
-                </a:cubicBezTo>
-                <a:cubicBezTo>
-                  <a:pt x="397796" y="39687"/>
-                  <a:pt x="478312" y="193530"/>
-                  <a:pt x="493651" y="293027"/>
-                </a:cubicBezTo>
-                <a:cubicBezTo>
-                  <a:pt x="382402" y="304944"/>
-                  <a:pt x="301131" y="332770"/>
-                  <a:pt x="178955" y="281152"/>
-                </a:cubicBezTo>
-                <a:cubicBezTo>
-                  <a:pt x="56779" y="229534"/>
-                  <a:pt x="31214" y="167594"/>
-                  <a:pt x="0" y="103022"/>
-                </a:cubicBezTo>
-                <a:close/>
-              </a:path>
-            </a:pathLst>
-          </a:custGeom>
-          <a:solidFill>
-            <a:schemeClr val="bg1">
-              <a:lumMod val="65000"/>
-            </a:schemeClr>
-          </a:solidFill>
-          <a:ln>
-            <a:noFill/>
-          </a:ln>
-        </p:spPr>
-        <p:style>
-          <a:lnRef idx="2">
-            <a:schemeClr val="accent1">
-              <a:shade val="50000"/>
-            </a:schemeClr>
-          </a:lnRef>
-          <a:fillRef idx="1">
-            <a:schemeClr val="accent1"/>
-          </a:fillRef>
-          <a:effectRef idx="0">
-            <a:schemeClr val="accent1"/>
-          </a:effectRef>
-          <a:fontRef idx="minor">
-            <a:schemeClr val="lt1"/>
-          </a:fontRef>
-        </p:style>
-        <p:txBody>
-          <a:bodyPr rtlCol="0" anchor="ctr"/>
-          <a:lstStyle/>
-          <a:p>
-            <a:pPr algn="ctr"/>
-            <a:endParaRPr lang="en-US" sz="1350"/>
-          </a:p>
-        </p:txBody>
-      </p:sp>
-      <p:sp>
-        <p:nvSpPr>
-          <p:cNvPr id="17" name="Freeform 16"/>
-          <p:cNvSpPr/>
-          <p:nvPr/>
-        </p:nvSpPr>
-        <p:spPr>
-          <a:xfrm flipH="1">
-            <a:off x="5036249" y="3450841"/>
-            <a:ext cx="304234" cy="191833"/>
-          </a:xfrm>
-          <a:custGeom>
-            <a:avLst/>
-            <a:gdLst>
-              <a:gd name="connsiteX0" fmla="*/ 0 w 480951"/>
-              <a:gd name="connsiteY0" fmla="*/ 95003 h 285008"/>
-              <a:gd name="connsiteX1" fmla="*/ 302821 w 480951"/>
-              <a:gd name="connsiteY1" fmla="*/ 0 h 285008"/>
-              <a:gd name="connsiteX2" fmla="*/ 480951 w 480951"/>
-              <a:gd name="connsiteY2" fmla="*/ 285008 h 285008"/>
-              <a:gd name="connsiteX3" fmla="*/ 166255 w 480951"/>
-              <a:gd name="connsiteY3" fmla="*/ 273133 h 285008"/>
-              <a:gd name="connsiteX4" fmla="*/ 0 w 480951"/>
-              <a:gd name="connsiteY4" fmla="*/ 95003 h 285008"/>
-              <a:gd name="connsiteX0" fmla="*/ 0 w 483758"/>
-              <a:gd name="connsiteY0" fmla="*/ 102150 h 292155"/>
-              <a:gd name="connsiteX1" fmla="*/ 302821 w 483758"/>
-              <a:gd name="connsiteY1" fmla="*/ 7147 h 292155"/>
-              <a:gd name="connsiteX2" fmla="*/ 480951 w 483758"/>
-              <a:gd name="connsiteY2" fmla="*/ 292155 h 292155"/>
-              <a:gd name="connsiteX3" fmla="*/ 166255 w 483758"/>
-              <a:gd name="connsiteY3" fmla="*/ 280280 h 292155"/>
-              <a:gd name="connsiteX4" fmla="*/ 0 w 483758"/>
-              <a:gd name="connsiteY4" fmla="*/ 102150 h 292155"/>
-              <a:gd name="connsiteX0" fmla="*/ 0 w 483758"/>
-              <a:gd name="connsiteY0" fmla="*/ 102150 h 292155"/>
-              <a:gd name="connsiteX1" fmla="*/ 302821 w 483758"/>
-              <a:gd name="connsiteY1" fmla="*/ 7147 h 292155"/>
-              <a:gd name="connsiteX2" fmla="*/ 480951 w 483758"/>
-              <a:gd name="connsiteY2" fmla="*/ 292155 h 292155"/>
-              <a:gd name="connsiteX3" fmla="*/ 166255 w 483758"/>
-              <a:gd name="connsiteY3" fmla="*/ 280280 h 292155"/>
-              <a:gd name="connsiteX4" fmla="*/ 0 w 483758"/>
-              <a:gd name="connsiteY4" fmla="*/ 102150 h 292155"/>
-              <a:gd name="connsiteX0" fmla="*/ 0 w 483758"/>
-              <a:gd name="connsiteY0" fmla="*/ 102150 h 292155"/>
-              <a:gd name="connsiteX1" fmla="*/ 302821 w 483758"/>
-              <a:gd name="connsiteY1" fmla="*/ 7147 h 292155"/>
-              <a:gd name="connsiteX2" fmla="*/ 480951 w 483758"/>
-              <a:gd name="connsiteY2" fmla="*/ 292155 h 292155"/>
-              <a:gd name="connsiteX3" fmla="*/ 166255 w 483758"/>
-              <a:gd name="connsiteY3" fmla="*/ 280280 h 292155"/>
-              <a:gd name="connsiteX4" fmla="*/ 0 w 483758"/>
-              <a:gd name="connsiteY4" fmla="*/ 102150 h 292155"/>
-              <a:gd name="connsiteX0" fmla="*/ 0 w 486963"/>
-              <a:gd name="connsiteY0" fmla="*/ 105906 h 295911"/>
-              <a:gd name="connsiteX1" fmla="*/ 302821 w 486963"/>
-              <a:gd name="connsiteY1" fmla="*/ 10903 h 295911"/>
-              <a:gd name="connsiteX2" fmla="*/ 480951 w 486963"/>
-              <a:gd name="connsiteY2" fmla="*/ 295911 h 295911"/>
-              <a:gd name="connsiteX3" fmla="*/ 166255 w 486963"/>
-              <a:gd name="connsiteY3" fmla="*/ 284036 h 295911"/>
-              <a:gd name="connsiteX4" fmla="*/ 0 w 486963"/>
-              <a:gd name="connsiteY4" fmla="*/ 105906 h 295911"/>
-              <a:gd name="connsiteX0" fmla="*/ 0 w 484025"/>
-              <a:gd name="connsiteY0" fmla="*/ 108797 h 298802"/>
-              <a:gd name="connsiteX1" fmla="*/ 302821 w 484025"/>
-              <a:gd name="connsiteY1" fmla="*/ 13794 h 298802"/>
-              <a:gd name="connsiteX2" fmla="*/ 480951 w 484025"/>
-              <a:gd name="connsiteY2" fmla="*/ 298802 h 298802"/>
-              <a:gd name="connsiteX3" fmla="*/ 166255 w 484025"/>
-              <a:gd name="connsiteY3" fmla="*/ 286927 h 298802"/>
-              <a:gd name="connsiteX4" fmla="*/ 0 w 484025"/>
-              <a:gd name="connsiteY4" fmla="*/ 108797 h 298802"/>
-              <a:gd name="connsiteX0" fmla="*/ 0 w 484364"/>
-              <a:gd name="connsiteY0" fmla="*/ 108797 h 298802"/>
-              <a:gd name="connsiteX1" fmla="*/ 302821 w 484364"/>
-              <a:gd name="connsiteY1" fmla="*/ 13794 h 298802"/>
-              <a:gd name="connsiteX2" fmla="*/ 480951 w 484364"/>
-              <a:gd name="connsiteY2" fmla="*/ 298802 h 298802"/>
-              <a:gd name="connsiteX3" fmla="*/ 166255 w 484364"/>
-              <a:gd name="connsiteY3" fmla="*/ 286927 h 298802"/>
-              <a:gd name="connsiteX4" fmla="*/ 0 w 484364"/>
-              <a:gd name="connsiteY4" fmla="*/ 108797 h 298802"/>
-              <a:gd name="connsiteX0" fmla="*/ 3746 w 488110"/>
-              <a:gd name="connsiteY0" fmla="*/ 108797 h 298802"/>
-              <a:gd name="connsiteX1" fmla="*/ 306567 w 488110"/>
-              <a:gd name="connsiteY1" fmla="*/ 13794 h 298802"/>
-              <a:gd name="connsiteX2" fmla="*/ 484697 w 488110"/>
-              <a:gd name="connsiteY2" fmla="*/ 298802 h 298802"/>
-              <a:gd name="connsiteX3" fmla="*/ 170001 w 488110"/>
-              <a:gd name="connsiteY3" fmla="*/ 286927 h 298802"/>
-              <a:gd name="connsiteX4" fmla="*/ 3746 w 488110"/>
-              <a:gd name="connsiteY4" fmla="*/ 108797 h 298802"/>
-              <a:gd name="connsiteX0" fmla="*/ 3746 w 488110"/>
-              <a:gd name="connsiteY0" fmla="*/ 108797 h 308145"/>
-              <a:gd name="connsiteX1" fmla="*/ 306567 w 488110"/>
-              <a:gd name="connsiteY1" fmla="*/ 13794 h 308145"/>
-              <a:gd name="connsiteX2" fmla="*/ 484697 w 488110"/>
-              <a:gd name="connsiteY2" fmla="*/ 298802 h 308145"/>
-              <a:gd name="connsiteX3" fmla="*/ 170001 w 488110"/>
-              <a:gd name="connsiteY3" fmla="*/ 286927 h 308145"/>
-              <a:gd name="connsiteX4" fmla="*/ 3746 w 488110"/>
-              <a:gd name="connsiteY4" fmla="*/ 108797 h 308145"/>
-              <a:gd name="connsiteX0" fmla="*/ 3746 w 488110"/>
-              <a:gd name="connsiteY0" fmla="*/ 108797 h 308145"/>
-              <a:gd name="connsiteX1" fmla="*/ 306567 w 488110"/>
-              <a:gd name="connsiteY1" fmla="*/ 13794 h 308145"/>
-              <a:gd name="connsiteX2" fmla="*/ 484697 w 488110"/>
-              <a:gd name="connsiteY2" fmla="*/ 298802 h 308145"/>
-              <a:gd name="connsiteX3" fmla="*/ 170001 w 488110"/>
-              <a:gd name="connsiteY3" fmla="*/ 286927 h 308145"/>
-              <a:gd name="connsiteX4" fmla="*/ 3746 w 488110"/>
-              <a:gd name="connsiteY4" fmla="*/ 108797 h 308145"/>
-              <a:gd name="connsiteX0" fmla="*/ 3746 w 484697"/>
-              <a:gd name="connsiteY0" fmla="*/ 108797 h 308145"/>
-              <a:gd name="connsiteX1" fmla="*/ 306567 w 484697"/>
-              <a:gd name="connsiteY1" fmla="*/ 13794 h 308145"/>
-              <a:gd name="connsiteX2" fmla="*/ 484697 w 484697"/>
-              <a:gd name="connsiteY2" fmla="*/ 298802 h 308145"/>
-              <a:gd name="connsiteX3" fmla="*/ 170001 w 484697"/>
-              <a:gd name="connsiteY3" fmla="*/ 286927 h 308145"/>
-              <a:gd name="connsiteX4" fmla="*/ 3746 w 484697"/>
-              <a:gd name="connsiteY4" fmla="*/ 108797 h 308145"/>
-              <a:gd name="connsiteX0" fmla="*/ 3746 w 484697"/>
-              <a:gd name="connsiteY0" fmla="*/ 108797 h 313174"/>
-              <a:gd name="connsiteX1" fmla="*/ 306567 w 484697"/>
-              <a:gd name="connsiteY1" fmla="*/ 13794 h 313174"/>
-              <a:gd name="connsiteX2" fmla="*/ 484697 w 484697"/>
-              <a:gd name="connsiteY2" fmla="*/ 298802 h 313174"/>
-              <a:gd name="connsiteX3" fmla="*/ 170001 w 484697"/>
-              <a:gd name="connsiteY3" fmla="*/ 286927 h 313174"/>
-              <a:gd name="connsiteX4" fmla="*/ 3746 w 484697"/>
-              <a:gd name="connsiteY4" fmla="*/ 108797 h 313174"/>
-              <a:gd name="connsiteX0" fmla="*/ 3746 w 484697"/>
-              <a:gd name="connsiteY0" fmla="*/ 108797 h 313174"/>
-              <a:gd name="connsiteX1" fmla="*/ 306567 w 484697"/>
-              <a:gd name="connsiteY1" fmla="*/ 13794 h 313174"/>
-              <a:gd name="connsiteX2" fmla="*/ 484697 w 484697"/>
-              <a:gd name="connsiteY2" fmla="*/ 298802 h 313174"/>
-              <a:gd name="connsiteX3" fmla="*/ 170001 w 484697"/>
-              <a:gd name="connsiteY3" fmla="*/ 286927 h 313174"/>
-              <a:gd name="connsiteX4" fmla="*/ 3746 w 484697"/>
-              <a:gd name="connsiteY4" fmla="*/ 108797 h 313174"/>
-              <a:gd name="connsiteX0" fmla="*/ 3746 w 484697"/>
-              <a:gd name="connsiteY0" fmla="*/ 110027 h 314404"/>
-              <a:gd name="connsiteX1" fmla="*/ 306567 w 484697"/>
-              <a:gd name="connsiteY1" fmla="*/ 15024 h 314404"/>
-              <a:gd name="connsiteX2" fmla="*/ 484697 w 484697"/>
-              <a:gd name="connsiteY2" fmla="*/ 300032 h 314404"/>
-              <a:gd name="connsiteX3" fmla="*/ 170001 w 484697"/>
-              <a:gd name="connsiteY3" fmla="*/ 288157 h 314404"/>
-              <a:gd name="connsiteX4" fmla="*/ 3746 w 484697"/>
-              <a:gd name="connsiteY4" fmla="*/ 110027 h 314404"/>
-              <a:gd name="connsiteX0" fmla="*/ 0 w 480951"/>
-              <a:gd name="connsiteY0" fmla="*/ 110027 h 314404"/>
-              <a:gd name="connsiteX1" fmla="*/ 302821 w 480951"/>
-              <a:gd name="connsiteY1" fmla="*/ 15024 h 314404"/>
-              <a:gd name="connsiteX2" fmla="*/ 480951 w 480951"/>
-              <a:gd name="connsiteY2" fmla="*/ 300032 h 314404"/>
-              <a:gd name="connsiteX3" fmla="*/ 166255 w 480951"/>
-              <a:gd name="connsiteY3" fmla="*/ 288157 h 314404"/>
-              <a:gd name="connsiteX4" fmla="*/ 0 w 480951"/>
-              <a:gd name="connsiteY4" fmla="*/ 110027 h 314404"/>
-              <a:gd name="connsiteX0" fmla="*/ 0 w 493651"/>
-              <a:gd name="connsiteY0" fmla="*/ 103022 h 303468"/>
-              <a:gd name="connsiteX1" fmla="*/ 315521 w 493651"/>
-              <a:gd name="connsiteY1" fmla="*/ 8019 h 303468"/>
-              <a:gd name="connsiteX2" fmla="*/ 493651 w 493651"/>
-              <a:gd name="connsiteY2" fmla="*/ 293027 h 303468"/>
-              <a:gd name="connsiteX3" fmla="*/ 178955 w 493651"/>
-              <a:gd name="connsiteY3" fmla="*/ 281152 h 303468"/>
-              <a:gd name="connsiteX4" fmla="*/ 0 w 493651"/>
-              <a:gd name="connsiteY4" fmla="*/ 103022 h 303468"/>
-              <a:gd name="connsiteX0" fmla="*/ 0 w 493651"/>
-              <a:gd name="connsiteY0" fmla="*/ 103022 h 311269"/>
-              <a:gd name="connsiteX1" fmla="*/ 315521 w 493651"/>
-              <a:gd name="connsiteY1" fmla="*/ 8019 h 311269"/>
-              <a:gd name="connsiteX2" fmla="*/ 493651 w 493651"/>
-              <a:gd name="connsiteY2" fmla="*/ 293027 h 311269"/>
-              <a:gd name="connsiteX3" fmla="*/ 178955 w 493651"/>
-              <a:gd name="connsiteY3" fmla="*/ 281152 h 311269"/>
-              <a:gd name="connsiteX4" fmla="*/ 0 w 493651"/>
-              <a:gd name="connsiteY4" fmla="*/ 103022 h 311269"/>
-            </a:gdLst>
-            <a:ahLst/>
-            <a:cxnLst>
-              <a:cxn ang="0">
-                <a:pos x="connsiteX0" y="connsiteY0"/>
-              </a:cxn>
-              <a:cxn ang="0">
-                <a:pos x="connsiteX1" y="connsiteY1"/>
-              </a:cxn>
-              <a:cxn ang="0">
-                <a:pos x="connsiteX2" y="connsiteY2"/>
-              </a:cxn>
-              <a:cxn ang="0">
-                <a:pos x="connsiteX3" y="connsiteY3"/>
-              </a:cxn>
-              <a:cxn ang="0">
-                <a:pos x="connsiteX4" y="connsiteY4"/>
-              </a:cxn>
-            </a:cxnLst>
-            <a:rect l="l" t="t" r="r" b="b"/>
-            <a:pathLst>
-              <a:path w="493651" h="311269">
-                <a:moveTo>
-                  <a:pt x="0" y="103022"/>
-                </a:moveTo>
-                <a:cubicBezTo>
-                  <a:pt x="64036" y="44800"/>
-                  <a:pt x="233246" y="-23649"/>
-                  <a:pt x="315521" y="8019"/>
-                </a:cubicBezTo>
-                <a:cubicBezTo>
-                  <a:pt x="397796" y="39687"/>
-                  <a:pt x="478312" y="193530"/>
-                  <a:pt x="493651" y="293027"/>
-                </a:cubicBezTo>
-                <a:cubicBezTo>
-                  <a:pt x="382402" y="304944"/>
-                  <a:pt x="301131" y="332770"/>
-                  <a:pt x="178955" y="281152"/>
-                </a:cubicBezTo>
-                <a:cubicBezTo>
-                  <a:pt x="56779" y="229534"/>
-                  <a:pt x="31214" y="167594"/>
-                  <a:pt x="0" y="103022"/>
-                </a:cubicBezTo>
-                <a:close/>
-              </a:path>
-            </a:pathLst>
-          </a:custGeom>
-          <a:solidFill>
-            <a:schemeClr val="bg1">
-              <a:lumMod val="65000"/>
-            </a:schemeClr>
-          </a:solidFill>
-          <a:ln>
-            <a:noFill/>
-          </a:ln>
-        </p:spPr>
-        <p:style>
-          <a:lnRef idx="2">
-            <a:schemeClr val="accent1">
-              <a:shade val="50000"/>
-            </a:schemeClr>
-          </a:lnRef>
-          <a:fillRef idx="1">
-            <a:schemeClr val="accent1"/>
-          </a:fillRef>
-          <a:effectRef idx="0">
-            <a:schemeClr val="accent1"/>
-          </a:effectRef>
-          <a:fontRef idx="minor">
-            <a:schemeClr val="lt1"/>
-          </a:fontRef>
-        </p:style>
-        <p:txBody>
-          <a:bodyPr rtlCol="0" anchor="ctr"/>
-          <a:lstStyle/>
-          <a:p>
-            <a:pPr algn="ctr"/>
-            <a:endParaRPr lang="en-US" sz="1350"/>
-          </a:p>
-        </p:txBody>
-      </p:sp>
-      <p:sp>
-        <p:nvSpPr>
-          <p:cNvPr id="18" name="Freeform 17"/>
-          <p:cNvSpPr/>
-          <p:nvPr/>
-        </p:nvSpPr>
-        <p:spPr>
-          <a:xfrm>
-            <a:off x="4371464" y="4431785"/>
-            <a:ext cx="571015" cy="476481"/>
-          </a:xfrm>
-          <a:custGeom>
-            <a:avLst/>
-            <a:gdLst>
-              <a:gd name="connsiteX0" fmla="*/ 259884 w 548663"/>
-              <a:gd name="connsiteY0" fmla="*/ 9 h 476461"/>
-              <a:gd name="connsiteX1" fmla="*/ 2 w 548663"/>
-              <a:gd name="connsiteY1" fmla="*/ 129950 h 476461"/>
-              <a:gd name="connsiteX2" fmla="*/ 255071 w 548663"/>
-              <a:gd name="connsiteY2" fmla="*/ 476460 h 476461"/>
-              <a:gd name="connsiteX3" fmla="*/ 548642 w 548663"/>
-              <a:gd name="connsiteY3" fmla="*/ 134763 h 476461"/>
-              <a:gd name="connsiteX4" fmla="*/ 259884 w 548663"/>
-              <a:gd name="connsiteY4" fmla="*/ 9 h 476461"/>
-              <a:gd name="connsiteX0" fmla="*/ 275317 w 564096"/>
-              <a:gd name="connsiteY0" fmla="*/ 502 h 476954"/>
-              <a:gd name="connsiteX1" fmla="*/ 2 w 564096"/>
-              <a:gd name="connsiteY1" fmla="*/ 176742 h 476954"/>
-              <a:gd name="connsiteX2" fmla="*/ 270504 w 564096"/>
-              <a:gd name="connsiteY2" fmla="*/ 476953 h 476954"/>
-              <a:gd name="connsiteX3" fmla="*/ 564075 w 564096"/>
-              <a:gd name="connsiteY3" fmla="*/ 135256 h 476954"/>
-              <a:gd name="connsiteX4" fmla="*/ 275317 w 564096"/>
-              <a:gd name="connsiteY4" fmla="*/ 502 h 476954"/>
-              <a:gd name="connsiteX0" fmla="*/ 276729 w 565508"/>
-              <a:gd name="connsiteY0" fmla="*/ 502 h 476954"/>
-              <a:gd name="connsiteX1" fmla="*/ 1414 w 565508"/>
-              <a:gd name="connsiteY1" fmla="*/ 176742 h 476954"/>
-              <a:gd name="connsiteX2" fmla="*/ 271916 w 565508"/>
-              <a:gd name="connsiteY2" fmla="*/ 476953 h 476954"/>
-              <a:gd name="connsiteX3" fmla="*/ 565487 w 565508"/>
-              <a:gd name="connsiteY3" fmla="*/ 135256 h 476954"/>
-              <a:gd name="connsiteX4" fmla="*/ 276729 w 565508"/>
-              <a:gd name="connsiteY4" fmla="*/ 502 h 476954"/>
-              <a:gd name="connsiteX0" fmla="*/ 276729 w 566842"/>
-              <a:gd name="connsiteY0" fmla="*/ 3014 h 479467"/>
-              <a:gd name="connsiteX1" fmla="*/ 1414 w 566842"/>
-              <a:gd name="connsiteY1" fmla="*/ 179254 h 479467"/>
-              <a:gd name="connsiteX2" fmla="*/ 271916 w 566842"/>
-              <a:gd name="connsiteY2" fmla="*/ 479465 h 479467"/>
-              <a:gd name="connsiteX3" fmla="*/ 565487 w 566842"/>
-              <a:gd name="connsiteY3" fmla="*/ 137768 h 479467"/>
-              <a:gd name="connsiteX4" fmla="*/ 276729 w 566842"/>
-              <a:gd name="connsiteY4" fmla="*/ 3014 h 479467"/>
-              <a:gd name="connsiteX0" fmla="*/ 276729 w 570678"/>
-              <a:gd name="connsiteY0" fmla="*/ 27 h 476481"/>
-              <a:gd name="connsiteX1" fmla="*/ 1414 w 570678"/>
-              <a:gd name="connsiteY1" fmla="*/ 176267 h 476481"/>
-              <a:gd name="connsiteX2" fmla="*/ 271916 w 570678"/>
-              <a:gd name="connsiteY2" fmla="*/ 476478 h 476481"/>
-              <a:gd name="connsiteX3" fmla="*/ 569345 w 570678"/>
-              <a:gd name="connsiteY3" fmla="*/ 181080 h 476481"/>
-              <a:gd name="connsiteX4" fmla="*/ 276729 w 570678"/>
-              <a:gd name="connsiteY4" fmla="*/ 27 h 476481"/>
-              <a:gd name="connsiteX0" fmla="*/ 276729 w 570678"/>
-              <a:gd name="connsiteY0" fmla="*/ 577 h 477031"/>
-              <a:gd name="connsiteX1" fmla="*/ 1414 w 570678"/>
-              <a:gd name="connsiteY1" fmla="*/ 176817 h 477031"/>
-              <a:gd name="connsiteX2" fmla="*/ 271916 w 570678"/>
-              <a:gd name="connsiteY2" fmla="*/ 477028 h 477031"/>
-              <a:gd name="connsiteX3" fmla="*/ 569345 w 570678"/>
-              <a:gd name="connsiteY3" fmla="*/ 181630 h 477031"/>
-              <a:gd name="connsiteX4" fmla="*/ 276729 w 570678"/>
-              <a:gd name="connsiteY4" fmla="*/ 577 h 477031"/>
-              <a:gd name="connsiteX0" fmla="*/ 276729 w 570678"/>
-              <a:gd name="connsiteY0" fmla="*/ 27 h 476481"/>
-              <a:gd name="connsiteX1" fmla="*/ 1414 w 570678"/>
-              <a:gd name="connsiteY1" fmla="*/ 176267 h 476481"/>
-              <a:gd name="connsiteX2" fmla="*/ 271916 w 570678"/>
-              <a:gd name="connsiteY2" fmla="*/ 476478 h 476481"/>
-              <a:gd name="connsiteX3" fmla="*/ 569345 w 570678"/>
-              <a:gd name="connsiteY3" fmla="*/ 181080 h 476481"/>
-              <a:gd name="connsiteX4" fmla="*/ 276729 w 570678"/>
-              <a:gd name="connsiteY4" fmla="*/ 27 h 476481"/>
-              <a:gd name="connsiteX0" fmla="*/ 276729 w 571015"/>
-              <a:gd name="connsiteY0" fmla="*/ 27 h 476481"/>
-              <a:gd name="connsiteX1" fmla="*/ 1414 w 571015"/>
-              <a:gd name="connsiteY1" fmla="*/ 176267 h 476481"/>
-              <a:gd name="connsiteX2" fmla="*/ 271916 w 571015"/>
-              <a:gd name="connsiteY2" fmla="*/ 476478 h 476481"/>
-              <a:gd name="connsiteX3" fmla="*/ 569345 w 571015"/>
-              <a:gd name="connsiteY3" fmla="*/ 181080 h 476481"/>
-              <a:gd name="connsiteX4" fmla="*/ 276729 w 571015"/>
-              <a:gd name="connsiteY4" fmla="*/ 27 h 476481"/>
-            </a:gdLst>
-            <a:ahLst/>
-            <a:cxnLst>
-              <a:cxn ang="0">
-                <a:pos x="connsiteX0" y="connsiteY0"/>
-              </a:cxn>
-              <a:cxn ang="0">
-                <a:pos x="connsiteX1" y="connsiteY1"/>
-              </a:cxn>
-              <a:cxn ang="0">
-                <a:pos x="connsiteX2" y="connsiteY2"/>
-              </a:cxn>
-              <a:cxn ang="0">
-                <a:pos x="connsiteX3" y="connsiteY3"/>
-              </a:cxn>
-              <a:cxn ang="0">
-                <a:pos x="connsiteX4" y="connsiteY4"/>
-              </a:cxn>
-            </a:cxnLst>
-            <a:rect l="l" t="t" r="r" b="b"/>
-            <a:pathLst>
-              <a:path w="571015" h="476481">
-                <a:moveTo>
-                  <a:pt x="276729" y="27"/>
-                </a:moveTo>
-                <a:cubicBezTo>
-                  <a:pt x="147350" y="-774"/>
-                  <a:pt x="21507" y="15836"/>
-                  <a:pt x="1414" y="176267"/>
-                </a:cubicBezTo>
-                <a:cubicBezTo>
-                  <a:pt x="-18679" y="336698"/>
-                  <a:pt x="180476" y="475676"/>
-                  <a:pt x="271916" y="476478"/>
-                </a:cubicBezTo>
-                <a:cubicBezTo>
-                  <a:pt x="413513" y="477280"/>
-                  <a:pt x="590088" y="330587"/>
-                  <a:pt x="569345" y="181080"/>
-                </a:cubicBezTo>
-                <a:cubicBezTo>
-                  <a:pt x="548602" y="31573"/>
-                  <a:pt x="406108" y="828"/>
-                  <a:pt x="276729" y="27"/>
-                </a:cubicBezTo>
-                <a:close/>
-              </a:path>
-            </a:pathLst>
-          </a:custGeom>
-          <a:solidFill>
-            <a:schemeClr val="tx1"/>
-          </a:solidFill>
-          <a:ln>
-            <a:noFill/>
-          </a:ln>
-        </p:spPr>
-        <p:style>
-          <a:lnRef idx="2">
-            <a:schemeClr val="accent1">
-              <a:shade val="50000"/>
-            </a:schemeClr>
-          </a:lnRef>
-          <a:fillRef idx="1">
-            <a:schemeClr val="accent1"/>
-          </a:fillRef>
-          <a:effectRef idx="0">
-            <a:schemeClr val="accent1"/>
-          </a:effectRef>
-          <a:fontRef idx="minor">
-            <a:schemeClr val="lt1"/>
-          </a:fontRef>
-        </p:style>
-        <p:txBody>
-          <a:bodyPr rtlCol="0" anchor="ctr"/>
-          <a:lstStyle/>
-          <a:p>
-            <a:pPr algn="ctr"/>
-            <a:endParaRPr lang="en-US"/>
-          </a:p>
-        </p:txBody>
-      </p:sp>
-      <p:sp>
-        <p:nvSpPr>
-          <p:cNvPr id="19" name="Freeform 18"/>
-          <p:cNvSpPr/>
-          <p:nvPr/>
-        </p:nvSpPr>
-        <p:spPr>
-          <a:xfrm>
-            <a:off x="3103369" y="4163845"/>
-            <a:ext cx="3107206" cy="2264110"/>
-          </a:xfrm>
-          <a:custGeom>
-            <a:avLst/>
-            <a:gdLst>
-              <a:gd name="connsiteX0" fmla="*/ 64274 w 3320862"/>
-              <a:gd name="connsiteY0" fmla="*/ 127851 h 2388092"/>
-              <a:gd name="connsiteX1" fmla="*/ 698120 w 3320862"/>
-              <a:gd name="connsiteY1" fmla="*/ 398014 h 2388092"/>
-              <a:gd name="connsiteX2" fmla="*/ 1144929 w 3320862"/>
-              <a:gd name="connsiteY2" fmla="*/ 1042251 h 2388092"/>
-              <a:gd name="connsiteX3" fmla="*/ 1633301 w 3320862"/>
-              <a:gd name="connsiteY3" fmla="*/ 1250069 h 2388092"/>
-              <a:gd name="connsiteX4" fmla="*/ 2287929 w 3320862"/>
-              <a:gd name="connsiteY4" fmla="*/ 761696 h 2388092"/>
-              <a:gd name="connsiteX5" fmla="*/ 2713956 w 3320862"/>
-              <a:gd name="connsiteY5" fmla="*/ 325278 h 2388092"/>
-              <a:gd name="connsiteX6" fmla="*/ 3223111 w 3320862"/>
-              <a:gd name="connsiteY6" fmla="*/ 159023 h 2388092"/>
-              <a:gd name="connsiteX7" fmla="*/ 3295847 w 3320862"/>
-              <a:gd name="connsiteY7" fmla="*/ 398014 h 2388092"/>
-              <a:gd name="connsiteX8" fmla="*/ 2921774 w 3320862"/>
-              <a:gd name="connsiteY8" fmla="*/ 2174860 h 2388092"/>
-              <a:gd name="connsiteX9" fmla="*/ 729292 w 3320862"/>
-              <a:gd name="connsiteY9" fmla="*/ 2133296 h 2388092"/>
-              <a:gd name="connsiteX10" fmla="*/ 95447 w 3320862"/>
-              <a:gd name="connsiteY10" fmla="*/ 169414 h 2388092"/>
-              <a:gd name="connsiteX11" fmla="*/ 64274 w 3320862"/>
-              <a:gd name="connsiteY11" fmla="*/ 127851 h 2388092"/>
-              <a:gd name="connsiteX0" fmla="*/ 47 w 3225462"/>
-              <a:gd name="connsiteY0" fmla="*/ 107087 h 2325765"/>
-              <a:gd name="connsiteX1" fmla="*/ 602720 w 3225462"/>
-              <a:gd name="connsiteY1" fmla="*/ 335687 h 2325765"/>
-              <a:gd name="connsiteX2" fmla="*/ 1049529 w 3225462"/>
-              <a:gd name="connsiteY2" fmla="*/ 979924 h 2325765"/>
-              <a:gd name="connsiteX3" fmla="*/ 1537901 w 3225462"/>
-              <a:gd name="connsiteY3" fmla="*/ 1187742 h 2325765"/>
-              <a:gd name="connsiteX4" fmla="*/ 2192529 w 3225462"/>
-              <a:gd name="connsiteY4" fmla="*/ 699369 h 2325765"/>
-              <a:gd name="connsiteX5" fmla="*/ 2618556 w 3225462"/>
-              <a:gd name="connsiteY5" fmla="*/ 262951 h 2325765"/>
-              <a:gd name="connsiteX6" fmla="*/ 3127711 w 3225462"/>
-              <a:gd name="connsiteY6" fmla="*/ 96696 h 2325765"/>
-              <a:gd name="connsiteX7" fmla="*/ 3200447 w 3225462"/>
-              <a:gd name="connsiteY7" fmla="*/ 335687 h 2325765"/>
-              <a:gd name="connsiteX8" fmla="*/ 2826374 w 3225462"/>
-              <a:gd name="connsiteY8" fmla="*/ 2112533 h 2325765"/>
-              <a:gd name="connsiteX9" fmla="*/ 633892 w 3225462"/>
-              <a:gd name="connsiteY9" fmla="*/ 2070969 h 2325765"/>
-              <a:gd name="connsiteX10" fmla="*/ 47 w 3225462"/>
-              <a:gd name="connsiteY10" fmla="*/ 107087 h 2325765"/>
-              <a:gd name="connsiteX0" fmla="*/ 47 w 3225462"/>
-              <a:gd name="connsiteY0" fmla="*/ 107087 h 2325765"/>
-              <a:gd name="connsiteX1" fmla="*/ 602720 w 3225462"/>
-              <a:gd name="connsiteY1" fmla="*/ 335687 h 2325765"/>
-              <a:gd name="connsiteX2" fmla="*/ 1049529 w 3225462"/>
-              <a:gd name="connsiteY2" fmla="*/ 979924 h 2325765"/>
-              <a:gd name="connsiteX3" fmla="*/ 1537901 w 3225462"/>
-              <a:gd name="connsiteY3" fmla="*/ 1187742 h 2325765"/>
-              <a:gd name="connsiteX4" fmla="*/ 2192529 w 3225462"/>
-              <a:gd name="connsiteY4" fmla="*/ 699369 h 2325765"/>
-              <a:gd name="connsiteX5" fmla="*/ 2618556 w 3225462"/>
-              <a:gd name="connsiteY5" fmla="*/ 262951 h 2325765"/>
-              <a:gd name="connsiteX6" fmla="*/ 3127711 w 3225462"/>
-              <a:gd name="connsiteY6" fmla="*/ 96696 h 2325765"/>
-              <a:gd name="connsiteX7" fmla="*/ 3200447 w 3225462"/>
-              <a:gd name="connsiteY7" fmla="*/ 335687 h 2325765"/>
-              <a:gd name="connsiteX8" fmla="*/ 2826374 w 3225462"/>
-              <a:gd name="connsiteY8" fmla="*/ 2112533 h 2325765"/>
-              <a:gd name="connsiteX9" fmla="*/ 633892 w 3225462"/>
-              <a:gd name="connsiteY9" fmla="*/ 2070969 h 2325765"/>
-              <a:gd name="connsiteX10" fmla="*/ 47 w 3225462"/>
-              <a:gd name="connsiteY10" fmla="*/ 107087 h 2325765"/>
-              <a:gd name="connsiteX0" fmla="*/ 0 w 3225415"/>
-              <a:gd name="connsiteY0" fmla="*/ 18038 h 2236716"/>
-              <a:gd name="connsiteX1" fmla="*/ 602673 w 3225415"/>
-              <a:gd name="connsiteY1" fmla="*/ 246638 h 2236716"/>
-              <a:gd name="connsiteX2" fmla="*/ 1049482 w 3225415"/>
-              <a:gd name="connsiteY2" fmla="*/ 890875 h 2236716"/>
-              <a:gd name="connsiteX3" fmla="*/ 1537854 w 3225415"/>
-              <a:gd name="connsiteY3" fmla="*/ 1098693 h 2236716"/>
-              <a:gd name="connsiteX4" fmla="*/ 2192482 w 3225415"/>
-              <a:gd name="connsiteY4" fmla="*/ 610320 h 2236716"/>
-              <a:gd name="connsiteX5" fmla="*/ 2618509 w 3225415"/>
-              <a:gd name="connsiteY5" fmla="*/ 173902 h 2236716"/>
-              <a:gd name="connsiteX6" fmla="*/ 3127664 w 3225415"/>
-              <a:gd name="connsiteY6" fmla="*/ 7647 h 2236716"/>
-              <a:gd name="connsiteX7" fmla="*/ 3200400 w 3225415"/>
-              <a:gd name="connsiteY7" fmla="*/ 246638 h 2236716"/>
-              <a:gd name="connsiteX8" fmla="*/ 2826327 w 3225415"/>
-              <a:gd name="connsiteY8" fmla="*/ 2023484 h 2236716"/>
-              <a:gd name="connsiteX9" fmla="*/ 633845 w 3225415"/>
-              <a:gd name="connsiteY9" fmla="*/ 1981920 h 2236716"/>
-              <a:gd name="connsiteX10" fmla="*/ 0 w 3225415"/>
-              <a:gd name="connsiteY10" fmla="*/ 18038 h 2236716"/>
-              <a:gd name="connsiteX0" fmla="*/ 0 w 3207367"/>
-              <a:gd name="connsiteY0" fmla="*/ 0 h 2248757"/>
-              <a:gd name="connsiteX1" fmla="*/ 584625 w 3207367"/>
-              <a:gd name="connsiteY1" fmla="*/ 258679 h 2248757"/>
-              <a:gd name="connsiteX2" fmla="*/ 1031434 w 3207367"/>
-              <a:gd name="connsiteY2" fmla="*/ 902916 h 2248757"/>
-              <a:gd name="connsiteX3" fmla="*/ 1519806 w 3207367"/>
-              <a:gd name="connsiteY3" fmla="*/ 1110734 h 2248757"/>
-              <a:gd name="connsiteX4" fmla="*/ 2174434 w 3207367"/>
-              <a:gd name="connsiteY4" fmla="*/ 622361 h 2248757"/>
-              <a:gd name="connsiteX5" fmla="*/ 2600461 w 3207367"/>
-              <a:gd name="connsiteY5" fmla="*/ 185943 h 2248757"/>
-              <a:gd name="connsiteX6" fmla="*/ 3109616 w 3207367"/>
-              <a:gd name="connsiteY6" fmla="*/ 19688 h 2248757"/>
-              <a:gd name="connsiteX7" fmla="*/ 3182352 w 3207367"/>
-              <a:gd name="connsiteY7" fmla="*/ 258679 h 2248757"/>
-              <a:gd name="connsiteX8" fmla="*/ 2808279 w 3207367"/>
-              <a:gd name="connsiteY8" fmla="*/ 2035525 h 2248757"/>
-              <a:gd name="connsiteX9" fmla="*/ 615797 w 3207367"/>
-              <a:gd name="connsiteY9" fmla="*/ 1993961 h 2248757"/>
-              <a:gd name="connsiteX10" fmla="*/ 0 w 3207367"/>
-              <a:gd name="connsiteY10" fmla="*/ 0 h 2248757"/>
-              <a:gd name="connsiteX0" fmla="*/ 0 w 3139364"/>
-              <a:gd name="connsiteY0" fmla="*/ 99755 h 2364086"/>
-              <a:gd name="connsiteX1" fmla="*/ 584625 w 3139364"/>
-              <a:gd name="connsiteY1" fmla="*/ 358434 h 2364086"/>
-              <a:gd name="connsiteX2" fmla="*/ 1031434 w 3139364"/>
-              <a:gd name="connsiteY2" fmla="*/ 1002671 h 2364086"/>
-              <a:gd name="connsiteX3" fmla="*/ 1519806 w 3139364"/>
-              <a:gd name="connsiteY3" fmla="*/ 1210489 h 2364086"/>
-              <a:gd name="connsiteX4" fmla="*/ 2174434 w 3139364"/>
-              <a:gd name="connsiteY4" fmla="*/ 722116 h 2364086"/>
-              <a:gd name="connsiteX5" fmla="*/ 2600461 w 3139364"/>
-              <a:gd name="connsiteY5" fmla="*/ 285698 h 2364086"/>
-              <a:gd name="connsiteX6" fmla="*/ 3109616 w 3139364"/>
-              <a:gd name="connsiteY6" fmla="*/ 119443 h 2364086"/>
-              <a:gd name="connsiteX7" fmla="*/ 2808279 w 3139364"/>
-              <a:gd name="connsiteY7" fmla="*/ 2135280 h 2364086"/>
-              <a:gd name="connsiteX8" fmla="*/ 615797 w 3139364"/>
-              <a:gd name="connsiteY8" fmla="*/ 2093716 h 2364086"/>
-              <a:gd name="connsiteX9" fmla="*/ 0 w 3139364"/>
-              <a:gd name="connsiteY9" fmla="*/ 99755 h 2364086"/>
-              <a:gd name="connsiteX0" fmla="*/ 0 w 3139364"/>
-              <a:gd name="connsiteY0" fmla="*/ 99755 h 2364086"/>
-              <a:gd name="connsiteX1" fmla="*/ 584625 w 3139364"/>
-              <a:gd name="connsiteY1" fmla="*/ 358434 h 2364086"/>
-              <a:gd name="connsiteX2" fmla="*/ 1031434 w 3139364"/>
-              <a:gd name="connsiteY2" fmla="*/ 1002671 h 2364086"/>
-              <a:gd name="connsiteX3" fmla="*/ 1519806 w 3139364"/>
-              <a:gd name="connsiteY3" fmla="*/ 1210489 h 2364086"/>
-              <a:gd name="connsiteX4" fmla="*/ 2174434 w 3139364"/>
-              <a:gd name="connsiteY4" fmla="*/ 722116 h 2364086"/>
-              <a:gd name="connsiteX5" fmla="*/ 2600461 w 3139364"/>
-              <a:gd name="connsiteY5" fmla="*/ 285698 h 2364086"/>
-              <a:gd name="connsiteX6" fmla="*/ 3109616 w 3139364"/>
-              <a:gd name="connsiteY6" fmla="*/ 119443 h 2364086"/>
-              <a:gd name="connsiteX7" fmla="*/ 2808279 w 3139364"/>
-              <a:gd name="connsiteY7" fmla="*/ 2135280 h 2364086"/>
-              <a:gd name="connsiteX8" fmla="*/ 615797 w 3139364"/>
-              <a:gd name="connsiteY8" fmla="*/ 2093716 h 2364086"/>
-              <a:gd name="connsiteX9" fmla="*/ 0 w 3139364"/>
-              <a:gd name="connsiteY9" fmla="*/ 99755 h 2364086"/>
-              <a:gd name="connsiteX0" fmla="*/ 0 w 3139364"/>
-              <a:gd name="connsiteY0" fmla="*/ 0 h 2264331"/>
-              <a:gd name="connsiteX1" fmla="*/ 584625 w 3139364"/>
-              <a:gd name="connsiteY1" fmla="*/ 258679 h 2264331"/>
-              <a:gd name="connsiteX2" fmla="*/ 1031434 w 3139364"/>
-              <a:gd name="connsiteY2" fmla="*/ 902916 h 2264331"/>
-              <a:gd name="connsiteX3" fmla="*/ 1519806 w 3139364"/>
-              <a:gd name="connsiteY3" fmla="*/ 1110734 h 2264331"/>
-              <a:gd name="connsiteX4" fmla="*/ 2174434 w 3139364"/>
-              <a:gd name="connsiteY4" fmla="*/ 622361 h 2264331"/>
-              <a:gd name="connsiteX5" fmla="*/ 2600461 w 3139364"/>
-              <a:gd name="connsiteY5" fmla="*/ 185943 h 2264331"/>
-              <a:gd name="connsiteX6" fmla="*/ 3109616 w 3139364"/>
-              <a:gd name="connsiteY6" fmla="*/ 19688 h 2264331"/>
-              <a:gd name="connsiteX7" fmla="*/ 2808279 w 3139364"/>
-              <a:gd name="connsiteY7" fmla="*/ 2035525 h 2264331"/>
-              <a:gd name="connsiteX8" fmla="*/ 615797 w 3139364"/>
-              <a:gd name="connsiteY8" fmla="*/ 1993961 h 2264331"/>
-              <a:gd name="connsiteX9" fmla="*/ 0 w 3139364"/>
-              <a:gd name="connsiteY9" fmla="*/ 0 h 2264331"/>
-              <a:gd name="connsiteX0" fmla="*/ 0 w 3139364"/>
-              <a:gd name="connsiteY0" fmla="*/ 0 h 2264331"/>
-              <a:gd name="connsiteX1" fmla="*/ 584625 w 3139364"/>
-              <a:gd name="connsiteY1" fmla="*/ 258679 h 2264331"/>
-              <a:gd name="connsiteX2" fmla="*/ 1031434 w 3139364"/>
-              <a:gd name="connsiteY2" fmla="*/ 902916 h 2264331"/>
-              <a:gd name="connsiteX3" fmla="*/ 1519806 w 3139364"/>
-              <a:gd name="connsiteY3" fmla="*/ 1110734 h 2264331"/>
-              <a:gd name="connsiteX4" fmla="*/ 2264670 w 3139364"/>
-              <a:gd name="connsiteY4" fmla="*/ 538140 h 2264331"/>
-              <a:gd name="connsiteX5" fmla="*/ 2600461 w 3139364"/>
-              <a:gd name="connsiteY5" fmla="*/ 185943 h 2264331"/>
-              <a:gd name="connsiteX6" fmla="*/ 3109616 w 3139364"/>
-              <a:gd name="connsiteY6" fmla="*/ 19688 h 2264331"/>
-              <a:gd name="connsiteX7" fmla="*/ 2808279 w 3139364"/>
-              <a:gd name="connsiteY7" fmla="*/ 2035525 h 2264331"/>
-              <a:gd name="connsiteX8" fmla="*/ 615797 w 3139364"/>
-              <a:gd name="connsiteY8" fmla="*/ 1993961 h 2264331"/>
-              <a:gd name="connsiteX9" fmla="*/ 0 w 3139364"/>
-              <a:gd name="connsiteY9" fmla="*/ 0 h 2264331"/>
-              <a:gd name="connsiteX0" fmla="*/ 0 w 3139364"/>
-              <a:gd name="connsiteY0" fmla="*/ 0 h 2264331"/>
-              <a:gd name="connsiteX1" fmla="*/ 584625 w 3139364"/>
-              <a:gd name="connsiteY1" fmla="*/ 258679 h 2264331"/>
-              <a:gd name="connsiteX2" fmla="*/ 1031434 w 3139364"/>
-              <a:gd name="connsiteY2" fmla="*/ 902916 h 2264331"/>
-              <a:gd name="connsiteX3" fmla="*/ 1519806 w 3139364"/>
-              <a:gd name="connsiteY3" fmla="*/ 1110734 h 2264331"/>
-              <a:gd name="connsiteX4" fmla="*/ 2264670 w 3139364"/>
-              <a:gd name="connsiteY4" fmla="*/ 538140 h 2264331"/>
-              <a:gd name="connsiteX5" fmla="*/ 2600461 w 3139364"/>
-              <a:gd name="connsiteY5" fmla="*/ 185943 h 2264331"/>
-              <a:gd name="connsiteX6" fmla="*/ 3109616 w 3139364"/>
-              <a:gd name="connsiteY6" fmla="*/ 19688 h 2264331"/>
-              <a:gd name="connsiteX7" fmla="*/ 2808279 w 3139364"/>
-              <a:gd name="connsiteY7" fmla="*/ 2035525 h 2264331"/>
-              <a:gd name="connsiteX8" fmla="*/ 615797 w 3139364"/>
-              <a:gd name="connsiteY8" fmla="*/ 1993961 h 2264331"/>
-              <a:gd name="connsiteX9" fmla="*/ 0 w 3139364"/>
-              <a:gd name="connsiteY9" fmla="*/ 0 h 2264331"/>
-              <a:gd name="connsiteX0" fmla="*/ 0 w 3139364"/>
-              <a:gd name="connsiteY0" fmla="*/ 0 h 2264331"/>
-              <a:gd name="connsiteX1" fmla="*/ 584625 w 3139364"/>
-              <a:gd name="connsiteY1" fmla="*/ 258679 h 2264331"/>
-              <a:gd name="connsiteX2" fmla="*/ 1031434 w 3139364"/>
-              <a:gd name="connsiteY2" fmla="*/ 902916 h 2264331"/>
-              <a:gd name="connsiteX3" fmla="*/ 1555900 w 3139364"/>
-              <a:gd name="connsiteY3" fmla="*/ 1074639 h 2264331"/>
-              <a:gd name="connsiteX4" fmla="*/ 2264670 w 3139364"/>
-              <a:gd name="connsiteY4" fmla="*/ 538140 h 2264331"/>
-              <a:gd name="connsiteX5" fmla="*/ 2600461 w 3139364"/>
-              <a:gd name="connsiteY5" fmla="*/ 185943 h 2264331"/>
-              <a:gd name="connsiteX6" fmla="*/ 3109616 w 3139364"/>
-              <a:gd name="connsiteY6" fmla="*/ 19688 h 2264331"/>
-              <a:gd name="connsiteX7" fmla="*/ 2808279 w 3139364"/>
-              <a:gd name="connsiteY7" fmla="*/ 2035525 h 2264331"/>
-              <a:gd name="connsiteX8" fmla="*/ 615797 w 3139364"/>
-              <a:gd name="connsiteY8" fmla="*/ 1993961 h 2264331"/>
-              <a:gd name="connsiteX9" fmla="*/ 0 w 3139364"/>
-              <a:gd name="connsiteY9" fmla="*/ 0 h 2264331"/>
-              <a:gd name="connsiteX0" fmla="*/ 0 w 3139364"/>
-              <a:gd name="connsiteY0" fmla="*/ 0 h 2264331"/>
-              <a:gd name="connsiteX1" fmla="*/ 584625 w 3139364"/>
-              <a:gd name="connsiteY1" fmla="*/ 258679 h 2264331"/>
-              <a:gd name="connsiteX2" fmla="*/ 1031434 w 3139364"/>
-              <a:gd name="connsiteY2" fmla="*/ 902916 h 2264331"/>
-              <a:gd name="connsiteX3" fmla="*/ 1555900 w 3139364"/>
-              <a:gd name="connsiteY3" fmla="*/ 1074639 h 2264331"/>
-              <a:gd name="connsiteX4" fmla="*/ 2264670 w 3139364"/>
-              <a:gd name="connsiteY4" fmla="*/ 538140 h 2264331"/>
-              <a:gd name="connsiteX5" fmla="*/ 2600461 w 3139364"/>
-              <a:gd name="connsiteY5" fmla="*/ 185943 h 2264331"/>
-              <a:gd name="connsiteX6" fmla="*/ 3109616 w 3139364"/>
-              <a:gd name="connsiteY6" fmla="*/ 19688 h 2264331"/>
-              <a:gd name="connsiteX7" fmla="*/ 2808279 w 3139364"/>
-              <a:gd name="connsiteY7" fmla="*/ 2035525 h 2264331"/>
-              <a:gd name="connsiteX8" fmla="*/ 615797 w 3139364"/>
-              <a:gd name="connsiteY8" fmla="*/ 1993961 h 2264331"/>
-              <a:gd name="connsiteX9" fmla="*/ 0 w 3139364"/>
-              <a:gd name="connsiteY9" fmla="*/ 0 h 2264331"/>
-              <a:gd name="connsiteX0" fmla="*/ 0 w 3139364"/>
-              <a:gd name="connsiteY0" fmla="*/ 0 h 2264331"/>
-              <a:gd name="connsiteX1" fmla="*/ 584625 w 3139364"/>
-              <a:gd name="connsiteY1" fmla="*/ 258679 h 2264331"/>
-              <a:gd name="connsiteX2" fmla="*/ 1031434 w 3139364"/>
-              <a:gd name="connsiteY2" fmla="*/ 902916 h 2264331"/>
-              <a:gd name="connsiteX3" fmla="*/ 1579963 w 3139364"/>
-              <a:gd name="connsiteY3" fmla="*/ 1074639 h 2264331"/>
-              <a:gd name="connsiteX4" fmla="*/ 2264670 w 3139364"/>
-              <a:gd name="connsiteY4" fmla="*/ 538140 h 2264331"/>
-              <a:gd name="connsiteX5" fmla="*/ 2600461 w 3139364"/>
-              <a:gd name="connsiteY5" fmla="*/ 185943 h 2264331"/>
-              <a:gd name="connsiteX6" fmla="*/ 3109616 w 3139364"/>
-              <a:gd name="connsiteY6" fmla="*/ 19688 h 2264331"/>
-              <a:gd name="connsiteX7" fmla="*/ 2808279 w 3139364"/>
-              <a:gd name="connsiteY7" fmla="*/ 2035525 h 2264331"/>
-              <a:gd name="connsiteX8" fmla="*/ 615797 w 3139364"/>
-              <a:gd name="connsiteY8" fmla="*/ 1993961 h 2264331"/>
-              <a:gd name="connsiteX9" fmla="*/ 0 w 3139364"/>
-              <a:gd name="connsiteY9" fmla="*/ 0 h 2264331"/>
-              <a:gd name="connsiteX0" fmla="*/ 0 w 3139364"/>
-              <a:gd name="connsiteY0" fmla="*/ 0 h 2264331"/>
-              <a:gd name="connsiteX1" fmla="*/ 584625 w 3139364"/>
-              <a:gd name="connsiteY1" fmla="*/ 258679 h 2264331"/>
-              <a:gd name="connsiteX2" fmla="*/ 1031434 w 3139364"/>
-              <a:gd name="connsiteY2" fmla="*/ 902916 h 2264331"/>
-              <a:gd name="connsiteX3" fmla="*/ 1664184 w 3139364"/>
-              <a:gd name="connsiteY3" fmla="*/ 1098702 h 2264331"/>
-              <a:gd name="connsiteX4" fmla="*/ 2264670 w 3139364"/>
-              <a:gd name="connsiteY4" fmla="*/ 538140 h 2264331"/>
-              <a:gd name="connsiteX5" fmla="*/ 2600461 w 3139364"/>
-              <a:gd name="connsiteY5" fmla="*/ 185943 h 2264331"/>
-              <a:gd name="connsiteX6" fmla="*/ 3109616 w 3139364"/>
-              <a:gd name="connsiteY6" fmla="*/ 19688 h 2264331"/>
-              <a:gd name="connsiteX7" fmla="*/ 2808279 w 3139364"/>
-              <a:gd name="connsiteY7" fmla="*/ 2035525 h 2264331"/>
-              <a:gd name="connsiteX8" fmla="*/ 615797 w 3139364"/>
-              <a:gd name="connsiteY8" fmla="*/ 1993961 h 2264331"/>
-              <a:gd name="connsiteX9" fmla="*/ 0 w 3139364"/>
-              <a:gd name="connsiteY9" fmla="*/ 0 h 2264331"/>
-              <a:gd name="connsiteX0" fmla="*/ 0 w 3139364"/>
-              <a:gd name="connsiteY0" fmla="*/ 0 h 2264331"/>
-              <a:gd name="connsiteX1" fmla="*/ 584625 w 3139364"/>
-              <a:gd name="connsiteY1" fmla="*/ 258679 h 2264331"/>
-              <a:gd name="connsiteX2" fmla="*/ 1031434 w 3139364"/>
-              <a:gd name="connsiteY2" fmla="*/ 902916 h 2264331"/>
-              <a:gd name="connsiteX3" fmla="*/ 1664184 w 3139364"/>
-              <a:gd name="connsiteY3" fmla="*/ 1098702 h 2264331"/>
-              <a:gd name="connsiteX4" fmla="*/ 2264670 w 3139364"/>
-              <a:gd name="connsiteY4" fmla="*/ 538140 h 2264331"/>
-              <a:gd name="connsiteX5" fmla="*/ 2600461 w 3139364"/>
-              <a:gd name="connsiteY5" fmla="*/ 185943 h 2264331"/>
-              <a:gd name="connsiteX6" fmla="*/ 3109616 w 3139364"/>
-              <a:gd name="connsiteY6" fmla="*/ 19688 h 2264331"/>
-              <a:gd name="connsiteX7" fmla="*/ 2808279 w 3139364"/>
-              <a:gd name="connsiteY7" fmla="*/ 2035525 h 2264331"/>
-              <a:gd name="connsiteX8" fmla="*/ 615797 w 3139364"/>
-              <a:gd name="connsiteY8" fmla="*/ 1993961 h 2264331"/>
-              <a:gd name="connsiteX9" fmla="*/ 0 w 3139364"/>
-              <a:gd name="connsiteY9" fmla="*/ 0 h 2264331"/>
-              <a:gd name="connsiteX0" fmla="*/ 0 w 3139364"/>
-              <a:gd name="connsiteY0" fmla="*/ 0 h 2264331"/>
-              <a:gd name="connsiteX1" fmla="*/ 584625 w 3139364"/>
-              <a:gd name="connsiteY1" fmla="*/ 258679 h 2264331"/>
-              <a:gd name="connsiteX2" fmla="*/ 1031434 w 3139364"/>
-              <a:gd name="connsiteY2" fmla="*/ 902916 h 2264331"/>
-              <a:gd name="connsiteX3" fmla="*/ 1676216 w 3139364"/>
-              <a:gd name="connsiteY3" fmla="*/ 1086670 h 2264331"/>
-              <a:gd name="connsiteX4" fmla="*/ 2264670 w 3139364"/>
-              <a:gd name="connsiteY4" fmla="*/ 538140 h 2264331"/>
-              <a:gd name="connsiteX5" fmla="*/ 2600461 w 3139364"/>
-              <a:gd name="connsiteY5" fmla="*/ 185943 h 2264331"/>
-              <a:gd name="connsiteX6" fmla="*/ 3109616 w 3139364"/>
-              <a:gd name="connsiteY6" fmla="*/ 19688 h 2264331"/>
-              <a:gd name="connsiteX7" fmla="*/ 2808279 w 3139364"/>
-              <a:gd name="connsiteY7" fmla="*/ 2035525 h 2264331"/>
-              <a:gd name="connsiteX8" fmla="*/ 615797 w 3139364"/>
-              <a:gd name="connsiteY8" fmla="*/ 1993961 h 2264331"/>
-              <a:gd name="connsiteX9" fmla="*/ 0 w 3139364"/>
-              <a:gd name="connsiteY9" fmla="*/ 0 h 2264331"/>
-              <a:gd name="connsiteX0" fmla="*/ 0 w 3139364"/>
-              <a:gd name="connsiteY0" fmla="*/ 0 h 2264331"/>
-              <a:gd name="connsiteX1" fmla="*/ 584625 w 3139364"/>
-              <a:gd name="connsiteY1" fmla="*/ 258679 h 2264331"/>
-              <a:gd name="connsiteX2" fmla="*/ 1031434 w 3139364"/>
-              <a:gd name="connsiteY2" fmla="*/ 902916 h 2264331"/>
-              <a:gd name="connsiteX3" fmla="*/ 1676216 w 3139364"/>
-              <a:gd name="connsiteY3" fmla="*/ 1086670 h 2264331"/>
-              <a:gd name="connsiteX4" fmla="*/ 2234591 w 3139364"/>
-              <a:gd name="connsiteY4" fmla="*/ 544156 h 2264331"/>
-              <a:gd name="connsiteX5" fmla="*/ 2600461 w 3139364"/>
-              <a:gd name="connsiteY5" fmla="*/ 185943 h 2264331"/>
-              <a:gd name="connsiteX6" fmla="*/ 3109616 w 3139364"/>
-              <a:gd name="connsiteY6" fmla="*/ 19688 h 2264331"/>
-              <a:gd name="connsiteX7" fmla="*/ 2808279 w 3139364"/>
-              <a:gd name="connsiteY7" fmla="*/ 2035525 h 2264331"/>
-              <a:gd name="connsiteX8" fmla="*/ 615797 w 3139364"/>
-              <a:gd name="connsiteY8" fmla="*/ 1993961 h 2264331"/>
-              <a:gd name="connsiteX9" fmla="*/ 0 w 3139364"/>
-              <a:gd name="connsiteY9" fmla="*/ 0 h 2264331"/>
-              <a:gd name="connsiteX0" fmla="*/ 0 w 3139364"/>
-              <a:gd name="connsiteY0" fmla="*/ 0 h 2264331"/>
-              <a:gd name="connsiteX1" fmla="*/ 584625 w 3139364"/>
-              <a:gd name="connsiteY1" fmla="*/ 258679 h 2264331"/>
-              <a:gd name="connsiteX2" fmla="*/ 1031434 w 3139364"/>
-              <a:gd name="connsiteY2" fmla="*/ 902916 h 2264331"/>
-              <a:gd name="connsiteX3" fmla="*/ 1676216 w 3139364"/>
-              <a:gd name="connsiteY3" fmla="*/ 1086670 h 2264331"/>
-              <a:gd name="connsiteX4" fmla="*/ 2234591 w 3139364"/>
-              <a:gd name="connsiteY4" fmla="*/ 544156 h 2264331"/>
-              <a:gd name="connsiteX5" fmla="*/ 2600461 w 3139364"/>
-              <a:gd name="connsiteY5" fmla="*/ 185943 h 2264331"/>
-              <a:gd name="connsiteX6" fmla="*/ 3109616 w 3139364"/>
-              <a:gd name="connsiteY6" fmla="*/ 19688 h 2264331"/>
-              <a:gd name="connsiteX7" fmla="*/ 2808279 w 3139364"/>
-              <a:gd name="connsiteY7" fmla="*/ 2035525 h 2264331"/>
-              <a:gd name="connsiteX8" fmla="*/ 615797 w 3139364"/>
-              <a:gd name="connsiteY8" fmla="*/ 1993961 h 2264331"/>
-              <a:gd name="connsiteX9" fmla="*/ 0 w 3139364"/>
-              <a:gd name="connsiteY9" fmla="*/ 0 h 2264331"/>
-              <a:gd name="connsiteX0" fmla="*/ 0 w 3139364"/>
-              <a:gd name="connsiteY0" fmla="*/ 0 h 2264331"/>
-              <a:gd name="connsiteX1" fmla="*/ 584625 w 3139364"/>
-              <a:gd name="connsiteY1" fmla="*/ 258679 h 2264331"/>
-              <a:gd name="connsiteX2" fmla="*/ 1109639 w 3139364"/>
-              <a:gd name="connsiteY2" fmla="*/ 914948 h 2264331"/>
-              <a:gd name="connsiteX3" fmla="*/ 1676216 w 3139364"/>
-              <a:gd name="connsiteY3" fmla="*/ 1086670 h 2264331"/>
-              <a:gd name="connsiteX4" fmla="*/ 2234591 w 3139364"/>
-              <a:gd name="connsiteY4" fmla="*/ 544156 h 2264331"/>
-              <a:gd name="connsiteX5" fmla="*/ 2600461 w 3139364"/>
-              <a:gd name="connsiteY5" fmla="*/ 185943 h 2264331"/>
-              <a:gd name="connsiteX6" fmla="*/ 3109616 w 3139364"/>
-              <a:gd name="connsiteY6" fmla="*/ 19688 h 2264331"/>
-              <a:gd name="connsiteX7" fmla="*/ 2808279 w 3139364"/>
-              <a:gd name="connsiteY7" fmla="*/ 2035525 h 2264331"/>
-              <a:gd name="connsiteX8" fmla="*/ 615797 w 3139364"/>
-              <a:gd name="connsiteY8" fmla="*/ 1993961 h 2264331"/>
-              <a:gd name="connsiteX9" fmla="*/ 0 w 3139364"/>
-              <a:gd name="connsiteY9" fmla="*/ 0 h 2264331"/>
-              <a:gd name="connsiteX0" fmla="*/ 0 w 3139364"/>
-              <a:gd name="connsiteY0" fmla="*/ 0 h 2264331"/>
-              <a:gd name="connsiteX1" fmla="*/ 584625 w 3139364"/>
-              <a:gd name="connsiteY1" fmla="*/ 258679 h 2264331"/>
-              <a:gd name="connsiteX2" fmla="*/ 1109639 w 3139364"/>
-              <a:gd name="connsiteY2" fmla="*/ 914948 h 2264331"/>
-              <a:gd name="connsiteX3" fmla="*/ 1664185 w 3139364"/>
-              <a:gd name="connsiteY3" fmla="*/ 1068622 h 2264331"/>
-              <a:gd name="connsiteX4" fmla="*/ 2234591 w 3139364"/>
-              <a:gd name="connsiteY4" fmla="*/ 544156 h 2264331"/>
-              <a:gd name="connsiteX5" fmla="*/ 2600461 w 3139364"/>
-              <a:gd name="connsiteY5" fmla="*/ 185943 h 2264331"/>
-              <a:gd name="connsiteX6" fmla="*/ 3109616 w 3139364"/>
-              <a:gd name="connsiteY6" fmla="*/ 19688 h 2264331"/>
-              <a:gd name="connsiteX7" fmla="*/ 2808279 w 3139364"/>
-              <a:gd name="connsiteY7" fmla="*/ 2035525 h 2264331"/>
-              <a:gd name="connsiteX8" fmla="*/ 615797 w 3139364"/>
-              <a:gd name="connsiteY8" fmla="*/ 1993961 h 2264331"/>
-              <a:gd name="connsiteX9" fmla="*/ 0 w 3139364"/>
-              <a:gd name="connsiteY9" fmla="*/ 0 h 2264331"/>
-              <a:gd name="connsiteX0" fmla="*/ 0 w 3139364"/>
-              <a:gd name="connsiteY0" fmla="*/ 0 h 2264331"/>
-              <a:gd name="connsiteX1" fmla="*/ 584625 w 3139364"/>
-              <a:gd name="connsiteY1" fmla="*/ 258679 h 2264331"/>
-              <a:gd name="connsiteX2" fmla="*/ 1109639 w 3139364"/>
-              <a:gd name="connsiteY2" fmla="*/ 914948 h 2264331"/>
-              <a:gd name="connsiteX3" fmla="*/ 1664185 w 3139364"/>
-              <a:gd name="connsiteY3" fmla="*/ 1068622 h 2264331"/>
-              <a:gd name="connsiteX4" fmla="*/ 2234591 w 3139364"/>
-              <a:gd name="connsiteY4" fmla="*/ 544156 h 2264331"/>
-              <a:gd name="connsiteX5" fmla="*/ 2600461 w 3139364"/>
-              <a:gd name="connsiteY5" fmla="*/ 185943 h 2264331"/>
-              <a:gd name="connsiteX6" fmla="*/ 3109616 w 3139364"/>
-              <a:gd name="connsiteY6" fmla="*/ 19688 h 2264331"/>
-              <a:gd name="connsiteX7" fmla="*/ 2808279 w 3139364"/>
-              <a:gd name="connsiteY7" fmla="*/ 2035525 h 2264331"/>
-              <a:gd name="connsiteX8" fmla="*/ 615797 w 3139364"/>
-              <a:gd name="connsiteY8" fmla="*/ 1993961 h 2264331"/>
-              <a:gd name="connsiteX9" fmla="*/ 0 w 3139364"/>
-              <a:gd name="connsiteY9" fmla="*/ 0 h 2264331"/>
-              <a:gd name="connsiteX0" fmla="*/ 0 w 3139364"/>
-              <a:gd name="connsiteY0" fmla="*/ 0 h 2264331"/>
-              <a:gd name="connsiteX1" fmla="*/ 584625 w 3139364"/>
-              <a:gd name="connsiteY1" fmla="*/ 258679 h 2264331"/>
-              <a:gd name="connsiteX2" fmla="*/ 1109639 w 3139364"/>
-              <a:gd name="connsiteY2" fmla="*/ 914948 h 2264331"/>
-              <a:gd name="connsiteX3" fmla="*/ 1664185 w 3139364"/>
-              <a:gd name="connsiteY3" fmla="*/ 1068622 h 2264331"/>
-              <a:gd name="connsiteX4" fmla="*/ 2234591 w 3139364"/>
-              <a:gd name="connsiteY4" fmla="*/ 544156 h 2264331"/>
-              <a:gd name="connsiteX5" fmla="*/ 2600461 w 3139364"/>
-              <a:gd name="connsiteY5" fmla="*/ 185943 h 2264331"/>
-              <a:gd name="connsiteX6" fmla="*/ 3109616 w 3139364"/>
-              <a:gd name="connsiteY6" fmla="*/ 19688 h 2264331"/>
-              <a:gd name="connsiteX7" fmla="*/ 2808279 w 3139364"/>
-              <a:gd name="connsiteY7" fmla="*/ 2035525 h 2264331"/>
-              <a:gd name="connsiteX8" fmla="*/ 615797 w 3139364"/>
-              <a:gd name="connsiteY8" fmla="*/ 1993961 h 2264331"/>
-              <a:gd name="connsiteX9" fmla="*/ 0 w 3139364"/>
-              <a:gd name="connsiteY9" fmla="*/ 0 h 2264331"/>
-              <a:gd name="connsiteX0" fmla="*/ 0 w 3134834"/>
-              <a:gd name="connsiteY0" fmla="*/ 16407 h 2283122"/>
-              <a:gd name="connsiteX1" fmla="*/ 584625 w 3134834"/>
-              <a:gd name="connsiteY1" fmla="*/ 275086 h 2283122"/>
-              <a:gd name="connsiteX2" fmla="*/ 1109639 w 3134834"/>
-              <a:gd name="connsiteY2" fmla="*/ 931355 h 2283122"/>
-              <a:gd name="connsiteX3" fmla="*/ 1664185 w 3134834"/>
-              <a:gd name="connsiteY3" fmla="*/ 1085029 h 2283122"/>
-              <a:gd name="connsiteX4" fmla="*/ 2234591 w 3134834"/>
-              <a:gd name="connsiteY4" fmla="*/ 560563 h 2283122"/>
-              <a:gd name="connsiteX5" fmla="*/ 2600461 w 3134834"/>
-              <a:gd name="connsiteY5" fmla="*/ 202350 h 2283122"/>
-              <a:gd name="connsiteX6" fmla="*/ 3103601 w 3134834"/>
-              <a:gd name="connsiteY6" fmla="*/ 0 h 2283122"/>
-              <a:gd name="connsiteX7" fmla="*/ 2808279 w 3134834"/>
-              <a:gd name="connsiteY7" fmla="*/ 2051932 h 2283122"/>
-              <a:gd name="connsiteX8" fmla="*/ 615797 w 3134834"/>
-              <a:gd name="connsiteY8" fmla="*/ 2010368 h 2283122"/>
-              <a:gd name="connsiteX9" fmla="*/ 0 w 3134834"/>
-              <a:gd name="connsiteY9" fmla="*/ 16407 h 2283122"/>
-              <a:gd name="connsiteX0" fmla="*/ 0 w 3107206"/>
-              <a:gd name="connsiteY0" fmla="*/ 16407 h 2264110"/>
-              <a:gd name="connsiteX1" fmla="*/ 584625 w 3107206"/>
-              <a:gd name="connsiteY1" fmla="*/ 275086 h 2264110"/>
-              <a:gd name="connsiteX2" fmla="*/ 1109639 w 3107206"/>
-              <a:gd name="connsiteY2" fmla="*/ 931355 h 2264110"/>
-              <a:gd name="connsiteX3" fmla="*/ 1664185 w 3107206"/>
-              <a:gd name="connsiteY3" fmla="*/ 1085029 h 2264110"/>
-              <a:gd name="connsiteX4" fmla="*/ 2234591 w 3107206"/>
-              <a:gd name="connsiteY4" fmla="*/ 560563 h 2264110"/>
-              <a:gd name="connsiteX5" fmla="*/ 2600461 w 3107206"/>
-              <a:gd name="connsiteY5" fmla="*/ 202350 h 2264110"/>
-              <a:gd name="connsiteX6" fmla="*/ 3103601 w 3107206"/>
-              <a:gd name="connsiteY6" fmla="*/ 0 h 2264110"/>
-              <a:gd name="connsiteX7" fmla="*/ 2507490 w 3107206"/>
-              <a:gd name="connsiteY7" fmla="*/ 2015837 h 2264110"/>
-              <a:gd name="connsiteX8" fmla="*/ 615797 w 3107206"/>
-              <a:gd name="connsiteY8" fmla="*/ 2010368 h 2264110"/>
-              <a:gd name="connsiteX9" fmla="*/ 0 w 3107206"/>
-              <a:gd name="connsiteY9" fmla="*/ 16407 h 2264110"/>
-            </a:gdLst>
-            <a:ahLst/>
-            <a:cxnLst>
-              <a:cxn ang="0">
-                <a:pos x="connsiteX0" y="connsiteY0"/>
-              </a:cxn>
-              <a:cxn ang="0">
-                <a:pos x="connsiteX1" y="connsiteY1"/>
-              </a:cxn>
-              <a:cxn ang="0">
-                <a:pos x="connsiteX2" y="connsiteY2"/>
-              </a:cxn>
-              <a:cxn ang="0">
-                <a:pos x="connsiteX3" y="connsiteY3"/>
-              </a:cxn>
-              <a:cxn ang="0">
-                <a:pos x="connsiteX4" y="connsiteY4"/>
-              </a:cxn>
-              <a:cxn ang="0">
-                <a:pos x="connsiteX5" y="connsiteY5"/>
-              </a:cxn>
-              <a:cxn ang="0">
-                <a:pos x="connsiteX6" y="connsiteY6"/>
-              </a:cxn>
-              <a:cxn ang="0">
-                <a:pos x="connsiteX7" y="connsiteY7"/>
-              </a:cxn>
-              <a:cxn ang="0">
-                <a:pos x="connsiteX8" y="connsiteY8"/>
-              </a:cxn>
-              <a:cxn ang="0">
-                <a:pos x="connsiteX9" y="connsiteY9"/>
-              </a:cxn>
-            </a:cxnLst>
-            <a:rect l="l" t="t" r="r" b="b"/>
-            <a:pathLst>
-              <a:path w="3107206" h="2264110">
-                <a:moveTo>
-                  <a:pt x="0" y="16407"/>
-                </a:moveTo>
-                <a:cubicBezTo>
-                  <a:pt x="325674" y="106188"/>
-                  <a:pt x="399685" y="122595"/>
-                  <a:pt x="584625" y="275086"/>
-                </a:cubicBezTo>
-                <a:cubicBezTo>
-                  <a:pt x="769565" y="427577"/>
-                  <a:pt x="929712" y="796365"/>
-                  <a:pt x="1109639" y="931355"/>
-                </a:cubicBezTo>
-                <a:cubicBezTo>
-                  <a:pt x="1289566" y="1066345"/>
-                  <a:pt x="1356377" y="1128781"/>
-                  <a:pt x="1664185" y="1085029"/>
-                </a:cubicBezTo>
-                <a:cubicBezTo>
-                  <a:pt x="1971993" y="1041277"/>
-                  <a:pt x="2108624" y="749786"/>
-                  <a:pt x="2234591" y="560563"/>
-                </a:cubicBezTo>
-                <a:cubicBezTo>
-                  <a:pt x="2360558" y="371340"/>
-                  <a:pt x="2455626" y="295777"/>
-                  <a:pt x="2600461" y="202350"/>
-                </a:cubicBezTo>
-                <a:cubicBezTo>
-                  <a:pt x="2745296" y="108923"/>
-                  <a:pt x="2876460" y="64715"/>
-                  <a:pt x="3103601" y="0"/>
-                </a:cubicBezTo>
-                <a:cubicBezTo>
-                  <a:pt x="3138237" y="308264"/>
-                  <a:pt x="2922124" y="1680776"/>
-                  <a:pt x="2507490" y="2015837"/>
-                </a:cubicBezTo>
-                <a:cubicBezTo>
-                  <a:pt x="2092856" y="2350898"/>
-                  <a:pt x="1086851" y="2344609"/>
-                  <a:pt x="615797" y="2010368"/>
-                </a:cubicBezTo>
-                <a:cubicBezTo>
-                  <a:pt x="144743" y="1676127"/>
-                  <a:pt x="5195" y="305621"/>
-                  <a:pt x="0" y="16407"/>
-                </a:cubicBezTo>
-                <a:close/>
-              </a:path>
-            </a:pathLst>
-          </a:custGeom>
-          <a:solidFill>
-            <a:schemeClr val="tx1"/>
-          </a:solidFill>
-          <a:ln>
-            <a:noFill/>
-          </a:ln>
-        </p:spPr>
-        <p:style>
-          <a:lnRef idx="2">
-            <a:schemeClr val="accent1">
-              <a:shade val="50000"/>
-            </a:schemeClr>
-          </a:lnRef>
-          <a:fillRef idx="1">
-            <a:schemeClr val="accent1"/>
-          </a:fillRef>
-          <a:effectRef idx="0">
-            <a:schemeClr val="accent1"/>
-          </a:effectRef>
-          <a:fontRef idx="minor">
-            <a:schemeClr val="lt1"/>
-          </a:fontRef>
-        </p:style>
-        <p:txBody>
-          <a:bodyPr rtlCol="0" anchor="ctr"/>
-          <a:lstStyle/>
-          <a:p>
-            <a:pPr algn="ctr"/>
-            <a:endParaRPr lang="en-US"/>
-          </a:p>
-        </p:txBody>
-      </p:sp>
-      <p:sp>
-        <p:nvSpPr>
-          <p:cNvPr id="27" name="Rectangle 26"/>
-          <p:cNvSpPr/>
-          <p:nvPr/>
-        </p:nvSpPr>
-        <p:spPr>
-          <a:xfrm>
-            <a:off x="-1299583" y="6936329"/>
-            <a:ext cx="1333555" cy="738363"/>
-          </a:xfrm>
-          <a:prstGeom prst="rect">
-            <a:avLst/>
-          </a:prstGeom>
-        </p:spPr>
-        <p:style>
-          <a:lnRef idx="2">
-            <a:schemeClr val="accent1">
-              <a:shade val="50000"/>
-            </a:schemeClr>
-          </a:lnRef>
-          <a:fillRef idx="1">
-            <a:schemeClr val="accent1"/>
-          </a:fillRef>
-          <a:effectRef idx="0">
-            <a:schemeClr val="accent1"/>
-          </a:effectRef>
-          <a:fontRef idx="minor">
-            <a:schemeClr val="lt1"/>
-          </a:fontRef>
-        </p:style>
-        <p:txBody>
-          <a:bodyPr rtlCol="0" anchor="ctr"/>
-          <a:lstStyle/>
-          <a:p>
-            <a:pPr algn="ctr"/>
-            <a:endParaRPr lang="en-US"/>
-          </a:p>
-        </p:txBody>
-      </p:sp>
-    </p:spTree>
-    <p:extLst>
-      <p:ext uri="{BB962C8B-B14F-4D97-AF65-F5344CB8AC3E}">
-        <p14:creationId xmlns:p14="http://schemas.microsoft.com/office/powerpoint/2010/main" val="318217372"/>
-      </p:ext>
-    </p:extLst>
-  </p:cSld>
-  <p:clrMapOvr>
-    <a:masterClrMapping/>
-  </p:clrMapOvr>
-  <mc:AlternateContent xmlns:mc="http://schemas.openxmlformats.org/markup-compatibility/2006">
-    <mc:Choice xmlns:p14="http://schemas.microsoft.com/office/powerpoint/2010/main" Requires="p14">
-      <p:transition spd="slow" p14:dur="2000"/>
-    </mc:Choice>
-    <mc:Fallback>
-      <p:transition spd="slow"/>
-    </mc:Fallback>
-  </mc:AlternateContent>
-  <p:timing>
-    <p:tnLst>
-      <p:par>
-        <p:cTn id="1" dur="indefinite" restart="never" nodeType="tmRoot"/>
-      </p:par>
-    </p:tnLst>
-  </p:timing>
-</p:sld>
-</file>
-
-<file path=ppt/slides/slide3.xml><?xml version="1.0" encoding="utf-8"?>
-<p:sld xmlns:a="http://schemas.openxmlformats.org/drawingml/2006/main" xmlns:r="http://schemas.openxmlformats.org/officeDocument/2006/relationships" xmlns:p="http://schemas.openxmlformats.org/presentationml/2006/main" show="0">
-  <p:cSld>
-    <p:spTree>
-      <p:nvGrpSpPr>
-        <p:cNvPr id="1" name=""/>
-        <p:cNvGrpSpPr/>
-        <p:nvPr/>
-      </p:nvGrpSpPr>
-      <p:grpSpPr>
-        <a:xfrm>
-          <a:off x="0" y="0"/>
-          <a:ext cx="0" cy="0"/>
-          <a:chOff x="0" y="0"/>
-          <a:chExt cx="0" cy="0"/>
-        </a:xfrm>
-      </p:grpSpPr>
-      <p:pic>
-        <p:nvPicPr>
-          <p:cNvPr id="2" name="Picture 1"/>
-          <p:cNvPicPr>
-            <a:picLocks noChangeAspect="1"/>
-          </p:cNvPicPr>
-          <p:nvPr/>
-        </p:nvPicPr>
-        <p:blipFill>
-          <a:blip r:embed="rId2"/>
-          <a:stretch>
-            <a:fillRect/>
-          </a:stretch>
-        </p:blipFill>
-        <p:spPr>
-          <a:xfrm>
-            <a:off x="-3474747" y="1661126"/>
-            <a:ext cx="10901378" cy="5723222"/>
-          </a:xfrm>
-          <a:prstGeom prst="rect">
-            <a:avLst/>
-          </a:prstGeom>
-        </p:spPr>
-      </p:pic>
-      <p:sp>
-        <p:nvSpPr>
-          <p:cNvPr id="3" name="Freeform 2"/>
-          <p:cNvSpPr/>
-          <p:nvPr/>
-        </p:nvSpPr>
-        <p:spPr>
-          <a:xfrm>
-            <a:off x="4152135" y="4420805"/>
-            <a:ext cx="304234" cy="191833"/>
-          </a:xfrm>
-          <a:custGeom>
-            <a:avLst/>
-            <a:gdLst>
-              <a:gd name="connsiteX0" fmla="*/ 0 w 480951"/>
-              <a:gd name="connsiteY0" fmla="*/ 95003 h 285008"/>
-              <a:gd name="connsiteX1" fmla="*/ 302821 w 480951"/>
-              <a:gd name="connsiteY1" fmla="*/ 0 h 285008"/>
-              <a:gd name="connsiteX2" fmla="*/ 480951 w 480951"/>
-              <a:gd name="connsiteY2" fmla="*/ 285008 h 285008"/>
-              <a:gd name="connsiteX3" fmla="*/ 166255 w 480951"/>
-              <a:gd name="connsiteY3" fmla="*/ 273133 h 285008"/>
-              <a:gd name="connsiteX4" fmla="*/ 0 w 480951"/>
-              <a:gd name="connsiteY4" fmla="*/ 95003 h 285008"/>
-              <a:gd name="connsiteX0" fmla="*/ 0 w 483758"/>
-              <a:gd name="connsiteY0" fmla="*/ 102150 h 292155"/>
-              <a:gd name="connsiteX1" fmla="*/ 302821 w 483758"/>
-              <a:gd name="connsiteY1" fmla="*/ 7147 h 292155"/>
-              <a:gd name="connsiteX2" fmla="*/ 480951 w 483758"/>
-              <a:gd name="connsiteY2" fmla="*/ 292155 h 292155"/>
-              <a:gd name="connsiteX3" fmla="*/ 166255 w 483758"/>
-              <a:gd name="connsiteY3" fmla="*/ 280280 h 292155"/>
-              <a:gd name="connsiteX4" fmla="*/ 0 w 483758"/>
-              <a:gd name="connsiteY4" fmla="*/ 102150 h 292155"/>
-              <a:gd name="connsiteX0" fmla="*/ 0 w 483758"/>
-              <a:gd name="connsiteY0" fmla="*/ 102150 h 292155"/>
-              <a:gd name="connsiteX1" fmla="*/ 302821 w 483758"/>
-              <a:gd name="connsiteY1" fmla="*/ 7147 h 292155"/>
-              <a:gd name="connsiteX2" fmla="*/ 480951 w 483758"/>
-              <a:gd name="connsiteY2" fmla="*/ 292155 h 292155"/>
-              <a:gd name="connsiteX3" fmla="*/ 166255 w 483758"/>
-              <a:gd name="connsiteY3" fmla="*/ 280280 h 292155"/>
-              <a:gd name="connsiteX4" fmla="*/ 0 w 483758"/>
-              <a:gd name="connsiteY4" fmla="*/ 102150 h 292155"/>
-              <a:gd name="connsiteX0" fmla="*/ 0 w 483758"/>
-              <a:gd name="connsiteY0" fmla="*/ 102150 h 292155"/>
-              <a:gd name="connsiteX1" fmla="*/ 302821 w 483758"/>
-              <a:gd name="connsiteY1" fmla="*/ 7147 h 292155"/>
-              <a:gd name="connsiteX2" fmla="*/ 480951 w 483758"/>
-              <a:gd name="connsiteY2" fmla="*/ 292155 h 292155"/>
-              <a:gd name="connsiteX3" fmla="*/ 166255 w 483758"/>
-              <a:gd name="connsiteY3" fmla="*/ 280280 h 292155"/>
-              <a:gd name="connsiteX4" fmla="*/ 0 w 483758"/>
-              <a:gd name="connsiteY4" fmla="*/ 102150 h 292155"/>
-              <a:gd name="connsiteX0" fmla="*/ 0 w 486963"/>
-              <a:gd name="connsiteY0" fmla="*/ 105906 h 295911"/>
-              <a:gd name="connsiteX1" fmla="*/ 302821 w 486963"/>
-              <a:gd name="connsiteY1" fmla="*/ 10903 h 295911"/>
-              <a:gd name="connsiteX2" fmla="*/ 480951 w 486963"/>
-              <a:gd name="connsiteY2" fmla="*/ 295911 h 295911"/>
-              <a:gd name="connsiteX3" fmla="*/ 166255 w 486963"/>
-              <a:gd name="connsiteY3" fmla="*/ 284036 h 295911"/>
-              <a:gd name="connsiteX4" fmla="*/ 0 w 486963"/>
-              <a:gd name="connsiteY4" fmla="*/ 105906 h 295911"/>
-              <a:gd name="connsiteX0" fmla="*/ 0 w 484025"/>
-              <a:gd name="connsiteY0" fmla="*/ 108797 h 298802"/>
-              <a:gd name="connsiteX1" fmla="*/ 302821 w 484025"/>
-              <a:gd name="connsiteY1" fmla="*/ 13794 h 298802"/>
-              <a:gd name="connsiteX2" fmla="*/ 480951 w 484025"/>
-              <a:gd name="connsiteY2" fmla="*/ 298802 h 298802"/>
-              <a:gd name="connsiteX3" fmla="*/ 166255 w 484025"/>
-              <a:gd name="connsiteY3" fmla="*/ 286927 h 298802"/>
-              <a:gd name="connsiteX4" fmla="*/ 0 w 484025"/>
-              <a:gd name="connsiteY4" fmla="*/ 108797 h 298802"/>
-              <a:gd name="connsiteX0" fmla="*/ 0 w 484364"/>
-              <a:gd name="connsiteY0" fmla="*/ 108797 h 298802"/>
-              <a:gd name="connsiteX1" fmla="*/ 302821 w 484364"/>
-              <a:gd name="connsiteY1" fmla="*/ 13794 h 298802"/>
-              <a:gd name="connsiteX2" fmla="*/ 480951 w 484364"/>
-              <a:gd name="connsiteY2" fmla="*/ 298802 h 298802"/>
-              <a:gd name="connsiteX3" fmla="*/ 166255 w 484364"/>
-              <a:gd name="connsiteY3" fmla="*/ 286927 h 298802"/>
-              <a:gd name="connsiteX4" fmla="*/ 0 w 484364"/>
-              <a:gd name="connsiteY4" fmla="*/ 108797 h 298802"/>
-              <a:gd name="connsiteX0" fmla="*/ 3746 w 488110"/>
-              <a:gd name="connsiteY0" fmla="*/ 108797 h 298802"/>
-              <a:gd name="connsiteX1" fmla="*/ 306567 w 488110"/>
-              <a:gd name="connsiteY1" fmla="*/ 13794 h 298802"/>
-              <a:gd name="connsiteX2" fmla="*/ 484697 w 488110"/>
-              <a:gd name="connsiteY2" fmla="*/ 298802 h 298802"/>
-              <a:gd name="connsiteX3" fmla="*/ 170001 w 488110"/>
-              <a:gd name="connsiteY3" fmla="*/ 286927 h 298802"/>
-              <a:gd name="connsiteX4" fmla="*/ 3746 w 488110"/>
-              <a:gd name="connsiteY4" fmla="*/ 108797 h 298802"/>
-              <a:gd name="connsiteX0" fmla="*/ 3746 w 488110"/>
-              <a:gd name="connsiteY0" fmla="*/ 108797 h 308145"/>
-              <a:gd name="connsiteX1" fmla="*/ 306567 w 488110"/>
-              <a:gd name="connsiteY1" fmla="*/ 13794 h 308145"/>
-              <a:gd name="connsiteX2" fmla="*/ 484697 w 488110"/>
-              <a:gd name="connsiteY2" fmla="*/ 298802 h 308145"/>
-              <a:gd name="connsiteX3" fmla="*/ 170001 w 488110"/>
-              <a:gd name="connsiteY3" fmla="*/ 286927 h 308145"/>
-              <a:gd name="connsiteX4" fmla="*/ 3746 w 488110"/>
-              <a:gd name="connsiteY4" fmla="*/ 108797 h 308145"/>
-              <a:gd name="connsiteX0" fmla="*/ 3746 w 488110"/>
-              <a:gd name="connsiteY0" fmla="*/ 108797 h 308145"/>
-              <a:gd name="connsiteX1" fmla="*/ 306567 w 488110"/>
-              <a:gd name="connsiteY1" fmla="*/ 13794 h 308145"/>
-              <a:gd name="connsiteX2" fmla="*/ 484697 w 488110"/>
-              <a:gd name="connsiteY2" fmla="*/ 298802 h 308145"/>
-              <a:gd name="connsiteX3" fmla="*/ 170001 w 488110"/>
-              <a:gd name="connsiteY3" fmla="*/ 286927 h 308145"/>
-              <a:gd name="connsiteX4" fmla="*/ 3746 w 488110"/>
-              <a:gd name="connsiteY4" fmla="*/ 108797 h 308145"/>
-              <a:gd name="connsiteX0" fmla="*/ 3746 w 484697"/>
-              <a:gd name="connsiteY0" fmla="*/ 108797 h 308145"/>
-              <a:gd name="connsiteX1" fmla="*/ 306567 w 484697"/>
-              <a:gd name="connsiteY1" fmla="*/ 13794 h 308145"/>
-              <a:gd name="connsiteX2" fmla="*/ 484697 w 484697"/>
-              <a:gd name="connsiteY2" fmla="*/ 298802 h 308145"/>
-              <a:gd name="connsiteX3" fmla="*/ 170001 w 484697"/>
-              <a:gd name="connsiteY3" fmla="*/ 286927 h 308145"/>
-              <a:gd name="connsiteX4" fmla="*/ 3746 w 484697"/>
-              <a:gd name="connsiteY4" fmla="*/ 108797 h 308145"/>
-              <a:gd name="connsiteX0" fmla="*/ 3746 w 484697"/>
-              <a:gd name="connsiteY0" fmla="*/ 108797 h 313174"/>
-              <a:gd name="connsiteX1" fmla="*/ 306567 w 484697"/>
-              <a:gd name="connsiteY1" fmla="*/ 13794 h 313174"/>
-              <a:gd name="connsiteX2" fmla="*/ 484697 w 484697"/>
-              <a:gd name="connsiteY2" fmla="*/ 298802 h 313174"/>
-              <a:gd name="connsiteX3" fmla="*/ 170001 w 484697"/>
-              <a:gd name="connsiteY3" fmla="*/ 286927 h 313174"/>
-              <a:gd name="connsiteX4" fmla="*/ 3746 w 484697"/>
-              <a:gd name="connsiteY4" fmla="*/ 108797 h 313174"/>
-              <a:gd name="connsiteX0" fmla="*/ 3746 w 484697"/>
-              <a:gd name="connsiteY0" fmla="*/ 108797 h 313174"/>
-              <a:gd name="connsiteX1" fmla="*/ 306567 w 484697"/>
-              <a:gd name="connsiteY1" fmla="*/ 13794 h 313174"/>
-              <a:gd name="connsiteX2" fmla="*/ 484697 w 484697"/>
-              <a:gd name="connsiteY2" fmla="*/ 298802 h 313174"/>
-              <a:gd name="connsiteX3" fmla="*/ 170001 w 484697"/>
-              <a:gd name="connsiteY3" fmla="*/ 286927 h 313174"/>
-              <a:gd name="connsiteX4" fmla="*/ 3746 w 484697"/>
-              <a:gd name="connsiteY4" fmla="*/ 108797 h 313174"/>
-              <a:gd name="connsiteX0" fmla="*/ 3746 w 484697"/>
-              <a:gd name="connsiteY0" fmla="*/ 110027 h 314404"/>
-              <a:gd name="connsiteX1" fmla="*/ 306567 w 484697"/>
-              <a:gd name="connsiteY1" fmla="*/ 15024 h 314404"/>
-              <a:gd name="connsiteX2" fmla="*/ 484697 w 484697"/>
-              <a:gd name="connsiteY2" fmla="*/ 300032 h 314404"/>
-              <a:gd name="connsiteX3" fmla="*/ 170001 w 484697"/>
-              <a:gd name="connsiteY3" fmla="*/ 288157 h 314404"/>
-              <a:gd name="connsiteX4" fmla="*/ 3746 w 484697"/>
-              <a:gd name="connsiteY4" fmla="*/ 110027 h 314404"/>
-              <a:gd name="connsiteX0" fmla="*/ 0 w 480951"/>
-              <a:gd name="connsiteY0" fmla="*/ 110027 h 314404"/>
-              <a:gd name="connsiteX1" fmla="*/ 302821 w 480951"/>
-              <a:gd name="connsiteY1" fmla="*/ 15024 h 314404"/>
-              <a:gd name="connsiteX2" fmla="*/ 480951 w 480951"/>
-              <a:gd name="connsiteY2" fmla="*/ 300032 h 314404"/>
-              <a:gd name="connsiteX3" fmla="*/ 166255 w 480951"/>
-              <a:gd name="connsiteY3" fmla="*/ 288157 h 314404"/>
-              <a:gd name="connsiteX4" fmla="*/ 0 w 480951"/>
-              <a:gd name="connsiteY4" fmla="*/ 110027 h 314404"/>
-              <a:gd name="connsiteX0" fmla="*/ 0 w 493651"/>
-              <a:gd name="connsiteY0" fmla="*/ 103022 h 303468"/>
-              <a:gd name="connsiteX1" fmla="*/ 315521 w 493651"/>
-              <a:gd name="connsiteY1" fmla="*/ 8019 h 303468"/>
-              <a:gd name="connsiteX2" fmla="*/ 493651 w 493651"/>
-              <a:gd name="connsiteY2" fmla="*/ 293027 h 303468"/>
-              <a:gd name="connsiteX3" fmla="*/ 178955 w 493651"/>
-              <a:gd name="connsiteY3" fmla="*/ 281152 h 303468"/>
-              <a:gd name="connsiteX4" fmla="*/ 0 w 493651"/>
-              <a:gd name="connsiteY4" fmla="*/ 103022 h 303468"/>
-              <a:gd name="connsiteX0" fmla="*/ 0 w 493651"/>
-              <a:gd name="connsiteY0" fmla="*/ 103022 h 311269"/>
-              <a:gd name="connsiteX1" fmla="*/ 315521 w 493651"/>
-              <a:gd name="connsiteY1" fmla="*/ 8019 h 311269"/>
-              <a:gd name="connsiteX2" fmla="*/ 493651 w 493651"/>
-              <a:gd name="connsiteY2" fmla="*/ 293027 h 311269"/>
-              <a:gd name="connsiteX3" fmla="*/ 178955 w 493651"/>
-              <a:gd name="connsiteY3" fmla="*/ 281152 h 311269"/>
-              <a:gd name="connsiteX4" fmla="*/ 0 w 493651"/>
-              <a:gd name="connsiteY4" fmla="*/ 103022 h 311269"/>
-            </a:gdLst>
-            <a:ahLst/>
-            <a:cxnLst>
-              <a:cxn ang="0">
-                <a:pos x="connsiteX0" y="connsiteY0"/>
-              </a:cxn>
-              <a:cxn ang="0">
-                <a:pos x="connsiteX1" y="connsiteY1"/>
-              </a:cxn>
-              <a:cxn ang="0">
-                <a:pos x="connsiteX2" y="connsiteY2"/>
-              </a:cxn>
-              <a:cxn ang="0">
-                <a:pos x="connsiteX3" y="connsiteY3"/>
-              </a:cxn>
-              <a:cxn ang="0">
-                <a:pos x="connsiteX4" y="connsiteY4"/>
-              </a:cxn>
-            </a:cxnLst>
-            <a:rect l="l" t="t" r="r" b="b"/>
-            <a:pathLst>
-              <a:path w="493651" h="311269">
-                <a:moveTo>
-                  <a:pt x="0" y="103022"/>
-                </a:moveTo>
-                <a:cubicBezTo>
-                  <a:pt x="64036" y="44800"/>
-                  <a:pt x="233246" y="-23649"/>
-                  <a:pt x="315521" y="8019"/>
-                </a:cubicBezTo>
-                <a:cubicBezTo>
-                  <a:pt x="397796" y="39687"/>
-                  <a:pt x="478312" y="193530"/>
-                  <a:pt x="493651" y="293027"/>
-                </a:cubicBezTo>
-                <a:cubicBezTo>
-                  <a:pt x="382402" y="304944"/>
-                  <a:pt x="301131" y="332770"/>
-                  <a:pt x="178955" y="281152"/>
-                </a:cubicBezTo>
-                <a:cubicBezTo>
-                  <a:pt x="56779" y="229534"/>
-                  <a:pt x="31214" y="167594"/>
-                  <a:pt x="0" y="103022"/>
-                </a:cubicBezTo>
-                <a:close/>
-              </a:path>
-            </a:pathLst>
-          </a:custGeom>
-          <a:solidFill>
-            <a:srgbClr val="9AABCB"/>
-          </a:solidFill>
-          <a:ln>
-            <a:noFill/>
-          </a:ln>
-        </p:spPr>
-        <p:style>
-          <a:lnRef idx="2">
-            <a:schemeClr val="accent1">
-              <a:shade val="50000"/>
-            </a:schemeClr>
-          </a:lnRef>
-          <a:fillRef idx="1">
-            <a:schemeClr val="accent1"/>
-          </a:fillRef>
-          <a:effectRef idx="0">
-            <a:schemeClr val="accent1"/>
-          </a:effectRef>
-          <a:fontRef idx="minor">
-            <a:schemeClr val="lt1"/>
-          </a:fontRef>
-        </p:style>
-        <p:txBody>
-          <a:bodyPr rtlCol="0" anchor="ctr"/>
-          <a:lstStyle/>
-          <a:p>
-            <a:pPr algn="ctr"/>
-            <a:endParaRPr lang="en-US" sz="1350"/>
-          </a:p>
-        </p:txBody>
-      </p:sp>
-      <p:sp>
-        <p:nvSpPr>
-          <p:cNvPr id="4" name="Freeform 3"/>
-          <p:cNvSpPr/>
-          <p:nvPr/>
-        </p:nvSpPr>
-        <p:spPr>
-          <a:xfrm flipH="1">
-            <a:off x="5281462" y="4424654"/>
-            <a:ext cx="304234" cy="191833"/>
-          </a:xfrm>
-          <a:custGeom>
-            <a:avLst/>
-            <a:gdLst>
-              <a:gd name="connsiteX0" fmla="*/ 0 w 480951"/>
-              <a:gd name="connsiteY0" fmla="*/ 95003 h 285008"/>
-              <a:gd name="connsiteX1" fmla="*/ 302821 w 480951"/>
-              <a:gd name="connsiteY1" fmla="*/ 0 h 285008"/>
-              <a:gd name="connsiteX2" fmla="*/ 480951 w 480951"/>
-              <a:gd name="connsiteY2" fmla="*/ 285008 h 285008"/>
-              <a:gd name="connsiteX3" fmla="*/ 166255 w 480951"/>
-              <a:gd name="connsiteY3" fmla="*/ 273133 h 285008"/>
-              <a:gd name="connsiteX4" fmla="*/ 0 w 480951"/>
-              <a:gd name="connsiteY4" fmla="*/ 95003 h 285008"/>
-              <a:gd name="connsiteX0" fmla="*/ 0 w 483758"/>
-              <a:gd name="connsiteY0" fmla="*/ 102150 h 292155"/>
-              <a:gd name="connsiteX1" fmla="*/ 302821 w 483758"/>
-              <a:gd name="connsiteY1" fmla="*/ 7147 h 292155"/>
-              <a:gd name="connsiteX2" fmla="*/ 480951 w 483758"/>
-              <a:gd name="connsiteY2" fmla="*/ 292155 h 292155"/>
-              <a:gd name="connsiteX3" fmla="*/ 166255 w 483758"/>
-              <a:gd name="connsiteY3" fmla="*/ 280280 h 292155"/>
-              <a:gd name="connsiteX4" fmla="*/ 0 w 483758"/>
-              <a:gd name="connsiteY4" fmla="*/ 102150 h 292155"/>
-              <a:gd name="connsiteX0" fmla="*/ 0 w 483758"/>
-              <a:gd name="connsiteY0" fmla="*/ 102150 h 292155"/>
-              <a:gd name="connsiteX1" fmla="*/ 302821 w 483758"/>
-              <a:gd name="connsiteY1" fmla="*/ 7147 h 292155"/>
-              <a:gd name="connsiteX2" fmla="*/ 480951 w 483758"/>
-              <a:gd name="connsiteY2" fmla="*/ 292155 h 292155"/>
-              <a:gd name="connsiteX3" fmla="*/ 166255 w 483758"/>
-              <a:gd name="connsiteY3" fmla="*/ 280280 h 292155"/>
-              <a:gd name="connsiteX4" fmla="*/ 0 w 483758"/>
-              <a:gd name="connsiteY4" fmla="*/ 102150 h 292155"/>
-              <a:gd name="connsiteX0" fmla="*/ 0 w 483758"/>
-              <a:gd name="connsiteY0" fmla="*/ 102150 h 292155"/>
-              <a:gd name="connsiteX1" fmla="*/ 302821 w 483758"/>
-              <a:gd name="connsiteY1" fmla="*/ 7147 h 292155"/>
-              <a:gd name="connsiteX2" fmla="*/ 480951 w 483758"/>
-              <a:gd name="connsiteY2" fmla="*/ 292155 h 292155"/>
-              <a:gd name="connsiteX3" fmla="*/ 166255 w 483758"/>
-              <a:gd name="connsiteY3" fmla="*/ 280280 h 292155"/>
-              <a:gd name="connsiteX4" fmla="*/ 0 w 483758"/>
-              <a:gd name="connsiteY4" fmla="*/ 102150 h 292155"/>
-              <a:gd name="connsiteX0" fmla="*/ 0 w 486963"/>
-              <a:gd name="connsiteY0" fmla="*/ 105906 h 295911"/>
-              <a:gd name="connsiteX1" fmla="*/ 302821 w 486963"/>
-              <a:gd name="connsiteY1" fmla="*/ 10903 h 295911"/>
-              <a:gd name="connsiteX2" fmla="*/ 480951 w 486963"/>
-              <a:gd name="connsiteY2" fmla="*/ 295911 h 295911"/>
-              <a:gd name="connsiteX3" fmla="*/ 166255 w 486963"/>
-              <a:gd name="connsiteY3" fmla="*/ 284036 h 295911"/>
-              <a:gd name="connsiteX4" fmla="*/ 0 w 486963"/>
-              <a:gd name="connsiteY4" fmla="*/ 105906 h 295911"/>
-              <a:gd name="connsiteX0" fmla="*/ 0 w 484025"/>
-              <a:gd name="connsiteY0" fmla="*/ 108797 h 298802"/>
-              <a:gd name="connsiteX1" fmla="*/ 302821 w 484025"/>
-              <a:gd name="connsiteY1" fmla="*/ 13794 h 298802"/>
-              <a:gd name="connsiteX2" fmla="*/ 480951 w 484025"/>
-              <a:gd name="connsiteY2" fmla="*/ 298802 h 298802"/>
-              <a:gd name="connsiteX3" fmla="*/ 166255 w 484025"/>
-              <a:gd name="connsiteY3" fmla="*/ 286927 h 298802"/>
-              <a:gd name="connsiteX4" fmla="*/ 0 w 484025"/>
-              <a:gd name="connsiteY4" fmla="*/ 108797 h 298802"/>
-              <a:gd name="connsiteX0" fmla="*/ 0 w 484364"/>
-              <a:gd name="connsiteY0" fmla="*/ 108797 h 298802"/>
-              <a:gd name="connsiteX1" fmla="*/ 302821 w 484364"/>
-              <a:gd name="connsiteY1" fmla="*/ 13794 h 298802"/>
-              <a:gd name="connsiteX2" fmla="*/ 480951 w 484364"/>
-              <a:gd name="connsiteY2" fmla="*/ 298802 h 298802"/>
-              <a:gd name="connsiteX3" fmla="*/ 166255 w 484364"/>
-              <a:gd name="connsiteY3" fmla="*/ 286927 h 298802"/>
-              <a:gd name="connsiteX4" fmla="*/ 0 w 484364"/>
-              <a:gd name="connsiteY4" fmla="*/ 108797 h 298802"/>
-              <a:gd name="connsiteX0" fmla="*/ 3746 w 488110"/>
-              <a:gd name="connsiteY0" fmla="*/ 108797 h 298802"/>
-              <a:gd name="connsiteX1" fmla="*/ 306567 w 488110"/>
-              <a:gd name="connsiteY1" fmla="*/ 13794 h 298802"/>
-              <a:gd name="connsiteX2" fmla="*/ 484697 w 488110"/>
-              <a:gd name="connsiteY2" fmla="*/ 298802 h 298802"/>
-              <a:gd name="connsiteX3" fmla="*/ 170001 w 488110"/>
-              <a:gd name="connsiteY3" fmla="*/ 286927 h 298802"/>
-              <a:gd name="connsiteX4" fmla="*/ 3746 w 488110"/>
-              <a:gd name="connsiteY4" fmla="*/ 108797 h 298802"/>
-              <a:gd name="connsiteX0" fmla="*/ 3746 w 488110"/>
-              <a:gd name="connsiteY0" fmla="*/ 108797 h 308145"/>
-              <a:gd name="connsiteX1" fmla="*/ 306567 w 488110"/>
-              <a:gd name="connsiteY1" fmla="*/ 13794 h 308145"/>
-              <a:gd name="connsiteX2" fmla="*/ 484697 w 488110"/>
-              <a:gd name="connsiteY2" fmla="*/ 298802 h 308145"/>
-              <a:gd name="connsiteX3" fmla="*/ 170001 w 488110"/>
-              <a:gd name="connsiteY3" fmla="*/ 286927 h 308145"/>
-              <a:gd name="connsiteX4" fmla="*/ 3746 w 488110"/>
-              <a:gd name="connsiteY4" fmla="*/ 108797 h 308145"/>
-              <a:gd name="connsiteX0" fmla="*/ 3746 w 488110"/>
-              <a:gd name="connsiteY0" fmla="*/ 108797 h 308145"/>
-              <a:gd name="connsiteX1" fmla="*/ 306567 w 488110"/>
-              <a:gd name="connsiteY1" fmla="*/ 13794 h 308145"/>
-              <a:gd name="connsiteX2" fmla="*/ 484697 w 488110"/>
-              <a:gd name="connsiteY2" fmla="*/ 298802 h 308145"/>
-              <a:gd name="connsiteX3" fmla="*/ 170001 w 488110"/>
-              <a:gd name="connsiteY3" fmla="*/ 286927 h 308145"/>
-              <a:gd name="connsiteX4" fmla="*/ 3746 w 488110"/>
-              <a:gd name="connsiteY4" fmla="*/ 108797 h 308145"/>
-              <a:gd name="connsiteX0" fmla="*/ 3746 w 484697"/>
-              <a:gd name="connsiteY0" fmla="*/ 108797 h 308145"/>
-              <a:gd name="connsiteX1" fmla="*/ 306567 w 484697"/>
-              <a:gd name="connsiteY1" fmla="*/ 13794 h 308145"/>
-              <a:gd name="connsiteX2" fmla="*/ 484697 w 484697"/>
-              <a:gd name="connsiteY2" fmla="*/ 298802 h 308145"/>
-              <a:gd name="connsiteX3" fmla="*/ 170001 w 484697"/>
-              <a:gd name="connsiteY3" fmla="*/ 286927 h 308145"/>
-              <a:gd name="connsiteX4" fmla="*/ 3746 w 484697"/>
-              <a:gd name="connsiteY4" fmla="*/ 108797 h 308145"/>
-              <a:gd name="connsiteX0" fmla="*/ 3746 w 484697"/>
-              <a:gd name="connsiteY0" fmla="*/ 108797 h 313174"/>
-              <a:gd name="connsiteX1" fmla="*/ 306567 w 484697"/>
-              <a:gd name="connsiteY1" fmla="*/ 13794 h 313174"/>
-              <a:gd name="connsiteX2" fmla="*/ 484697 w 484697"/>
-              <a:gd name="connsiteY2" fmla="*/ 298802 h 313174"/>
-              <a:gd name="connsiteX3" fmla="*/ 170001 w 484697"/>
-              <a:gd name="connsiteY3" fmla="*/ 286927 h 313174"/>
-              <a:gd name="connsiteX4" fmla="*/ 3746 w 484697"/>
-              <a:gd name="connsiteY4" fmla="*/ 108797 h 313174"/>
-              <a:gd name="connsiteX0" fmla="*/ 3746 w 484697"/>
-              <a:gd name="connsiteY0" fmla="*/ 108797 h 313174"/>
-              <a:gd name="connsiteX1" fmla="*/ 306567 w 484697"/>
-              <a:gd name="connsiteY1" fmla="*/ 13794 h 313174"/>
-              <a:gd name="connsiteX2" fmla="*/ 484697 w 484697"/>
-              <a:gd name="connsiteY2" fmla="*/ 298802 h 313174"/>
-              <a:gd name="connsiteX3" fmla="*/ 170001 w 484697"/>
-              <a:gd name="connsiteY3" fmla="*/ 286927 h 313174"/>
-              <a:gd name="connsiteX4" fmla="*/ 3746 w 484697"/>
-              <a:gd name="connsiteY4" fmla="*/ 108797 h 313174"/>
-              <a:gd name="connsiteX0" fmla="*/ 3746 w 484697"/>
-              <a:gd name="connsiteY0" fmla="*/ 110027 h 314404"/>
-              <a:gd name="connsiteX1" fmla="*/ 306567 w 484697"/>
-              <a:gd name="connsiteY1" fmla="*/ 15024 h 314404"/>
-              <a:gd name="connsiteX2" fmla="*/ 484697 w 484697"/>
-              <a:gd name="connsiteY2" fmla="*/ 300032 h 314404"/>
-              <a:gd name="connsiteX3" fmla="*/ 170001 w 484697"/>
-              <a:gd name="connsiteY3" fmla="*/ 288157 h 314404"/>
-              <a:gd name="connsiteX4" fmla="*/ 3746 w 484697"/>
-              <a:gd name="connsiteY4" fmla="*/ 110027 h 314404"/>
-              <a:gd name="connsiteX0" fmla="*/ 0 w 480951"/>
-              <a:gd name="connsiteY0" fmla="*/ 110027 h 314404"/>
-              <a:gd name="connsiteX1" fmla="*/ 302821 w 480951"/>
-              <a:gd name="connsiteY1" fmla="*/ 15024 h 314404"/>
-              <a:gd name="connsiteX2" fmla="*/ 480951 w 480951"/>
-              <a:gd name="connsiteY2" fmla="*/ 300032 h 314404"/>
-              <a:gd name="connsiteX3" fmla="*/ 166255 w 480951"/>
-              <a:gd name="connsiteY3" fmla="*/ 288157 h 314404"/>
-              <a:gd name="connsiteX4" fmla="*/ 0 w 480951"/>
-              <a:gd name="connsiteY4" fmla="*/ 110027 h 314404"/>
-              <a:gd name="connsiteX0" fmla="*/ 0 w 493651"/>
-              <a:gd name="connsiteY0" fmla="*/ 103022 h 303468"/>
-              <a:gd name="connsiteX1" fmla="*/ 315521 w 493651"/>
-              <a:gd name="connsiteY1" fmla="*/ 8019 h 303468"/>
-              <a:gd name="connsiteX2" fmla="*/ 493651 w 493651"/>
-              <a:gd name="connsiteY2" fmla="*/ 293027 h 303468"/>
-              <a:gd name="connsiteX3" fmla="*/ 178955 w 493651"/>
-              <a:gd name="connsiteY3" fmla="*/ 281152 h 303468"/>
-              <a:gd name="connsiteX4" fmla="*/ 0 w 493651"/>
-              <a:gd name="connsiteY4" fmla="*/ 103022 h 303468"/>
-              <a:gd name="connsiteX0" fmla="*/ 0 w 493651"/>
-              <a:gd name="connsiteY0" fmla="*/ 103022 h 311269"/>
-              <a:gd name="connsiteX1" fmla="*/ 315521 w 493651"/>
-              <a:gd name="connsiteY1" fmla="*/ 8019 h 311269"/>
-              <a:gd name="connsiteX2" fmla="*/ 493651 w 493651"/>
-              <a:gd name="connsiteY2" fmla="*/ 293027 h 311269"/>
-              <a:gd name="connsiteX3" fmla="*/ 178955 w 493651"/>
-              <a:gd name="connsiteY3" fmla="*/ 281152 h 311269"/>
-              <a:gd name="connsiteX4" fmla="*/ 0 w 493651"/>
-              <a:gd name="connsiteY4" fmla="*/ 103022 h 311269"/>
-            </a:gdLst>
-            <a:ahLst/>
-            <a:cxnLst>
-              <a:cxn ang="0">
-                <a:pos x="connsiteX0" y="connsiteY0"/>
-              </a:cxn>
-              <a:cxn ang="0">
-                <a:pos x="connsiteX1" y="connsiteY1"/>
-              </a:cxn>
-              <a:cxn ang="0">
-                <a:pos x="connsiteX2" y="connsiteY2"/>
-              </a:cxn>
-              <a:cxn ang="0">
-                <a:pos x="connsiteX3" y="connsiteY3"/>
-              </a:cxn>
-              <a:cxn ang="0">
-                <a:pos x="connsiteX4" y="connsiteY4"/>
-              </a:cxn>
-            </a:cxnLst>
-            <a:rect l="l" t="t" r="r" b="b"/>
-            <a:pathLst>
-              <a:path w="493651" h="311269">
-                <a:moveTo>
-                  <a:pt x="0" y="103022"/>
-                </a:moveTo>
-                <a:cubicBezTo>
-                  <a:pt x="64036" y="44800"/>
-                  <a:pt x="233246" y="-23649"/>
-                  <a:pt x="315521" y="8019"/>
-                </a:cubicBezTo>
-                <a:cubicBezTo>
-                  <a:pt x="397796" y="39687"/>
-                  <a:pt x="478312" y="193530"/>
-                  <a:pt x="493651" y="293027"/>
-                </a:cubicBezTo>
-                <a:cubicBezTo>
-                  <a:pt x="382402" y="304944"/>
-                  <a:pt x="301131" y="332770"/>
-                  <a:pt x="178955" y="281152"/>
-                </a:cubicBezTo>
-                <a:cubicBezTo>
-                  <a:pt x="56779" y="229534"/>
-                  <a:pt x="31214" y="167594"/>
-                  <a:pt x="0" y="103022"/>
-                </a:cubicBezTo>
-                <a:close/>
-              </a:path>
-            </a:pathLst>
-          </a:custGeom>
-          <a:solidFill>
-            <a:srgbClr val="9AABCB"/>
-          </a:solidFill>
-          <a:ln>
-            <a:noFill/>
-          </a:ln>
-        </p:spPr>
-        <p:style>
-          <a:lnRef idx="2">
-            <a:schemeClr val="accent1">
-              <a:shade val="50000"/>
-            </a:schemeClr>
-          </a:lnRef>
-          <a:fillRef idx="1">
-            <a:schemeClr val="accent1"/>
-          </a:fillRef>
-          <a:effectRef idx="0">
-            <a:schemeClr val="accent1"/>
-          </a:effectRef>
-          <a:fontRef idx="minor">
-            <a:schemeClr val="lt1"/>
-          </a:fontRef>
-        </p:style>
-        <p:txBody>
-          <a:bodyPr rtlCol="0" anchor="ctr"/>
-          <a:lstStyle/>
-          <a:p>
-            <a:pPr algn="ctr"/>
-            <a:endParaRPr lang="en-US" sz="1350"/>
-          </a:p>
-        </p:txBody>
-      </p:sp>
-      <p:sp>
-        <p:nvSpPr>
-          <p:cNvPr id="5" name="Freeform 4"/>
-          <p:cNvSpPr/>
-          <p:nvPr/>
-        </p:nvSpPr>
-        <p:spPr>
-          <a:xfrm>
-            <a:off x="4616677" y="5405598"/>
-            <a:ext cx="571015" cy="476481"/>
-          </a:xfrm>
-          <a:custGeom>
-            <a:avLst/>
-            <a:gdLst>
-              <a:gd name="connsiteX0" fmla="*/ 259884 w 548663"/>
-              <a:gd name="connsiteY0" fmla="*/ 9 h 476461"/>
-              <a:gd name="connsiteX1" fmla="*/ 2 w 548663"/>
-              <a:gd name="connsiteY1" fmla="*/ 129950 h 476461"/>
-              <a:gd name="connsiteX2" fmla="*/ 255071 w 548663"/>
-              <a:gd name="connsiteY2" fmla="*/ 476460 h 476461"/>
-              <a:gd name="connsiteX3" fmla="*/ 548642 w 548663"/>
-              <a:gd name="connsiteY3" fmla="*/ 134763 h 476461"/>
-              <a:gd name="connsiteX4" fmla="*/ 259884 w 548663"/>
-              <a:gd name="connsiteY4" fmla="*/ 9 h 476461"/>
-              <a:gd name="connsiteX0" fmla="*/ 275317 w 564096"/>
-              <a:gd name="connsiteY0" fmla="*/ 502 h 476954"/>
-              <a:gd name="connsiteX1" fmla="*/ 2 w 564096"/>
-              <a:gd name="connsiteY1" fmla="*/ 176742 h 476954"/>
-              <a:gd name="connsiteX2" fmla="*/ 270504 w 564096"/>
-              <a:gd name="connsiteY2" fmla="*/ 476953 h 476954"/>
-              <a:gd name="connsiteX3" fmla="*/ 564075 w 564096"/>
-              <a:gd name="connsiteY3" fmla="*/ 135256 h 476954"/>
-              <a:gd name="connsiteX4" fmla="*/ 275317 w 564096"/>
-              <a:gd name="connsiteY4" fmla="*/ 502 h 476954"/>
-              <a:gd name="connsiteX0" fmla="*/ 276729 w 565508"/>
-              <a:gd name="connsiteY0" fmla="*/ 502 h 476954"/>
-              <a:gd name="connsiteX1" fmla="*/ 1414 w 565508"/>
-              <a:gd name="connsiteY1" fmla="*/ 176742 h 476954"/>
-              <a:gd name="connsiteX2" fmla="*/ 271916 w 565508"/>
-              <a:gd name="connsiteY2" fmla="*/ 476953 h 476954"/>
-              <a:gd name="connsiteX3" fmla="*/ 565487 w 565508"/>
-              <a:gd name="connsiteY3" fmla="*/ 135256 h 476954"/>
-              <a:gd name="connsiteX4" fmla="*/ 276729 w 565508"/>
-              <a:gd name="connsiteY4" fmla="*/ 502 h 476954"/>
-              <a:gd name="connsiteX0" fmla="*/ 276729 w 566842"/>
-              <a:gd name="connsiteY0" fmla="*/ 3014 h 479467"/>
-              <a:gd name="connsiteX1" fmla="*/ 1414 w 566842"/>
-              <a:gd name="connsiteY1" fmla="*/ 179254 h 479467"/>
-              <a:gd name="connsiteX2" fmla="*/ 271916 w 566842"/>
-              <a:gd name="connsiteY2" fmla="*/ 479465 h 479467"/>
-              <a:gd name="connsiteX3" fmla="*/ 565487 w 566842"/>
-              <a:gd name="connsiteY3" fmla="*/ 137768 h 479467"/>
-              <a:gd name="connsiteX4" fmla="*/ 276729 w 566842"/>
-              <a:gd name="connsiteY4" fmla="*/ 3014 h 479467"/>
-              <a:gd name="connsiteX0" fmla="*/ 276729 w 570678"/>
-              <a:gd name="connsiteY0" fmla="*/ 27 h 476481"/>
-              <a:gd name="connsiteX1" fmla="*/ 1414 w 570678"/>
-              <a:gd name="connsiteY1" fmla="*/ 176267 h 476481"/>
-              <a:gd name="connsiteX2" fmla="*/ 271916 w 570678"/>
-              <a:gd name="connsiteY2" fmla="*/ 476478 h 476481"/>
-              <a:gd name="connsiteX3" fmla="*/ 569345 w 570678"/>
-              <a:gd name="connsiteY3" fmla="*/ 181080 h 476481"/>
-              <a:gd name="connsiteX4" fmla="*/ 276729 w 570678"/>
-              <a:gd name="connsiteY4" fmla="*/ 27 h 476481"/>
-              <a:gd name="connsiteX0" fmla="*/ 276729 w 570678"/>
-              <a:gd name="connsiteY0" fmla="*/ 577 h 477031"/>
-              <a:gd name="connsiteX1" fmla="*/ 1414 w 570678"/>
-              <a:gd name="connsiteY1" fmla="*/ 176817 h 477031"/>
-              <a:gd name="connsiteX2" fmla="*/ 271916 w 570678"/>
-              <a:gd name="connsiteY2" fmla="*/ 477028 h 477031"/>
-              <a:gd name="connsiteX3" fmla="*/ 569345 w 570678"/>
-              <a:gd name="connsiteY3" fmla="*/ 181630 h 477031"/>
-              <a:gd name="connsiteX4" fmla="*/ 276729 w 570678"/>
-              <a:gd name="connsiteY4" fmla="*/ 577 h 477031"/>
-              <a:gd name="connsiteX0" fmla="*/ 276729 w 570678"/>
-              <a:gd name="connsiteY0" fmla="*/ 27 h 476481"/>
-              <a:gd name="connsiteX1" fmla="*/ 1414 w 570678"/>
-              <a:gd name="connsiteY1" fmla="*/ 176267 h 476481"/>
-              <a:gd name="connsiteX2" fmla="*/ 271916 w 570678"/>
-              <a:gd name="connsiteY2" fmla="*/ 476478 h 476481"/>
-              <a:gd name="connsiteX3" fmla="*/ 569345 w 570678"/>
-              <a:gd name="connsiteY3" fmla="*/ 181080 h 476481"/>
-              <a:gd name="connsiteX4" fmla="*/ 276729 w 570678"/>
-              <a:gd name="connsiteY4" fmla="*/ 27 h 476481"/>
-              <a:gd name="connsiteX0" fmla="*/ 276729 w 571015"/>
-              <a:gd name="connsiteY0" fmla="*/ 27 h 476481"/>
-              <a:gd name="connsiteX1" fmla="*/ 1414 w 571015"/>
-              <a:gd name="connsiteY1" fmla="*/ 176267 h 476481"/>
-              <a:gd name="connsiteX2" fmla="*/ 271916 w 571015"/>
-              <a:gd name="connsiteY2" fmla="*/ 476478 h 476481"/>
-              <a:gd name="connsiteX3" fmla="*/ 569345 w 571015"/>
-              <a:gd name="connsiteY3" fmla="*/ 181080 h 476481"/>
-              <a:gd name="connsiteX4" fmla="*/ 276729 w 571015"/>
-              <a:gd name="connsiteY4" fmla="*/ 27 h 476481"/>
-            </a:gdLst>
-            <a:ahLst/>
-            <a:cxnLst>
-              <a:cxn ang="0">
-                <a:pos x="connsiteX0" y="connsiteY0"/>
-              </a:cxn>
-              <a:cxn ang="0">
-                <a:pos x="connsiteX1" y="connsiteY1"/>
-              </a:cxn>
-              <a:cxn ang="0">
-                <a:pos x="connsiteX2" y="connsiteY2"/>
-              </a:cxn>
-              <a:cxn ang="0">
-                <a:pos x="connsiteX3" y="connsiteY3"/>
-              </a:cxn>
-              <a:cxn ang="0">
-                <a:pos x="connsiteX4" y="connsiteY4"/>
-              </a:cxn>
-            </a:cxnLst>
-            <a:rect l="l" t="t" r="r" b="b"/>
-            <a:pathLst>
-              <a:path w="571015" h="476481">
-                <a:moveTo>
-                  <a:pt x="276729" y="27"/>
-                </a:moveTo>
-                <a:cubicBezTo>
-                  <a:pt x="147350" y="-774"/>
-                  <a:pt x="21507" y="15836"/>
-                  <a:pt x="1414" y="176267"/>
-                </a:cubicBezTo>
-                <a:cubicBezTo>
-                  <a:pt x="-18679" y="336698"/>
-                  <a:pt x="180476" y="475676"/>
-                  <a:pt x="271916" y="476478"/>
-                </a:cubicBezTo>
-                <a:cubicBezTo>
-                  <a:pt x="413513" y="477280"/>
-                  <a:pt x="590088" y="330587"/>
-                  <a:pt x="569345" y="181080"/>
-                </a:cubicBezTo>
-                <a:cubicBezTo>
-                  <a:pt x="548602" y="31573"/>
-                  <a:pt x="406108" y="828"/>
-                  <a:pt x="276729" y="27"/>
-                </a:cubicBezTo>
-                <a:close/>
-              </a:path>
-            </a:pathLst>
-          </a:custGeom>
-          <a:solidFill>
-            <a:schemeClr val="tx1"/>
-          </a:solidFill>
-          <a:ln>
-            <a:noFill/>
-          </a:ln>
-        </p:spPr>
-        <p:style>
-          <a:lnRef idx="2">
-            <a:schemeClr val="accent1">
-              <a:shade val="50000"/>
-            </a:schemeClr>
-          </a:lnRef>
-          <a:fillRef idx="1">
-            <a:schemeClr val="accent1"/>
-          </a:fillRef>
-          <a:effectRef idx="0">
-            <a:schemeClr val="accent1"/>
-          </a:effectRef>
-          <a:fontRef idx="minor">
-            <a:schemeClr val="lt1"/>
-          </a:fontRef>
-        </p:style>
-        <p:txBody>
-          <a:bodyPr rtlCol="0" anchor="ctr"/>
-          <a:lstStyle/>
-          <a:p>
-            <a:pPr algn="ctr"/>
-            <a:endParaRPr lang="en-US"/>
-          </a:p>
-        </p:txBody>
-      </p:sp>
-      <p:sp>
-        <p:nvSpPr>
-          <p:cNvPr id="6" name="Freeform 5"/>
-          <p:cNvSpPr/>
-          <p:nvPr/>
-        </p:nvSpPr>
-        <p:spPr>
-          <a:xfrm>
-            <a:off x="3348582" y="5137658"/>
-            <a:ext cx="3107206" cy="2264110"/>
-          </a:xfrm>
-          <a:custGeom>
-            <a:avLst/>
-            <a:gdLst>
-              <a:gd name="connsiteX0" fmla="*/ 64274 w 3320862"/>
-              <a:gd name="connsiteY0" fmla="*/ 127851 h 2388092"/>
-              <a:gd name="connsiteX1" fmla="*/ 698120 w 3320862"/>
-              <a:gd name="connsiteY1" fmla="*/ 398014 h 2388092"/>
-              <a:gd name="connsiteX2" fmla="*/ 1144929 w 3320862"/>
-              <a:gd name="connsiteY2" fmla="*/ 1042251 h 2388092"/>
-              <a:gd name="connsiteX3" fmla="*/ 1633301 w 3320862"/>
-              <a:gd name="connsiteY3" fmla="*/ 1250069 h 2388092"/>
-              <a:gd name="connsiteX4" fmla="*/ 2287929 w 3320862"/>
-              <a:gd name="connsiteY4" fmla="*/ 761696 h 2388092"/>
-              <a:gd name="connsiteX5" fmla="*/ 2713956 w 3320862"/>
-              <a:gd name="connsiteY5" fmla="*/ 325278 h 2388092"/>
-              <a:gd name="connsiteX6" fmla="*/ 3223111 w 3320862"/>
-              <a:gd name="connsiteY6" fmla="*/ 159023 h 2388092"/>
-              <a:gd name="connsiteX7" fmla="*/ 3295847 w 3320862"/>
-              <a:gd name="connsiteY7" fmla="*/ 398014 h 2388092"/>
-              <a:gd name="connsiteX8" fmla="*/ 2921774 w 3320862"/>
-              <a:gd name="connsiteY8" fmla="*/ 2174860 h 2388092"/>
-              <a:gd name="connsiteX9" fmla="*/ 729292 w 3320862"/>
-              <a:gd name="connsiteY9" fmla="*/ 2133296 h 2388092"/>
-              <a:gd name="connsiteX10" fmla="*/ 95447 w 3320862"/>
-              <a:gd name="connsiteY10" fmla="*/ 169414 h 2388092"/>
-              <a:gd name="connsiteX11" fmla="*/ 64274 w 3320862"/>
-              <a:gd name="connsiteY11" fmla="*/ 127851 h 2388092"/>
-              <a:gd name="connsiteX0" fmla="*/ 47 w 3225462"/>
-              <a:gd name="connsiteY0" fmla="*/ 107087 h 2325765"/>
-              <a:gd name="connsiteX1" fmla="*/ 602720 w 3225462"/>
-              <a:gd name="connsiteY1" fmla="*/ 335687 h 2325765"/>
-              <a:gd name="connsiteX2" fmla="*/ 1049529 w 3225462"/>
-              <a:gd name="connsiteY2" fmla="*/ 979924 h 2325765"/>
-              <a:gd name="connsiteX3" fmla="*/ 1537901 w 3225462"/>
-              <a:gd name="connsiteY3" fmla="*/ 1187742 h 2325765"/>
-              <a:gd name="connsiteX4" fmla="*/ 2192529 w 3225462"/>
-              <a:gd name="connsiteY4" fmla="*/ 699369 h 2325765"/>
-              <a:gd name="connsiteX5" fmla="*/ 2618556 w 3225462"/>
-              <a:gd name="connsiteY5" fmla="*/ 262951 h 2325765"/>
-              <a:gd name="connsiteX6" fmla="*/ 3127711 w 3225462"/>
-              <a:gd name="connsiteY6" fmla="*/ 96696 h 2325765"/>
-              <a:gd name="connsiteX7" fmla="*/ 3200447 w 3225462"/>
-              <a:gd name="connsiteY7" fmla="*/ 335687 h 2325765"/>
-              <a:gd name="connsiteX8" fmla="*/ 2826374 w 3225462"/>
-              <a:gd name="connsiteY8" fmla="*/ 2112533 h 2325765"/>
-              <a:gd name="connsiteX9" fmla="*/ 633892 w 3225462"/>
-              <a:gd name="connsiteY9" fmla="*/ 2070969 h 2325765"/>
-              <a:gd name="connsiteX10" fmla="*/ 47 w 3225462"/>
-              <a:gd name="connsiteY10" fmla="*/ 107087 h 2325765"/>
-              <a:gd name="connsiteX0" fmla="*/ 47 w 3225462"/>
-              <a:gd name="connsiteY0" fmla="*/ 107087 h 2325765"/>
-              <a:gd name="connsiteX1" fmla="*/ 602720 w 3225462"/>
-              <a:gd name="connsiteY1" fmla="*/ 335687 h 2325765"/>
-              <a:gd name="connsiteX2" fmla="*/ 1049529 w 3225462"/>
-              <a:gd name="connsiteY2" fmla="*/ 979924 h 2325765"/>
-              <a:gd name="connsiteX3" fmla="*/ 1537901 w 3225462"/>
-              <a:gd name="connsiteY3" fmla="*/ 1187742 h 2325765"/>
-              <a:gd name="connsiteX4" fmla="*/ 2192529 w 3225462"/>
-              <a:gd name="connsiteY4" fmla="*/ 699369 h 2325765"/>
-              <a:gd name="connsiteX5" fmla="*/ 2618556 w 3225462"/>
-              <a:gd name="connsiteY5" fmla="*/ 262951 h 2325765"/>
-              <a:gd name="connsiteX6" fmla="*/ 3127711 w 3225462"/>
-              <a:gd name="connsiteY6" fmla="*/ 96696 h 2325765"/>
-              <a:gd name="connsiteX7" fmla="*/ 3200447 w 3225462"/>
-              <a:gd name="connsiteY7" fmla="*/ 335687 h 2325765"/>
-              <a:gd name="connsiteX8" fmla="*/ 2826374 w 3225462"/>
-              <a:gd name="connsiteY8" fmla="*/ 2112533 h 2325765"/>
-              <a:gd name="connsiteX9" fmla="*/ 633892 w 3225462"/>
-              <a:gd name="connsiteY9" fmla="*/ 2070969 h 2325765"/>
-              <a:gd name="connsiteX10" fmla="*/ 47 w 3225462"/>
-              <a:gd name="connsiteY10" fmla="*/ 107087 h 2325765"/>
-              <a:gd name="connsiteX0" fmla="*/ 0 w 3225415"/>
-              <a:gd name="connsiteY0" fmla="*/ 18038 h 2236716"/>
-              <a:gd name="connsiteX1" fmla="*/ 602673 w 3225415"/>
-              <a:gd name="connsiteY1" fmla="*/ 246638 h 2236716"/>
-              <a:gd name="connsiteX2" fmla="*/ 1049482 w 3225415"/>
-              <a:gd name="connsiteY2" fmla="*/ 890875 h 2236716"/>
-              <a:gd name="connsiteX3" fmla="*/ 1537854 w 3225415"/>
-              <a:gd name="connsiteY3" fmla="*/ 1098693 h 2236716"/>
-              <a:gd name="connsiteX4" fmla="*/ 2192482 w 3225415"/>
-              <a:gd name="connsiteY4" fmla="*/ 610320 h 2236716"/>
-              <a:gd name="connsiteX5" fmla="*/ 2618509 w 3225415"/>
-              <a:gd name="connsiteY5" fmla="*/ 173902 h 2236716"/>
-              <a:gd name="connsiteX6" fmla="*/ 3127664 w 3225415"/>
-              <a:gd name="connsiteY6" fmla="*/ 7647 h 2236716"/>
-              <a:gd name="connsiteX7" fmla="*/ 3200400 w 3225415"/>
-              <a:gd name="connsiteY7" fmla="*/ 246638 h 2236716"/>
-              <a:gd name="connsiteX8" fmla="*/ 2826327 w 3225415"/>
-              <a:gd name="connsiteY8" fmla="*/ 2023484 h 2236716"/>
-              <a:gd name="connsiteX9" fmla="*/ 633845 w 3225415"/>
-              <a:gd name="connsiteY9" fmla="*/ 1981920 h 2236716"/>
-              <a:gd name="connsiteX10" fmla="*/ 0 w 3225415"/>
-              <a:gd name="connsiteY10" fmla="*/ 18038 h 2236716"/>
-              <a:gd name="connsiteX0" fmla="*/ 0 w 3207367"/>
-              <a:gd name="connsiteY0" fmla="*/ 0 h 2248757"/>
-              <a:gd name="connsiteX1" fmla="*/ 584625 w 3207367"/>
-              <a:gd name="connsiteY1" fmla="*/ 258679 h 2248757"/>
-              <a:gd name="connsiteX2" fmla="*/ 1031434 w 3207367"/>
-              <a:gd name="connsiteY2" fmla="*/ 902916 h 2248757"/>
-              <a:gd name="connsiteX3" fmla="*/ 1519806 w 3207367"/>
-              <a:gd name="connsiteY3" fmla="*/ 1110734 h 2248757"/>
-              <a:gd name="connsiteX4" fmla="*/ 2174434 w 3207367"/>
-              <a:gd name="connsiteY4" fmla="*/ 622361 h 2248757"/>
-              <a:gd name="connsiteX5" fmla="*/ 2600461 w 3207367"/>
-              <a:gd name="connsiteY5" fmla="*/ 185943 h 2248757"/>
-              <a:gd name="connsiteX6" fmla="*/ 3109616 w 3207367"/>
-              <a:gd name="connsiteY6" fmla="*/ 19688 h 2248757"/>
-              <a:gd name="connsiteX7" fmla="*/ 3182352 w 3207367"/>
-              <a:gd name="connsiteY7" fmla="*/ 258679 h 2248757"/>
-              <a:gd name="connsiteX8" fmla="*/ 2808279 w 3207367"/>
-              <a:gd name="connsiteY8" fmla="*/ 2035525 h 2248757"/>
-              <a:gd name="connsiteX9" fmla="*/ 615797 w 3207367"/>
-              <a:gd name="connsiteY9" fmla="*/ 1993961 h 2248757"/>
-              <a:gd name="connsiteX10" fmla="*/ 0 w 3207367"/>
-              <a:gd name="connsiteY10" fmla="*/ 0 h 2248757"/>
-              <a:gd name="connsiteX0" fmla="*/ 0 w 3139364"/>
-              <a:gd name="connsiteY0" fmla="*/ 99755 h 2364086"/>
-              <a:gd name="connsiteX1" fmla="*/ 584625 w 3139364"/>
-              <a:gd name="connsiteY1" fmla="*/ 358434 h 2364086"/>
-              <a:gd name="connsiteX2" fmla="*/ 1031434 w 3139364"/>
-              <a:gd name="connsiteY2" fmla="*/ 1002671 h 2364086"/>
-              <a:gd name="connsiteX3" fmla="*/ 1519806 w 3139364"/>
-              <a:gd name="connsiteY3" fmla="*/ 1210489 h 2364086"/>
-              <a:gd name="connsiteX4" fmla="*/ 2174434 w 3139364"/>
-              <a:gd name="connsiteY4" fmla="*/ 722116 h 2364086"/>
-              <a:gd name="connsiteX5" fmla="*/ 2600461 w 3139364"/>
-              <a:gd name="connsiteY5" fmla="*/ 285698 h 2364086"/>
-              <a:gd name="connsiteX6" fmla="*/ 3109616 w 3139364"/>
-              <a:gd name="connsiteY6" fmla="*/ 119443 h 2364086"/>
-              <a:gd name="connsiteX7" fmla="*/ 2808279 w 3139364"/>
-              <a:gd name="connsiteY7" fmla="*/ 2135280 h 2364086"/>
-              <a:gd name="connsiteX8" fmla="*/ 615797 w 3139364"/>
-              <a:gd name="connsiteY8" fmla="*/ 2093716 h 2364086"/>
-              <a:gd name="connsiteX9" fmla="*/ 0 w 3139364"/>
-              <a:gd name="connsiteY9" fmla="*/ 99755 h 2364086"/>
-              <a:gd name="connsiteX0" fmla="*/ 0 w 3139364"/>
-              <a:gd name="connsiteY0" fmla="*/ 99755 h 2364086"/>
-              <a:gd name="connsiteX1" fmla="*/ 584625 w 3139364"/>
-              <a:gd name="connsiteY1" fmla="*/ 358434 h 2364086"/>
-              <a:gd name="connsiteX2" fmla="*/ 1031434 w 3139364"/>
-              <a:gd name="connsiteY2" fmla="*/ 1002671 h 2364086"/>
-              <a:gd name="connsiteX3" fmla="*/ 1519806 w 3139364"/>
-              <a:gd name="connsiteY3" fmla="*/ 1210489 h 2364086"/>
-              <a:gd name="connsiteX4" fmla="*/ 2174434 w 3139364"/>
-              <a:gd name="connsiteY4" fmla="*/ 722116 h 2364086"/>
-              <a:gd name="connsiteX5" fmla="*/ 2600461 w 3139364"/>
-              <a:gd name="connsiteY5" fmla="*/ 285698 h 2364086"/>
-              <a:gd name="connsiteX6" fmla="*/ 3109616 w 3139364"/>
-              <a:gd name="connsiteY6" fmla="*/ 119443 h 2364086"/>
-              <a:gd name="connsiteX7" fmla="*/ 2808279 w 3139364"/>
-              <a:gd name="connsiteY7" fmla="*/ 2135280 h 2364086"/>
-              <a:gd name="connsiteX8" fmla="*/ 615797 w 3139364"/>
-              <a:gd name="connsiteY8" fmla="*/ 2093716 h 2364086"/>
-              <a:gd name="connsiteX9" fmla="*/ 0 w 3139364"/>
-              <a:gd name="connsiteY9" fmla="*/ 99755 h 2364086"/>
-              <a:gd name="connsiteX0" fmla="*/ 0 w 3139364"/>
-              <a:gd name="connsiteY0" fmla="*/ 0 h 2264331"/>
-              <a:gd name="connsiteX1" fmla="*/ 584625 w 3139364"/>
-              <a:gd name="connsiteY1" fmla="*/ 258679 h 2264331"/>
-              <a:gd name="connsiteX2" fmla="*/ 1031434 w 3139364"/>
-              <a:gd name="connsiteY2" fmla="*/ 902916 h 2264331"/>
-              <a:gd name="connsiteX3" fmla="*/ 1519806 w 3139364"/>
-              <a:gd name="connsiteY3" fmla="*/ 1110734 h 2264331"/>
-              <a:gd name="connsiteX4" fmla="*/ 2174434 w 3139364"/>
-              <a:gd name="connsiteY4" fmla="*/ 622361 h 2264331"/>
-              <a:gd name="connsiteX5" fmla="*/ 2600461 w 3139364"/>
-              <a:gd name="connsiteY5" fmla="*/ 185943 h 2264331"/>
-              <a:gd name="connsiteX6" fmla="*/ 3109616 w 3139364"/>
-              <a:gd name="connsiteY6" fmla="*/ 19688 h 2264331"/>
-              <a:gd name="connsiteX7" fmla="*/ 2808279 w 3139364"/>
-              <a:gd name="connsiteY7" fmla="*/ 2035525 h 2264331"/>
-              <a:gd name="connsiteX8" fmla="*/ 615797 w 3139364"/>
-              <a:gd name="connsiteY8" fmla="*/ 1993961 h 2264331"/>
-              <a:gd name="connsiteX9" fmla="*/ 0 w 3139364"/>
-              <a:gd name="connsiteY9" fmla="*/ 0 h 2264331"/>
-              <a:gd name="connsiteX0" fmla="*/ 0 w 3139364"/>
-              <a:gd name="connsiteY0" fmla="*/ 0 h 2264331"/>
-              <a:gd name="connsiteX1" fmla="*/ 584625 w 3139364"/>
-              <a:gd name="connsiteY1" fmla="*/ 258679 h 2264331"/>
-              <a:gd name="connsiteX2" fmla="*/ 1031434 w 3139364"/>
-              <a:gd name="connsiteY2" fmla="*/ 902916 h 2264331"/>
-              <a:gd name="connsiteX3" fmla="*/ 1519806 w 3139364"/>
-              <a:gd name="connsiteY3" fmla="*/ 1110734 h 2264331"/>
-              <a:gd name="connsiteX4" fmla="*/ 2264670 w 3139364"/>
-              <a:gd name="connsiteY4" fmla="*/ 538140 h 2264331"/>
-              <a:gd name="connsiteX5" fmla="*/ 2600461 w 3139364"/>
-              <a:gd name="connsiteY5" fmla="*/ 185943 h 2264331"/>
-              <a:gd name="connsiteX6" fmla="*/ 3109616 w 3139364"/>
-              <a:gd name="connsiteY6" fmla="*/ 19688 h 2264331"/>
-              <a:gd name="connsiteX7" fmla="*/ 2808279 w 3139364"/>
-              <a:gd name="connsiteY7" fmla="*/ 2035525 h 2264331"/>
-              <a:gd name="connsiteX8" fmla="*/ 615797 w 3139364"/>
-              <a:gd name="connsiteY8" fmla="*/ 1993961 h 2264331"/>
-              <a:gd name="connsiteX9" fmla="*/ 0 w 3139364"/>
-              <a:gd name="connsiteY9" fmla="*/ 0 h 2264331"/>
-              <a:gd name="connsiteX0" fmla="*/ 0 w 3139364"/>
-              <a:gd name="connsiteY0" fmla="*/ 0 h 2264331"/>
-              <a:gd name="connsiteX1" fmla="*/ 584625 w 3139364"/>
-              <a:gd name="connsiteY1" fmla="*/ 258679 h 2264331"/>
-              <a:gd name="connsiteX2" fmla="*/ 1031434 w 3139364"/>
-              <a:gd name="connsiteY2" fmla="*/ 902916 h 2264331"/>
-              <a:gd name="connsiteX3" fmla="*/ 1519806 w 3139364"/>
-              <a:gd name="connsiteY3" fmla="*/ 1110734 h 2264331"/>
-              <a:gd name="connsiteX4" fmla="*/ 2264670 w 3139364"/>
-              <a:gd name="connsiteY4" fmla="*/ 538140 h 2264331"/>
-              <a:gd name="connsiteX5" fmla="*/ 2600461 w 3139364"/>
-              <a:gd name="connsiteY5" fmla="*/ 185943 h 2264331"/>
-              <a:gd name="connsiteX6" fmla="*/ 3109616 w 3139364"/>
-              <a:gd name="connsiteY6" fmla="*/ 19688 h 2264331"/>
-              <a:gd name="connsiteX7" fmla="*/ 2808279 w 3139364"/>
-              <a:gd name="connsiteY7" fmla="*/ 2035525 h 2264331"/>
-              <a:gd name="connsiteX8" fmla="*/ 615797 w 3139364"/>
-              <a:gd name="connsiteY8" fmla="*/ 1993961 h 2264331"/>
-              <a:gd name="connsiteX9" fmla="*/ 0 w 3139364"/>
-              <a:gd name="connsiteY9" fmla="*/ 0 h 2264331"/>
-              <a:gd name="connsiteX0" fmla="*/ 0 w 3139364"/>
-              <a:gd name="connsiteY0" fmla="*/ 0 h 2264331"/>
-              <a:gd name="connsiteX1" fmla="*/ 584625 w 3139364"/>
-              <a:gd name="connsiteY1" fmla="*/ 258679 h 2264331"/>
-              <a:gd name="connsiteX2" fmla="*/ 1031434 w 3139364"/>
-              <a:gd name="connsiteY2" fmla="*/ 902916 h 2264331"/>
-              <a:gd name="connsiteX3" fmla="*/ 1555900 w 3139364"/>
-              <a:gd name="connsiteY3" fmla="*/ 1074639 h 2264331"/>
-              <a:gd name="connsiteX4" fmla="*/ 2264670 w 3139364"/>
-              <a:gd name="connsiteY4" fmla="*/ 538140 h 2264331"/>
-              <a:gd name="connsiteX5" fmla="*/ 2600461 w 3139364"/>
-              <a:gd name="connsiteY5" fmla="*/ 185943 h 2264331"/>
-              <a:gd name="connsiteX6" fmla="*/ 3109616 w 3139364"/>
-              <a:gd name="connsiteY6" fmla="*/ 19688 h 2264331"/>
-              <a:gd name="connsiteX7" fmla="*/ 2808279 w 3139364"/>
-              <a:gd name="connsiteY7" fmla="*/ 2035525 h 2264331"/>
-              <a:gd name="connsiteX8" fmla="*/ 615797 w 3139364"/>
-              <a:gd name="connsiteY8" fmla="*/ 1993961 h 2264331"/>
-              <a:gd name="connsiteX9" fmla="*/ 0 w 3139364"/>
-              <a:gd name="connsiteY9" fmla="*/ 0 h 2264331"/>
-              <a:gd name="connsiteX0" fmla="*/ 0 w 3139364"/>
-              <a:gd name="connsiteY0" fmla="*/ 0 h 2264331"/>
-              <a:gd name="connsiteX1" fmla="*/ 584625 w 3139364"/>
-              <a:gd name="connsiteY1" fmla="*/ 258679 h 2264331"/>
-              <a:gd name="connsiteX2" fmla="*/ 1031434 w 3139364"/>
-              <a:gd name="connsiteY2" fmla="*/ 902916 h 2264331"/>
-              <a:gd name="connsiteX3" fmla="*/ 1555900 w 3139364"/>
-              <a:gd name="connsiteY3" fmla="*/ 1074639 h 2264331"/>
-              <a:gd name="connsiteX4" fmla="*/ 2264670 w 3139364"/>
-              <a:gd name="connsiteY4" fmla="*/ 538140 h 2264331"/>
-              <a:gd name="connsiteX5" fmla="*/ 2600461 w 3139364"/>
-              <a:gd name="connsiteY5" fmla="*/ 185943 h 2264331"/>
-              <a:gd name="connsiteX6" fmla="*/ 3109616 w 3139364"/>
-              <a:gd name="connsiteY6" fmla="*/ 19688 h 2264331"/>
-              <a:gd name="connsiteX7" fmla="*/ 2808279 w 3139364"/>
-              <a:gd name="connsiteY7" fmla="*/ 2035525 h 2264331"/>
-              <a:gd name="connsiteX8" fmla="*/ 615797 w 3139364"/>
-              <a:gd name="connsiteY8" fmla="*/ 1993961 h 2264331"/>
-              <a:gd name="connsiteX9" fmla="*/ 0 w 3139364"/>
-              <a:gd name="connsiteY9" fmla="*/ 0 h 2264331"/>
-              <a:gd name="connsiteX0" fmla="*/ 0 w 3139364"/>
-              <a:gd name="connsiteY0" fmla="*/ 0 h 2264331"/>
-              <a:gd name="connsiteX1" fmla="*/ 584625 w 3139364"/>
-              <a:gd name="connsiteY1" fmla="*/ 258679 h 2264331"/>
-              <a:gd name="connsiteX2" fmla="*/ 1031434 w 3139364"/>
-              <a:gd name="connsiteY2" fmla="*/ 902916 h 2264331"/>
-              <a:gd name="connsiteX3" fmla="*/ 1579963 w 3139364"/>
-              <a:gd name="connsiteY3" fmla="*/ 1074639 h 2264331"/>
-              <a:gd name="connsiteX4" fmla="*/ 2264670 w 3139364"/>
-              <a:gd name="connsiteY4" fmla="*/ 538140 h 2264331"/>
-              <a:gd name="connsiteX5" fmla="*/ 2600461 w 3139364"/>
-              <a:gd name="connsiteY5" fmla="*/ 185943 h 2264331"/>
-              <a:gd name="connsiteX6" fmla="*/ 3109616 w 3139364"/>
-              <a:gd name="connsiteY6" fmla="*/ 19688 h 2264331"/>
-              <a:gd name="connsiteX7" fmla="*/ 2808279 w 3139364"/>
-              <a:gd name="connsiteY7" fmla="*/ 2035525 h 2264331"/>
-              <a:gd name="connsiteX8" fmla="*/ 615797 w 3139364"/>
-              <a:gd name="connsiteY8" fmla="*/ 1993961 h 2264331"/>
-              <a:gd name="connsiteX9" fmla="*/ 0 w 3139364"/>
-              <a:gd name="connsiteY9" fmla="*/ 0 h 2264331"/>
-              <a:gd name="connsiteX0" fmla="*/ 0 w 3139364"/>
-              <a:gd name="connsiteY0" fmla="*/ 0 h 2264331"/>
-              <a:gd name="connsiteX1" fmla="*/ 584625 w 3139364"/>
-              <a:gd name="connsiteY1" fmla="*/ 258679 h 2264331"/>
-              <a:gd name="connsiteX2" fmla="*/ 1031434 w 3139364"/>
-              <a:gd name="connsiteY2" fmla="*/ 902916 h 2264331"/>
-              <a:gd name="connsiteX3" fmla="*/ 1664184 w 3139364"/>
-              <a:gd name="connsiteY3" fmla="*/ 1098702 h 2264331"/>
-              <a:gd name="connsiteX4" fmla="*/ 2264670 w 3139364"/>
-              <a:gd name="connsiteY4" fmla="*/ 538140 h 2264331"/>
-              <a:gd name="connsiteX5" fmla="*/ 2600461 w 3139364"/>
-              <a:gd name="connsiteY5" fmla="*/ 185943 h 2264331"/>
-              <a:gd name="connsiteX6" fmla="*/ 3109616 w 3139364"/>
-              <a:gd name="connsiteY6" fmla="*/ 19688 h 2264331"/>
-              <a:gd name="connsiteX7" fmla="*/ 2808279 w 3139364"/>
-              <a:gd name="connsiteY7" fmla="*/ 2035525 h 2264331"/>
-              <a:gd name="connsiteX8" fmla="*/ 615797 w 3139364"/>
-              <a:gd name="connsiteY8" fmla="*/ 1993961 h 2264331"/>
-              <a:gd name="connsiteX9" fmla="*/ 0 w 3139364"/>
-              <a:gd name="connsiteY9" fmla="*/ 0 h 2264331"/>
-              <a:gd name="connsiteX0" fmla="*/ 0 w 3139364"/>
-              <a:gd name="connsiteY0" fmla="*/ 0 h 2264331"/>
-              <a:gd name="connsiteX1" fmla="*/ 584625 w 3139364"/>
-              <a:gd name="connsiteY1" fmla="*/ 258679 h 2264331"/>
-              <a:gd name="connsiteX2" fmla="*/ 1031434 w 3139364"/>
-              <a:gd name="connsiteY2" fmla="*/ 902916 h 2264331"/>
-              <a:gd name="connsiteX3" fmla="*/ 1664184 w 3139364"/>
-              <a:gd name="connsiteY3" fmla="*/ 1098702 h 2264331"/>
-              <a:gd name="connsiteX4" fmla="*/ 2264670 w 3139364"/>
-              <a:gd name="connsiteY4" fmla="*/ 538140 h 2264331"/>
-              <a:gd name="connsiteX5" fmla="*/ 2600461 w 3139364"/>
-              <a:gd name="connsiteY5" fmla="*/ 185943 h 2264331"/>
-              <a:gd name="connsiteX6" fmla="*/ 3109616 w 3139364"/>
-              <a:gd name="connsiteY6" fmla="*/ 19688 h 2264331"/>
-              <a:gd name="connsiteX7" fmla="*/ 2808279 w 3139364"/>
-              <a:gd name="connsiteY7" fmla="*/ 2035525 h 2264331"/>
-              <a:gd name="connsiteX8" fmla="*/ 615797 w 3139364"/>
-              <a:gd name="connsiteY8" fmla="*/ 1993961 h 2264331"/>
-              <a:gd name="connsiteX9" fmla="*/ 0 w 3139364"/>
-              <a:gd name="connsiteY9" fmla="*/ 0 h 2264331"/>
-              <a:gd name="connsiteX0" fmla="*/ 0 w 3139364"/>
-              <a:gd name="connsiteY0" fmla="*/ 0 h 2264331"/>
-              <a:gd name="connsiteX1" fmla="*/ 584625 w 3139364"/>
-              <a:gd name="connsiteY1" fmla="*/ 258679 h 2264331"/>
-              <a:gd name="connsiteX2" fmla="*/ 1031434 w 3139364"/>
-              <a:gd name="connsiteY2" fmla="*/ 902916 h 2264331"/>
-              <a:gd name="connsiteX3" fmla="*/ 1676216 w 3139364"/>
-              <a:gd name="connsiteY3" fmla="*/ 1086670 h 2264331"/>
-              <a:gd name="connsiteX4" fmla="*/ 2264670 w 3139364"/>
-              <a:gd name="connsiteY4" fmla="*/ 538140 h 2264331"/>
-              <a:gd name="connsiteX5" fmla="*/ 2600461 w 3139364"/>
-              <a:gd name="connsiteY5" fmla="*/ 185943 h 2264331"/>
-              <a:gd name="connsiteX6" fmla="*/ 3109616 w 3139364"/>
-              <a:gd name="connsiteY6" fmla="*/ 19688 h 2264331"/>
-              <a:gd name="connsiteX7" fmla="*/ 2808279 w 3139364"/>
-              <a:gd name="connsiteY7" fmla="*/ 2035525 h 2264331"/>
-              <a:gd name="connsiteX8" fmla="*/ 615797 w 3139364"/>
-              <a:gd name="connsiteY8" fmla="*/ 1993961 h 2264331"/>
-              <a:gd name="connsiteX9" fmla="*/ 0 w 3139364"/>
-              <a:gd name="connsiteY9" fmla="*/ 0 h 2264331"/>
-              <a:gd name="connsiteX0" fmla="*/ 0 w 3139364"/>
-              <a:gd name="connsiteY0" fmla="*/ 0 h 2264331"/>
-              <a:gd name="connsiteX1" fmla="*/ 584625 w 3139364"/>
-              <a:gd name="connsiteY1" fmla="*/ 258679 h 2264331"/>
-              <a:gd name="connsiteX2" fmla="*/ 1031434 w 3139364"/>
-              <a:gd name="connsiteY2" fmla="*/ 902916 h 2264331"/>
-              <a:gd name="connsiteX3" fmla="*/ 1676216 w 3139364"/>
-              <a:gd name="connsiteY3" fmla="*/ 1086670 h 2264331"/>
-              <a:gd name="connsiteX4" fmla="*/ 2234591 w 3139364"/>
-              <a:gd name="connsiteY4" fmla="*/ 544156 h 2264331"/>
-              <a:gd name="connsiteX5" fmla="*/ 2600461 w 3139364"/>
-              <a:gd name="connsiteY5" fmla="*/ 185943 h 2264331"/>
-              <a:gd name="connsiteX6" fmla="*/ 3109616 w 3139364"/>
-              <a:gd name="connsiteY6" fmla="*/ 19688 h 2264331"/>
-              <a:gd name="connsiteX7" fmla="*/ 2808279 w 3139364"/>
-              <a:gd name="connsiteY7" fmla="*/ 2035525 h 2264331"/>
-              <a:gd name="connsiteX8" fmla="*/ 615797 w 3139364"/>
-              <a:gd name="connsiteY8" fmla="*/ 1993961 h 2264331"/>
-              <a:gd name="connsiteX9" fmla="*/ 0 w 3139364"/>
-              <a:gd name="connsiteY9" fmla="*/ 0 h 2264331"/>
-              <a:gd name="connsiteX0" fmla="*/ 0 w 3139364"/>
-              <a:gd name="connsiteY0" fmla="*/ 0 h 2264331"/>
-              <a:gd name="connsiteX1" fmla="*/ 584625 w 3139364"/>
-              <a:gd name="connsiteY1" fmla="*/ 258679 h 2264331"/>
-              <a:gd name="connsiteX2" fmla="*/ 1031434 w 3139364"/>
-              <a:gd name="connsiteY2" fmla="*/ 902916 h 2264331"/>
-              <a:gd name="connsiteX3" fmla="*/ 1676216 w 3139364"/>
-              <a:gd name="connsiteY3" fmla="*/ 1086670 h 2264331"/>
-              <a:gd name="connsiteX4" fmla="*/ 2234591 w 3139364"/>
-              <a:gd name="connsiteY4" fmla="*/ 544156 h 2264331"/>
-              <a:gd name="connsiteX5" fmla="*/ 2600461 w 3139364"/>
-              <a:gd name="connsiteY5" fmla="*/ 185943 h 2264331"/>
-              <a:gd name="connsiteX6" fmla="*/ 3109616 w 3139364"/>
-              <a:gd name="connsiteY6" fmla="*/ 19688 h 2264331"/>
-              <a:gd name="connsiteX7" fmla="*/ 2808279 w 3139364"/>
-              <a:gd name="connsiteY7" fmla="*/ 2035525 h 2264331"/>
-              <a:gd name="connsiteX8" fmla="*/ 615797 w 3139364"/>
-              <a:gd name="connsiteY8" fmla="*/ 1993961 h 2264331"/>
-              <a:gd name="connsiteX9" fmla="*/ 0 w 3139364"/>
-              <a:gd name="connsiteY9" fmla="*/ 0 h 2264331"/>
-              <a:gd name="connsiteX0" fmla="*/ 0 w 3139364"/>
-              <a:gd name="connsiteY0" fmla="*/ 0 h 2264331"/>
-              <a:gd name="connsiteX1" fmla="*/ 584625 w 3139364"/>
-              <a:gd name="connsiteY1" fmla="*/ 258679 h 2264331"/>
-              <a:gd name="connsiteX2" fmla="*/ 1109639 w 3139364"/>
-              <a:gd name="connsiteY2" fmla="*/ 914948 h 2264331"/>
-              <a:gd name="connsiteX3" fmla="*/ 1676216 w 3139364"/>
-              <a:gd name="connsiteY3" fmla="*/ 1086670 h 2264331"/>
-              <a:gd name="connsiteX4" fmla="*/ 2234591 w 3139364"/>
-              <a:gd name="connsiteY4" fmla="*/ 544156 h 2264331"/>
-              <a:gd name="connsiteX5" fmla="*/ 2600461 w 3139364"/>
-              <a:gd name="connsiteY5" fmla="*/ 185943 h 2264331"/>
-              <a:gd name="connsiteX6" fmla="*/ 3109616 w 3139364"/>
-              <a:gd name="connsiteY6" fmla="*/ 19688 h 2264331"/>
-              <a:gd name="connsiteX7" fmla="*/ 2808279 w 3139364"/>
-              <a:gd name="connsiteY7" fmla="*/ 2035525 h 2264331"/>
-              <a:gd name="connsiteX8" fmla="*/ 615797 w 3139364"/>
-              <a:gd name="connsiteY8" fmla="*/ 1993961 h 2264331"/>
-              <a:gd name="connsiteX9" fmla="*/ 0 w 3139364"/>
-              <a:gd name="connsiteY9" fmla="*/ 0 h 2264331"/>
-              <a:gd name="connsiteX0" fmla="*/ 0 w 3139364"/>
-              <a:gd name="connsiteY0" fmla="*/ 0 h 2264331"/>
-              <a:gd name="connsiteX1" fmla="*/ 584625 w 3139364"/>
-              <a:gd name="connsiteY1" fmla="*/ 258679 h 2264331"/>
-              <a:gd name="connsiteX2" fmla="*/ 1109639 w 3139364"/>
-              <a:gd name="connsiteY2" fmla="*/ 914948 h 2264331"/>
-              <a:gd name="connsiteX3" fmla="*/ 1664185 w 3139364"/>
-              <a:gd name="connsiteY3" fmla="*/ 1068622 h 2264331"/>
-              <a:gd name="connsiteX4" fmla="*/ 2234591 w 3139364"/>
-              <a:gd name="connsiteY4" fmla="*/ 544156 h 2264331"/>
-              <a:gd name="connsiteX5" fmla="*/ 2600461 w 3139364"/>
-              <a:gd name="connsiteY5" fmla="*/ 185943 h 2264331"/>
-              <a:gd name="connsiteX6" fmla="*/ 3109616 w 3139364"/>
-              <a:gd name="connsiteY6" fmla="*/ 19688 h 2264331"/>
-              <a:gd name="connsiteX7" fmla="*/ 2808279 w 3139364"/>
-              <a:gd name="connsiteY7" fmla="*/ 2035525 h 2264331"/>
-              <a:gd name="connsiteX8" fmla="*/ 615797 w 3139364"/>
-              <a:gd name="connsiteY8" fmla="*/ 1993961 h 2264331"/>
-              <a:gd name="connsiteX9" fmla="*/ 0 w 3139364"/>
-              <a:gd name="connsiteY9" fmla="*/ 0 h 2264331"/>
-              <a:gd name="connsiteX0" fmla="*/ 0 w 3139364"/>
-              <a:gd name="connsiteY0" fmla="*/ 0 h 2264331"/>
-              <a:gd name="connsiteX1" fmla="*/ 584625 w 3139364"/>
-              <a:gd name="connsiteY1" fmla="*/ 258679 h 2264331"/>
-              <a:gd name="connsiteX2" fmla="*/ 1109639 w 3139364"/>
-              <a:gd name="connsiteY2" fmla="*/ 914948 h 2264331"/>
-              <a:gd name="connsiteX3" fmla="*/ 1664185 w 3139364"/>
-              <a:gd name="connsiteY3" fmla="*/ 1068622 h 2264331"/>
-              <a:gd name="connsiteX4" fmla="*/ 2234591 w 3139364"/>
-              <a:gd name="connsiteY4" fmla="*/ 544156 h 2264331"/>
-              <a:gd name="connsiteX5" fmla="*/ 2600461 w 3139364"/>
-              <a:gd name="connsiteY5" fmla="*/ 185943 h 2264331"/>
-              <a:gd name="connsiteX6" fmla="*/ 3109616 w 3139364"/>
-              <a:gd name="connsiteY6" fmla="*/ 19688 h 2264331"/>
-              <a:gd name="connsiteX7" fmla="*/ 2808279 w 3139364"/>
-              <a:gd name="connsiteY7" fmla="*/ 2035525 h 2264331"/>
-              <a:gd name="connsiteX8" fmla="*/ 615797 w 3139364"/>
-              <a:gd name="connsiteY8" fmla="*/ 1993961 h 2264331"/>
-              <a:gd name="connsiteX9" fmla="*/ 0 w 3139364"/>
-              <a:gd name="connsiteY9" fmla="*/ 0 h 2264331"/>
-              <a:gd name="connsiteX0" fmla="*/ 0 w 3139364"/>
-              <a:gd name="connsiteY0" fmla="*/ 0 h 2264331"/>
-              <a:gd name="connsiteX1" fmla="*/ 584625 w 3139364"/>
-              <a:gd name="connsiteY1" fmla="*/ 258679 h 2264331"/>
-              <a:gd name="connsiteX2" fmla="*/ 1109639 w 3139364"/>
-              <a:gd name="connsiteY2" fmla="*/ 914948 h 2264331"/>
-              <a:gd name="connsiteX3" fmla="*/ 1664185 w 3139364"/>
-              <a:gd name="connsiteY3" fmla="*/ 1068622 h 2264331"/>
-              <a:gd name="connsiteX4" fmla="*/ 2234591 w 3139364"/>
-              <a:gd name="connsiteY4" fmla="*/ 544156 h 2264331"/>
-              <a:gd name="connsiteX5" fmla="*/ 2600461 w 3139364"/>
-              <a:gd name="connsiteY5" fmla="*/ 185943 h 2264331"/>
-              <a:gd name="connsiteX6" fmla="*/ 3109616 w 3139364"/>
-              <a:gd name="connsiteY6" fmla="*/ 19688 h 2264331"/>
-              <a:gd name="connsiteX7" fmla="*/ 2808279 w 3139364"/>
-              <a:gd name="connsiteY7" fmla="*/ 2035525 h 2264331"/>
-              <a:gd name="connsiteX8" fmla="*/ 615797 w 3139364"/>
-              <a:gd name="connsiteY8" fmla="*/ 1993961 h 2264331"/>
-              <a:gd name="connsiteX9" fmla="*/ 0 w 3139364"/>
-              <a:gd name="connsiteY9" fmla="*/ 0 h 2264331"/>
-              <a:gd name="connsiteX0" fmla="*/ 0 w 3134834"/>
-              <a:gd name="connsiteY0" fmla="*/ 16407 h 2283122"/>
-              <a:gd name="connsiteX1" fmla="*/ 584625 w 3134834"/>
-              <a:gd name="connsiteY1" fmla="*/ 275086 h 2283122"/>
-              <a:gd name="connsiteX2" fmla="*/ 1109639 w 3134834"/>
-              <a:gd name="connsiteY2" fmla="*/ 931355 h 2283122"/>
-              <a:gd name="connsiteX3" fmla="*/ 1664185 w 3134834"/>
-              <a:gd name="connsiteY3" fmla="*/ 1085029 h 2283122"/>
-              <a:gd name="connsiteX4" fmla="*/ 2234591 w 3134834"/>
-              <a:gd name="connsiteY4" fmla="*/ 560563 h 2283122"/>
-              <a:gd name="connsiteX5" fmla="*/ 2600461 w 3134834"/>
-              <a:gd name="connsiteY5" fmla="*/ 202350 h 2283122"/>
-              <a:gd name="connsiteX6" fmla="*/ 3103601 w 3134834"/>
-              <a:gd name="connsiteY6" fmla="*/ 0 h 2283122"/>
-              <a:gd name="connsiteX7" fmla="*/ 2808279 w 3134834"/>
-              <a:gd name="connsiteY7" fmla="*/ 2051932 h 2283122"/>
-              <a:gd name="connsiteX8" fmla="*/ 615797 w 3134834"/>
-              <a:gd name="connsiteY8" fmla="*/ 2010368 h 2283122"/>
-              <a:gd name="connsiteX9" fmla="*/ 0 w 3134834"/>
-              <a:gd name="connsiteY9" fmla="*/ 16407 h 2283122"/>
-              <a:gd name="connsiteX0" fmla="*/ 0 w 3107206"/>
-              <a:gd name="connsiteY0" fmla="*/ 16407 h 2264110"/>
-              <a:gd name="connsiteX1" fmla="*/ 584625 w 3107206"/>
-              <a:gd name="connsiteY1" fmla="*/ 275086 h 2264110"/>
-              <a:gd name="connsiteX2" fmla="*/ 1109639 w 3107206"/>
-              <a:gd name="connsiteY2" fmla="*/ 931355 h 2264110"/>
-              <a:gd name="connsiteX3" fmla="*/ 1664185 w 3107206"/>
-              <a:gd name="connsiteY3" fmla="*/ 1085029 h 2264110"/>
-              <a:gd name="connsiteX4" fmla="*/ 2234591 w 3107206"/>
-              <a:gd name="connsiteY4" fmla="*/ 560563 h 2264110"/>
-              <a:gd name="connsiteX5" fmla="*/ 2600461 w 3107206"/>
-              <a:gd name="connsiteY5" fmla="*/ 202350 h 2264110"/>
-              <a:gd name="connsiteX6" fmla="*/ 3103601 w 3107206"/>
-              <a:gd name="connsiteY6" fmla="*/ 0 h 2264110"/>
-              <a:gd name="connsiteX7" fmla="*/ 2507490 w 3107206"/>
-              <a:gd name="connsiteY7" fmla="*/ 2015837 h 2264110"/>
-              <a:gd name="connsiteX8" fmla="*/ 615797 w 3107206"/>
-              <a:gd name="connsiteY8" fmla="*/ 2010368 h 2264110"/>
-              <a:gd name="connsiteX9" fmla="*/ 0 w 3107206"/>
-              <a:gd name="connsiteY9" fmla="*/ 16407 h 2264110"/>
-            </a:gdLst>
-            <a:ahLst/>
-            <a:cxnLst>
-              <a:cxn ang="0">
-                <a:pos x="connsiteX0" y="connsiteY0"/>
-              </a:cxn>
-              <a:cxn ang="0">
-                <a:pos x="connsiteX1" y="connsiteY1"/>
-              </a:cxn>
-              <a:cxn ang="0">
-                <a:pos x="connsiteX2" y="connsiteY2"/>
-              </a:cxn>
-              <a:cxn ang="0">
-                <a:pos x="connsiteX3" y="connsiteY3"/>
-              </a:cxn>
-              <a:cxn ang="0">
-                <a:pos x="connsiteX4" y="connsiteY4"/>
-              </a:cxn>
-              <a:cxn ang="0">
-                <a:pos x="connsiteX5" y="connsiteY5"/>
-              </a:cxn>
-              <a:cxn ang="0">
-                <a:pos x="connsiteX6" y="connsiteY6"/>
-              </a:cxn>
-              <a:cxn ang="0">
-                <a:pos x="connsiteX7" y="connsiteY7"/>
-              </a:cxn>
-              <a:cxn ang="0">
-                <a:pos x="connsiteX8" y="connsiteY8"/>
-              </a:cxn>
-              <a:cxn ang="0">
-                <a:pos x="connsiteX9" y="connsiteY9"/>
-              </a:cxn>
-            </a:cxnLst>
-            <a:rect l="l" t="t" r="r" b="b"/>
-            <a:pathLst>
-              <a:path w="3107206" h="2264110">
-                <a:moveTo>
-                  <a:pt x="0" y="16407"/>
-                </a:moveTo>
-                <a:cubicBezTo>
-                  <a:pt x="325674" y="106188"/>
-                  <a:pt x="399685" y="122595"/>
-                  <a:pt x="584625" y="275086"/>
-                </a:cubicBezTo>
-                <a:cubicBezTo>
-                  <a:pt x="769565" y="427577"/>
-                  <a:pt x="929712" y="796365"/>
-                  <a:pt x="1109639" y="931355"/>
-                </a:cubicBezTo>
-                <a:cubicBezTo>
-                  <a:pt x="1289566" y="1066345"/>
-                  <a:pt x="1356377" y="1128781"/>
-                  <a:pt x="1664185" y="1085029"/>
-                </a:cubicBezTo>
-                <a:cubicBezTo>
-                  <a:pt x="1971993" y="1041277"/>
-                  <a:pt x="2108624" y="749786"/>
-                  <a:pt x="2234591" y="560563"/>
-                </a:cubicBezTo>
-                <a:cubicBezTo>
-                  <a:pt x="2360558" y="371340"/>
-                  <a:pt x="2455626" y="295777"/>
-                  <a:pt x="2600461" y="202350"/>
-                </a:cubicBezTo>
-                <a:cubicBezTo>
-                  <a:pt x="2745296" y="108923"/>
-                  <a:pt x="2876460" y="64715"/>
-                  <a:pt x="3103601" y="0"/>
-                </a:cubicBezTo>
-                <a:cubicBezTo>
-                  <a:pt x="3138237" y="308264"/>
-                  <a:pt x="2922124" y="1680776"/>
-                  <a:pt x="2507490" y="2015837"/>
-                </a:cubicBezTo>
-                <a:cubicBezTo>
-                  <a:pt x="2092856" y="2350898"/>
-                  <a:pt x="1086851" y="2344609"/>
-                  <a:pt x="615797" y="2010368"/>
-                </a:cubicBezTo>
-                <a:cubicBezTo>
-                  <a:pt x="144743" y="1676127"/>
-                  <a:pt x="5195" y="305621"/>
-                  <a:pt x="0" y="16407"/>
-                </a:cubicBezTo>
-                <a:close/>
-              </a:path>
-            </a:pathLst>
-          </a:custGeom>
-          <a:solidFill>
-            <a:schemeClr val="tx1"/>
-          </a:solidFill>
-          <a:ln>
-            <a:noFill/>
-          </a:ln>
-        </p:spPr>
-        <p:style>
-          <a:lnRef idx="2">
-            <a:schemeClr val="accent1">
-              <a:shade val="50000"/>
-            </a:schemeClr>
-          </a:lnRef>
-          <a:fillRef idx="1">
-            <a:schemeClr val="accent1"/>
-          </a:fillRef>
-          <a:effectRef idx="0">
-            <a:schemeClr val="accent1"/>
-          </a:effectRef>
-          <a:fontRef idx="minor">
-            <a:schemeClr val="lt1"/>
-          </a:fontRef>
-        </p:style>
-        <p:txBody>
-          <a:bodyPr rtlCol="0" anchor="ctr"/>
-          <a:lstStyle/>
-          <a:p>
-            <a:pPr algn="ctr"/>
-            <a:endParaRPr lang="en-US"/>
-          </a:p>
-        </p:txBody>
-      </p:sp>
-    </p:spTree>
-    <p:extLst>
-      <p:ext uri="{BB962C8B-B14F-4D97-AF65-F5344CB8AC3E}">
-        <p14:creationId xmlns:p14="http://schemas.microsoft.com/office/powerpoint/2010/main" val="478499291"/>
-      </p:ext>
-    </p:extLst>
-  </p:cSld>
-  <p:clrMapOvr>
-    <a:masterClrMapping/>
-  </p:clrMapOvr>
-  <mc:AlternateContent xmlns:mc="http://schemas.openxmlformats.org/markup-compatibility/2006">
-    <mc:Choice xmlns:p14="http://schemas.microsoft.com/office/powerpoint/2010/main" Requires="p14">
-      <p:transition spd="slow" p14:dur="2000"/>
-    </mc:Choice>
-    <mc:Fallback>
-      <p:transition spd="slow"/>
-    </mc:Fallback>
-  </mc:AlternateContent>
-</p:sld>
-</file>
-
 <file path=ppt/theme/theme1.xml><?xml version="1.0" encoding="utf-8"?>
 <a:theme xmlns:a="http://schemas.openxmlformats.org/drawingml/2006/main" name="Office Theme">
   <a:themeElements>

--- a/unpublished/avatar.pptx
+++ b/unpublished/avatar.pptx
@@ -6,6 +6,8 @@
   </p:sldMasterIdLst>
   <p:sldIdLst>
     <p:sldId id="256" r:id="rId2"/>
+    <p:sldId id="257" r:id="rId3"/>
+    <p:sldId id="258" r:id="rId4"/>
   </p:sldIdLst>
   <p:sldSz cx="9144000" cy="9144000"/>
   <p:notesSz cx="6858000" cy="9144000"/>
@@ -243,7 +245,7 @@
           <a:p>
             <a:fld id="{76515867-63A8-0E4C-94B1-A995DCB441AF}" type="datetimeFigureOut">
               <a:rPr lang="en-US" smtClean="0"/>
-              <a:t>8/18/17</a:t>
+              <a:t>9/18/17</a:t>
             </a:fld>
             <a:endParaRPr lang="en-US"/>
           </a:p>
@@ -413,7 +415,7 @@
           <a:p>
             <a:fld id="{76515867-63A8-0E4C-94B1-A995DCB441AF}" type="datetimeFigureOut">
               <a:rPr lang="en-US" smtClean="0"/>
-              <a:t>8/18/17</a:t>
+              <a:t>9/18/17</a:t>
             </a:fld>
             <a:endParaRPr lang="en-US"/>
           </a:p>
@@ -593,7 +595,7 @@
           <a:p>
             <a:fld id="{76515867-63A8-0E4C-94B1-A995DCB441AF}" type="datetimeFigureOut">
               <a:rPr lang="en-US" smtClean="0"/>
-              <a:t>8/18/17</a:t>
+              <a:t>9/18/17</a:t>
             </a:fld>
             <a:endParaRPr lang="en-US"/>
           </a:p>
@@ -763,7 +765,7 @@
           <a:p>
             <a:fld id="{76515867-63A8-0E4C-94B1-A995DCB441AF}" type="datetimeFigureOut">
               <a:rPr lang="en-US" smtClean="0"/>
-              <a:t>8/18/17</a:t>
+              <a:t>9/18/17</a:t>
             </a:fld>
             <a:endParaRPr lang="en-US"/>
           </a:p>
@@ -1007,7 +1009,7 @@
           <a:p>
             <a:fld id="{76515867-63A8-0E4C-94B1-A995DCB441AF}" type="datetimeFigureOut">
               <a:rPr lang="en-US" smtClean="0"/>
-              <a:t>8/18/17</a:t>
+              <a:t>9/18/17</a:t>
             </a:fld>
             <a:endParaRPr lang="en-US"/>
           </a:p>
@@ -1239,7 +1241,7 @@
           <a:p>
             <a:fld id="{76515867-63A8-0E4C-94B1-A995DCB441AF}" type="datetimeFigureOut">
               <a:rPr lang="en-US" smtClean="0"/>
-              <a:t>8/18/17</a:t>
+              <a:t>9/18/17</a:t>
             </a:fld>
             <a:endParaRPr lang="en-US"/>
           </a:p>
@@ -1606,7 +1608,7 @@
           <a:p>
             <a:fld id="{76515867-63A8-0E4C-94B1-A995DCB441AF}" type="datetimeFigureOut">
               <a:rPr lang="en-US" smtClean="0"/>
-              <a:t>8/18/17</a:t>
+              <a:t>9/18/17</a:t>
             </a:fld>
             <a:endParaRPr lang="en-US"/>
           </a:p>
@@ -1724,7 +1726,7 @@
           <a:p>
             <a:fld id="{76515867-63A8-0E4C-94B1-A995DCB441AF}" type="datetimeFigureOut">
               <a:rPr lang="en-US" smtClean="0"/>
-              <a:t>8/18/17</a:t>
+              <a:t>9/18/17</a:t>
             </a:fld>
             <a:endParaRPr lang="en-US"/>
           </a:p>
@@ -1819,7 +1821,7 @@
           <a:p>
             <a:fld id="{76515867-63A8-0E4C-94B1-A995DCB441AF}" type="datetimeFigureOut">
               <a:rPr lang="en-US" smtClean="0"/>
-              <a:t>8/18/17</a:t>
+              <a:t>9/18/17</a:t>
             </a:fld>
             <a:endParaRPr lang="en-US"/>
           </a:p>
@@ -2096,7 +2098,7 @@
           <a:p>
             <a:fld id="{76515867-63A8-0E4C-94B1-A995DCB441AF}" type="datetimeFigureOut">
               <a:rPr lang="en-US" smtClean="0"/>
-              <a:t>8/18/17</a:t>
+              <a:t>9/18/17</a:t>
             </a:fld>
             <a:endParaRPr lang="en-US"/>
           </a:p>
@@ -2353,7 +2355,7 @@
           <a:p>
             <a:fld id="{76515867-63A8-0E4C-94B1-A995DCB441AF}" type="datetimeFigureOut">
               <a:rPr lang="en-US" smtClean="0"/>
-              <a:t>8/18/17</a:t>
+              <a:t>9/18/17</a:t>
             </a:fld>
             <a:endParaRPr lang="en-US"/>
           </a:p>
@@ -2566,7 +2568,7 @@
           <a:p>
             <a:fld id="{76515867-63A8-0E4C-94B1-A995DCB441AF}" type="datetimeFigureOut">
               <a:rPr lang="en-US" smtClean="0"/>
-              <a:t>8/18/17</a:t>
+              <a:t>9/18/17</a:t>
             </a:fld>
             <a:endParaRPr lang="en-US"/>
           </a:p>
@@ -4512,6 +4514,3032 @@
 </p:sld>
 </file>
 
+<file path=ppt/slides/slide2.xml><?xml version="1.0" encoding="utf-8"?>
+<p:sld xmlns:a="http://schemas.openxmlformats.org/drawingml/2006/main" xmlns:r="http://schemas.openxmlformats.org/officeDocument/2006/relationships" xmlns:p="http://schemas.openxmlformats.org/presentationml/2006/main">
+  <p:cSld>
+    <p:spTree>
+      <p:nvGrpSpPr>
+        <p:cNvPr id="1" name=""/>
+        <p:cNvGrpSpPr/>
+        <p:nvPr/>
+      </p:nvGrpSpPr>
+      <p:grpSpPr>
+        <a:xfrm>
+          <a:off x="0" y="0"/>
+          <a:ext cx="0" cy="0"/>
+          <a:chOff x="0" y="0"/>
+          <a:chExt cx="0" cy="0"/>
+        </a:xfrm>
+      </p:grpSpPr>
+      <p:sp>
+        <p:nvSpPr>
+          <p:cNvPr id="5" name="Freeform 4"/>
+          <p:cNvSpPr/>
+          <p:nvPr/>
+        </p:nvSpPr>
+        <p:spPr>
+          <a:xfrm>
+            <a:off x="3200400" y="1343688"/>
+            <a:ext cx="2743200" cy="4318334"/>
+          </a:xfrm>
+          <a:custGeom>
+            <a:avLst/>
+            <a:gdLst>
+              <a:gd name="connsiteX0" fmla="*/ 652421 w 4261902"/>
+              <a:gd name="connsiteY0" fmla="*/ 6330902 h 6719567"/>
+              <a:gd name="connsiteX1" fmla="*/ 494160 w 4261902"/>
+              <a:gd name="connsiteY1" fmla="*/ 5434087 h 6719567"/>
+              <a:gd name="connsiteX2" fmla="*/ 388652 w 4261902"/>
+              <a:gd name="connsiteY2" fmla="*/ 4115241 h 6719567"/>
+              <a:gd name="connsiteX3" fmla="*/ 423821 w 4261902"/>
+              <a:gd name="connsiteY3" fmla="*/ 3130502 h 6719567"/>
+              <a:gd name="connsiteX4" fmla="*/ 177637 w 4261902"/>
+              <a:gd name="connsiteY4" fmla="*/ 2356779 h 6719567"/>
+              <a:gd name="connsiteX5" fmla="*/ 1791 w 4261902"/>
+              <a:gd name="connsiteY5" fmla="*/ 1248949 h 6719567"/>
+              <a:gd name="connsiteX6" fmla="*/ 142468 w 4261902"/>
+              <a:gd name="connsiteY6" fmla="*/ 299379 h 6719567"/>
+              <a:gd name="connsiteX7" fmla="*/ 881021 w 4261902"/>
+              <a:gd name="connsiteY7" fmla="*/ 441 h 6719567"/>
+              <a:gd name="connsiteX8" fmla="*/ 2147114 w 4261902"/>
+              <a:gd name="connsiteY8" fmla="*/ 229041 h 6719567"/>
+              <a:gd name="connsiteX9" fmla="*/ 2850498 w 4261902"/>
+              <a:gd name="connsiteY9" fmla="*/ 88364 h 6719567"/>
+              <a:gd name="connsiteX10" fmla="*/ 3465960 w 4261902"/>
+              <a:gd name="connsiteY10" fmla="*/ 18025 h 6719567"/>
+              <a:gd name="connsiteX11" fmla="*/ 4028668 w 4261902"/>
+              <a:gd name="connsiteY11" fmla="*/ 158702 h 6719567"/>
+              <a:gd name="connsiteX12" fmla="*/ 4257268 w 4261902"/>
+              <a:gd name="connsiteY12" fmla="*/ 967595 h 6719567"/>
+              <a:gd name="connsiteX13" fmla="*/ 4151760 w 4261902"/>
+              <a:gd name="connsiteY13" fmla="*/ 2128179 h 6719567"/>
+              <a:gd name="connsiteX14" fmla="*/ 3800068 w 4261902"/>
+              <a:gd name="connsiteY14" fmla="*/ 3060164 h 6719567"/>
+              <a:gd name="connsiteX15" fmla="*/ 3800068 w 4261902"/>
+              <a:gd name="connsiteY15" fmla="*/ 3886641 h 6719567"/>
+              <a:gd name="connsiteX16" fmla="*/ 3712144 w 4261902"/>
+              <a:gd name="connsiteY16" fmla="*/ 5187902 h 6719567"/>
+              <a:gd name="connsiteX17" fmla="*/ 3413206 w 4261902"/>
+              <a:gd name="connsiteY17" fmla="*/ 6717764 h 6719567"/>
+              <a:gd name="connsiteX18" fmla="*/ 2780160 w 4261902"/>
+              <a:gd name="connsiteY18" fmla="*/ 5469256 h 6719567"/>
+              <a:gd name="connsiteX19" fmla="*/ 2569144 w 4261902"/>
+              <a:gd name="connsiteY19" fmla="*/ 4220749 h 6719567"/>
+              <a:gd name="connsiteX20" fmla="*/ 2182283 w 4261902"/>
+              <a:gd name="connsiteY20" fmla="*/ 3904225 h 6719567"/>
+              <a:gd name="connsiteX21" fmla="*/ 1689914 w 4261902"/>
+              <a:gd name="connsiteY21" fmla="*/ 3974564 h 6719567"/>
+              <a:gd name="connsiteX22" fmla="*/ 1461314 w 4261902"/>
+              <a:gd name="connsiteY22" fmla="*/ 4185579 h 6719567"/>
+              <a:gd name="connsiteX23" fmla="*/ 1338221 w 4261902"/>
+              <a:gd name="connsiteY23" fmla="*/ 5135149 h 6719567"/>
+              <a:gd name="connsiteX24" fmla="*/ 1127206 w 4261902"/>
+              <a:gd name="connsiteY24" fmla="*/ 6137472 h 6719567"/>
+              <a:gd name="connsiteX25" fmla="*/ 845852 w 4261902"/>
+              <a:gd name="connsiteY25" fmla="*/ 6700179 h 6719567"/>
+              <a:gd name="connsiteX26" fmla="*/ 652421 w 4261902"/>
+              <a:gd name="connsiteY26" fmla="*/ 6330902 h 6719567"/>
+              <a:gd name="connsiteX0" fmla="*/ 652421 w 4261902"/>
+              <a:gd name="connsiteY0" fmla="*/ 6330902 h 6719567"/>
+              <a:gd name="connsiteX1" fmla="*/ 494160 w 4261902"/>
+              <a:gd name="connsiteY1" fmla="*/ 5434087 h 6719567"/>
+              <a:gd name="connsiteX2" fmla="*/ 388652 w 4261902"/>
+              <a:gd name="connsiteY2" fmla="*/ 4115241 h 6719567"/>
+              <a:gd name="connsiteX3" fmla="*/ 398063 w 4261902"/>
+              <a:gd name="connsiteY3" fmla="*/ 3104745 h 6719567"/>
+              <a:gd name="connsiteX4" fmla="*/ 177637 w 4261902"/>
+              <a:gd name="connsiteY4" fmla="*/ 2356779 h 6719567"/>
+              <a:gd name="connsiteX5" fmla="*/ 1791 w 4261902"/>
+              <a:gd name="connsiteY5" fmla="*/ 1248949 h 6719567"/>
+              <a:gd name="connsiteX6" fmla="*/ 142468 w 4261902"/>
+              <a:gd name="connsiteY6" fmla="*/ 299379 h 6719567"/>
+              <a:gd name="connsiteX7" fmla="*/ 881021 w 4261902"/>
+              <a:gd name="connsiteY7" fmla="*/ 441 h 6719567"/>
+              <a:gd name="connsiteX8" fmla="*/ 2147114 w 4261902"/>
+              <a:gd name="connsiteY8" fmla="*/ 229041 h 6719567"/>
+              <a:gd name="connsiteX9" fmla="*/ 2850498 w 4261902"/>
+              <a:gd name="connsiteY9" fmla="*/ 88364 h 6719567"/>
+              <a:gd name="connsiteX10" fmla="*/ 3465960 w 4261902"/>
+              <a:gd name="connsiteY10" fmla="*/ 18025 h 6719567"/>
+              <a:gd name="connsiteX11" fmla="*/ 4028668 w 4261902"/>
+              <a:gd name="connsiteY11" fmla="*/ 158702 h 6719567"/>
+              <a:gd name="connsiteX12" fmla="*/ 4257268 w 4261902"/>
+              <a:gd name="connsiteY12" fmla="*/ 967595 h 6719567"/>
+              <a:gd name="connsiteX13" fmla="*/ 4151760 w 4261902"/>
+              <a:gd name="connsiteY13" fmla="*/ 2128179 h 6719567"/>
+              <a:gd name="connsiteX14" fmla="*/ 3800068 w 4261902"/>
+              <a:gd name="connsiteY14" fmla="*/ 3060164 h 6719567"/>
+              <a:gd name="connsiteX15" fmla="*/ 3800068 w 4261902"/>
+              <a:gd name="connsiteY15" fmla="*/ 3886641 h 6719567"/>
+              <a:gd name="connsiteX16" fmla="*/ 3712144 w 4261902"/>
+              <a:gd name="connsiteY16" fmla="*/ 5187902 h 6719567"/>
+              <a:gd name="connsiteX17" fmla="*/ 3413206 w 4261902"/>
+              <a:gd name="connsiteY17" fmla="*/ 6717764 h 6719567"/>
+              <a:gd name="connsiteX18" fmla="*/ 2780160 w 4261902"/>
+              <a:gd name="connsiteY18" fmla="*/ 5469256 h 6719567"/>
+              <a:gd name="connsiteX19" fmla="*/ 2569144 w 4261902"/>
+              <a:gd name="connsiteY19" fmla="*/ 4220749 h 6719567"/>
+              <a:gd name="connsiteX20" fmla="*/ 2182283 w 4261902"/>
+              <a:gd name="connsiteY20" fmla="*/ 3904225 h 6719567"/>
+              <a:gd name="connsiteX21" fmla="*/ 1689914 w 4261902"/>
+              <a:gd name="connsiteY21" fmla="*/ 3974564 h 6719567"/>
+              <a:gd name="connsiteX22" fmla="*/ 1461314 w 4261902"/>
+              <a:gd name="connsiteY22" fmla="*/ 4185579 h 6719567"/>
+              <a:gd name="connsiteX23" fmla="*/ 1338221 w 4261902"/>
+              <a:gd name="connsiteY23" fmla="*/ 5135149 h 6719567"/>
+              <a:gd name="connsiteX24" fmla="*/ 1127206 w 4261902"/>
+              <a:gd name="connsiteY24" fmla="*/ 6137472 h 6719567"/>
+              <a:gd name="connsiteX25" fmla="*/ 845852 w 4261902"/>
+              <a:gd name="connsiteY25" fmla="*/ 6700179 h 6719567"/>
+              <a:gd name="connsiteX26" fmla="*/ 652421 w 4261902"/>
+              <a:gd name="connsiteY26" fmla="*/ 6330902 h 6719567"/>
+              <a:gd name="connsiteX0" fmla="*/ 652421 w 4261902"/>
+              <a:gd name="connsiteY0" fmla="*/ 6330902 h 6719567"/>
+              <a:gd name="connsiteX1" fmla="*/ 494160 w 4261902"/>
+              <a:gd name="connsiteY1" fmla="*/ 5434087 h 6719567"/>
+              <a:gd name="connsiteX2" fmla="*/ 388652 w 4261902"/>
+              <a:gd name="connsiteY2" fmla="*/ 4115241 h 6719567"/>
+              <a:gd name="connsiteX3" fmla="*/ 398063 w 4261902"/>
+              <a:gd name="connsiteY3" fmla="*/ 3104745 h 6719567"/>
+              <a:gd name="connsiteX4" fmla="*/ 177637 w 4261902"/>
+              <a:gd name="connsiteY4" fmla="*/ 2356779 h 6719567"/>
+              <a:gd name="connsiteX5" fmla="*/ 1791 w 4261902"/>
+              <a:gd name="connsiteY5" fmla="*/ 1248949 h 6719567"/>
+              <a:gd name="connsiteX6" fmla="*/ 142468 w 4261902"/>
+              <a:gd name="connsiteY6" fmla="*/ 299379 h 6719567"/>
+              <a:gd name="connsiteX7" fmla="*/ 881021 w 4261902"/>
+              <a:gd name="connsiteY7" fmla="*/ 441 h 6719567"/>
+              <a:gd name="connsiteX8" fmla="*/ 2147114 w 4261902"/>
+              <a:gd name="connsiteY8" fmla="*/ 229041 h 6719567"/>
+              <a:gd name="connsiteX9" fmla="*/ 2850498 w 4261902"/>
+              <a:gd name="connsiteY9" fmla="*/ 88364 h 6719567"/>
+              <a:gd name="connsiteX10" fmla="*/ 3465960 w 4261902"/>
+              <a:gd name="connsiteY10" fmla="*/ 18025 h 6719567"/>
+              <a:gd name="connsiteX11" fmla="*/ 4028668 w 4261902"/>
+              <a:gd name="connsiteY11" fmla="*/ 158702 h 6719567"/>
+              <a:gd name="connsiteX12" fmla="*/ 4257268 w 4261902"/>
+              <a:gd name="connsiteY12" fmla="*/ 967595 h 6719567"/>
+              <a:gd name="connsiteX13" fmla="*/ 4151760 w 4261902"/>
+              <a:gd name="connsiteY13" fmla="*/ 2128179 h 6719567"/>
+              <a:gd name="connsiteX14" fmla="*/ 3800068 w 4261902"/>
+              <a:gd name="connsiteY14" fmla="*/ 3085922 h 6719567"/>
+              <a:gd name="connsiteX15" fmla="*/ 3800068 w 4261902"/>
+              <a:gd name="connsiteY15" fmla="*/ 3886641 h 6719567"/>
+              <a:gd name="connsiteX16" fmla="*/ 3712144 w 4261902"/>
+              <a:gd name="connsiteY16" fmla="*/ 5187902 h 6719567"/>
+              <a:gd name="connsiteX17" fmla="*/ 3413206 w 4261902"/>
+              <a:gd name="connsiteY17" fmla="*/ 6717764 h 6719567"/>
+              <a:gd name="connsiteX18" fmla="*/ 2780160 w 4261902"/>
+              <a:gd name="connsiteY18" fmla="*/ 5469256 h 6719567"/>
+              <a:gd name="connsiteX19" fmla="*/ 2569144 w 4261902"/>
+              <a:gd name="connsiteY19" fmla="*/ 4220749 h 6719567"/>
+              <a:gd name="connsiteX20" fmla="*/ 2182283 w 4261902"/>
+              <a:gd name="connsiteY20" fmla="*/ 3904225 h 6719567"/>
+              <a:gd name="connsiteX21" fmla="*/ 1689914 w 4261902"/>
+              <a:gd name="connsiteY21" fmla="*/ 3974564 h 6719567"/>
+              <a:gd name="connsiteX22" fmla="*/ 1461314 w 4261902"/>
+              <a:gd name="connsiteY22" fmla="*/ 4185579 h 6719567"/>
+              <a:gd name="connsiteX23" fmla="*/ 1338221 w 4261902"/>
+              <a:gd name="connsiteY23" fmla="*/ 5135149 h 6719567"/>
+              <a:gd name="connsiteX24" fmla="*/ 1127206 w 4261902"/>
+              <a:gd name="connsiteY24" fmla="*/ 6137472 h 6719567"/>
+              <a:gd name="connsiteX25" fmla="*/ 845852 w 4261902"/>
+              <a:gd name="connsiteY25" fmla="*/ 6700179 h 6719567"/>
+              <a:gd name="connsiteX26" fmla="*/ 652421 w 4261902"/>
+              <a:gd name="connsiteY26" fmla="*/ 6330902 h 6719567"/>
+              <a:gd name="connsiteX0" fmla="*/ 652421 w 4261902"/>
+              <a:gd name="connsiteY0" fmla="*/ 6330902 h 6703211"/>
+              <a:gd name="connsiteX1" fmla="*/ 494160 w 4261902"/>
+              <a:gd name="connsiteY1" fmla="*/ 5434087 h 6703211"/>
+              <a:gd name="connsiteX2" fmla="*/ 388652 w 4261902"/>
+              <a:gd name="connsiteY2" fmla="*/ 4115241 h 6703211"/>
+              <a:gd name="connsiteX3" fmla="*/ 398063 w 4261902"/>
+              <a:gd name="connsiteY3" fmla="*/ 3104745 h 6703211"/>
+              <a:gd name="connsiteX4" fmla="*/ 177637 w 4261902"/>
+              <a:gd name="connsiteY4" fmla="*/ 2356779 h 6703211"/>
+              <a:gd name="connsiteX5" fmla="*/ 1791 w 4261902"/>
+              <a:gd name="connsiteY5" fmla="*/ 1248949 h 6703211"/>
+              <a:gd name="connsiteX6" fmla="*/ 142468 w 4261902"/>
+              <a:gd name="connsiteY6" fmla="*/ 299379 h 6703211"/>
+              <a:gd name="connsiteX7" fmla="*/ 881021 w 4261902"/>
+              <a:gd name="connsiteY7" fmla="*/ 441 h 6703211"/>
+              <a:gd name="connsiteX8" fmla="*/ 2147114 w 4261902"/>
+              <a:gd name="connsiteY8" fmla="*/ 229041 h 6703211"/>
+              <a:gd name="connsiteX9" fmla="*/ 2850498 w 4261902"/>
+              <a:gd name="connsiteY9" fmla="*/ 88364 h 6703211"/>
+              <a:gd name="connsiteX10" fmla="*/ 3465960 w 4261902"/>
+              <a:gd name="connsiteY10" fmla="*/ 18025 h 6703211"/>
+              <a:gd name="connsiteX11" fmla="*/ 4028668 w 4261902"/>
+              <a:gd name="connsiteY11" fmla="*/ 158702 h 6703211"/>
+              <a:gd name="connsiteX12" fmla="*/ 4257268 w 4261902"/>
+              <a:gd name="connsiteY12" fmla="*/ 967595 h 6703211"/>
+              <a:gd name="connsiteX13" fmla="*/ 4151760 w 4261902"/>
+              <a:gd name="connsiteY13" fmla="*/ 2128179 h 6703211"/>
+              <a:gd name="connsiteX14" fmla="*/ 3800068 w 4261902"/>
+              <a:gd name="connsiteY14" fmla="*/ 3085922 h 6703211"/>
+              <a:gd name="connsiteX15" fmla="*/ 3800068 w 4261902"/>
+              <a:gd name="connsiteY15" fmla="*/ 3886641 h 6703211"/>
+              <a:gd name="connsiteX16" fmla="*/ 3712144 w 4261902"/>
+              <a:gd name="connsiteY16" fmla="*/ 5187902 h 6703211"/>
+              <a:gd name="connsiteX17" fmla="*/ 3348812 w 4261902"/>
+              <a:gd name="connsiteY17" fmla="*/ 6679128 h 6703211"/>
+              <a:gd name="connsiteX18" fmla="*/ 2780160 w 4261902"/>
+              <a:gd name="connsiteY18" fmla="*/ 5469256 h 6703211"/>
+              <a:gd name="connsiteX19" fmla="*/ 2569144 w 4261902"/>
+              <a:gd name="connsiteY19" fmla="*/ 4220749 h 6703211"/>
+              <a:gd name="connsiteX20" fmla="*/ 2182283 w 4261902"/>
+              <a:gd name="connsiteY20" fmla="*/ 3904225 h 6703211"/>
+              <a:gd name="connsiteX21" fmla="*/ 1689914 w 4261902"/>
+              <a:gd name="connsiteY21" fmla="*/ 3974564 h 6703211"/>
+              <a:gd name="connsiteX22" fmla="*/ 1461314 w 4261902"/>
+              <a:gd name="connsiteY22" fmla="*/ 4185579 h 6703211"/>
+              <a:gd name="connsiteX23" fmla="*/ 1338221 w 4261902"/>
+              <a:gd name="connsiteY23" fmla="*/ 5135149 h 6703211"/>
+              <a:gd name="connsiteX24" fmla="*/ 1127206 w 4261902"/>
+              <a:gd name="connsiteY24" fmla="*/ 6137472 h 6703211"/>
+              <a:gd name="connsiteX25" fmla="*/ 845852 w 4261902"/>
+              <a:gd name="connsiteY25" fmla="*/ 6700179 h 6703211"/>
+              <a:gd name="connsiteX26" fmla="*/ 652421 w 4261902"/>
+              <a:gd name="connsiteY26" fmla="*/ 6330902 h 6703211"/>
+              <a:gd name="connsiteX0" fmla="*/ 652421 w 4261902"/>
+              <a:gd name="connsiteY0" fmla="*/ 6330902 h 6703211"/>
+              <a:gd name="connsiteX1" fmla="*/ 494160 w 4261902"/>
+              <a:gd name="connsiteY1" fmla="*/ 5434087 h 6703211"/>
+              <a:gd name="connsiteX2" fmla="*/ 388652 w 4261902"/>
+              <a:gd name="connsiteY2" fmla="*/ 4115241 h 6703211"/>
+              <a:gd name="connsiteX3" fmla="*/ 398063 w 4261902"/>
+              <a:gd name="connsiteY3" fmla="*/ 3104745 h 6703211"/>
+              <a:gd name="connsiteX4" fmla="*/ 177637 w 4261902"/>
+              <a:gd name="connsiteY4" fmla="*/ 2356779 h 6703211"/>
+              <a:gd name="connsiteX5" fmla="*/ 1791 w 4261902"/>
+              <a:gd name="connsiteY5" fmla="*/ 1248949 h 6703211"/>
+              <a:gd name="connsiteX6" fmla="*/ 142468 w 4261902"/>
+              <a:gd name="connsiteY6" fmla="*/ 299379 h 6703211"/>
+              <a:gd name="connsiteX7" fmla="*/ 881021 w 4261902"/>
+              <a:gd name="connsiteY7" fmla="*/ 441 h 6703211"/>
+              <a:gd name="connsiteX8" fmla="*/ 2147114 w 4261902"/>
+              <a:gd name="connsiteY8" fmla="*/ 229041 h 6703211"/>
+              <a:gd name="connsiteX9" fmla="*/ 2850498 w 4261902"/>
+              <a:gd name="connsiteY9" fmla="*/ 88364 h 6703211"/>
+              <a:gd name="connsiteX10" fmla="*/ 3465960 w 4261902"/>
+              <a:gd name="connsiteY10" fmla="*/ 18025 h 6703211"/>
+              <a:gd name="connsiteX11" fmla="*/ 4028668 w 4261902"/>
+              <a:gd name="connsiteY11" fmla="*/ 158702 h 6703211"/>
+              <a:gd name="connsiteX12" fmla="*/ 4257268 w 4261902"/>
+              <a:gd name="connsiteY12" fmla="*/ 967595 h 6703211"/>
+              <a:gd name="connsiteX13" fmla="*/ 4151760 w 4261902"/>
+              <a:gd name="connsiteY13" fmla="*/ 2128179 h 6703211"/>
+              <a:gd name="connsiteX14" fmla="*/ 3800068 w 4261902"/>
+              <a:gd name="connsiteY14" fmla="*/ 3085922 h 6703211"/>
+              <a:gd name="connsiteX15" fmla="*/ 3800068 w 4261902"/>
+              <a:gd name="connsiteY15" fmla="*/ 3886641 h 6703211"/>
+              <a:gd name="connsiteX16" fmla="*/ 3712144 w 4261902"/>
+              <a:gd name="connsiteY16" fmla="*/ 5187902 h 6703211"/>
+              <a:gd name="connsiteX17" fmla="*/ 3348812 w 4261902"/>
+              <a:gd name="connsiteY17" fmla="*/ 6679128 h 6703211"/>
+              <a:gd name="connsiteX18" fmla="*/ 2780160 w 4261902"/>
+              <a:gd name="connsiteY18" fmla="*/ 5469256 h 6703211"/>
+              <a:gd name="connsiteX19" fmla="*/ 2530507 w 4261902"/>
+              <a:gd name="connsiteY19" fmla="*/ 4272264 h 6703211"/>
+              <a:gd name="connsiteX20" fmla="*/ 2182283 w 4261902"/>
+              <a:gd name="connsiteY20" fmla="*/ 3904225 h 6703211"/>
+              <a:gd name="connsiteX21" fmla="*/ 1689914 w 4261902"/>
+              <a:gd name="connsiteY21" fmla="*/ 3974564 h 6703211"/>
+              <a:gd name="connsiteX22" fmla="*/ 1461314 w 4261902"/>
+              <a:gd name="connsiteY22" fmla="*/ 4185579 h 6703211"/>
+              <a:gd name="connsiteX23" fmla="*/ 1338221 w 4261902"/>
+              <a:gd name="connsiteY23" fmla="*/ 5135149 h 6703211"/>
+              <a:gd name="connsiteX24" fmla="*/ 1127206 w 4261902"/>
+              <a:gd name="connsiteY24" fmla="*/ 6137472 h 6703211"/>
+              <a:gd name="connsiteX25" fmla="*/ 845852 w 4261902"/>
+              <a:gd name="connsiteY25" fmla="*/ 6700179 h 6703211"/>
+              <a:gd name="connsiteX26" fmla="*/ 652421 w 4261902"/>
+              <a:gd name="connsiteY26" fmla="*/ 6330902 h 6703211"/>
+              <a:gd name="connsiteX0" fmla="*/ 652421 w 4261902"/>
+              <a:gd name="connsiteY0" fmla="*/ 6330902 h 6703211"/>
+              <a:gd name="connsiteX1" fmla="*/ 494160 w 4261902"/>
+              <a:gd name="connsiteY1" fmla="*/ 5434087 h 6703211"/>
+              <a:gd name="connsiteX2" fmla="*/ 388652 w 4261902"/>
+              <a:gd name="connsiteY2" fmla="*/ 4115241 h 6703211"/>
+              <a:gd name="connsiteX3" fmla="*/ 398063 w 4261902"/>
+              <a:gd name="connsiteY3" fmla="*/ 3104745 h 6703211"/>
+              <a:gd name="connsiteX4" fmla="*/ 177637 w 4261902"/>
+              <a:gd name="connsiteY4" fmla="*/ 2356779 h 6703211"/>
+              <a:gd name="connsiteX5" fmla="*/ 1791 w 4261902"/>
+              <a:gd name="connsiteY5" fmla="*/ 1248949 h 6703211"/>
+              <a:gd name="connsiteX6" fmla="*/ 142468 w 4261902"/>
+              <a:gd name="connsiteY6" fmla="*/ 299379 h 6703211"/>
+              <a:gd name="connsiteX7" fmla="*/ 881021 w 4261902"/>
+              <a:gd name="connsiteY7" fmla="*/ 441 h 6703211"/>
+              <a:gd name="connsiteX8" fmla="*/ 2147114 w 4261902"/>
+              <a:gd name="connsiteY8" fmla="*/ 229041 h 6703211"/>
+              <a:gd name="connsiteX9" fmla="*/ 2850498 w 4261902"/>
+              <a:gd name="connsiteY9" fmla="*/ 88364 h 6703211"/>
+              <a:gd name="connsiteX10" fmla="*/ 3465960 w 4261902"/>
+              <a:gd name="connsiteY10" fmla="*/ 18025 h 6703211"/>
+              <a:gd name="connsiteX11" fmla="*/ 4028668 w 4261902"/>
+              <a:gd name="connsiteY11" fmla="*/ 158702 h 6703211"/>
+              <a:gd name="connsiteX12" fmla="*/ 4257268 w 4261902"/>
+              <a:gd name="connsiteY12" fmla="*/ 967595 h 6703211"/>
+              <a:gd name="connsiteX13" fmla="*/ 4151760 w 4261902"/>
+              <a:gd name="connsiteY13" fmla="*/ 2128179 h 6703211"/>
+              <a:gd name="connsiteX14" fmla="*/ 3800068 w 4261902"/>
+              <a:gd name="connsiteY14" fmla="*/ 3085922 h 6703211"/>
+              <a:gd name="connsiteX15" fmla="*/ 3800068 w 4261902"/>
+              <a:gd name="connsiteY15" fmla="*/ 3886641 h 6703211"/>
+              <a:gd name="connsiteX16" fmla="*/ 3712144 w 4261902"/>
+              <a:gd name="connsiteY16" fmla="*/ 5187902 h 6703211"/>
+              <a:gd name="connsiteX17" fmla="*/ 3348812 w 4261902"/>
+              <a:gd name="connsiteY17" fmla="*/ 6679128 h 6703211"/>
+              <a:gd name="connsiteX18" fmla="*/ 2780160 w 4261902"/>
+              <a:gd name="connsiteY18" fmla="*/ 5469256 h 6703211"/>
+              <a:gd name="connsiteX19" fmla="*/ 2530507 w 4261902"/>
+              <a:gd name="connsiteY19" fmla="*/ 4272264 h 6703211"/>
+              <a:gd name="connsiteX20" fmla="*/ 2182283 w 4261902"/>
+              <a:gd name="connsiteY20" fmla="*/ 3904225 h 6703211"/>
+              <a:gd name="connsiteX21" fmla="*/ 1857339 w 4261902"/>
+              <a:gd name="connsiteY21" fmla="*/ 3884411 h 6703211"/>
+              <a:gd name="connsiteX22" fmla="*/ 1461314 w 4261902"/>
+              <a:gd name="connsiteY22" fmla="*/ 4185579 h 6703211"/>
+              <a:gd name="connsiteX23" fmla="*/ 1338221 w 4261902"/>
+              <a:gd name="connsiteY23" fmla="*/ 5135149 h 6703211"/>
+              <a:gd name="connsiteX24" fmla="*/ 1127206 w 4261902"/>
+              <a:gd name="connsiteY24" fmla="*/ 6137472 h 6703211"/>
+              <a:gd name="connsiteX25" fmla="*/ 845852 w 4261902"/>
+              <a:gd name="connsiteY25" fmla="*/ 6700179 h 6703211"/>
+              <a:gd name="connsiteX26" fmla="*/ 652421 w 4261902"/>
+              <a:gd name="connsiteY26" fmla="*/ 6330902 h 6703211"/>
+              <a:gd name="connsiteX0" fmla="*/ 652421 w 4261902"/>
+              <a:gd name="connsiteY0" fmla="*/ 6330902 h 6703211"/>
+              <a:gd name="connsiteX1" fmla="*/ 494160 w 4261902"/>
+              <a:gd name="connsiteY1" fmla="*/ 5434087 h 6703211"/>
+              <a:gd name="connsiteX2" fmla="*/ 388652 w 4261902"/>
+              <a:gd name="connsiteY2" fmla="*/ 4115241 h 6703211"/>
+              <a:gd name="connsiteX3" fmla="*/ 398063 w 4261902"/>
+              <a:gd name="connsiteY3" fmla="*/ 3104745 h 6703211"/>
+              <a:gd name="connsiteX4" fmla="*/ 177637 w 4261902"/>
+              <a:gd name="connsiteY4" fmla="*/ 2356779 h 6703211"/>
+              <a:gd name="connsiteX5" fmla="*/ 1791 w 4261902"/>
+              <a:gd name="connsiteY5" fmla="*/ 1248949 h 6703211"/>
+              <a:gd name="connsiteX6" fmla="*/ 142468 w 4261902"/>
+              <a:gd name="connsiteY6" fmla="*/ 299379 h 6703211"/>
+              <a:gd name="connsiteX7" fmla="*/ 881021 w 4261902"/>
+              <a:gd name="connsiteY7" fmla="*/ 441 h 6703211"/>
+              <a:gd name="connsiteX8" fmla="*/ 2147114 w 4261902"/>
+              <a:gd name="connsiteY8" fmla="*/ 229041 h 6703211"/>
+              <a:gd name="connsiteX9" fmla="*/ 2850498 w 4261902"/>
+              <a:gd name="connsiteY9" fmla="*/ 88364 h 6703211"/>
+              <a:gd name="connsiteX10" fmla="*/ 3465960 w 4261902"/>
+              <a:gd name="connsiteY10" fmla="*/ 18025 h 6703211"/>
+              <a:gd name="connsiteX11" fmla="*/ 4028668 w 4261902"/>
+              <a:gd name="connsiteY11" fmla="*/ 158702 h 6703211"/>
+              <a:gd name="connsiteX12" fmla="*/ 4257268 w 4261902"/>
+              <a:gd name="connsiteY12" fmla="*/ 967595 h 6703211"/>
+              <a:gd name="connsiteX13" fmla="*/ 4151760 w 4261902"/>
+              <a:gd name="connsiteY13" fmla="*/ 2128179 h 6703211"/>
+              <a:gd name="connsiteX14" fmla="*/ 3800068 w 4261902"/>
+              <a:gd name="connsiteY14" fmla="*/ 3085922 h 6703211"/>
+              <a:gd name="connsiteX15" fmla="*/ 3800068 w 4261902"/>
+              <a:gd name="connsiteY15" fmla="*/ 3886641 h 6703211"/>
+              <a:gd name="connsiteX16" fmla="*/ 3712144 w 4261902"/>
+              <a:gd name="connsiteY16" fmla="*/ 5187902 h 6703211"/>
+              <a:gd name="connsiteX17" fmla="*/ 3348812 w 4261902"/>
+              <a:gd name="connsiteY17" fmla="*/ 6679128 h 6703211"/>
+              <a:gd name="connsiteX18" fmla="*/ 2780160 w 4261902"/>
+              <a:gd name="connsiteY18" fmla="*/ 5469256 h 6703211"/>
+              <a:gd name="connsiteX19" fmla="*/ 2530507 w 4261902"/>
+              <a:gd name="connsiteY19" fmla="*/ 4272264 h 6703211"/>
+              <a:gd name="connsiteX20" fmla="*/ 2182283 w 4261902"/>
+              <a:gd name="connsiteY20" fmla="*/ 3904225 h 6703211"/>
+              <a:gd name="connsiteX21" fmla="*/ 1857339 w 4261902"/>
+              <a:gd name="connsiteY21" fmla="*/ 3884411 h 6703211"/>
+              <a:gd name="connsiteX22" fmla="*/ 1512829 w 4261902"/>
+              <a:gd name="connsiteY22" fmla="*/ 4121184 h 6703211"/>
+              <a:gd name="connsiteX23" fmla="*/ 1338221 w 4261902"/>
+              <a:gd name="connsiteY23" fmla="*/ 5135149 h 6703211"/>
+              <a:gd name="connsiteX24" fmla="*/ 1127206 w 4261902"/>
+              <a:gd name="connsiteY24" fmla="*/ 6137472 h 6703211"/>
+              <a:gd name="connsiteX25" fmla="*/ 845852 w 4261902"/>
+              <a:gd name="connsiteY25" fmla="*/ 6700179 h 6703211"/>
+              <a:gd name="connsiteX26" fmla="*/ 652421 w 4261902"/>
+              <a:gd name="connsiteY26" fmla="*/ 6330902 h 6703211"/>
+              <a:gd name="connsiteX0" fmla="*/ 652421 w 4261902"/>
+              <a:gd name="connsiteY0" fmla="*/ 6330902 h 6703211"/>
+              <a:gd name="connsiteX1" fmla="*/ 494160 w 4261902"/>
+              <a:gd name="connsiteY1" fmla="*/ 5434087 h 6703211"/>
+              <a:gd name="connsiteX2" fmla="*/ 388652 w 4261902"/>
+              <a:gd name="connsiteY2" fmla="*/ 4115241 h 6703211"/>
+              <a:gd name="connsiteX3" fmla="*/ 398063 w 4261902"/>
+              <a:gd name="connsiteY3" fmla="*/ 3104745 h 6703211"/>
+              <a:gd name="connsiteX4" fmla="*/ 177637 w 4261902"/>
+              <a:gd name="connsiteY4" fmla="*/ 2356779 h 6703211"/>
+              <a:gd name="connsiteX5" fmla="*/ 1791 w 4261902"/>
+              <a:gd name="connsiteY5" fmla="*/ 1248949 h 6703211"/>
+              <a:gd name="connsiteX6" fmla="*/ 142468 w 4261902"/>
+              <a:gd name="connsiteY6" fmla="*/ 299379 h 6703211"/>
+              <a:gd name="connsiteX7" fmla="*/ 881021 w 4261902"/>
+              <a:gd name="connsiteY7" fmla="*/ 441 h 6703211"/>
+              <a:gd name="connsiteX8" fmla="*/ 2147114 w 4261902"/>
+              <a:gd name="connsiteY8" fmla="*/ 229041 h 6703211"/>
+              <a:gd name="connsiteX9" fmla="*/ 2850498 w 4261902"/>
+              <a:gd name="connsiteY9" fmla="*/ 88364 h 6703211"/>
+              <a:gd name="connsiteX10" fmla="*/ 3465960 w 4261902"/>
+              <a:gd name="connsiteY10" fmla="*/ 18025 h 6703211"/>
+              <a:gd name="connsiteX11" fmla="*/ 4028668 w 4261902"/>
+              <a:gd name="connsiteY11" fmla="*/ 158702 h 6703211"/>
+              <a:gd name="connsiteX12" fmla="*/ 4257268 w 4261902"/>
+              <a:gd name="connsiteY12" fmla="*/ 967595 h 6703211"/>
+              <a:gd name="connsiteX13" fmla="*/ 4151760 w 4261902"/>
+              <a:gd name="connsiteY13" fmla="*/ 2128179 h 6703211"/>
+              <a:gd name="connsiteX14" fmla="*/ 3800068 w 4261902"/>
+              <a:gd name="connsiteY14" fmla="*/ 3085922 h 6703211"/>
+              <a:gd name="connsiteX15" fmla="*/ 3800068 w 4261902"/>
+              <a:gd name="connsiteY15" fmla="*/ 3886641 h 6703211"/>
+              <a:gd name="connsiteX16" fmla="*/ 3712144 w 4261902"/>
+              <a:gd name="connsiteY16" fmla="*/ 5187902 h 6703211"/>
+              <a:gd name="connsiteX17" fmla="*/ 3348812 w 4261902"/>
+              <a:gd name="connsiteY17" fmla="*/ 6679128 h 6703211"/>
+              <a:gd name="connsiteX18" fmla="*/ 2780160 w 4261902"/>
+              <a:gd name="connsiteY18" fmla="*/ 5469256 h 6703211"/>
+              <a:gd name="connsiteX19" fmla="*/ 2530507 w 4261902"/>
+              <a:gd name="connsiteY19" fmla="*/ 4272264 h 6703211"/>
+              <a:gd name="connsiteX20" fmla="*/ 2182283 w 4261902"/>
+              <a:gd name="connsiteY20" fmla="*/ 3904225 h 6703211"/>
+              <a:gd name="connsiteX21" fmla="*/ 1857339 w 4261902"/>
+              <a:gd name="connsiteY21" fmla="*/ 3884411 h 6703211"/>
+              <a:gd name="connsiteX22" fmla="*/ 1512829 w 4261902"/>
+              <a:gd name="connsiteY22" fmla="*/ 4211337 h 6703211"/>
+              <a:gd name="connsiteX23" fmla="*/ 1338221 w 4261902"/>
+              <a:gd name="connsiteY23" fmla="*/ 5135149 h 6703211"/>
+              <a:gd name="connsiteX24" fmla="*/ 1127206 w 4261902"/>
+              <a:gd name="connsiteY24" fmla="*/ 6137472 h 6703211"/>
+              <a:gd name="connsiteX25" fmla="*/ 845852 w 4261902"/>
+              <a:gd name="connsiteY25" fmla="*/ 6700179 h 6703211"/>
+              <a:gd name="connsiteX26" fmla="*/ 652421 w 4261902"/>
+              <a:gd name="connsiteY26" fmla="*/ 6330902 h 6703211"/>
+              <a:gd name="connsiteX0" fmla="*/ 652421 w 4261902"/>
+              <a:gd name="connsiteY0" fmla="*/ 6330902 h 6703211"/>
+              <a:gd name="connsiteX1" fmla="*/ 494160 w 4261902"/>
+              <a:gd name="connsiteY1" fmla="*/ 5434087 h 6703211"/>
+              <a:gd name="connsiteX2" fmla="*/ 388652 w 4261902"/>
+              <a:gd name="connsiteY2" fmla="*/ 4115241 h 6703211"/>
+              <a:gd name="connsiteX3" fmla="*/ 398063 w 4261902"/>
+              <a:gd name="connsiteY3" fmla="*/ 3104745 h 6703211"/>
+              <a:gd name="connsiteX4" fmla="*/ 177637 w 4261902"/>
+              <a:gd name="connsiteY4" fmla="*/ 2356779 h 6703211"/>
+              <a:gd name="connsiteX5" fmla="*/ 1791 w 4261902"/>
+              <a:gd name="connsiteY5" fmla="*/ 1248949 h 6703211"/>
+              <a:gd name="connsiteX6" fmla="*/ 142468 w 4261902"/>
+              <a:gd name="connsiteY6" fmla="*/ 299379 h 6703211"/>
+              <a:gd name="connsiteX7" fmla="*/ 881021 w 4261902"/>
+              <a:gd name="connsiteY7" fmla="*/ 441 h 6703211"/>
+              <a:gd name="connsiteX8" fmla="*/ 2147114 w 4261902"/>
+              <a:gd name="connsiteY8" fmla="*/ 229041 h 6703211"/>
+              <a:gd name="connsiteX9" fmla="*/ 2850498 w 4261902"/>
+              <a:gd name="connsiteY9" fmla="*/ 88364 h 6703211"/>
+              <a:gd name="connsiteX10" fmla="*/ 3465960 w 4261902"/>
+              <a:gd name="connsiteY10" fmla="*/ 18025 h 6703211"/>
+              <a:gd name="connsiteX11" fmla="*/ 4028668 w 4261902"/>
+              <a:gd name="connsiteY11" fmla="*/ 158702 h 6703211"/>
+              <a:gd name="connsiteX12" fmla="*/ 4257268 w 4261902"/>
+              <a:gd name="connsiteY12" fmla="*/ 967595 h 6703211"/>
+              <a:gd name="connsiteX13" fmla="*/ 4151760 w 4261902"/>
+              <a:gd name="connsiteY13" fmla="*/ 2128179 h 6703211"/>
+              <a:gd name="connsiteX14" fmla="*/ 3800068 w 4261902"/>
+              <a:gd name="connsiteY14" fmla="*/ 3085922 h 6703211"/>
+              <a:gd name="connsiteX15" fmla="*/ 3800068 w 4261902"/>
+              <a:gd name="connsiteY15" fmla="*/ 3886641 h 6703211"/>
+              <a:gd name="connsiteX16" fmla="*/ 3712144 w 4261902"/>
+              <a:gd name="connsiteY16" fmla="*/ 5187902 h 6703211"/>
+              <a:gd name="connsiteX17" fmla="*/ 3348812 w 4261902"/>
+              <a:gd name="connsiteY17" fmla="*/ 6679128 h 6703211"/>
+              <a:gd name="connsiteX18" fmla="*/ 2780160 w 4261902"/>
+              <a:gd name="connsiteY18" fmla="*/ 5469256 h 6703211"/>
+              <a:gd name="connsiteX19" fmla="*/ 2530507 w 4261902"/>
+              <a:gd name="connsiteY19" fmla="*/ 4272264 h 6703211"/>
+              <a:gd name="connsiteX20" fmla="*/ 2233798 w 4261902"/>
+              <a:gd name="connsiteY20" fmla="*/ 3891347 h 6703211"/>
+              <a:gd name="connsiteX21" fmla="*/ 1857339 w 4261902"/>
+              <a:gd name="connsiteY21" fmla="*/ 3884411 h 6703211"/>
+              <a:gd name="connsiteX22" fmla="*/ 1512829 w 4261902"/>
+              <a:gd name="connsiteY22" fmla="*/ 4211337 h 6703211"/>
+              <a:gd name="connsiteX23" fmla="*/ 1338221 w 4261902"/>
+              <a:gd name="connsiteY23" fmla="*/ 5135149 h 6703211"/>
+              <a:gd name="connsiteX24" fmla="*/ 1127206 w 4261902"/>
+              <a:gd name="connsiteY24" fmla="*/ 6137472 h 6703211"/>
+              <a:gd name="connsiteX25" fmla="*/ 845852 w 4261902"/>
+              <a:gd name="connsiteY25" fmla="*/ 6700179 h 6703211"/>
+              <a:gd name="connsiteX26" fmla="*/ 652421 w 4261902"/>
+              <a:gd name="connsiteY26" fmla="*/ 6330902 h 6703211"/>
+              <a:gd name="connsiteX0" fmla="*/ 652421 w 4264883"/>
+              <a:gd name="connsiteY0" fmla="*/ 6330902 h 6703211"/>
+              <a:gd name="connsiteX1" fmla="*/ 494160 w 4264883"/>
+              <a:gd name="connsiteY1" fmla="*/ 5434087 h 6703211"/>
+              <a:gd name="connsiteX2" fmla="*/ 388652 w 4264883"/>
+              <a:gd name="connsiteY2" fmla="*/ 4115241 h 6703211"/>
+              <a:gd name="connsiteX3" fmla="*/ 398063 w 4264883"/>
+              <a:gd name="connsiteY3" fmla="*/ 3104745 h 6703211"/>
+              <a:gd name="connsiteX4" fmla="*/ 177637 w 4264883"/>
+              <a:gd name="connsiteY4" fmla="*/ 2356779 h 6703211"/>
+              <a:gd name="connsiteX5" fmla="*/ 1791 w 4264883"/>
+              <a:gd name="connsiteY5" fmla="*/ 1248949 h 6703211"/>
+              <a:gd name="connsiteX6" fmla="*/ 142468 w 4264883"/>
+              <a:gd name="connsiteY6" fmla="*/ 299379 h 6703211"/>
+              <a:gd name="connsiteX7" fmla="*/ 881021 w 4264883"/>
+              <a:gd name="connsiteY7" fmla="*/ 441 h 6703211"/>
+              <a:gd name="connsiteX8" fmla="*/ 2147114 w 4264883"/>
+              <a:gd name="connsiteY8" fmla="*/ 229041 h 6703211"/>
+              <a:gd name="connsiteX9" fmla="*/ 2850498 w 4264883"/>
+              <a:gd name="connsiteY9" fmla="*/ 88364 h 6703211"/>
+              <a:gd name="connsiteX10" fmla="*/ 3465960 w 4264883"/>
+              <a:gd name="connsiteY10" fmla="*/ 18025 h 6703211"/>
+              <a:gd name="connsiteX11" fmla="*/ 3977152 w 4264883"/>
+              <a:gd name="connsiteY11" fmla="*/ 184460 h 6703211"/>
+              <a:gd name="connsiteX12" fmla="*/ 4257268 w 4264883"/>
+              <a:gd name="connsiteY12" fmla="*/ 967595 h 6703211"/>
+              <a:gd name="connsiteX13" fmla="*/ 4151760 w 4264883"/>
+              <a:gd name="connsiteY13" fmla="*/ 2128179 h 6703211"/>
+              <a:gd name="connsiteX14" fmla="*/ 3800068 w 4264883"/>
+              <a:gd name="connsiteY14" fmla="*/ 3085922 h 6703211"/>
+              <a:gd name="connsiteX15" fmla="*/ 3800068 w 4264883"/>
+              <a:gd name="connsiteY15" fmla="*/ 3886641 h 6703211"/>
+              <a:gd name="connsiteX16" fmla="*/ 3712144 w 4264883"/>
+              <a:gd name="connsiteY16" fmla="*/ 5187902 h 6703211"/>
+              <a:gd name="connsiteX17" fmla="*/ 3348812 w 4264883"/>
+              <a:gd name="connsiteY17" fmla="*/ 6679128 h 6703211"/>
+              <a:gd name="connsiteX18" fmla="*/ 2780160 w 4264883"/>
+              <a:gd name="connsiteY18" fmla="*/ 5469256 h 6703211"/>
+              <a:gd name="connsiteX19" fmla="*/ 2530507 w 4264883"/>
+              <a:gd name="connsiteY19" fmla="*/ 4272264 h 6703211"/>
+              <a:gd name="connsiteX20" fmla="*/ 2233798 w 4264883"/>
+              <a:gd name="connsiteY20" fmla="*/ 3891347 h 6703211"/>
+              <a:gd name="connsiteX21" fmla="*/ 1857339 w 4264883"/>
+              <a:gd name="connsiteY21" fmla="*/ 3884411 h 6703211"/>
+              <a:gd name="connsiteX22" fmla="*/ 1512829 w 4264883"/>
+              <a:gd name="connsiteY22" fmla="*/ 4211337 h 6703211"/>
+              <a:gd name="connsiteX23" fmla="*/ 1338221 w 4264883"/>
+              <a:gd name="connsiteY23" fmla="*/ 5135149 h 6703211"/>
+              <a:gd name="connsiteX24" fmla="*/ 1127206 w 4264883"/>
+              <a:gd name="connsiteY24" fmla="*/ 6137472 h 6703211"/>
+              <a:gd name="connsiteX25" fmla="*/ 845852 w 4264883"/>
+              <a:gd name="connsiteY25" fmla="*/ 6700179 h 6703211"/>
+              <a:gd name="connsiteX26" fmla="*/ 652421 w 4264883"/>
+              <a:gd name="connsiteY26" fmla="*/ 6330902 h 6703211"/>
+              <a:gd name="connsiteX0" fmla="*/ 652421 w 4261876"/>
+              <a:gd name="connsiteY0" fmla="*/ 6330902 h 6703211"/>
+              <a:gd name="connsiteX1" fmla="*/ 494160 w 4261876"/>
+              <a:gd name="connsiteY1" fmla="*/ 5434087 h 6703211"/>
+              <a:gd name="connsiteX2" fmla="*/ 388652 w 4261876"/>
+              <a:gd name="connsiteY2" fmla="*/ 4115241 h 6703211"/>
+              <a:gd name="connsiteX3" fmla="*/ 398063 w 4261876"/>
+              <a:gd name="connsiteY3" fmla="*/ 3104745 h 6703211"/>
+              <a:gd name="connsiteX4" fmla="*/ 177637 w 4261876"/>
+              <a:gd name="connsiteY4" fmla="*/ 2356779 h 6703211"/>
+              <a:gd name="connsiteX5" fmla="*/ 1791 w 4261876"/>
+              <a:gd name="connsiteY5" fmla="*/ 1248949 h 6703211"/>
+              <a:gd name="connsiteX6" fmla="*/ 142468 w 4261876"/>
+              <a:gd name="connsiteY6" fmla="*/ 299379 h 6703211"/>
+              <a:gd name="connsiteX7" fmla="*/ 881021 w 4261876"/>
+              <a:gd name="connsiteY7" fmla="*/ 441 h 6703211"/>
+              <a:gd name="connsiteX8" fmla="*/ 2147114 w 4261876"/>
+              <a:gd name="connsiteY8" fmla="*/ 229041 h 6703211"/>
+              <a:gd name="connsiteX9" fmla="*/ 2850498 w 4261876"/>
+              <a:gd name="connsiteY9" fmla="*/ 88364 h 6703211"/>
+              <a:gd name="connsiteX10" fmla="*/ 3465960 w 4261876"/>
+              <a:gd name="connsiteY10" fmla="*/ 18025 h 6703211"/>
+              <a:gd name="connsiteX11" fmla="*/ 3977152 w 4261876"/>
+              <a:gd name="connsiteY11" fmla="*/ 184460 h 6703211"/>
+              <a:gd name="connsiteX12" fmla="*/ 4257268 w 4261876"/>
+              <a:gd name="connsiteY12" fmla="*/ 967595 h 6703211"/>
+              <a:gd name="connsiteX13" fmla="*/ 4126002 w 4261876"/>
+              <a:gd name="connsiteY13" fmla="*/ 2269846 h 6703211"/>
+              <a:gd name="connsiteX14" fmla="*/ 3800068 w 4261876"/>
+              <a:gd name="connsiteY14" fmla="*/ 3085922 h 6703211"/>
+              <a:gd name="connsiteX15" fmla="*/ 3800068 w 4261876"/>
+              <a:gd name="connsiteY15" fmla="*/ 3886641 h 6703211"/>
+              <a:gd name="connsiteX16" fmla="*/ 3712144 w 4261876"/>
+              <a:gd name="connsiteY16" fmla="*/ 5187902 h 6703211"/>
+              <a:gd name="connsiteX17" fmla="*/ 3348812 w 4261876"/>
+              <a:gd name="connsiteY17" fmla="*/ 6679128 h 6703211"/>
+              <a:gd name="connsiteX18" fmla="*/ 2780160 w 4261876"/>
+              <a:gd name="connsiteY18" fmla="*/ 5469256 h 6703211"/>
+              <a:gd name="connsiteX19" fmla="*/ 2530507 w 4261876"/>
+              <a:gd name="connsiteY19" fmla="*/ 4272264 h 6703211"/>
+              <a:gd name="connsiteX20" fmla="*/ 2233798 w 4261876"/>
+              <a:gd name="connsiteY20" fmla="*/ 3891347 h 6703211"/>
+              <a:gd name="connsiteX21" fmla="*/ 1857339 w 4261876"/>
+              <a:gd name="connsiteY21" fmla="*/ 3884411 h 6703211"/>
+              <a:gd name="connsiteX22" fmla="*/ 1512829 w 4261876"/>
+              <a:gd name="connsiteY22" fmla="*/ 4211337 h 6703211"/>
+              <a:gd name="connsiteX23" fmla="*/ 1338221 w 4261876"/>
+              <a:gd name="connsiteY23" fmla="*/ 5135149 h 6703211"/>
+              <a:gd name="connsiteX24" fmla="*/ 1127206 w 4261876"/>
+              <a:gd name="connsiteY24" fmla="*/ 6137472 h 6703211"/>
+              <a:gd name="connsiteX25" fmla="*/ 845852 w 4261876"/>
+              <a:gd name="connsiteY25" fmla="*/ 6700179 h 6703211"/>
+              <a:gd name="connsiteX26" fmla="*/ 652421 w 4261876"/>
+              <a:gd name="connsiteY26" fmla="*/ 6330902 h 6703211"/>
+              <a:gd name="connsiteX0" fmla="*/ 652421 w 4261876"/>
+              <a:gd name="connsiteY0" fmla="*/ 6330895 h 6703204"/>
+              <a:gd name="connsiteX1" fmla="*/ 494160 w 4261876"/>
+              <a:gd name="connsiteY1" fmla="*/ 5434080 h 6703204"/>
+              <a:gd name="connsiteX2" fmla="*/ 388652 w 4261876"/>
+              <a:gd name="connsiteY2" fmla="*/ 4115234 h 6703204"/>
+              <a:gd name="connsiteX3" fmla="*/ 398063 w 4261876"/>
+              <a:gd name="connsiteY3" fmla="*/ 3104738 h 6703204"/>
+              <a:gd name="connsiteX4" fmla="*/ 177637 w 4261876"/>
+              <a:gd name="connsiteY4" fmla="*/ 2356772 h 6703204"/>
+              <a:gd name="connsiteX5" fmla="*/ 1791 w 4261876"/>
+              <a:gd name="connsiteY5" fmla="*/ 1248942 h 6703204"/>
+              <a:gd name="connsiteX6" fmla="*/ 142468 w 4261876"/>
+              <a:gd name="connsiteY6" fmla="*/ 299372 h 6703204"/>
+              <a:gd name="connsiteX7" fmla="*/ 881021 w 4261876"/>
+              <a:gd name="connsiteY7" fmla="*/ 434 h 6703204"/>
+              <a:gd name="connsiteX8" fmla="*/ 2147114 w 4261876"/>
+              <a:gd name="connsiteY8" fmla="*/ 229034 h 6703204"/>
+              <a:gd name="connsiteX9" fmla="*/ 2811861 w 4261876"/>
+              <a:gd name="connsiteY9" fmla="*/ 62599 h 6703204"/>
+              <a:gd name="connsiteX10" fmla="*/ 3465960 w 4261876"/>
+              <a:gd name="connsiteY10" fmla="*/ 18018 h 6703204"/>
+              <a:gd name="connsiteX11" fmla="*/ 3977152 w 4261876"/>
+              <a:gd name="connsiteY11" fmla="*/ 184453 h 6703204"/>
+              <a:gd name="connsiteX12" fmla="*/ 4257268 w 4261876"/>
+              <a:gd name="connsiteY12" fmla="*/ 967588 h 6703204"/>
+              <a:gd name="connsiteX13" fmla="*/ 4126002 w 4261876"/>
+              <a:gd name="connsiteY13" fmla="*/ 2269839 h 6703204"/>
+              <a:gd name="connsiteX14" fmla="*/ 3800068 w 4261876"/>
+              <a:gd name="connsiteY14" fmla="*/ 3085915 h 6703204"/>
+              <a:gd name="connsiteX15" fmla="*/ 3800068 w 4261876"/>
+              <a:gd name="connsiteY15" fmla="*/ 3886634 h 6703204"/>
+              <a:gd name="connsiteX16" fmla="*/ 3712144 w 4261876"/>
+              <a:gd name="connsiteY16" fmla="*/ 5187895 h 6703204"/>
+              <a:gd name="connsiteX17" fmla="*/ 3348812 w 4261876"/>
+              <a:gd name="connsiteY17" fmla="*/ 6679121 h 6703204"/>
+              <a:gd name="connsiteX18" fmla="*/ 2780160 w 4261876"/>
+              <a:gd name="connsiteY18" fmla="*/ 5469249 h 6703204"/>
+              <a:gd name="connsiteX19" fmla="*/ 2530507 w 4261876"/>
+              <a:gd name="connsiteY19" fmla="*/ 4272257 h 6703204"/>
+              <a:gd name="connsiteX20" fmla="*/ 2233798 w 4261876"/>
+              <a:gd name="connsiteY20" fmla="*/ 3891340 h 6703204"/>
+              <a:gd name="connsiteX21" fmla="*/ 1857339 w 4261876"/>
+              <a:gd name="connsiteY21" fmla="*/ 3884404 h 6703204"/>
+              <a:gd name="connsiteX22" fmla="*/ 1512829 w 4261876"/>
+              <a:gd name="connsiteY22" fmla="*/ 4211330 h 6703204"/>
+              <a:gd name="connsiteX23" fmla="*/ 1338221 w 4261876"/>
+              <a:gd name="connsiteY23" fmla="*/ 5135142 h 6703204"/>
+              <a:gd name="connsiteX24" fmla="*/ 1127206 w 4261876"/>
+              <a:gd name="connsiteY24" fmla="*/ 6137465 h 6703204"/>
+              <a:gd name="connsiteX25" fmla="*/ 845852 w 4261876"/>
+              <a:gd name="connsiteY25" fmla="*/ 6700172 h 6703204"/>
+              <a:gd name="connsiteX26" fmla="*/ 652421 w 4261876"/>
+              <a:gd name="connsiteY26" fmla="*/ 6330895 h 6703204"/>
+              <a:gd name="connsiteX0" fmla="*/ 652421 w 4261876"/>
+              <a:gd name="connsiteY0" fmla="*/ 6331638 h 6703947"/>
+              <a:gd name="connsiteX1" fmla="*/ 494160 w 4261876"/>
+              <a:gd name="connsiteY1" fmla="*/ 5434823 h 6703947"/>
+              <a:gd name="connsiteX2" fmla="*/ 388652 w 4261876"/>
+              <a:gd name="connsiteY2" fmla="*/ 4115977 h 6703947"/>
+              <a:gd name="connsiteX3" fmla="*/ 398063 w 4261876"/>
+              <a:gd name="connsiteY3" fmla="*/ 3105481 h 6703947"/>
+              <a:gd name="connsiteX4" fmla="*/ 177637 w 4261876"/>
+              <a:gd name="connsiteY4" fmla="*/ 2357515 h 6703947"/>
+              <a:gd name="connsiteX5" fmla="*/ 1791 w 4261876"/>
+              <a:gd name="connsiteY5" fmla="*/ 1249685 h 6703947"/>
+              <a:gd name="connsiteX6" fmla="*/ 142468 w 4261876"/>
+              <a:gd name="connsiteY6" fmla="*/ 300115 h 6703947"/>
+              <a:gd name="connsiteX7" fmla="*/ 881021 w 4261876"/>
+              <a:gd name="connsiteY7" fmla="*/ 1177 h 6703947"/>
+              <a:gd name="connsiteX8" fmla="*/ 2121357 w 4261876"/>
+              <a:gd name="connsiteY8" fmla="*/ 191140 h 6703947"/>
+              <a:gd name="connsiteX9" fmla="*/ 2811861 w 4261876"/>
+              <a:gd name="connsiteY9" fmla="*/ 63342 h 6703947"/>
+              <a:gd name="connsiteX10" fmla="*/ 3465960 w 4261876"/>
+              <a:gd name="connsiteY10" fmla="*/ 18761 h 6703947"/>
+              <a:gd name="connsiteX11" fmla="*/ 3977152 w 4261876"/>
+              <a:gd name="connsiteY11" fmla="*/ 185196 h 6703947"/>
+              <a:gd name="connsiteX12" fmla="*/ 4257268 w 4261876"/>
+              <a:gd name="connsiteY12" fmla="*/ 968331 h 6703947"/>
+              <a:gd name="connsiteX13" fmla="*/ 4126002 w 4261876"/>
+              <a:gd name="connsiteY13" fmla="*/ 2270582 h 6703947"/>
+              <a:gd name="connsiteX14" fmla="*/ 3800068 w 4261876"/>
+              <a:gd name="connsiteY14" fmla="*/ 3086658 h 6703947"/>
+              <a:gd name="connsiteX15" fmla="*/ 3800068 w 4261876"/>
+              <a:gd name="connsiteY15" fmla="*/ 3887377 h 6703947"/>
+              <a:gd name="connsiteX16" fmla="*/ 3712144 w 4261876"/>
+              <a:gd name="connsiteY16" fmla="*/ 5188638 h 6703947"/>
+              <a:gd name="connsiteX17" fmla="*/ 3348812 w 4261876"/>
+              <a:gd name="connsiteY17" fmla="*/ 6679864 h 6703947"/>
+              <a:gd name="connsiteX18" fmla="*/ 2780160 w 4261876"/>
+              <a:gd name="connsiteY18" fmla="*/ 5469992 h 6703947"/>
+              <a:gd name="connsiteX19" fmla="*/ 2530507 w 4261876"/>
+              <a:gd name="connsiteY19" fmla="*/ 4273000 h 6703947"/>
+              <a:gd name="connsiteX20" fmla="*/ 2233798 w 4261876"/>
+              <a:gd name="connsiteY20" fmla="*/ 3892083 h 6703947"/>
+              <a:gd name="connsiteX21" fmla="*/ 1857339 w 4261876"/>
+              <a:gd name="connsiteY21" fmla="*/ 3885147 h 6703947"/>
+              <a:gd name="connsiteX22" fmla="*/ 1512829 w 4261876"/>
+              <a:gd name="connsiteY22" fmla="*/ 4212073 h 6703947"/>
+              <a:gd name="connsiteX23" fmla="*/ 1338221 w 4261876"/>
+              <a:gd name="connsiteY23" fmla="*/ 5135885 h 6703947"/>
+              <a:gd name="connsiteX24" fmla="*/ 1127206 w 4261876"/>
+              <a:gd name="connsiteY24" fmla="*/ 6138208 h 6703947"/>
+              <a:gd name="connsiteX25" fmla="*/ 845852 w 4261876"/>
+              <a:gd name="connsiteY25" fmla="*/ 6700915 h 6703947"/>
+              <a:gd name="connsiteX26" fmla="*/ 652421 w 4261876"/>
+              <a:gd name="connsiteY26" fmla="*/ 6331638 h 6703947"/>
+              <a:gd name="connsiteX0" fmla="*/ 652421 w 4257613"/>
+              <a:gd name="connsiteY0" fmla="*/ 6331638 h 6703947"/>
+              <a:gd name="connsiteX1" fmla="*/ 494160 w 4257613"/>
+              <a:gd name="connsiteY1" fmla="*/ 5434823 h 6703947"/>
+              <a:gd name="connsiteX2" fmla="*/ 388652 w 4257613"/>
+              <a:gd name="connsiteY2" fmla="*/ 4115977 h 6703947"/>
+              <a:gd name="connsiteX3" fmla="*/ 398063 w 4257613"/>
+              <a:gd name="connsiteY3" fmla="*/ 3105481 h 6703947"/>
+              <a:gd name="connsiteX4" fmla="*/ 177637 w 4257613"/>
+              <a:gd name="connsiteY4" fmla="*/ 2357515 h 6703947"/>
+              <a:gd name="connsiteX5" fmla="*/ 1791 w 4257613"/>
+              <a:gd name="connsiteY5" fmla="*/ 1249685 h 6703947"/>
+              <a:gd name="connsiteX6" fmla="*/ 142468 w 4257613"/>
+              <a:gd name="connsiteY6" fmla="*/ 300115 h 6703947"/>
+              <a:gd name="connsiteX7" fmla="*/ 881021 w 4257613"/>
+              <a:gd name="connsiteY7" fmla="*/ 1177 h 6703947"/>
+              <a:gd name="connsiteX8" fmla="*/ 2121357 w 4257613"/>
+              <a:gd name="connsiteY8" fmla="*/ 191140 h 6703947"/>
+              <a:gd name="connsiteX9" fmla="*/ 2811861 w 4257613"/>
+              <a:gd name="connsiteY9" fmla="*/ 63342 h 6703947"/>
+              <a:gd name="connsiteX10" fmla="*/ 3465960 w 4257613"/>
+              <a:gd name="connsiteY10" fmla="*/ 18761 h 6703947"/>
+              <a:gd name="connsiteX11" fmla="*/ 4093061 w 4257613"/>
+              <a:gd name="connsiteY11" fmla="*/ 236711 h 6703947"/>
+              <a:gd name="connsiteX12" fmla="*/ 4257268 w 4257613"/>
+              <a:gd name="connsiteY12" fmla="*/ 968331 h 6703947"/>
+              <a:gd name="connsiteX13" fmla="*/ 4126002 w 4257613"/>
+              <a:gd name="connsiteY13" fmla="*/ 2270582 h 6703947"/>
+              <a:gd name="connsiteX14" fmla="*/ 3800068 w 4257613"/>
+              <a:gd name="connsiteY14" fmla="*/ 3086658 h 6703947"/>
+              <a:gd name="connsiteX15" fmla="*/ 3800068 w 4257613"/>
+              <a:gd name="connsiteY15" fmla="*/ 3887377 h 6703947"/>
+              <a:gd name="connsiteX16" fmla="*/ 3712144 w 4257613"/>
+              <a:gd name="connsiteY16" fmla="*/ 5188638 h 6703947"/>
+              <a:gd name="connsiteX17" fmla="*/ 3348812 w 4257613"/>
+              <a:gd name="connsiteY17" fmla="*/ 6679864 h 6703947"/>
+              <a:gd name="connsiteX18" fmla="*/ 2780160 w 4257613"/>
+              <a:gd name="connsiteY18" fmla="*/ 5469992 h 6703947"/>
+              <a:gd name="connsiteX19" fmla="*/ 2530507 w 4257613"/>
+              <a:gd name="connsiteY19" fmla="*/ 4273000 h 6703947"/>
+              <a:gd name="connsiteX20" fmla="*/ 2233798 w 4257613"/>
+              <a:gd name="connsiteY20" fmla="*/ 3892083 h 6703947"/>
+              <a:gd name="connsiteX21" fmla="*/ 1857339 w 4257613"/>
+              <a:gd name="connsiteY21" fmla="*/ 3885147 h 6703947"/>
+              <a:gd name="connsiteX22" fmla="*/ 1512829 w 4257613"/>
+              <a:gd name="connsiteY22" fmla="*/ 4212073 h 6703947"/>
+              <a:gd name="connsiteX23" fmla="*/ 1338221 w 4257613"/>
+              <a:gd name="connsiteY23" fmla="*/ 5135885 h 6703947"/>
+              <a:gd name="connsiteX24" fmla="*/ 1127206 w 4257613"/>
+              <a:gd name="connsiteY24" fmla="*/ 6138208 h 6703947"/>
+              <a:gd name="connsiteX25" fmla="*/ 845852 w 4257613"/>
+              <a:gd name="connsiteY25" fmla="*/ 6700915 h 6703947"/>
+              <a:gd name="connsiteX26" fmla="*/ 652421 w 4257613"/>
+              <a:gd name="connsiteY26" fmla="*/ 6331638 h 6703947"/>
+              <a:gd name="connsiteX0" fmla="*/ 652421 w 4258651"/>
+              <a:gd name="connsiteY0" fmla="*/ 6331638 h 6703947"/>
+              <a:gd name="connsiteX1" fmla="*/ 494160 w 4258651"/>
+              <a:gd name="connsiteY1" fmla="*/ 5434823 h 6703947"/>
+              <a:gd name="connsiteX2" fmla="*/ 388652 w 4258651"/>
+              <a:gd name="connsiteY2" fmla="*/ 4115977 h 6703947"/>
+              <a:gd name="connsiteX3" fmla="*/ 398063 w 4258651"/>
+              <a:gd name="connsiteY3" fmla="*/ 3105481 h 6703947"/>
+              <a:gd name="connsiteX4" fmla="*/ 177637 w 4258651"/>
+              <a:gd name="connsiteY4" fmla="*/ 2357515 h 6703947"/>
+              <a:gd name="connsiteX5" fmla="*/ 1791 w 4258651"/>
+              <a:gd name="connsiteY5" fmla="*/ 1249685 h 6703947"/>
+              <a:gd name="connsiteX6" fmla="*/ 142468 w 4258651"/>
+              <a:gd name="connsiteY6" fmla="*/ 300115 h 6703947"/>
+              <a:gd name="connsiteX7" fmla="*/ 881021 w 4258651"/>
+              <a:gd name="connsiteY7" fmla="*/ 1177 h 6703947"/>
+              <a:gd name="connsiteX8" fmla="*/ 2121357 w 4258651"/>
+              <a:gd name="connsiteY8" fmla="*/ 191140 h 6703947"/>
+              <a:gd name="connsiteX9" fmla="*/ 2811861 w 4258651"/>
+              <a:gd name="connsiteY9" fmla="*/ 63342 h 6703947"/>
+              <a:gd name="connsiteX10" fmla="*/ 3465960 w 4258651"/>
+              <a:gd name="connsiteY10" fmla="*/ 18761 h 6703947"/>
+              <a:gd name="connsiteX11" fmla="*/ 4054425 w 4258651"/>
+              <a:gd name="connsiteY11" fmla="*/ 236711 h 6703947"/>
+              <a:gd name="connsiteX12" fmla="*/ 4257268 w 4258651"/>
+              <a:gd name="connsiteY12" fmla="*/ 968331 h 6703947"/>
+              <a:gd name="connsiteX13" fmla="*/ 4126002 w 4258651"/>
+              <a:gd name="connsiteY13" fmla="*/ 2270582 h 6703947"/>
+              <a:gd name="connsiteX14" fmla="*/ 3800068 w 4258651"/>
+              <a:gd name="connsiteY14" fmla="*/ 3086658 h 6703947"/>
+              <a:gd name="connsiteX15" fmla="*/ 3800068 w 4258651"/>
+              <a:gd name="connsiteY15" fmla="*/ 3887377 h 6703947"/>
+              <a:gd name="connsiteX16" fmla="*/ 3712144 w 4258651"/>
+              <a:gd name="connsiteY16" fmla="*/ 5188638 h 6703947"/>
+              <a:gd name="connsiteX17" fmla="*/ 3348812 w 4258651"/>
+              <a:gd name="connsiteY17" fmla="*/ 6679864 h 6703947"/>
+              <a:gd name="connsiteX18" fmla="*/ 2780160 w 4258651"/>
+              <a:gd name="connsiteY18" fmla="*/ 5469992 h 6703947"/>
+              <a:gd name="connsiteX19" fmla="*/ 2530507 w 4258651"/>
+              <a:gd name="connsiteY19" fmla="*/ 4273000 h 6703947"/>
+              <a:gd name="connsiteX20" fmla="*/ 2233798 w 4258651"/>
+              <a:gd name="connsiteY20" fmla="*/ 3892083 h 6703947"/>
+              <a:gd name="connsiteX21" fmla="*/ 1857339 w 4258651"/>
+              <a:gd name="connsiteY21" fmla="*/ 3885147 h 6703947"/>
+              <a:gd name="connsiteX22" fmla="*/ 1512829 w 4258651"/>
+              <a:gd name="connsiteY22" fmla="*/ 4212073 h 6703947"/>
+              <a:gd name="connsiteX23" fmla="*/ 1338221 w 4258651"/>
+              <a:gd name="connsiteY23" fmla="*/ 5135885 h 6703947"/>
+              <a:gd name="connsiteX24" fmla="*/ 1127206 w 4258651"/>
+              <a:gd name="connsiteY24" fmla="*/ 6138208 h 6703947"/>
+              <a:gd name="connsiteX25" fmla="*/ 845852 w 4258651"/>
+              <a:gd name="connsiteY25" fmla="*/ 6700915 h 6703947"/>
+              <a:gd name="connsiteX26" fmla="*/ 652421 w 4258651"/>
+              <a:gd name="connsiteY26" fmla="*/ 6331638 h 6703947"/>
+              <a:gd name="connsiteX0" fmla="*/ 652421 w 4258651"/>
+              <a:gd name="connsiteY0" fmla="*/ 6331638 h 6703947"/>
+              <a:gd name="connsiteX1" fmla="*/ 494160 w 4258651"/>
+              <a:gd name="connsiteY1" fmla="*/ 5434823 h 6703947"/>
+              <a:gd name="connsiteX2" fmla="*/ 388652 w 4258651"/>
+              <a:gd name="connsiteY2" fmla="*/ 4115977 h 6703947"/>
+              <a:gd name="connsiteX3" fmla="*/ 398063 w 4258651"/>
+              <a:gd name="connsiteY3" fmla="*/ 3105481 h 6703947"/>
+              <a:gd name="connsiteX4" fmla="*/ 177637 w 4258651"/>
+              <a:gd name="connsiteY4" fmla="*/ 2357515 h 6703947"/>
+              <a:gd name="connsiteX5" fmla="*/ 1791 w 4258651"/>
+              <a:gd name="connsiteY5" fmla="*/ 1249685 h 6703947"/>
+              <a:gd name="connsiteX6" fmla="*/ 142468 w 4258651"/>
+              <a:gd name="connsiteY6" fmla="*/ 300115 h 6703947"/>
+              <a:gd name="connsiteX7" fmla="*/ 881021 w 4258651"/>
+              <a:gd name="connsiteY7" fmla="*/ 1177 h 6703947"/>
+              <a:gd name="connsiteX8" fmla="*/ 2121357 w 4258651"/>
+              <a:gd name="connsiteY8" fmla="*/ 191140 h 6703947"/>
+              <a:gd name="connsiteX9" fmla="*/ 2811861 w 4258651"/>
+              <a:gd name="connsiteY9" fmla="*/ 63342 h 6703947"/>
+              <a:gd name="connsiteX10" fmla="*/ 3465960 w 4258651"/>
+              <a:gd name="connsiteY10" fmla="*/ 18761 h 6703947"/>
+              <a:gd name="connsiteX11" fmla="*/ 4054425 w 4258651"/>
+              <a:gd name="connsiteY11" fmla="*/ 236711 h 6703947"/>
+              <a:gd name="connsiteX12" fmla="*/ 4257268 w 4258651"/>
+              <a:gd name="connsiteY12" fmla="*/ 968331 h 6703947"/>
+              <a:gd name="connsiteX13" fmla="*/ 4126002 w 4258651"/>
+              <a:gd name="connsiteY13" fmla="*/ 2270582 h 6703947"/>
+              <a:gd name="connsiteX14" fmla="*/ 3800068 w 4258651"/>
+              <a:gd name="connsiteY14" fmla="*/ 3086658 h 6703947"/>
+              <a:gd name="connsiteX15" fmla="*/ 3800068 w 4258651"/>
+              <a:gd name="connsiteY15" fmla="*/ 3887377 h 6703947"/>
+              <a:gd name="connsiteX16" fmla="*/ 3712144 w 4258651"/>
+              <a:gd name="connsiteY16" fmla="*/ 5188638 h 6703947"/>
+              <a:gd name="connsiteX17" fmla="*/ 3348812 w 4258651"/>
+              <a:gd name="connsiteY17" fmla="*/ 6679864 h 6703947"/>
+              <a:gd name="connsiteX18" fmla="*/ 2780160 w 4258651"/>
+              <a:gd name="connsiteY18" fmla="*/ 5469992 h 6703947"/>
+              <a:gd name="connsiteX19" fmla="*/ 2530507 w 4258651"/>
+              <a:gd name="connsiteY19" fmla="*/ 4273000 h 6703947"/>
+              <a:gd name="connsiteX20" fmla="*/ 2272435 w 4258651"/>
+              <a:gd name="connsiteY20" fmla="*/ 3892083 h 6703947"/>
+              <a:gd name="connsiteX21" fmla="*/ 1857339 w 4258651"/>
+              <a:gd name="connsiteY21" fmla="*/ 3885147 h 6703947"/>
+              <a:gd name="connsiteX22" fmla="*/ 1512829 w 4258651"/>
+              <a:gd name="connsiteY22" fmla="*/ 4212073 h 6703947"/>
+              <a:gd name="connsiteX23" fmla="*/ 1338221 w 4258651"/>
+              <a:gd name="connsiteY23" fmla="*/ 5135885 h 6703947"/>
+              <a:gd name="connsiteX24" fmla="*/ 1127206 w 4258651"/>
+              <a:gd name="connsiteY24" fmla="*/ 6138208 h 6703947"/>
+              <a:gd name="connsiteX25" fmla="*/ 845852 w 4258651"/>
+              <a:gd name="connsiteY25" fmla="*/ 6700915 h 6703947"/>
+              <a:gd name="connsiteX26" fmla="*/ 652421 w 4258651"/>
+              <a:gd name="connsiteY26" fmla="*/ 6331638 h 6703947"/>
+              <a:gd name="connsiteX0" fmla="*/ 652421 w 4258651"/>
+              <a:gd name="connsiteY0" fmla="*/ 6331638 h 6703947"/>
+              <a:gd name="connsiteX1" fmla="*/ 494160 w 4258651"/>
+              <a:gd name="connsiteY1" fmla="*/ 5434823 h 6703947"/>
+              <a:gd name="connsiteX2" fmla="*/ 388652 w 4258651"/>
+              <a:gd name="connsiteY2" fmla="*/ 4115977 h 6703947"/>
+              <a:gd name="connsiteX3" fmla="*/ 398063 w 4258651"/>
+              <a:gd name="connsiteY3" fmla="*/ 3105481 h 6703947"/>
+              <a:gd name="connsiteX4" fmla="*/ 177637 w 4258651"/>
+              <a:gd name="connsiteY4" fmla="*/ 2357515 h 6703947"/>
+              <a:gd name="connsiteX5" fmla="*/ 1791 w 4258651"/>
+              <a:gd name="connsiteY5" fmla="*/ 1249685 h 6703947"/>
+              <a:gd name="connsiteX6" fmla="*/ 142468 w 4258651"/>
+              <a:gd name="connsiteY6" fmla="*/ 300115 h 6703947"/>
+              <a:gd name="connsiteX7" fmla="*/ 881021 w 4258651"/>
+              <a:gd name="connsiteY7" fmla="*/ 1177 h 6703947"/>
+              <a:gd name="connsiteX8" fmla="*/ 2121357 w 4258651"/>
+              <a:gd name="connsiteY8" fmla="*/ 191140 h 6703947"/>
+              <a:gd name="connsiteX9" fmla="*/ 2811861 w 4258651"/>
+              <a:gd name="connsiteY9" fmla="*/ 63342 h 6703947"/>
+              <a:gd name="connsiteX10" fmla="*/ 3465960 w 4258651"/>
+              <a:gd name="connsiteY10" fmla="*/ 18761 h 6703947"/>
+              <a:gd name="connsiteX11" fmla="*/ 4054425 w 4258651"/>
+              <a:gd name="connsiteY11" fmla="*/ 236711 h 6703947"/>
+              <a:gd name="connsiteX12" fmla="*/ 4257268 w 4258651"/>
+              <a:gd name="connsiteY12" fmla="*/ 968331 h 6703947"/>
+              <a:gd name="connsiteX13" fmla="*/ 4126002 w 4258651"/>
+              <a:gd name="connsiteY13" fmla="*/ 2270582 h 6703947"/>
+              <a:gd name="connsiteX14" fmla="*/ 3800068 w 4258651"/>
+              <a:gd name="connsiteY14" fmla="*/ 3086658 h 6703947"/>
+              <a:gd name="connsiteX15" fmla="*/ 3800068 w 4258651"/>
+              <a:gd name="connsiteY15" fmla="*/ 3887377 h 6703947"/>
+              <a:gd name="connsiteX16" fmla="*/ 3712144 w 4258651"/>
+              <a:gd name="connsiteY16" fmla="*/ 5188638 h 6703947"/>
+              <a:gd name="connsiteX17" fmla="*/ 3348812 w 4258651"/>
+              <a:gd name="connsiteY17" fmla="*/ 6679864 h 6703947"/>
+              <a:gd name="connsiteX18" fmla="*/ 2780160 w 4258651"/>
+              <a:gd name="connsiteY18" fmla="*/ 5469992 h 6703947"/>
+              <a:gd name="connsiteX19" fmla="*/ 2530507 w 4258651"/>
+              <a:gd name="connsiteY19" fmla="*/ 4273000 h 6703947"/>
+              <a:gd name="connsiteX20" fmla="*/ 2272435 w 4258651"/>
+              <a:gd name="connsiteY20" fmla="*/ 3892083 h 6703947"/>
+              <a:gd name="connsiteX21" fmla="*/ 1857339 w 4258651"/>
+              <a:gd name="connsiteY21" fmla="*/ 3885147 h 6703947"/>
+              <a:gd name="connsiteX22" fmla="*/ 1512829 w 4258651"/>
+              <a:gd name="connsiteY22" fmla="*/ 4212073 h 6703947"/>
+              <a:gd name="connsiteX23" fmla="*/ 1338221 w 4258651"/>
+              <a:gd name="connsiteY23" fmla="*/ 5135885 h 6703947"/>
+              <a:gd name="connsiteX24" fmla="*/ 1127206 w 4258651"/>
+              <a:gd name="connsiteY24" fmla="*/ 6138208 h 6703947"/>
+              <a:gd name="connsiteX25" fmla="*/ 845852 w 4258651"/>
+              <a:gd name="connsiteY25" fmla="*/ 6700915 h 6703947"/>
+              <a:gd name="connsiteX26" fmla="*/ 652421 w 4258651"/>
+              <a:gd name="connsiteY26" fmla="*/ 6331638 h 6703947"/>
+              <a:gd name="connsiteX0" fmla="*/ 652421 w 4258651"/>
+              <a:gd name="connsiteY0" fmla="*/ 6331638 h 6703947"/>
+              <a:gd name="connsiteX1" fmla="*/ 494160 w 4258651"/>
+              <a:gd name="connsiteY1" fmla="*/ 5434823 h 6703947"/>
+              <a:gd name="connsiteX2" fmla="*/ 388652 w 4258651"/>
+              <a:gd name="connsiteY2" fmla="*/ 4115977 h 6703947"/>
+              <a:gd name="connsiteX3" fmla="*/ 398063 w 4258651"/>
+              <a:gd name="connsiteY3" fmla="*/ 3105481 h 6703947"/>
+              <a:gd name="connsiteX4" fmla="*/ 177637 w 4258651"/>
+              <a:gd name="connsiteY4" fmla="*/ 2357515 h 6703947"/>
+              <a:gd name="connsiteX5" fmla="*/ 1791 w 4258651"/>
+              <a:gd name="connsiteY5" fmla="*/ 1249685 h 6703947"/>
+              <a:gd name="connsiteX6" fmla="*/ 142468 w 4258651"/>
+              <a:gd name="connsiteY6" fmla="*/ 300115 h 6703947"/>
+              <a:gd name="connsiteX7" fmla="*/ 881021 w 4258651"/>
+              <a:gd name="connsiteY7" fmla="*/ 1177 h 6703947"/>
+              <a:gd name="connsiteX8" fmla="*/ 2121357 w 4258651"/>
+              <a:gd name="connsiteY8" fmla="*/ 191140 h 6703947"/>
+              <a:gd name="connsiteX9" fmla="*/ 2811861 w 4258651"/>
+              <a:gd name="connsiteY9" fmla="*/ 63342 h 6703947"/>
+              <a:gd name="connsiteX10" fmla="*/ 3465960 w 4258651"/>
+              <a:gd name="connsiteY10" fmla="*/ 18761 h 6703947"/>
+              <a:gd name="connsiteX11" fmla="*/ 4054425 w 4258651"/>
+              <a:gd name="connsiteY11" fmla="*/ 236711 h 6703947"/>
+              <a:gd name="connsiteX12" fmla="*/ 4257268 w 4258651"/>
+              <a:gd name="connsiteY12" fmla="*/ 968331 h 6703947"/>
+              <a:gd name="connsiteX13" fmla="*/ 4126002 w 4258651"/>
+              <a:gd name="connsiteY13" fmla="*/ 2270582 h 6703947"/>
+              <a:gd name="connsiteX14" fmla="*/ 3800068 w 4258651"/>
+              <a:gd name="connsiteY14" fmla="*/ 3086658 h 6703947"/>
+              <a:gd name="connsiteX15" fmla="*/ 3800068 w 4258651"/>
+              <a:gd name="connsiteY15" fmla="*/ 3887377 h 6703947"/>
+              <a:gd name="connsiteX16" fmla="*/ 3712144 w 4258651"/>
+              <a:gd name="connsiteY16" fmla="*/ 5188638 h 6703947"/>
+              <a:gd name="connsiteX17" fmla="*/ 3348812 w 4258651"/>
+              <a:gd name="connsiteY17" fmla="*/ 6679864 h 6703947"/>
+              <a:gd name="connsiteX18" fmla="*/ 2780160 w 4258651"/>
+              <a:gd name="connsiteY18" fmla="*/ 5469992 h 6703947"/>
+              <a:gd name="connsiteX19" fmla="*/ 2530507 w 4258651"/>
+              <a:gd name="connsiteY19" fmla="*/ 4273000 h 6703947"/>
+              <a:gd name="connsiteX20" fmla="*/ 2272435 w 4258651"/>
+              <a:gd name="connsiteY20" fmla="*/ 3892083 h 6703947"/>
+              <a:gd name="connsiteX21" fmla="*/ 1857339 w 4258651"/>
+              <a:gd name="connsiteY21" fmla="*/ 3885147 h 6703947"/>
+              <a:gd name="connsiteX22" fmla="*/ 1512829 w 4258651"/>
+              <a:gd name="connsiteY22" fmla="*/ 4212073 h 6703947"/>
+              <a:gd name="connsiteX23" fmla="*/ 1338221 w 4258651"/>
+              <a:gd name="connsiteY23" fmla="*/ 5135885 h 6703947"/>
+              <a:gd name="connsiteX24" fmla="*/ 1127206 w 4258651"/>
+              <a:gd name="connsiteY24" fmla="*/ 6138208 h 6703947"/>
+              <a:gd name="connsiteX25" fmla="*/ 845852 w 4258651"/>
+              <a:gd name="connsiteY25" fmla="*/ 6700915 h 6703947"/>
+              <a:gd name="connsiteX26" fmla="*/ 652421 w 4258651"/>
+              <a:gd name="connsiteY26" fmla="*/ 6331638 h 6703947"/>
+              <a:gd name="connsiteX0" fmla="*/ 652421 w 4258651"/>
+              <a:gd name="connsiteY0" fmla="*/ 6331638 h 6703947"/>
+              <a:gd name="connsiteX1" fmla="*/ 494160 w 4258651"/>
+              <a:gd name="connsiteY1" fmla="*/ 5434823 h 6703947"/>
+              <a:gd name="connsiteX2" fmla="*/ 388652 w 4258651"/>
+              <a:gd name="connsiteY2" fmla="*/ 4115977 h 6703947"/>
+              <a:gd name="connsiteX3" fmla="*/ 398063 w 4258651"/>
+              <a:gd name="connsiteY3" fmla="*/ 3105481 h 6703947"/>
+              <a:gd name="connsiteX4" fmla="*/ 177637 w 4258651"/>
+              <a:gd name="connsiteY4" fmla="*/ 2357515 h 6703947"/>
+              <a:gd name="connsiteX5" fmla="*/ 1791 w 4258651"/>
+              <a:gd name="connsiteY5" fmla="*/ 1249685 h 6703947"/>
+              <a:gd name="connsiteX6" fmla="*/ 142468 w 4258651"/>
+              <a:gd name="connsiteY6" fmla="*/ 300115 h 6703947"/>
+              <a:gd name="connsiteX7" fmla="*/ 881021 w 4258651"/>
+              <a:gd name="connsiteY7" fmla="*/ 1177 h 6703947"/>
+              <a:gd name="connsiteX8" fmla="*/ 2121357 w 4258651"/>
+              <a:gd name="connsiteY8" fmla="*/ 191140 h 6703947"/>
+              <a:gd name="connsiteX9" fmla="*/ 2811861 w 4258651"/>
+              <a:gd name="connsiteY9" fmla="*/ 63342 h 6703947"/>
+              <a:gd name="connsiteX10" fmla="*/ 3465960 w 4258651"/>
+              <a:gd name="connsiteY10" fmla="*/ 18761 h 6703947"/>
+              <a:gd name="connsiteX11" fmla="*/ 4054425 w 4258651"/>
+              <a:gd name="connsiteY11" fmla="*/ 236711 h 6703947"/>
+              <a:gd name="connsiteX12" fmla="*/ 4257268 w 4258651"/>
+              <a:gd name="connsiteY12" fmla="*/ 968331 h 6703947"/>
+              <a:gd name="connsiteX13" fmla="*/ 4126002 w 4258651"/>
+              <a:gd name="connsiteY13" fmla="*/ 2270582 h 6703947"/>
+              <a:gd name="connsiteX14" fmla="*/ 3800068 w 4258651"/>
+              <a:gd name="connsiteY14" fmla="*/ 3086658 h 6703947"/>
+              <a:gd name="connsiteX15" fmla="*/ 3800068 w 4258651"/>
+              <a:gd name="connsiteY15" fmla="*/ 3887377 h 6703947"/>
+              <a:gd name="connsiteX16" fmla="*/ 3712144 w 4258651"/>
+              <a:gd name="connsiteY16" fmla="*/ 5188638 h 6703947"/>
+              <a:gd name="connsiteX17" fmla="*/ 3348812 w 4258651"/>
+              <a:gd name="connsiteY17" fmla="*/ 6679864 h 6703947"/>
+              <a:gd name="connsiteX18" fmla="*/ 2780160 w 4258651"/>
+              <a:gd name="connsiteY18" fmla="*/ 5469992 h 6703947"/>
+              <a:gd name="connsiteX19" fmla="*/ 2530507 w 4258651"/>
+              <a:gd name="connsiteY19" fmla="*/ 4273000 h 6703947"/>
+              <a:gd name="connsiteX20" fmla="*/ 2272435 w 4258651"/>
+              <a:gd name="connsiteY20" fmla="*/ 3892083 h 6703947"/>
+              <a:gd name="connsiteX21" fmla="*/ 1857339 w 4258651"/>
+              <a:gd name="connsiteY21" fmla="*/ 3885147 h 6703947"/>
+              <a:gd name="connsiteX22" fmla="*/ 1512829 w 4258651"/>
+              <a:gd name="connsiteY22" fmla="*/ 4212073 h 6703947"/>
+              <a:gd name="connsiteX23" fmla="*/ 1338221 w 4258651"/>
+              <a:gd name="connsiteY23" fmla="*/ 5135885 h 6703947"/>
+              <a:gd name="connsiteX24" fmla="*/ 1127206 w 4258651"/>
+              <a:gd name="connsiteY24" fmla="*/ 6138208 h 6703947"/>
+              <a:gd name="connsiteX25" fmla="*/ 845852 w 4258651"/>
+              <a:gd name="connsiteY25" fmla="*/ 6700915 h 6703947"/>
+              <a:gd name="connsiteX26" fmla="*/ 652421 w 4258651"/>
+              <a:gd name="connsiteY26" fmla="*/ 6331638 h 6703947"/>
+              <a:gd name="connsiteX0" fmla="*/ 652421 w 4258651"/>
+              <a:gd name="connsiteY0" fmla="*/ 6331638 h 6703947"/>
+              <a:gd name="connsiteX1" fmla="*/ 494160 w 4258651"/>
+              <a:gd name="connsiteY1" fmla="*/ 5434823 h 6703947"/>
+              <a:gd name="connsiteX2" fmla="*/ 388652 w 4258651"/>
+              <a:gd name="connsiteY2" fmla="*/ 4115977 h 6703947"/>
+              <a:gd name="connsiteX3" fmla="*/ 398063 w 4258651"/>
+              <a:gd name="connsiteY3" fmla="*/ 3105481 h 6703947"/>
+              <a:gd name="connsiteX4" fmla="*/ 177637 w 4258651"/>
+              <a:gd name="connsiteY4" fmla="*/ 2357515 h 6703947"/>
+              <a:gd name="connsiteX5" fmla="*/ 1791 w 4258651"/>
+              <a:gd name="connsiteY5" fmla="*/ 1249685 h 6703947"/>
+              <a:gd name="connsiteX6" fmla="*/ 142468 w 4258651"/>
+              <a:gd name="connsiteY6" fmla="*/ 300115 h 6703947"/>
+              <a:gd name="connsiteX7" fmla="*/ 881021 w 4258651"/>
+              <a:gd name="connsiteY7" fmla="*/ 1177 h 6703947"/>
+              <a:gd name="connsiteX8" fmla="*/ 2121357 w 4258651"/>
+              <a:gd name="connsiteY8" fmla="*/ 191140 h 6703947"/>
+              <a:gd name="connsiteX9" fmla="*/ 2811861 w 4258651"/>
+              <a:gd name="connsiteY9" fmla="*/ 63342 h 6703947"/>
+              <a:gd name="connsiteX10" fmla="*/ 3465960 w 4258651"/>
+              <a:gd name="connsiteY10" fmla="*/ 18761 h 6703947"/>
+              <a:gd name="connsiteX11" fmla="*/ 4054425 w 4258651"/>
+              <a:gd name="connsiteY11" fmla="*/ 236711 h 6703947"/>
+              <a:gd name="connsiteX12" fmla="*/ 4257268 w 4258651"/>
+              <a:gd name="connsiteY12" fmla="*/ 968331 h 6703947"/>
+              <a:gd name="connsiteX13" fmla="*/ 4126002 w 4258651"/>
+              <a:gd name="connsiteY13" fmla="*/ 2270582 h 6703947"/>
+              <a:gd name="connsiteX14" fmla="*/ 3800068 w 4258651"/>
+              <a:gd name="connsiteY14" fmla="*/ 3086658 h 6703947"/>
+              <a:gd name="connsiteX15" fmla="*/ 3800068 w 4258651"/>
+              <a:gd name="connsiteY15" fmla="*/ 3887377 h 6703947"/>
+              <a:gd name="connsiteX16" fmla="*/ 3712144 w 4258651"/>
+              <a:gd name="connsiteY16" fmla="*/ 5188638 h 6703947"/>
+              <a:gd name="connsiteX17" fmla="*/ 3348812 w 4258651"/>
+              <a:gd name="connsiteY17" fmla="*/ 6679864 h 6703947"/>
+              <a:gd name="connsiteX18" fmla="*/ 2780160 w 4258651"/>
+              <a:gd name="connsiteY18" fmla="*/ 5469992 h 6703947"/>
+              <a:gd name="connsiteX19" fmla="*/ 2530507 w 4258651"/>
+              <a:gd name="connsiteY19" fmla="*/ 4273000 h 6703947"/>
+              <a:gd name="connsiteX20" fmla="*/ 2272435 w 4258651"/>
+              <a:gd name="connsiteY20" fmla="*/ 3892083 h 6703947"/>
+              <a:gd name="connsiteX21" fmla="*/ 1857339 w 4258651"/>
+              <a:gd name="connsiteY21" fmla="*/ 3885147 h 6703947"/>
+              <a:gd name="connsiteX22" fmla="*/ 1512829 w 4258651"/>
+              <a:gd name="connsiteY22" fmla="*/ 4212073 h 6703947"/>
+              <a:gd name="connsiteX23" fmla="*/ 1338221 w 4258651"/>
+              <a:gd name="connsiteY23" fmla="*/ 5135885 h 6703947"/>
+              <a:gd name="connsiteX24" fmla="*/ 1127206 w 4258651"/>
+              <a:gd name="connsiteY24" fmla="*/ 6138208 h 6703947"/>
+              <a:gd name="connsiteX25" fmla="*/ 845852 w 4258651"/>
+              <a:gd name="connsiteY25" fmla="*/ 6700915 h 6703947"/>
+              <a:gd name="connsiteX26" fmla="*/ 652421 w 4258651"/>
+              <a:gd name="connsiteY26" fmla="*/ 6331638 h 6703947"/>
+              <a:gd name="connsiteX0" fmla="*/ 652421 w 4258651"/>
+              <a:gd name="connsiteY0" fmla="*/ 6331638 h 6703947"/>
+              <a:gd name="connsiteX1" fmla="*/ 494160 w 4258651"/>
+              <a:gd name="connsiteY1" fmla="*/ 5434823 h 6703947"/>
+              <a:gd name="connsiteX2" fmla="*/ 388652 w 4258651"/>
+              <a:gd name="connsiteY2" fmla="*/ 4115977 h 6703947"/>
+              <a:gd name="connsiteX3" fmla="*/ 398063 w 4258651"/>
+              <a:gd name="connsiteY3" fmla="*/ 3105481 h 6703947"/>
+              <a:gd name="connsiteX4" fmla="*/ 177637 w 4258651"/>
+              <a:gd name="connsiteY4" fmla="*/ 2357515 h 6703947"/>
+              <a:gd name="connsiteX5" fmla="*/ 1791 w 4258651"/>
+              <a:gd name="connsiteY5" fmla="*/ 1249685 h 6703947"/>
+              <a:gd name="connsiteX6" fmla="*/ 142468 w 4258651"/>
+              <a:gd name="connsiteY6" fmla="*/ 300115 h 6703947"/>
+              <a:gd name="connsiteX7" fmla="*/ 881021 w 4258651"/>
+              <a:gd name="connsiteY7" fmla="*/ 1177 h 6703947"/>
+              <a:gd name="connsiteX8" fmla="*/ 2121357 w 4258651"/>
+              <a:gd name="connsiteY8" fmla="*/ 191140 h 6703947"/>
+              <a:gd name="connsiteX9" fmla="*/ 2811861 w 4258651"/>
+              <a:gd name="connsiteY9" fmla="*/ 63342 h 6703947"/>
+              <a:gd name="connsiteX10" fmla="*/ 3465960 w 4258651"/>
+              <a:gd name="connsiteY10" fmla="*/ 18761 h 6703947"/>
+              <a:gd name="connsiteX11" fmla="*/ 4054425 w 4258651"/>
+              <a:gd name="connsiteY11" fmla="*/ 236711 h 6703947"/>
+              <a:gd name="connsiteX12" fmla="*/ 4257268 w 4258651"/>
+              <a:gd name="connsiteY12" fmla="*/ 968331 h 6703947"/>
+              <a:gd name="connsiteX13" fmla="*/ 4126002 w 4258651"/>
+              <a:gd name="connsiteY13" fmla="*/ 2270582 h 6703947"/>
+              <a:gd name="connsiteX14" fmla="*/ 3800068 w 4258651"/>
+              <a:gd name="connsiteY14" fmla="*/ 3086658 h 6703947"/>
+              <a:gd name="connsiteX15" fmla="*/ 3800068 w 4258651"/>
+              <a:gd name="connsiteY15" fmla="*/ 3887377 h 6703947"/>
+              <a:gd name="connsiteX16" fmla="*/ 3712144 w 4258651"/>
+              <a:gd name="connsiteY16" fmla="*/ 5188638 h 6703947"/>
+              <a:gd name="connsiteX17" fmla="*/ 3348812 w 4258651"/>
+              <a:gd name="connsiteY17" fmla="*/ 6679864 h 6703947"/>
+              <a:gd name="connsiteX18" fmla="*/ 2780160 w 4258651"/>
+              <a:gd name="connsiteY18" fmla="*/ 5469992 h 6703947"/>
+              <a:gd name="connsiteX19" fmla="*/ 2530507 w 4258651"/>
+              <a:gd name="connsiteY19" fmla="*/ 4273000 h 6703947"/>
+              <a:gd name="connsiteX20" fmla="*/ 2272435 w 4258651"/>
+              <a:gd name="connsiteY20" fmla="*/ 3892083 h 6703947"/>
+              <a:gd name="connsiteX21" fmla="*/ 1857339 w 4258651"/>
+              <a:gd name="connsiteY21" fmla="*/ 3885147 h 6703947"/>
+              <a:gd name="connsiteX22" fmla="*/ 1512829 w 4258651"/>
+              <a:gd name="connsiteY22" fmla="*/ 4212073 h 6703947"/>
+              <a:gd name="connsiteX23" fmla="*/ 1338221 w 4258651"/>
+              <a:gd name="connsiteY23" fmla="*/ 5135885 h 6703947"/>
+              <a:gd name="connsiteX24" fmla="*/ 1127206 w 4258651"/>
+              <a:gd name="connsiteY24" fmla="*/ 6138208 h 6703947"/>
+              <a:gd name="connsiteX25" fmla="*/ 845852 w 4258651"/>
+              <a:gd name="connsiteY25" fmla="*/ 6700915 h 6703947"/>
+              <a:gd name="connsiteX26" fmla="*/ 652421 w 4258651"/>
+              <a:gd name="connsiteY26" fmla="*/ 6331638 h 6703947"/>
+            </a:gdLst>
+            <a:ahLst/>
+            <a:cxnLst>
+              <a:cxn ang="0">
+                <a:pos x="connsiteX0" y="connsiteY0"/>
+              </a:cxn>
+              <a:cxn ang="0">
+                <a:pos x="connsiteX1" y="connsiteY1"/>
+              </a:cxn>
+              <a:cxn ang="0">
+                <a:pos x="connsiteX2" y="connsiteY2"/>
+              </a:cxn>
+              <a:cxn ang="0">
+                <a:pos x="connsiteX3" y="connsiteY3"/>
+              </a:cxn>
+              <a:cxn ang="0">
+                <a:pos x="connsiteX4" y="connsiteY4"/>
+              </a:cxn>
+              <a:cxn ang="0">
+                <a:pos x="connsiteX5" y="connsiteY5"/>
+              </a:cxn>
+              <a:cxn ang="0">
+                <a:pos x="connsiteX6" y="connsiteY6"/>
+              </a:cxn>
+              <a:cxn ang="0">
+                <a:pos x="connsiteX7" y="connsiteY7"/>
+              </a:cxn>
+              <a:cxn ang="0">
+                <a:pos x="connsiteX8" y="connsiteY8"/>
+              </a:cxn>
+              <a:cxn ang="0">
+                <a:pos x="connsiteX9" y="connsiteY9"/>
+              </a:cxn>
+              <a:cxn ang="0">
+                <a:pos x="connsiteX10" y="connsiteY10"/>
+              </a:cxn>
+              <a:cxn ang="0">
+                <a:pos x="connsiteX11" y="connsiteY11"/>
+              </a:cxn>
+              <a:cxn ang="0">
+                <a:pos x="connsiteX12" y="connsiteY12"/>
+              </a:cxn>
+              <a:cxn ang="0">
+                <a:pos x="connsiteX13" y="connsiteY13"/>
+              </a:cxn>
+              <a:cxn ang="0">
+                <a:pos x="connsiteX14" y="connsiteY14"/>
+              </a:cxn>
+              <a:cxn ang="0">
+                <a:pos x="connsiteX15" y="connsiteY15"/>
+              </a:cxn>
+              <a:cxn ang="0">
+                <a:pos x="connsiteX16" y="connsiteY16"/>
+              </a:cxn>
+              <a:cxn ang="0">
+                <a:pos x="connsiteX17" y="connsiteY17"/>
+              </a:cxn>
+              <a:cxn ang="0">
+                <a:pos x="connsiteX18" y="connsiteY18"/>
+              </a:cxn>
+              <a:cxn ang="0">
+                <a:pos x="connsiteX19" y="connsiteY19"/>
+              </a:cxn>
+              <a:cxn ang="0">
+                <a:pos x="connsiteX20" y="connsiteY20"/>
+              </a:cxn>
+              <a:cxn ang="0">
+                <a:pos x="connsiteX21" y="connsiteY21"/>
+              </a:cxn>
+              <a:cxn ang="0">
+                <a:pos x="connsiteX22" y="connsiteY22"/>
+              </a:cxn>
+              <a:cxn ang="0">
+                <a:pos x="connsiteX23" y="connsiteY23"/>
+              </a:cxn>
+              <a:cxn ang="0">
+                <a:pos x="connsiteX24" y="connsiteY24"/>
+              </a:cxn>
+              <a:cxn ang="0">
+                <a:pos x="connsiteX25" y="connsiteY25"/>
+              </a:cxn>
+              <a:cxn ang="0">
+                <a:pos x="connsiteX26" y="connsiteY26"/>
+              </a:cxn>
+            </a:cxnLst>
+            <a:rect l="l" t="t" r="r" b="b"/>
+            <a:pathLst>
+              <a:path w="4258651" h="6703947">
+                <a:moveTo>
+                  <a:pt x="652421" y="6331638"/>
+                </a:moveTo>
+                <a:cubicBezTo>
+                  <a:pt x="593806" y="6120623"/>
+                  <a:pt x="538121" y="5804100"/>
+                  <a:pt x="494160" y="5434823"/>
+                </a:cubicBezTo>
+                <a:cubicBezTo>
+                  <a:pt x="450198" y="5065546"/>
+                  <a:pt x="404668" y="4504201"/>
+                  <a:pt x="388652" y="4115977"/>
+                </a:cubicBezTo>
+                <a:cubicBezTo>
+                  <a:pt x="372636" y="3727753"/>
+                  <a:pt x="433232" y="3398558"/>
+                  <a:pt x="398063" y="3105481"/>
+                </a:cubicBezTo>
+                <a:cubicBezTo>
+                  <a:pt x="362894" y="2812404"/>
+                  <a:pt x="243682" y="2666814"/>
+                  <a:pt x="177637" y="2357515"/>
+                </a:cubicBezTo>
+                <a:cubicBezTo>
+                  <a:pt x="111592" y="2048216"/>
+                  <a:pt x="7652" y="1592585"/>
+                  <a:pt x="1791" y="1249685"/>
+                </a:cubicBezTo>
+                <a:cubicBezTo>
+                  <a:pt x="-4071" y="906785"/>
+                  <a:pt x="-4070" y="508200"/>
+                  <a:pt x="142468" y="300115"/>
+                </a:cubicBezTo>
+                <a:cubicBezTo>
+                  <a:pt x="289006" y="92030"/>
+                  <a:pt x="551206" y="19340"/>
+                  <a:pt x="881021" y="1177"/>
+                </a:cubicBezTo>
+                <a:cubicBezTo>
+                  <a:pt x="1210836" y="-16986"/>
+                  <a:pt x="1799550" y="180779"/>
+                  <a:pt x="2121357" y="191140"/>
+                </a:cubicBezTo>
+                <a:cubicBezTo>
+                  <a:pt x="2443164" y="201501"/>
+                  <a:pt x="2574882" y="111391"/>
+                  <a:pt x="2811861" y="63342"/>
+                </a:cubicBezTo>
+                <a:cubicBezTo>
+                  <a:pt x="3048840" y="15293"/>
+                  <a:pt x="3323260" y="2745"/>
+                  <a:pt x="3465960" y="18761"/>
+                </a:cubicBezTo>
+                <a:cubicBezTo>
+                  <a:pt x="3608660" y="34777"/>
+                  <a:pt x="3922540" y="78449"/>
+                  <a:pt x="4054425" y="236711"/>
+                </a:cubicBezTo>
+                <a:cubicBezTo>
+                  <a:pt x="4186310" y="394973"/>
+                  <a:pt x="4245339" y="629353"/>
+                  <a:pt x="4257268" y="968331"/>
+                </a:cubicBezTo>
+                <a:cubicBezTo>
+                  <a:pt x="4269197" y="1307309"/>
+                  <a:pt x="4202202" y="1917528"/>
+                  <a:pt x="4126002" y="2270582"/>
+                </a:cubicBezTo>
+                <a:cubicBezTo>
+                  <a:pt x="4049802" y="2623636"/>
+                  <a:pt x="3854390" y="2817192"/>
+                  <a:pt x="3800068" y="3086658"/>
+                </a:cubicBezTo>
+                <a:cubicBezTo>
+                  <a:pt x="3745746" y="3356124"/>
+                  <a:pt x="3814722" y="3537047"/>
+                  <a:pt x="3800068" y="3887377"/>
+                </a:cubicBezTo>
+                <a:cubicBezTo>
+                  <a:pt x="3785414" y="4237707"/>
+                  <a:pt x="3787353" y="4723223"/>
+                  <a:pt x="3712144" y="5188638"/>
+                </a:cubicBezTo>
+                <a:cubicBezTo>
+                  <a:pt x="3636935" y="5654053"/>
+                  <a:pt x="3504143" y="6632972"/>
+                  <a:pt x="3348812" y="6679864"/>
+                </a:cubicBezTo>
+                <a:cubicBezTo>
+                  <a:pt x="3193481" y="6726756"/>
+                  <a:pt x="2903665" y="5884015"/>
+                  <a:pt x="2780160" y="5469992"/>
+                </a:cubicBezTo>
+                <a:cubicBezTo>
+                  <a:pt x="2656655" y="5055969"/>
+                  <a:pt x="2615128" y="4535985"/>
+                  <a:pt x="2530507" y="4273000"/>
+                </a:cubicBezTo>
+                <a:cubicBezTo>
+                  <a:pt x="2445886" y="4010015"/>
+                  <a:pt x="2358871" y="3930968"/>
+                  <a:pt x="2272435" y="3892083"/>
+                </a:cubicBezTo>
+                <a:cubicBezTo>
+                  <a:pt x="2185999" y="3853198"/>
+                  <a:pt x="1983940" y="3831815"/>
+                  <a:pt x="1857339" y="3885147"/>
+                </a:cubicBezTo>
+                <a:cubicBezTo>
+                  <a:pt x="1730738" y="3938479"/>
+                  <a:pt x="1599349" y="4003617"/>
+                  <a:pt x="1512829" y="4212073"/>
+                </a:cubicBezTo>
+                <a:cubicBezTo>
+                  <a:pt x="1426309" y="4420529"/>
+                  <a:pt x="1402491" y="4814863"/>
+                  <a:pt x="1338221" y="5135885"/>
+                </a:cubicBezTo>
+                <a:cubicBezTo>
+                  <a:pt x="1273951" y="5456907"/>
+                  <a:pt x="1209267" y="5877370"/>
+                  <a:pt x="1127206" y="6138208"/>
+                </a:cubicBezTo>
+                <a:cubicBezTo>
+                  <a:pt x="1045145" y="6399046"/>
+                  <a:pt x="922052" y="6671607"/>
+                  <a:pt x="845852" y="6700915"/>
+                </a:cubicBezTo>
+                <a:cubicBezTo>
+                  <a:pt x="769652" y="6730223"/>
+                  <a:pt x="711036" y="6542653"/>
+                  <a:pt x="652421" y="6331638"/>
+                </a:cubicBezTo>
+                <a:close/>
+              </a:path>
+            </a:pathLst>
+          </a:custGeom>
+          <a:solidFill>
+            <a:srgbClr val="9AABCB"/>
+          </a:solidFill>
+          <a:ln>
+            <a:noFill/>
+          </a:ln>
+        </p:spPr>
+        <p:style>
+          <a:lnRef idx="2">
+            <a:schemeClr val="accent1">
+              <a:shade val="50000"/>
+            </a:schemeClr>
+          </a:lnRef>
+          <a:fillRef idx="1">
+            <a:schemeClr val="accent1"/>
+          </a:fillRef>
+          <a:effectRef idx="0">
+            <a:schemeClr val="accent1"/>
+          </a:effectRef>
+          <a:fontRef idx="minor">
+            <a:schemeClr val="lt1"/>
+          </a:fontRef>
+        </p:style>
+        <p:txBody>
+          <a:bodyPr rtlCol="0" anchor="ctr"/>
+          <a:lstStyle/>
+          <a:p>
+            <a:pPr algn="ctr"/>
+            <a:endParaRPr lang="en-US" sz="1350"/>
+          </a:p>
+        </p:txBody>
+      </p:sp>
+      <p:sp>
+        <p:nvSpPr>
+          <p:cNvPr id="7" name="TextBox 6"/>
+          <p:cNvSpPr txBox="1"/>
+          <p:nvPr/>
+        </p:nvSpPr>
+        <p:spPr>
+          <a:xfrm>
+            <a:off x="1857154" y="6189757"/>
+            <a:ext cx="5429692" cy="1920526"/>
+          </a:xfrm>
+          <a:prstGeom prst="rect">
+            <a:avLst/>
+          </a:prstGeom>
+          <a:noFill/>
+          <a:ln>
+            <a:noFill/>
+          </a:ln>
+        </p:spPr>
+        <p:txBody>
+          <a:bodyPr wrap="none" rtlCol="0" anchor="ctr" anchorCtr="0">
+            <a:spAutoFit/>
+          </a:bodyPr>
+          <a:lstStyle/>
+          <a:p>
+            <a:pPr algn="ctr">
+              <a:lnSpc>
+                <a:spcPct val="90000"/>
+              </a:lnSpc>
+            </a:pPr>
+            <a:r>
+              <a:rPr lang="en-US" sz="6600" dirty="0" smtClean="0">
+                <a:solidFill>
+                  <a:srgbClr val="9AABCB"/>
+                </a:solidFill>
+                <a:latin typeface="Roboto Light" charset="0"/>
+                <a:ea typeface="Roboto Light" charset="0"/>
+                <a:cs typeface="Roboto Light" charset="0"/>
+              </a:rPr>
+              <a:t>DELTA DELTA</a:t>
+            </a:r>
+          </a:p>
+          <a:p>
+            <a:pPr algn="ctr">
+              <a:lnSpc>
+                <a:spcPct val="90000"/>
+              </a:lnSpc>
+            </a:pPr>
+            <a:r>
+              <a:rPr lang="en-US" sz="6600" dirty="0" smtClean="0">
+                <a:solidFill>
+                  <a:srgbClr val="9AABCB"/>
+                </a:solidFill>
+                <a:latin typeface="Roboto Light" charset="0"/>
+                <a:ea typeface="Roboto Light" charset="0"/>
+                <a:cs typeface="Roboto Light" charset="0"/>
+              </a:rPr>
+              <a:t>SIGMA</a:t>
+            </a:r>
+            <a:endParaRPr lang="en-US" sz="6600" dirty="0">
+              <a:solidFill>
+                <a:srgbClr val="9AABCB"/>
+              </a:solidFill>
+              <a:latin typeface="Roboto Light" charset="0"/>
+              <a:ea typeface="Roboto Light" charset="0"/>
+              <a:cs typeface="Roboto Light" charset="0"/>
+            </a:endParaRPr>
+          </a:p>
+        </p:txBody>
+      </p:sp>
+    </p:spTree>
+    <p:extLst>
+      <p:ext uri="{BB962C8B-B14F-4D97-AF65-F5344CB8AC3E}">
+        <p14:creationId xmlns:p14="http://schemas.microsoft.com/office/powerpoint/2010/main" val="1857286497"/>
+      </p:ext>
+    </p:extLst>
+  </p:cSld>
+  <p:clrMapOvr>
+    <a:masterClrMapping/>
+  </p:clrMapOvr>
+  <p:timing>
+    <p:tnLst>
+      <p:par>
+        <p:cTn id="1" dur="indefinite" restart="never" nodeType="tmRoot"/>
+      </p:par>
+    </p:tnLst>
+  </p:timing>
+</p:sld>
+</file>
+
+<file path=ppt/slides/slide3.xml><?xml version="1.0" encoding="utf-8"?>
+<p:sld xmlns:a="http://schemas.openxmlformats.org/drawingml/2006/main" xmlns:r="http://schemas.openxmlformats.org/officeDocument/2006/relationships" xmlns:p="http://schemas.openxmlformats.org/presentationml/2006/main">
+  <p:cSld>
+    <p:spTree>
+      <p:nvGrpSpPr>
+        <p:cNvPr id="1" name=""/>
+        <p:cNvGrpSpPr/>
+        <p:nvPr/>
+      </p:nvGrpSpPr>
+      <p:grpSpPr>
+        <a:xfrm>
+          <a:off x="0" y="0"/>
+          <a:ext cx="0" cy="0"/>
+          <a:chOff x="0" y="0"/>
+          <a:chExt cx="0" cy="0"/>
+        </a:xfrm>
+      </p:grpSpPr>
+      <p:sp>
+        <p:nvSpPr>
+          <p:cNvPr id="5" name="Freeform 4"/>
+          <p:cNvSpPr/>
+          <p:nvPr/>
+        </p:nvSpPr>
+        <p:spPr>
+          <a:xfrm>
+            <a:off x="3200400" y="1343688"/>
+            <a:ext cx="2743200" cy="4318334"/>
+          </a:xfrm>
+          <a:custGeom>
+            <a:avLst/>
+            <a:gdLst>
+              <a:gd name="connsiteX0" fmla="*/ 652421 w 4261902"/>
+              <a:gd name="connsiteY0" fmla="*/ 6330902 h 6719567"/>
+              <a:gd name="connsiteX1" fmla="*/ 494160 w 4261902"/>
+              <a:gd name="connsiteY1" fmla="*/ 5434087 h 6719567"/>
+              <a:gd name="connsiteX2" fmla="*/ 388652 w 4261902"/>
+              <a:gd name="connsiteY2" fmla="*/ 4115241 h 6719567"/>
+              <a:gd name="connsiteX3" fmla="*/ 423821 w 4261902"/>
+              <a:gd name="connsiteY3" fmla="*/ 3130502 h 6719567"/>
+              <a:gd name="connsiteX4" fmla="*/ 177637 w 4261902"/>
+              <a:gd name="connsiteY4" fmla="*/ 2356779 h 6719567"/>
+              <a:gd name="connsiteX5" fmla="*/ 1791 w 4261902"/>
+              <a:gd name="connsiteY5" fmla="*/ 1248949 h 6719567"/>
+              <a:gd name="connsiteX6" fmla="*/ 142468 w 4261902"/>
+              <a:gd name="connsiteY6" fmla="*/ 299379 h 6719567"/>
+              <a:gd name="connsiteX7" fmla="*/ 881021 w 4261902"/>
+              <a:gd name="connsiteY7" fmla="*/ 441 h 6719567"/>
+              <a:gd name="connsiteX8" fmla="*/ 2147114 w 4261902"/>
+              <a:gd name="connsiteY8" fmla="*/ 229041 h 6719567"/>
+              <a:gd name="connsiteX9" fmla="*/ 2850498 w 4261902"/>
+              <a:gd name="connsiteY9" fmla="*/ 88364 h 6719567"/>
+              <a:gd name="connsiteX10" fmla="*/ 3465960 w 4261902"/>
+              <a:gd name="connsiteY10" fmla="*/ 18025 h 6719567"/>
+              <a:gd name="connsiteX11" fmla="*/ 4028668 w 4261902"/>
+              <a:gd name="connsiteY11" fmla="*/ 158702 h 6719567"/>
+              <a:gd name="connsiteX12" fmla="*/ 4257268 w 4261902"/>
+              <a:gd name="connsiteY12" fmla="*/ 967595 h 6719567"/>
+              <a:gd name="connsiteX13" fmla="*/ 4151760 w 4261902"/>
+              <a:gd name="connsiteY13" fmla="*/ 2128179 h 6719567"/>
+              <a:gd name="connsiteX14" fmla="*/ 3800068 w 4261902"/>
+              <a:gd name="connsiteY14" fmla="*/ 3060164 h 6719567"/>
+              <a:gd name="connsiteX15" fmla="*/ 3800068 w 4261902"/>
+              <a:gd name="connsiteY15" fmla="*/ 3886641 h 6719567"/>
+              <a:gd name="connsiteX16" fmla="*/ 3712144 w 4261902"/>
+              <a:gd name="connsiteY16" fmla="*/ 5187902 h 6719567"/>
+              <a:gd name="connsiteX17" fmla="*/ 3413206 w 4261902"/>
+              <a:gd name="connsiteY17" fmla="*/ 6717764 h 6719567"/>
+              <a:gd name="connsiteX18" fmla="*/ 2780160 w 4261902"/>
+              <a:gd name="connsiteY18" fmla="*/ 5469256 h 6719567"/>
+              <a:gd name="connsiteX19" fmla="*/ 2569144 w 4261902"/>
+              <a:gd name="connsiteY19" fmla="*/ 4220749 h 6719567"/>
+              <a:gd name="connsiteX20" fmla="*/ 2182283 w 4261902"/>
+              <a:gd name="connsiteY20" fmla="*/ 3904225 h 6719567"/>
+              <a:gd name="connsiteX21" fmla="*/ 1689914 w 4261902"/>
+              <a:gd name="connsiteY21" fmla="*/ 3974564 h 6719567"/>
+              <a:gd name="connsiteX22" fmla="*/ 1461314 w 4261902"/>
+              <a:gd name="connsiteY22" fmla="*/ 4185579 h 6719567"/>
+              <a:gd name="connsiteX23" fmla="*/ 1338221 w 4261902"/>
+              <a:gd name="connsiteY23" fmla="*/ 5135149 h 6719567"/>
+              <a:gd name="connsiteX24" fmla="*/ 1127206 w 4261902"/>
+              <a:gd name="connsiteY24" fmla="*/ 6137472 h 6719567"/>
+              <a:gd name="connsiteX25" fmla="*/ 845852 w 4261902"/>
+              <a:gd name="connsiteY25" fmla="*/ 6700179 h 6719567"/>
+              <a:gd name="connsiteX26" fmla="*/ 652421 w 4261902"/>
+              <a:gd name="connsiteY26" fmla="*/ 6330902 h 6719567"/>
+              <a:gd name="connsiteX0" fmla="*/ 652421 w 4261902"/>
+              <a:gd name="connsiteY0" fmla="*/ 6330902 h 6719567"/>
+              <a:gd name="connsiteX1" fmla="*/ 494160 w 4261902"/>
+              <a:gd name="connsiteY1" fmla="*/ 5434087 h 6719567"/>
+              <a:gd name="connsiteX2" fmla="*/ 388652 w 4261902"/>
+              <a:gd name="connsiteY2" fmla="*/ 4115241 h 6719567"/>
+              <a:gd name="connsiteX3" fmla="*/ 398063 w 4261902"/>
+              <a:gd name="connsiteY3" fmla="*/ 3104745 h 6719567"/>
+              <a:gd name="connsiteX4" fmla="*/ 177637 w 4261902"/>
+              <a:gd name="connsiteY4" fmla="*/ 2356779 h 6719567"/>
+              <a:gd name="connsiteX5" fmla="*/ 1791 w 4261902"/>
+              <a:gd name="connsiteY5" fmla="*/ 1248949 h 6719567"/>
+              <a:gd name="connsiteX6" fmla="*/ 142468 w 4261902"/>
+              <a:gd name="connsiteY6" fmla="*/ 299379 h 6719567"/>
+              <a:gd name="connsiteX7" fmla="*/ 881021 w 4261902"/>
+              <a:gd name="connsiteY7" fmla="*/ 441 h 6719567"/>
+              <a:gd name="connsiteX8" fmla="*/ 2147114 w 4261902"/>
+              <a:gd name="connsiteY8" fmla="*/ 229041 h 6719567"/>
+              <a:gd name="connsiteX9" fmla="*/ 2850498 w 4261902"/>
+              <a:gd name="connsiteY9" fmla="*/ 88364 h 6719567"/>
+              <a:gd name="connsiteX10" fmla="*/ 3465960 w 4261902"/>
+              <a:gd name="connsiteY10" fmla="*/ 18025 h 6719567"/>
+              <a:gd name="connsiteX11" fmla="*/ 4028668 w 4261902"/>
+              <a:gd name="connsiteY11" fmla="*/ 158702 h 6719567"/>
+              <a:gd name="connsiteX12" fmla="*/ 4257268 w 4261902"/>
+              <a:gd name="connsiteY12" fmla="*/ 967595 h 6719567"/>
+              <a:gd name="connsiteX13" fmla="*/ 4151760 w 4261902"/>
+              <a:gd name="connsiteY13" fmla="*/ 2128179 h 6719567"/>
+              <a:gd name="connsiteX14" fmla="*/ 3800068 w 4261902"/>
+              <a:gd name="connsiteY14" fmla="*/ 3060164 h 6719567"/>
+              <a:gd name="connsiteX15" fmla="*/ 3800068 w 4261902"/>
+              <a:gd name="connsiteY15" fmla="*/ 3886641 h 6719567"/>
+              <a:gd name="connsiteX16" fmla="*/ 3712144 w 4261902"/>
+              <a:gd name="connsiteY16" fmla="*/ 5187902 h 6719567"/>
+              <a:gd name="connsiteX17" fmla="*/ 3413206 w 4261902"/>
+              <a:gd name="connsiteY17" fmla="*/ 6717764 h 6719567"/>
+              <a:gd name="connsiteX18" fmla="*/ 2780160 w 4261902"/>
+              <a:gd name="connsiteY18" fmla="*/ 5469256 h 6719567"/>
+              <a:gd name="connsiteX19" fmla="*/ 2569144 w 4261902"/>
+              <a:gd name="connsiteY19" fmla="*/ 4220749 h 6719567"/>
+              <a:gd name="connsiteX20" fmla="*/ 2182283 w 4261902"/>
+              <a:gd name="connsiteY20" fmla="*/ 3904225 h 6719567"/>
+              <a:gd name="connsiteX21" fmla="*/ 1689914 w 4261902"/>
+              <a:gd name="connsiteY21" fmla="*/ 3974564 h 6719567"/>
+              <a:gd name="connsiteX22" fmla="*/ 1461314 w 4261902"/>
+              <a:gd name="connsiteY22" fmla="*/ 4185579 h 6719567"/>
+              <a:gd name="connsiteX23" fmla="*/ 1338221 w 4261902"/>
+              <a:gd name="connsiteY23" fmla="*/ 5135149 h 6719567"/>
+              <a:gd name="connsiteX24" fmla="*/ 1127206 w 4261902"/>
+              <a:gd name="connsiteY24" fmla="*/ 6137472 h 6719567"/>
+              <a:gd name="connsiteX25" fmla="*/ 845852 w 4261902"/>
+              <a:gd name="connsiteY25" fmla="*/ 6700179 h 6719567"/>
+              <a:gd name="connsiteX26" fmla="*/ 652421 w 4261902"/>
+              <a:gd name="connsiteY26" fmla="*/ 6330902 h 6719567"/>
+              <a:gd name="connsiteX0" fmla="*/ 652421 w 4261902"/>
+              <a:gd name="connsiteY0" fmla="*/ 6330902 h 6719567"/>
+              <a:gd name="connsiteX1" fmla="*/ 494160 w 4261902"/>
+              <a:gd name="connsiteY1" fmla="*/ 5434087 h 6719567"/>
+              <a:gd name="connsiteX2" fmla="*/ 388652 w 4261902"/>
+              <a:gd name="connsiteY2" fmla="*/ 4115241 h 6719567"/>
+              <a:gd name="connsiteX3" fmla="*/ 398063 w 4261902"/>
+              <a:gd name="connsiteY3" fmla="*/ 3104745 h 6719567"/>
+              <a:gd name="connsiteX4" fmla="*/ 177637 w 4261902"/>
+              <a:gd name="connsiteY4" fmla="*/ 2356779 h 6719567"/>
+              <a:gd name="connsiteX5" fmla="*/ 1791 w 4261902"/>
+              <a:gd name="connsiteY5" fmla="*/ 1248949 h 6719567"/>
+              <a:gd name="connsiteX6" fmla="*/ 142468 w 4261902"/>
+              <a:gd name="connsiteY6" fmla="*/ 299379 h 6719567"/>
+              <a:gd name="connsiteX7" fmla="*/ 881021 w 4261902"/>
+              <a:gd name="connsiteY7" fmla="*/ 441 h 6719567"/>
+              <a:gd name="connsiteX8" fmla="*/ 2147114 w 4261902"/>
+              <a:gd name="connsiteY8" fmla="*/ 229041 h 6719567"/>
+              <a:gd name="connsiteX9" fmla="*/ 2850498 w 4261902"/>
+              <a:gd name="connsiteY9" fmla="*/ 88364 h 6719567"/>
+              <a:gd name="connsiteX10" fmla="*/ 3465960 w 4261902"/>
+              <a:gd name="connsiteY10" fmla="*/ 18025 h 6719567"/>
+              <a:gd name="connsiteX11" fmla="*/ 4028668 w 4261902"/>
+              <a:gd name="connsiteY11" fmla="*/ 158702 h 6719567"/>
+              <a:gd name="connsiteX12" fmla="*/ 4257268 w 4261902"/>
+              <a:gd name="connsiteY12" fmla="*/ 967595 h 6719567"/>
+              <a:gd name="connsiteX13" fmla="*/ 4151760 w 4261902"/>
+              <a:gd name="connsiteY13" fmla="*/ 2128179 h 6719567"/>
+              <a:gd name="connsiteX14" fmla="*/ 3800068 w 4261902"/>
+              <a:gd name="connsiteY14" fmla="*/ 3085922 h 6719567"/>
+              <a:gd name="connsiteX15" fmla="*/ 3800068 w 4261902"/>
+              <a:gd name="connsiteY15" fmla="*/ 3886641 h 6719567"/>
+              <a:gd name="connsiteX16" fmla="*/ 3712144 w 4261902"/>
+              <a:gd name="connsiteY16" fmla="*/ 5187902 h 6719567"/>
+              <a:gd name="connsiteX17" fmla="*/ 3413206 w 4261902"/>
+              <a:gd name="connsiteY17" fmla="*/ 6717764 h 6719567"/>
+              <a:gd name="connsiteX18" fmla="*/ 2780160 w 4261902"/>
+              <a:gd name="connsiteY18" fmla="*/ 5469256 h 6719567"/>
+              <a:gd name="connsiteX19" fmla="*/ 2569144 w 4261902"/>
+              <a:gd name="connsiteY19" fmla="*/ 4220749 h 6719567"/>
+              <a:gd name="connsiteX20" fmla="*/ 2182283 w 4261902"/>
+              <a:gd name="connsiteY20" fmla="*/ 3904225 h 6719567"/>
+              <a:gd name="connsiteX21" fmla="*/ 1689914 w 4261902"/>
+              <a:gd name="connsiteY21" fmla="*/ 3974564 h 6719567"/>
+              <a:gd name="connsiteX22" fmla="*/ 1461314 w 4261902"/>
+              <a:gd name="connsiteY22" fmla="*/ 4185579 h 6719567"/>
+              <a:gd name="connsiteX23" fmla="*/ 1338221 w 4261902"/>
+              <a:gd name="connsiteY23" fmla="*/ 5135149 h 6719567"/>
+              <a:gd name="connsiteX24" fmla="*/ 1127206 w 4261902"/>
+              <a:gd name="connsiteY24" fmla="*/ 6137472 h 6719567"/>
+              <a:gd name="connsiteX25" fmla="*/ 845852 w 4261902"/>
+              <a:gd name="connsiteY25" fmla="*/ 6700179 h 6719567"/>
+              <a:gd name="connsiteX26" fmla="*/ 652421 w 4261902"/>
+              <a:gd name="connsiteY26" fmla="*/ 6330902 h 6719567"/>
+              <a:gd name="connsiteX0" fmla="*/ 652421 w 4261902"/>
+              <a:gd name="connsiteY0" fmla="*/ 6330902 h 6703211"/>
+              <a:gd name="connsiteX1" fmla="*/ 494160 w 4261902"/>
+              <a:gd name="connsiteY1" fmla="*/ 5434087 h 6703211"/>
+              <a:gd name="connsiteX2" fmla="*/ 388652 w 4261902"/>
+              <a:gd name="connsiteY2" fmla="*/ 4115241 h 6703211"/>
+              <a:gd name="connsiteX3" fmla="*/ 398063 w 4261902"/>
+              <a:gd name="connsiteY3" fmla="*/ 3104745 h 6703211"/>
+              <a:gd name="connsiteX4" fmla="*/ 177637 w 4261902"/>
+              <a:gd name="connsiteY4" fmla="*/ 2356779 h 6703211"/>
+              <a:gd name="connsiteX5" fmla="*/ 1791 w 4261902"/>
+              <a:gd name="connsiteY5" fmla="*/ 1248949 h 6703211"/>
+              <a:gd name="connsiteX6" fmla="*/ 142468 w 4261902"/>
+              <a:gd name="connsiteY6" fmla="*/ 299379 h 6703211"/>
+              <a:gd name="connsiteX7" fmla="*/ 881021 w 4261902"/>
+              <a:gd name="connsiteY7" fmla="*/ 441 h 6703211"/>
+              <a:gd name="connsiteX8" fmla="*/ 2147114 w 4261902"/>
+              <a:gd name="connsiteY8" fmla="*/ 229041 h 6703211"/>
+              <a:gd name="connsiteX9" fmla="*/ 2850498 w 4261902"/>
+              <a:gd name="connsiteY9" fmla="*/ 88364 h 6703211"/>
+              <a:gd name="connsiteX10" fmla="*/ 3465960 w 4261902"/>
+              <a:gd name="connsiteY10" fmla="*/ 18025 h 6703211"/>
+              <a:gd name="connsiteX11" fmla="*/ 4028668 w 4261902"/>
+              <a:gd name="connsiteY11" fmla="*/ 158702 h 6703211"/>
+              <a:gd name="connsiteX12" fmla="*/ 4257268 w 4261902"/>
+              <a:gd name="connsiteY12" fmla="*/ 967595 h 6703211"/>
+              <a:gd name="connsiteX13" fmla="*/ 4151760 w 4261902"/>
+              <a:gd name="connsiteY13" fmla="*/ 2128179 h 6703211"/>
+              <a:gd name="connsiteX14" fmla="*/ 3800068 w 4261902"/>
+              <a:gd name="connsiteY14" fmla="*/ 3085922 h 6703211"/>
+              <a:gd name="connsiteX15" fmla="*/ 3800068 w 4261902"/>
+              <a:gd name="connsiteY15" fmla="*/ 3886641 h 6703211"/>
+              <a:gd name="connsiteX16" fmla="*/ 3712144 w 4261902"/>
+              <a:gd name="connsiteY16" fmla="*/ 5187902 h 6703211"/>
+              <a:gd name="connsiteX17" fmla="*/ 3348812 w 4261902"/>
+              <a:gd name="connsiteY17" fmla="*/ 6679128 h 6703211"/>
+              <a:gd name="connsiteX18" fmla="*/ 2780160 w 4261902"/>
+              <a:gd name="connsiteY18" fmla="*/ 5469256 h 6703211"/>
+              <a:gd name="connsiteX19" fmla="*/ 2569144 w 4261902"/>
+              <a:gd name="connsiteY19" fmla="*/ 4220749 h 6703211"/>
+              <a:gd name="connsiteX20" fmla="*/ 2182283 w 4261902"/>
+              <a:gd name="connsiteY20" fmla="*/ 3904225 h 6703211"/>
+              <a:gd name="connsiteX21" fmla="*/ 1689914 w 4261902"/>
+              <a:gd name="connsiteY21" fmla="*/ 3974564 h 6703211"/>
+              <a:gd name="connsiteX22" fmla="*/ 1461314 w 4261902"/>
+              <a:gd name="connsiteY22" fmla="*/ 4185579 h 6703211"/>
+              <a:gd name="connsiteX23" fmla="*/ 1338221 w 4261902"/>
+              <a:gd name="connsiteY23" fmla="*/ 5135149 h 6703211"/>
+              <a:gd name="connsiteX24" fmla="*/ 1127206 w 4261902"/>
+              <a:gd name="connsiteY24" fmla="*/ 6137472 h 6703211"/>
+              <a:gd name="connsiteX25" fmla="*/ 845852 w 4261902"/>
+              <a:gd name="connsiteY25" fmla="*/ 6700179 h 6703211"/>
+              <a:gd name="connsiteX26" fmla="*/ 652421 w 4261902"/>
+              <a:gd name="connsiteY26" fmla="*/ 6330902 h 6703211"/>
+              <a:gd name="connsiteX0" fmla="*/ 652421 w 4261902"/>
+              <a:gd name="connsiteY0" fmla="*/ 6330902 h 6703211"/>
+              <a:gd name="connsiteX1" fmla="*/ 494160 w 4261902"/>
+              <a:gd name="connsiteY1" fmla="*/ 5434087 h 6703211"/>
+              <a:gd name="connsiteX2" fmla="*/ 388652 w 4261902"/>
+              <a:gd name="connsiteY2" fmla="*/ 4115241 h 6703211"/>
+              <a:gd name="connsiteX3" fmla="*/ 398063 w 4261902"/>
+              <a:gd name="connsiteY3" fmla="*/ 3104745 h 6703211"/>
+              <a:gd name="connsiteX4" fmla="*/ 177637 w 4261902"/>
+              <a:gd name="connsiteY4" fmla="*/ 2356779 h 6703211"/>
+              <a:gd name="connsiteX5" fmla="*/ 1791 w 4261902"/>
+              <a:gd name="connsiteY5" fmla="*/ 1248949 h 6703211"/>
+              <a:gd name="connsiteX6" fmla="*/ 142468 w 4261902"/>
+              <a:gd name="connsiteY6" fmla="*/ 299379 h 6703211"/>
+              <a:gd name="connsiteX7" fmla="*/ 881021 w 4261902"/>
+              <a:gd name="connsiteY7" fmla="*/ 441 h 6703211"/>
+              <a:gd name="connsiteX8" fmla="*/ 2147114 w 4261902"/>
+              <a:gd name="connsiteY8" fmla="*/ 229041 h 6703211"/>
+              <a:gd name="connsiteX9" fmla="*/ 2850498 w 4261902"/>
+              <a:gd name="connsiteY9" fmla="*/ 88364 h 6703211"/>
+              <a:gd name="connsiteX10" fmla="*/ 3465960 w 4261902"/>
+              <a:gd name="connsiteY10" fmla="*/ 18025 h 6703211"/>
+              <a:gd name="connsiteX11" fmla="*/ 4028668 w 4261902"/>
+              <a:gd name="connsiteY11" fmla="*/ 158702 h 6703211"/>
+              <a:gd name="connsiteX12" fmla="*/ 4257268 w 4261902"/>
+              <a:gd name="connsiteY12" fmla="*/ 967595 h 6703211"/>
+              <a:gd name="connsiteX13" fmla="*/ 4151760 w 4261902"/>
+              <a:gd name="connsiteY13" fmla="*/ 2128179 h 6703211"/>
+              <a:gd name="connsiteX14" fmla="*/ 3800068 w 4261902"/>
+              <a:gd name="connsiteY14" fmla="*/ 3085922 h 6703211"/>
+              <a:gd name="connsiteX15" fmla="*/ 3800068 w 4261902"/>
+              <a:gd name="connsiteY15" fmla="*/ 3886641 h 6703211"/>
+              <a:gd name="connsiteX16" fmla="*/ 3712144 w 4261902"/>
+              <a:gd name="connsiteY16" fmla="*/ 5187902 h 6703211"/>
+              <a:gd name="connsiteX17" fmla="*/ 3348812 w 4261902"/>
+              <a:gd name="connsiteY17" fmla="*/ 6679128 h 6703211"/>
+              <a:gd name="connsiteX18" fmla="*/ 2780160 w 4261902"/>
+              <a:gd name="connsiteY18" fmla="*/ 5469256 h 6703211"/>
+              <a:gd name="connsiteX19" fmla="*/ 2530507 w 4261902"/>
+              <a:gd name="connsiteY19" fmla="*/ 4272264 h 6703211"/>
+              <a:gd name="connsiteX20" fmla="*/ 2182283 w 4261902"/>
+              <a:gd name="connsiteY20" fmla="*/ 3904225 h 6703211"/>
+              <a:gd name="connsiteX21" fmla="*/ 1689914 w 4261902"/>
+              <a:gd name="connsiteY21" fmla="*/ 3974564 h 6703211"/>
+              <a:gd name="connsiteX22" fmla="*/ 1461314 w 4261902"/>
+              <a:gd name="connsiteY22" fmla="*/ 4185579 h 6703211"/>
+              <a:gd name="connsiteX23" fmla="*/ 1338221 w 4261902"/>
+              <a:gd name="connsiteY23" fmla="*/ 5135149 h 6703211"/>
+              <a:gd name="connsiteX24" fmla="*/ 1127206 w 4261902"/>
+              <a:gd name="connsiteY24" fmla="*/ 6137472 h 6703211"/>
+              <a:gd name="connsiteX25" fmla="*/ 845852 w 4261902"/>
+              <a:gd name="connsiteY25" fmla="*/ 6700179 h 6703211"/>
+              <a:gd name="connsiteX26" fmla="*/ 652421 w 4261902"/>
+              <a:gd name="connsiteY26" fmla="*/ 6330902 h 6703211"/>
+              <a:gd name="connsiteX0" fmla="*/ 652421 w 4261902"/>
+              <a:gd name="connsiteY0" fmla="*/ 6330902 h 6703211"/>
+              <a:gd name="connsiteX1" fmla="*/ 494160 w 4261902"/>
+              <a:gd name="connsiteY1" fmla="*/ 5434087 h 6703211"/>
+              <a:gd name="connsiteX2" fmla="*/ 388652 w 4261902"/>
+              <a:gd name="connsiteY2" fmla="*/ 4115241 h 6703211"/>
+              <a:gd name="connsiteX3" fmla="*/ 398063 w 4261902"/>
+              <a:gd name="connsiteY3" fmla="*/ 3104745 h 6703211"/>
+              <a:gd name="connsiteX4" fmla="*/ 177637 w 4261902"/>
+              <a:gd name="connsiteY4" fmla="*/ 2356779 h 6703211"/>
+              <a:gd name="connsiteX5" fmla="*/ 1791 w 4261902"/>
+              <a:gd name="connsiteY5" fmla="*/ 1248949 h 6703211"/>
+              <a:gd name="connsiteX6" fmla="*/ 142468 w 4261902"/>
+              <a:gd name="connsiteY6" fmla="*/ 299379 h 6703211"/>
+              <a:gd name="connsiteX7" fmla="*/ 881021 w 4261902"/>
+              <a:gd name="connsiteY7" fmla="*/ 441 h 6703211"/>
+              <a:gd name="connsiteX8" fmla="*/ 2147114 w 4261902"/>
+              <a:gd name="connsiteY8" fmla="*/ 229041 h 6703211"/>
+              <a:gd name="connsiteX9" fmla="*/ 2850498 w 4261902"/>
+              <a:gd name="connsiteY9" fmla="*/ 88364 h 6703211"/>
+              <a:gd name="connsiteX10" fmla="*/ 3465960 w 4261902"/>
+              <a:gd name="connsiteY10" fmla="*/ 18025 h 6703211"/>
+              <a:gd name="connsiteX11" fmla="*/ 4028668 w 4261902"/>
+              <a:gd name="connsiteY11" fmla="*/ 158702 h 6703211"/>
+              <a:gd name="connsiteX12" fmla="*/ 4257268 w 4261902"/>
+              <a:gd name="connsiteY12" fmla="*/ 967595 h 6703211"/>
+              <a:gd name="connsiteX13" fmla="*/ 4151760 w 4261902"/>
+              <a:gd name="connsiteY13" fmla="*/ 2128179 h 6703211"/>
+              <a:gd name="connsiteX14" fmla="*/ 3800068 w 4261902"/>
+              <a:gd name="connsiteY14" fmla="*/ 3085922 h 6703211"/>
+              <a:gd name="connsiteX15" fmla="*/ 3800068 w 4261902"/>
+              <a:gd name="connsiteY15" fmla="*/ 3886641 h 6703211"/>
+              <a:gd name="connsiteX16" fmla="*/ 3712144 w 4261902"/>
+              <a:gd name="connsiteY16" fmla="*/ 5187902 h 6703211"/>
+              <a:gd name="connsiteX17" fmla="*/ 3348812 w 4261902"/>
+              <a:gd name="connsiteY17" fmla="*/ 6679128 h 6703211"/>
+              <a:gd name="connsiteX18" fmla="*/ 2780160 w 4261902"/>
+              <a:gd name="connsiteY18" fmla="*/ 5469256 h 6703211"/>
+              <a:gd name="connsiteX19" fmla="*/ 2530507 w 4261902"/>
+              <a:gd name="connsiteY19" fmla="*/ 4272264 h 6703211"/>
+              <a:gd name="connsiteX20" fmla="*/ 2182283 w 4261902"/>
+              <a:gd name="connsiteY20" fmla="*/ 3904225 h 6703211"/>
+              <a:gd name="connsiteX21" fmla="*/ 1857339 w 4261902"/>
+              <a:gd name="connsiteY21" fmla="*/ 3884411 h 6703211"/>
+              <a:gd name="connsiteX22" fmla="*/ 1461314 w 4261902"/>
+              <a:gd name="connsiteY22" fmla="*/ 4185579 h 6703211"/>
+              <a:gd name="connsiteX23" fmla="*/ 1338221 w 4261902"/>
+              <a:gd name="connsiteY23" fmla="*/ 5135149 h 6703211"/>
+              <a:gd name="connsiteX24" fmla="*/ 1127206 w 4261902"/>
+              <a:gd name="connsiteY24" fmla="*/ 6137472 h 6703211"/>
+              <a:gd name="connsiteX25" fmla="*/ 845852 w 4261902"/>
+              <a:gd name="connsiteY25" fmla="*/ 6700179 h 6703211"/>
+              <a:gd name="connsiteX26" fmla="*/ 652421 w 4261902"/>
+              <a:gd name="connsiteY26" fmla="*/ 6330902 h 6703211"/>
+              <a:gd name="connsiteX0" fmla="*/ 652421 w 4261902"/>
+              <a:gd name="connsiteY0" fmla="*/ 6330902 h 6703211"/>
+              <a:gd name="connsiteX1" fmla="*/ 494160 w 4261902"/>
+              <a:gd name="connsiteY1" fmla="*/ 5434087 h 6703211"/>
+              <a:gd name="connsiteX2" fmla="*/ 388652 w 4261902"/>
+              <a:gd name="connsiteY2" fmla="*/ 4115241 h 6703211"/>
+              <a:gd name="connsiteX3" fmla="*/ 398063 w 4261902"/>
+              <a:gd name="connsiteY3" fmla="*/ 3104745 h 6703211"/>
+              <a:gd name="connsiteX4" fmla="*/ 177637 w 4261902"/>
+              <a:gd name="connsiteY4" fmla="*/ 2356779 h 6703211"/>
+              <a:gd name="connsiteX5" fmla="*/ 1791 w 4261902"/>
+              <a:gd name="connsiteY5" fmla="*/ 1248949 h 6703211"/>
+              <a:gd name="connsiteX6" fmla="*/ 142468 w 4261902"/>
+              <a:gd name="connsiteY6" fmla="*/ 299379 h 6703211"/>
+              <a:gd name="connsiteX7" fmla="*/ 881021 w 4261902"/>
+              <a:gd name="connsiteY7" fmla="*/ 441 h 6703211"/>
+              <a:gd name="connsiteX8" fmla="*/ 2147114 w 4261902"/>
+              <a:gd name="connsiteY8" fmla="*/ 229041 h 6703211"/>
+              <a:gd name="connsiteX9" fmla="*/ 2850498 w 4261902"/>
+              <a:gd name="connsiteY9" fmla="*/ 88364 h 6703211"/>
+              <a:gd name="connsiteX10" fmla="*/ 3465960 w 4261902"/>
+              <a:gd name="connsiteY10" fmla="*/ 18025 h 6703211"/>
+              <a:gd name="connsiteX11" fmla="*/ 4028668 w 4261902"/>
+              <a:gd name="connsiteY11" fmla="*/ 158702 h 6703211"/>
+              <a:gd name="connsiteX12" fmla="*/ 4257268 w 4261902"/>
+              <a:gd name="connsiteY12" fmla="*/ 967595 h 6703211"/>
+              <a:gd name="connsiteX13" fmla="*/ 4151760 w 4261902"/>
+              <a:gd name="connsiteY13" fmla="*/ 2128179 h 6703211"/>
+              <a:gd name="connsiteX14" fmla="*/ 3800068 w 4261902"/>
+              <a:gd name="connsiteY14" fmla="*/ 3085922 h 6703211"/>
+              <a:gd name="connsiteX15" fmla="*/ 3800068 w 4261902"/>
+              <a:gd name="connsiteY15" fmla="*/ 3886641 h 6703211"/>
+              <a:gd name="connsiteX16" fmla="*/ 3712144 w 4261902"/>
+              <a:gd name="connsiteY16" fmla="*/ 5187902 h 6703211"/>
+              <a:gd name="connsiteX17" fmla="*/ 3348812 w 4261902"/>
+              <a:gd name="connsiteY17" fmla="*/ 6679128 h 6703211"/>
+              <a:gd name="connsiteX18" fmla="*/ 2780160 w 4261902"/>
+              <a:gd name="connsiteY18" fmla="*/ 5469256 h 6703211"/>
+              <a:gd name="connsiteX19" fmla="*/ 2530507 w 4261902"/>
+              <a:gd name="connsiteY19" fmla="*/ 4272264 h 6703211"/>
+              <a:gd name="connsiteX20" fmla="*/ 2182283 w 4261902"/>
+              <a:gd name="connsiteY20" fmla="*/ 3904225 h 6703211"/>
+              <a:gd name="connsiteX21" fmla="*/ 1857339 w 4261902"/>
+              <a:gd name="connsiteY21" fmla="*/ 3884411 h 6703211"/>
+              <a:gd name="connsiteX22" fmla="*/ 1512829 w 4261902"/>
+              <a:gd name="connsiteY22" fmla="*/ 4121184 h 6703211"/>
+              <a:gd name="connsiteX23" fmla="*/ 1338221 w 4261902"/>
+              <a:gd name="connsiteY23" fmla="*/ 5135149 h 6703211"/>
+              <a:gd name="connsiteX24" fmla="*/ 1127206 w 4261902"/>
+              <a:gd name="connsiteY24" fmla="*/ 6137472 h 6703211"/>
+              <a:gd name="connsiteX25" fmla="*/ 845852 w 4261902"/>
+              <a:gd name="connsiteY25" fmla="*/ 6700179 h 6703211"/>
+              <a:gd name="connsiteX26" fmla="*/ 652421 w 4261902"/>
+              <a:gd name="connsiteY26" fmla="*/ 6330902 h 6703211"/>
+              <a:gd name="connsiteX0" fmla="*/ 652421 w 4261902"/>
+              <a:gd name="connsiteY0" fmla="*/ 6330902 h 6703211"/>
+              <a:gd name="connsiteX1" fmla="*/ 494160 w 4261902"/>
+              <a:gd name="connsiteY1" fmla="*/ 5434087 h 6703211"/>
+              <a:gd name="connsiteX2" fmla="*/ 388652 w 4261902"/>
+              <a:gd name="connsiteY2" fmla="*/ 4115241 h 6703211"/>
+              <a:gd name="connsiteX3" fmla="*/ 398063 w 4261902"/>
+              <a:gd name="connsiteY3" fmla="*/ 3104745 h 6703211"/>
+              <a:gd name="connsiteX4" fmla="*/ 177637 w 4261902"/>
+              <a:gd name="connsiteY4" fmla="*/ 2356779 h 6703211"/>
+              <a:gd name="connsiteX5" fmla="*/ 1791 w 4261902"/>
+              <a:gd name="connsiteY5" fmla="*/ 1248949 h 6703211"/>
+              <a:gd name="connsiteX6" fmla="*/ 142468 w 4261902"/>
+              <a:gd name="connsiteY6" fmla="*/ 299379 h 6703211"/>
+              <a:gd name="connsiteX7" fmla="*/ 881021 w 4261902"/>
+              <a:gd name="connsiteY7" fmla="*/ 441 h 6703211"/>
+              <a:gd name="connsiteX8" fmla="*/ 2147114 w 4261902"/>
+              <a:gd name="connsiteY8" fmla="*/ 229041 h 6703211"/>
+              <a:gd name="connsiteX9" fmla="*/ 2850498 w 4261902"/>
+              <a:gd name="connsiteY9" fmla="*/ 88364 h 6703211"/>
+              <a:gd name="connsiteX10" fmla="*/ 3465960 w 4261902"/>
+              <a:gd name="connsiteY10" fmla="*/ 18025 h 6703211"/>
+              <a:gd name="connsiteX11" fmla="*/ 4028668 w 4261902"/>
+              <a:gd name="connsiteY11" fmla="*/ 158702 h 6703211"/>
+              <a:gd name="connsiteX12" fmla="*/ 4257268 w 4261902"/>
+              <a:gd name="connsiteY12" fmla="*/ 967595 h 6703211"/>
+              <a:gd name="connsiteX13" fmla="*/ 4151760 w 4261902"/>
+              <a:gd name="connsiteY13" fmla="*/ 2128179 h 6703211"/>
+              <a:gd name="connsiteX14" fmla="*/ 3800068 w 4261902"/>
+              <a:gd name="connsiteY14" fmla="*/ 3085922 h 6703211"/>
+              <a:gd name="connsiteX15" fmla="*/ 3800068 w 4261902"/>
+              <a:gd name="connsiteY15" fmla="*/ 3886641 h 6703211"/>
+              <a:gd name="connsiteX16" fmla="*/ 3712144 w 4261902"/>
+              <a:gd name="connsiteY16" fmla="*/ 5187902 h 6703211"/>
+              <a:gd name="connsiteX17" fmla="*/ 3348812 w 4261902"/>
+              <a:gd name="connsiteY17" fmla="*/ 6679128 h 6703211"/>
+              <a:gd name="connsiteX18" fmla="*/ 2780160 w 4261902"/>
+              <a:gd name="connsiteY18" fmla="*/ 5469256 h 6703211"/>
+              <a:gd name="connsiteX19" fmla="*/ 2530507 w 4261902"/>
+              <a:gd name="connsiteY19" fmla="*/ 4272264 h 6703211"/>
+              <a:gd name="connsiteX20" fmla="*/ 2182283 w 4261902"/>
+              <a:gd name="connsiteY20" fmla="*/ 3904225 h 6703211"/>
+              <a:gd name="connsiteX21" fmla="*/ 1857339 w 4261902"/>
+              <a:gd name="connsiteY21" fmla="*/ 3884411 h 6703211"/>
+              <a:gd name="connsiteX22" fmla="*/ 1512829 w 4261902"/>
+              <a:gd name="connsiteY22" fmla="*/ 4211337 h 6703211"/>
+              <a:gd name="connsiteX23" fmla="*/ 1338221 w 4261902"/>
+              <a:gd name="connsiteY23" fmla="*/ 5135149 h 6703211"/>
+              <a:gd name="connsiteX24" fmla="*/ 1127206 w 4261902"/>
+              <a:gd name="connsiteY24" fmla="*/ 6137472 h 6703211"/>
+              <a:gd name="connsiteX25" fmla="*/ 845852 w 4261902"/>
+              <a:gd name="connsiteY25" fmla="*/ 6700179 h 6703211"/>
+              <a:gd name="connsiteX26" fmla="*/ 652421 w 4261902"/>
+              <a:gd name="connsiteY26" fmla="*/ 6330902 h 6703211"/>
+              <a:gd name="connsiteX0" fmla="*/ 652421 w 4261902"/>
+              <a:gd name="connsiteY0" fmla="*/ 6330902 h 6703211"/>
+              <a:gd name="connsiteX1" fmla="*/ 494160 w 4261902"/>
+              <a:gd name="connsiteY1" fmla="*/ 5434087 h 6703211"/>
+              <a:gd name="connsiteX2" fmla="*/ 388652 w 4261902"/>
+              <a:gd name="connsiteY2" fmla="*/ 4115241 h 6703211"/>
+              <a:gd name="connsiteX3" fmla="*/ 398063 w 4261902"/>
+              <a:gd name="connsiteY3" fmla="*/ 3104745 h 6703211"/>
+              <a:gd name="connsiteX4" fmla="*/ 177637 w 4261902"/>
+              <a:gd name="connsiteY4" fmla="*/ 2356779 h 6703211"/>
+              <a:gd name="connsiteX5" fmla="*/ 1791 w 4261902"/>
+              <a:gd name="connsiteY5" fmla="*/ 1248949 h 6703211"/>
+              <a:gd name="connsiteX6" fmla="*/ 142468 w 4261902"/>
+              <a:gd name="connsiteY6" fmla="*/ 299379 h 6703211"/>
+              <a:gd name="connsiteX7" fmla="*/ 881021 w 4261902"/>
+              <a:gd name="connsiteY7" fmla="*/ 441 h 6703211"/>
+              <a:gd name="connsiteX8" fmla="*/ 2147114 w 4261902"/>
+              <a:gd name="connsiteY8" fmla="*/ 229041 h 6703211"/>
+              <a:gd name="connsiteX9" fmla="*/ 2850498 w 4261902"/>
+              <a:gd name="connsiteY9" fmla="*/ 88364 h 6703211"/>
+              <a:gd name="connsiteX10" fmla="*/ 3465960 w 4261902"/>
+              <a:gd name="connsiteY10" fmla="*/ 18025 h 6703211"/>
+              <a:gd name="connsiteX11" fmla="*/ 4028668 w 4261902"/>
+              <a:gd name="connsiteY11" fmla="*/ 158702 h 6703211"/>
+              <a:gd name="connsiteX12" fmla="*/ 4257268 w 4261902"/>
+              <a:gd name="connsiteY12" fmla="*/ 967595 h 6703211"/>
+              <a:gd name="connsiteX13" fmla="*/ 4151760 w 4261902"/>
+              <a:gd name="connsiteY13" fmla="*/ 2128179 h 6703211"/>
+              <a:gd name="connsiteX14" fmla="*/ 3800068 w 4261902"/>
+              <a:gd name="connsiteY14" fmla="*/ 3085922 h 6703211"/>
+              <a:gd name="connsiteX15" fmla="*/ 3800068 w 4261902"/>
+              <a:gd name="connsiteY15" fmla="*/ 3886641 h 6703211"/>
+              <a:gd name="connsiteX16" fmla="*/ 3712144 w 4261902"/>
+              <a:gd name="connsiteY16" fmla="*/ 5187902 h 6703211"/>
+              <a:gd name="connsiteX17" fmla="*/ 3348812 w 4261902"/>
+              <a:gd name="connsiteY17" fmla="*/ 6679128 h 6703211"/>
+              <a:gd name="connsiteX18" fmla="*/ 2780160 w 4261902"/>
+              <a:gd name="connsiteY18" fmla="*/ 5469256 h 6703211"/>
+              <a:gd name="connsiteX19" fmla="*/ 2530507 w 4261902"/>
+              <a:gd name="connsiteY19" fmla="*/ 4272264 h 6703211"/>
+              <a:gd name="connsiteX20" fmla="*/ 2233798 w 4261902"/>
+              <a:gd name="connsiteY20" fmla="*/ 3891347 h 6703211"/>
+              <a:gd name="connsiteX21" fmla="*/ 1857339 w 4261902"/>
+              <a:gd name="connsiteY21" fmla="*/ 3884411 h 6703211"/>
+              <a:gd name="connsiteX22" fmla="*/ 1512829 w 4261902"/>
+              <a:gd name="connsiteY22" fmla="*/ 4211337 h 6703211"/>
+              <a:gd name="connsiteX23" fmla="*/ 1338221 w 4261902"/>
+              <a:gd name="connsiteY23" fmla="*/ 5135149 h 6703211"/>
+              <a:gd name="connsiteX24" fmla="*/ 1127206 w 4261902"/>
+              <a:gd name="connsiteY24" fmla="*/ 6137472 h 6703211"/>
+              <a:gd name="connsiteX25" fmla="*/ 845852 w 4261902"/>
+              <a:gd name="connsiteY25" fmla="*/ 6700179 h 6703211"/>
+              <a:gd name="connsiteX26" fmla="*/ 652421 w 4261902"/>
+              <a:gd name="connsiteY26" fmla="*/ 6330902 h 6703211"/>
+              <a:gd name="connsiteX0" fmla="*/ 652421 w 4264883"/>
+              <a:gd name="connsiteY0" fmla="*/ 6330902 h 6703211"/>
+              <a:gd name="connsiteX1" fmla="*/ 494160 w 4264883"/>
+              <a:gd name="connsiteY1" fmla="*/ 5434087 h 6703211"/>
+              <a:gd name="connsiteX2" fmla="*/ 388652 w 4264883"/>
+              <a:gd name="connsiteY2" fmla="*/ 4115241 h 6703211"/>
+              <a:gd name="connsiteX3" fmla="*/ 398063 w 4264883"/>
+              <a:gd name="connsiteY3" fmla="*/ 3104745 h 6703211"/>
+              <a:gd name="connsiteX4" fmla="*/ 177637 w 4264883"/>
+              <a:gd name="connsiteY4" fmla="*/ 2356779 h 6703211"/>
+              <a:gd name="connsiteX5" fmla="*/ 1791 w 4264883"/>
+              <a:gd name="connsiteY5" fmla="*/ 1248949 h 6703211"/>
+              <a:gd name="connsiteX6" fmla="*/ 142468 w 4264883"/>
+              <a:gd name="connsiteY6" fmla="*/ 299379 h 6703211"/>
+              <a:gd name="connsiteX7" fmla="*/ 881021 w 4264883"/>
+              <a:gd name="connsiteY7" fmla="*/ 441 h 6703211"/>
+              <a:gd name="connsiteX8" fmla="*/ 2147114 w 4264883"/>
+              <a:gd name="connsiteY8" fmla="*/ 229041 h 6703211"/>
+              <a:gd name="connsiteX9" fmla="*/ 2850498 w 4264883"/>
+              <a:gd name="connsiteY9" fmla="*/ 88364 h 6703211"/>
+              <a:gd name="connsiteX10" fmla="*/ 3465960 w 4264883"/>
+              <a:gd name="connsiteY10" fmla="*/ 18025 h 6703211"/>
+              <a:gd name="connsiteX11" fmla="*/ 3977152 w 4264883"/>
+              <a:gd name="connsiteY11" fmla="*/ 184460 h 6703211"/>
+              <a:gd name="connsiteX12" fmla="*/ 4257268 w 4264883"/>
+              <a:gd name="connsiteY12" fmla="*/ 967595 h 6703211"/>
+              <a:gd name="connsiteX13" fmla="*/ 4151760 w 4264883"/>
+              <a:gd name="connsiteY13" fmla="*/ 2128179 h 6703211"/>
+              <a:gd name="connsiteX14" fmla="*/ 3800068 w 4264883"/>
+              <a:gd name="connsiteY14" fmla="*/ 3085922 h 6703211"/>
+              <a:gd name="connsiteX15" fmla="*/ 3800068 w 4264883"/>
+              <a:gd name="connsiteY15" fmla="*/ 3886641 h 6703211"/>
+              <a:gd name="connsiteX16" fmla="*/ 3712144 w 4264883"/>
+              <a:gd name="connsiteY16" fmla="*/ 5187902 h 6703211"/>
+              <a:gd name="connsiteX17" fmla="*/ 3348812 w 4264883"/>
+              <a:gd name="connsiteY17" fmla="*/ 6679128 h 6703211"/>
+              <a:gd name="connsiteX18" fmla="*/ 2780160 w 4264883"/>
+              <a:gd name="connsiteY18" fmla="*/ 5469256 h 6703211"/>
+              <a:gd name="connsiteX19" fmla="*/ 2530507 w 4264883"/>
+              <a:gd name="connsiteY19" fmla="*/ 4272264 h 6703211"/>
+              <a:gd name="connsiteX20" fmla="*/ 2233798 w 4264883"/>
+              <a:gd name="connsiteY20" fmla="*/ 3891347 h 6703211"/>
+              <a:gd name="connsiteX21" fmla="*/ 1857339 w 4264883"/>
+              <a:gd name="connsiteY21" fmla="*/ 3884411 h 6703211"/>
+              <a:gd name="connsiteX22" fmla="*/ 1512829 w 4264883"/>
+              <a:gd name="connsiteY22" fmla="*/ 4211337 h 6703211"/>
+              <a:gd name="connsiteX23" fmla="*/ 1338221 w 4264883"/>
+              <a:gd name="connsiteY23" fmla="*/ 5135149 h 6703211"/>
+              <a:gd name="connsiteX24" fmla="*/ 1127206 w 4264883"/>
+              <a:gd name="connsiteY24" fmla="*/ 6137472 h 6703211"/>
+              <a:gd name="connsiteX25" fmla="*/ 845852 w 4264883"/>
+              <a:gd name="connsiteY25" fmla="*/ 6700179 h 6703211"/>
+              <a:gd name="connsiteX26" fmla="*/ 652421 w 4264883"/>
+              <a:gd name="connsiteY26" fmla="*/ 6330902 h 6703211"/>
+              <a:gd name="connsiteX0" fmla="*/ 652421 w 4261876"/>
+              <a:gd name="connsiteY0" fmla="*/ 6330902 h 6703211"/>
+              <a:gd name="connsiteX1" fmla="*/ 494160 w 4261876"/>
+              <a:gd name="connsiteY1" fmla="*/ 5434087 h 6703211"/>
+              <a:gd name="connsiteX2" fmla="*/ 388652 w 4261876"/>
+              <a:gd name="connsiteY2" fmla="*/ 4115241 h 6703211"/>
+              <a:gd name="connsiteX3" fmla="*/ 398063 w 4261876"/>
+              <a:gd name="connsiteY3" fmla="*/ 3104745 h 6703211"/>
+              <a:gd name="connsiteX4" fmla="*/ 177637 w 4261876"/>
+              <a:gd name="connsiteY4" fmla="*/ 2356779 h 6703211"/>
+              <a:gd name="connsiteX5" fmla="*/ 1791 w 4261876"/>
+              <a:gd name="connsiteY5" fmla="*/ 1248949 h 6703211"/>
+              <a:gd name="connsiteX6" fmla="*/ 142468 w 4261876"/>
+              <a:gd name="connsiteY6" fmla="*/ 299379 h 6703211"/>
+              <a:gd name="connsiteX7" fmla="*/ 881021 w 4261876"/>
+              <a:gd name="connsiteY7" fmla="*/ 441 h 6703211"/>
+              <a:gd name="connsiteX8" fmla="*/ 2147114 w 4261876"/>
+              <a:gd name="connsiteY8" fmla="*/ 229041 h 6703211"/>
+              <a:gd name="connsiteX9" fmla="*/ 2850498 w 4261876"/>
+              <a:gd name="connsiteY9" fmla="*/ 88364 h 6703211"/>
+              <a:gd name="connsiteX10" fmla="*/ 3465960 w 4261876"/>
+              <a:gd name="connsiteY10" fmla="*/ 18025 h 6703211"/>
+              <a:gd name="connsiteX11" fmla="*/ 3977152 w 4261876"/>
+              <a:gd name="connsiteY11" fmla="*/ 184460 h 6703211"/>
+              <a:gd name="connsiteX12" fmla="*/ 4257268 w 4261876"/>
+              <a:gd name="connsiteY12" fmla="*/ 967595 h 6703211"/>
+              <a:gd name="connsiteX13" fmla="*/ 4126002 w 4261876"/>
+              <a:gd name="connsiteY13" fmla="*/ 2269846 h 6703211"/>
+              <a:gd name="connsiteX14" fmla="*/ 3800068 w 4261876"/>
+              <a:gd name="connsiteY14" fmla="*/ 3085922 h 6703211"/>
+              <a:gd name="connsiteX15" fmla="*/ 3800068 w 4261876"/>
+              <a:gd name="connsiteY15" fmla="*/ 3886641 h 6703211"/>
+              <a:gd name="connsiteX16" fmla="*/ 3712144 w 4261876"/>
+              <a:gd name="connsiteY16" fmla="*/ 5187902 h 6703211"/>
+              <a:gd name="connsiteX17" fmla="*/ 3348812 w 4261876"/>
+              <a:gd name="connsiteY17" fmla="*/ 6679128 h 6703211"/>
+              <a:gd name="connsiteX18" fmla="*/ 2780160 w 4261876"/>
+              <a:gd name="connsiteY18" fmla="*/ 5469256 h 6703211"/>
+              <a:gd name="connsiteX19" fmla="*/ 2530507 w 4261876"/>
+              <a:gd name="connsiteY19" fmla="*/ 4272264 h 6703211"/>
+              <a:gd name="connsiteX20" fmla="*/ 2233798 w 4261876"/>
+              <a:gd name="connsiteY20" fmla="*/ 3891347 h 6703211"/>
+              <a:gd name="connsiteX21" fmla="*/ 1857339 w 4261876"/>
+              <a:gd name="connsiteY21" fmla="*/ 3884411 h 6703211"/>
+              <a:gd name="connsiteX22" fmla="*/ 1512829 w 4261876"/>
+              <a:gd name="connsiteY22" fmla="*/ 4211337 h 6703211"/>
+              <a:gd name="connsiteX23" fmla="*/ 1338221 w 4261876"/>
+              <a:gd name="connsiteY23" fmla="*/ 5135149 h 6703211"/>
+              <a:gd name="connsiteX24" fmla="*/ 1127206 w 4261876"/>
+              <a:gd name="connsiteY24" fmla="*/ 6137472 h 6703211"/>
+              <a:gd name="connsiteX25" fmla="*/ 845852 w 4261876"/>
+              <a:gd name="connsiteY25" fmla="*/ 6700179 h 6703211"/>
+              <a:gd name="connsiteX26" fmla="*/ 652421 w 4261876"/>
+              <a:gd name="connsiteY26" fmla="*/ 6330902 h 6703211"/>
+              <a:gd name="connsiteX0" fmla="*/ 652421 w 4261876"/>
+              <a:gd name="connsiteY0" fmla="*/ 6330895 h 6703204"/>
+              <a:gd name="connsiteX1" fmla="*/ 494160 w 4261876"/>
+              <a:gd name="connsiteY1" fmla="*/ 5434080 h 6703204"/>
+              <a:gd name="connsiteX2" fmla="*/ 388652 w 4261876"/>
+              <a:gd name="connsiteY2" fmla="*/ 4115234 h 6703204"/>
+              <a:gd name="connsiteX3" fmla="*/ 398063 w 4261876"/>
+              <a:gd name="connsiteY3" fmla="*/ 3104738 h 6703204"/>
+              <a:gd name="connsiteX4" fmla="*/ 177637 w 4261876"/>
+              <a:gd name="connsiteY4" fmla="*/ 2356772 h 6703204"/>
+              <a:gd name="connsiteX5" fmla="*/ 1791 w 4261876"/>
+              <a:gd name="connsiteY5" fmla="*/ 1248942 h 6703204"/>
+              <a:gd name="connsiteX6" fmla="*/ 142468 w 4261876"/>
+              <a:gd name="connsiteY6" fmla="*/ 299372 h 6703204"/>
+              <a:gd name="connsiteX7" fmla="*/ 881021 w 4261876"/>
+              <a:gd name="connsiteY7" fmla="*/ 434 h 6703204"/>
+              <a:gd name="connsiteX8" fmla="*/ 2147114 w 4261876"/>
+              <a:gd name="connsiteY8" fmla="*/ 229034 h 6703204"/>
+              <a:gd name="connsiteX9" fmla="*/ 2811861 w 4261876"/>
+              <a:gd name="connsiteY9" fmla="*/ 62599 h 6703204"/>
+              <a:gd name="connsiteX10" fmla="*/ 3465960 w 4261876"/>
+              <a:gd name="connsiteY10" fmla="*/ 18018 h 6703204"/>
+              <a:gd name="connsiteX11" fmla="*/ 3977152 w 4261876"/>
+              <a:gd name="connsiteY11" fmla="*/ 184453 h 6703204"/>
+              <a:gd name="connsiteX12" fmla="*/ 4257268 w 4261876"/>
+              <a:gd name="connsiteY12" fmla="*/ 967588 h 6703204"/>
+              <a:gd name="connsiteX13" fmla="*/ 4126002 w 4261876"/>
+              <a:gd name="connsiteY13" fmla="*/ 2269839 h 6703204"/>
+              <a:gd name="connsiteX14" fmla="*/ 3800068 w 4261876"/>
+              <a:gd name="connsiteY14" fmla="*/ 3085915 h 6703204"/>
+              <a:gd name="connsiteX15" fmla="*/ 3800068 w 4261876"/>
+              <a:gd name="connsiteY15" fmla="*/ 3886634 h 6703204"/>
+              <a:gd name="connsiteX16" fmla="*/ 3712144 w 4261876"/>
+              <a:gd name="connsiteY16" fmla="*/ 5187895 h 6703204"/>
+              <a:gd name="connsiteX17" fmla="*/ 3348812 w 4261876"/>
+              <a:gd name="connsiteY17" fmla="*/ 6679121 h 6703204"/>
+              <a:gd name="connsiteX18" fmla="*/ 2780160 w 4261876"/>
+              <a:gd name="connsiteY18" fmla="*/ 5469249 h 6703204"/>
+              <a:gd name="connsiteX19" fmla="*/ 2530507 w 4261876"/>
+              <a:gd name="connsiteY19" fmla="*/ 4272257 h 6703204"/>
+              <a:gd name="connsiteX20" fmla="*/ 2233798 w 4261876"/>
+              <a:gd name="connsiteY20" fmla="*/ 3891340 h 6703204"/>
+              <a:gd name="connsiteX21" fmla="*/ 1857339 w 4261876"/>
+              <a:gd name="connsiteY21" fmla="*/ 3884404 h 6703204"/>
+              <a:gd name="connsiteX22" fmla="*/ 1512829 w 4261876"/>
+              <a:gd name="connsiteY22" fmla="*/ 4211330 h 6703204"/>
+              <a:gd name="connsiteX23" fmla="*/ 1338221 w 4261876"/>
+              <a:gd name="connsiteY23" fmla="*/ 5135142 h 6703204"/>
+              <a:gd name="connsiteX24" fmla="*/ 1127206 w 4261876"/>
+              <a:gd name="connsiteY24" fmla="*/ 6137465 h 6703204"/>
+              <a:gd name="connsiteX25" fmla="*/ 845852 w 4261876"/>
+              <a:gd name="connsiteY25" fmla="*/ 6700172 h 6703204"/>
+              <a:gd name="connsiteX26" fmla="*/ 652421 w 4261876"/>
+              <a:gd name="connsiteY26" fmla="*/ 6330895 h 6703204"/>
+              <a:gd name="connsiteX0" fmla="*/ 652421 w 4261876"/>
+              <a:gd name="connsiteY0" fmla="*/ 6331638 h 6703947"/>
+              <a:gd name="connsiteX1" fmla="*/ 494160 w 4261876"/>
+              <a:gd name="connsiteY1" fmla="*/ 5434823 h 6703947"/>
+              <a:gd name="connsiteX2" fmla="*/ 388652 w 4261876"/>
+              <a:gd name="connsiteY2" fmla="*/ 4115977 h 6703947"/>
+              <a:gd name="connsiteX3" fmla="*/ 398063 w 4261876"/>
+              <a:gd name="connsiteY3" fmla="*/ 3105481 h 6703947"/>
+              <a:gd name="connsiteX4" fmla="*/ 177637 w 4261876"/>
+              <a:gd name="connsiteY4" fmla="*/ 2357515 h 6703947"/>
+              <a:gd name="connsiteX5" fmla="*/ 1791 w 4261876"/>
+              <a:gd name="connsiteY5" fmla="*/ 1249685 h 6703947"/>
+              <a:gd name="connsiteX6" fmla="*/ 142468 w 4261876"/>
+              <a:gd name="connsiteY6" fmla="*/ 300115 h 6703947"/>
+              <a:gd name="connsiteX7" fmla="*/ 881021 w 4261876"/>
+              <a:gd name="connsiteY7" fmla="*/ 1177 h 6703947"/>
+              <a:gd name="connsiteX8" fmla="*/ 2121357 w 4261876"/>
+              <a:gd name="connsiteY8" fmla="*/ 191140 h 6703947"/>
+              <a:gd name="connsiteX9" fmla="*/ 2811861 w 4261876"/>
+              <a:gd name="connsiteY9" fmla="*/ 63342 h 6703947"/>
+              <a:gd name="connsiteX10" fmla="*/ 3465960 w 4261876"/>
+              <a:gd name="connsiteY10" fmla="*/ 18761 h 6703947"/>
+              <a:gd name="connsiteX11" fmla="*/ 3977152 w 4261876"/>
+              <a:gd name="connsiteY11" fmla="*/ 185196 h 6703947"/>
+              <a:gd name="connsiteX12" fmla="*/ 4257268 w 4261876"/>
+              <a:gd name="connsiteY12" fmla="*/ 968331 h 6703947"/>
+              <a:gd name="connsiteX13" fmla="*/ 4126002 w 4261876"/>
+              <a:gd name="connsiteY13" fmla="*/ 2270582 h 6703947"/>
+              <a:gd name="connsiteX14" fmla="*/ 3800068 w 4261876"/>
+              <a:gd name="connsiteY14" fmla="*/ 3086658 h 6703947"/>
+              <a:gd name="connsiteX15" fmla="*/ 3800068 w 4261876"/>
+              <a:gd name="connsiteY15" fmla="*/ 3887377 h 6703947"/>
+              <a:gd name="connsiteX16" fmla="*/ 3712144 w 4261876"/>
+              <a:gd name="connsiteY16" fmla="*/ 5188638 h 6703947"/>
+              <a:gd name="connsiteX17" fmla="*/ 3348812 w 4261876"/>
+              <a:gd name="connsiteY17" fmla="*/ 6679864 h 6703947"/>
+              <a:gd name="connsiteX18" fmla="*/ 2780160 w 4261876"/>
+              <a:gd name="connsiteY18" fmla="*/ 5469992 h 6703947"/>
+              <a:gd name="connsiteX19" fmla="*/ 2530507 w 4261876"/>
+              <a:gd name="connsiteY19" fmla="*/ 4273000 h 6703947"/>
+              <a:gd name="connsiteX20" fmla="*/ 2233798 w 4261876"/>
+              <a:gd name="connsiteY20" fmla="*/ 3892083 h 6703947"/>
+              <a:gd name="connsiteX21" fmla="*/ 1857339 w 4261876"/>
+              <a:gd name="connsiteY21" fmla="*/ 3885147 h 6703947"/>
+              <a:gd name="connsiteX22" fmla="*/ 1512829 w 4261876"/>
+              <a:gd name="connsiteY22" fmla="*/ 4212073 h 6703947"/>
+              <a:gd name="connsiteX23" fmla="*/ 1338221 w 4261876"/>
+              <a:gd name="connsiteY23" fmla="*/ 5135885 h 6703947"/>
+              <a:gd name="connsiteX24" fmla="*/ 1127206 w 4261876"/>
+              <a:gd name="connsiteY24" fmla="*/ 6138208 h 6703947"/>
+              <a:gd name="connsiteX25" fmla="*/ 845852 w 4261876"/>
+              <a:gd name="connsiteY25" fmla="*/ 6700915 h 6703947"/>
+              <a:gd name="connsiteX26" fmla="*/ 652421 w 4261876"/>
+              <a:gd name="connsiteY26" fmla="*/ 6331638 h 6703947"/>
+              <a:gd name="connsiteX0" fmla="*/ 652421 w 4257613"/>
+              <a:gd name="connsiteY0" fmla="*/ 6331638 h 6703947"/>
+              <a:gd name="connsiteX1" fmla="*/ 494160 w 4257613"/>
+              <a:gd name="connsiteY1" fmla="*/ 5434823 h 6703947"/>
+              <a:gd name="connsiteX2" fmla="*/ 388652 w 4257613"/>
+              <a:gd name="connsiteY2" fmla="*/ 4115977 h 6703947"/>
+              <a:gd name="connsiteX3" fmla="*/ 398063 w 4257613"/>
+              <a:gd name="connsiteY3" fmla="*/ 3105481 h 6703947"/>
+              <a:gd name="connsiteX4" fmla="*/ 177637 w 4257613"/>
+              <a:gd name="connsiteY4" fmla="*/ 2357515 h 6703947"/>
+              <a:gd name="connsiteX5" fmla="*/ 1791 w 4257613"/>
+              <a:gd name="connsiteY5" fmla="*/ 1249685 h 6703947"/>
+              <a:gd name="connsiteX6" fmla="*/ 142468 w 4257613"/>
+              <a:gd name="connsiteY6" fmla="*/ 300115 h 6703947"/>
+              <a:gd name="connsiteX7" fmla="*/ 881021 w 4257613"/>
+              <a:gd name="connsiteY7" fmla="*/ 1177 h 6703947"/>
+              <a:gd name="connsiteX8" fmla="*/ 2121357 w 4257613"/>
+              <a:gd name="connsiteY8" fmla="*/ 191140 h 6703947"/>
+              <a:gd name="connsiteX9" fmla="*/ 2811861 w 4257613"/>
+              <a:gd name="connsiteY9" fmla="*/ 63342 h 6703947"/>
+              <a:gd name="connsiteX10" fmla="*/ 3465960 w 4257613"/>
+              <a:gd name="connsiteY10" fmla="*/ 18761 h 6703947"/>
+              <a:gd name="connsiteX11" fmla="*/ 4093061 w 4257613"/>
+              <a:gd name="connsiteY11" fmla="*/ 236711 h 6703947"/>
+              <a:gd name="connsiteX12" fmla="*/ 4257268 w 4257613"/>
+              <a:gd name="connsiteY12" fmla="*/ 968331 h 6703947"/>
+              <a:gd name="connsiteX13" fmla="*/ 4126002 w 4257613"/>
+              <a:gd name="connsiteY13" fmla="*/ 2270582 h 6703947"/>
+              <a:gd name="connsiteX14" fmla="*/ 3800068 w 4257613"/>
+              <a:gd name="connsiteY14" fmla="*/ 3086658 h 6703947"/>
+              <a:gd name="connsiteX15" fmla="*/ 3800068 w 4257613"/>
+              <a:gd name="connsiteY15" fmla="*/ 3887377 h 6703947"/>
+              <a:gd name="connsiteX16" fmla="*/ 3712144 w 4257613"/>
+              <a:gd name="connsiteY16" fmla="*/ 5188638 h 6703947"/>
+              <a:gd name="connsiteX17" fmla="*/ 3348812 w 4257613"/>
+              <a:gd name="connsiteY17" fmla="*/ 6679864 h 6703947"/>
+              <a:gd name="connsiteX18" fmla="*/ 2780160 w 4257613"/>
+              <a:gd name="connsiteY18" fmla="*/ 5469992 h 6703947"/>
+              <a:gd name="connsiteX19" fmla="*/ 2530507 w 4257613"/>
+              <a:gd name="connsiteY19" fmla="*/ 4273000 h 6703947"/>
+              <a:gd name="connsiteX20" fmla="*/ 2233798 w 4257613"/>
+              <a:gd name="connsiteY20" fmla="*/ 3892083 h 6703947"/>
+              <a:gd name="connsiteX21" fmla="*/ 1857339 w 4257613"/>
+              <a:gd name="connsiteY21" fmla="*/ 3885147 h 6703947"/>
+              <a:gd name="connsiteX22" fmla="*/ 1512829 w 4257613"/>
+              <a:gd name="connsiteY22" fmla="*/ 4212073 h 6703947"/>
+              <a:gd name="connsiteX23" fmla="*/ 1338221 w 4257613"/>
+              <a:gd name="connsiteY23" fmla="*/ 5135885 h 6703947"/>
+              <a:gd name="connsiteX24" fmla="*/ 1127206 w 4257613"/>
+              <a:gd name="connsiteY24" fmla="*/ 6138208 h 6703947"/>
+              <a:gd name="connsiteX25" fmla="*/ 845852 w 4257613"/>
+              <a:gd name="connsiteY25" fmla="*/ 6700915 h 6703947"/>
+              <a:gd name="connsiteX26" fmla="*/ 652421 w 4257613"/>
+              <a:gd name="connsiteY26" fmla="*/ 6331638 h 6703947"/>
+              <a:gd name="connsiteX0" fmla="*/ 652421 w 4258651"/>
+              <a:gd name="connsiteY0" fmla="*/ 6331638 h 6703947"/>
+              <a:gd name="connsiteX1" fmla="*/ 494160 w 4258651"/>
+              <a:gd name="connsiteY1" fmla="*/ 5434823 h 6703947"/>
+              <a:gd name="connsiteX2" fmla="*/ 388652 w 4258651"/>
+              <a:gd name="connsiteY2" fmla="*/ 4115977 h 6703947"/>
+              <a:gd name="connsiteX3" fmla="*/ 398063 w 4258651"/>
+              <a:gd name="connsiteY3" fmla="*/ 3105481 h 6703947"/>
+              <a:gd name="connsiteX4" fmla="*/ 177637 w 4258651"/>
+              <a:gd name="connsiteY4" fmla="*/ 2357515 h 6703947"/>
+              <a:gd name="connsiteX5" fmla="*/ 1791 w 4258651"/>
+              <a:gd name="connsiteY5" fmla="*/ 1249685 h 6703947"/>
+              <a:gd name="connsiteX6" fmla="*/ 142468 w 4258651"/>
+              <a:gd name="connsiteY6" fmla="*/ 300115 h 6703947"/>
+              <a:gd name="connsiteX7" fmla="*/ 881021 w 4258651"/>
+              <a:gd name="connsiteY7" fmla="*/ 1177 h 6703947"/>
+              <a:gd name="connsiteX8" fmla="*/ 2121357 w 4258651"/>
+              <a:gd name="connsiteY8" fmla="*/ 191140 h 6703947"/>
+              <a:gd name="connsiteX9" fmla="*/ 2811861 w 4258651"/>
+              <a:gd name="connsiteY9" fmla="*/ 63342 h 6703947"/>
+              <a:gd name="connsiteX10" fmla="*/ 3465960 w 4258651"/>
+              <a:gd name="connsiteY10" fmla="*/ 18761 h 6703947"/>
+              <a:gd name="connsiteX11" fmla="*/ 4054425 w 4258651"/>
+              <a:gd name="connsiteY11" fmla="*/ 236711 h 6703947"/>
+              <a:gd name="connsiteX12" fmla="*/ 4257268 w 4258651"/>
+              <a:gd name="connsiteY12" fmla="*/ 968331 h 6703947"/>
+              <a:gd name="connsiteX13" fmla="*/ 4126002 w 4258651"/>
+              <a:gd name="connsiteY13" fmla="*/ 2270582 h 6703947"/>
+              <a:gd name="connsiteX14" fmla="*/ 3800068 w 4258651"/>
+              <a:gd name="connsiteY14" fmla="*/ 3086658 h 6703947"/>
+              <a:gd name="connsiteX15" fmla="*/ 3800068 w 4258651"/>
+              <a:gd name="connsiteY15" fmla="*/ 3887377 h 6703947"/>
+              <a:gd name="connsiteX16" fmla="*/ 3712144 w 4258651"/>
+              <a:gd name="connsiteY16" fmla="*/ 5188638 h 6703947"/>
+              <a:gd name="connsiteX17" fmla="*/ 3348812 w 4258651"/>
+              <a:gd name="connsiteY17" fmla="*/ 6679864 h 6703947"/>
+              <a:gd name="connsiteX18" fmla="*/ 2780160 w 4258651"/>
+              <a:gd name="connsiteY18" fmla="*/ 5469992 h 6703947"/>
+              <a:gd name="connsiteX19" fmla="*/ 2530507 w 4258651"/>
+              <a:gd name="connsiteY19" fmla="*/ 4273000 h 6703947"/>
+              <a:gd name="connsiteX20" fmla="*/ 2233798 w 4258651"/>
+              <a:gd name="connsiteY20" fmla="*/ 3892083 h 6703947"/>
+              <a:gd name="connsiteX21" fmla="*/ 1857339 w 4258651"/>
+              <a:gd name="connsiteY21" fmla="*/ 3885147 h 6703947"/>
+              <a:gd name="connsiteX22" fmla="*/ 1512829 w 4258651"/>
+              <a:gd name="connsiteY22" fmla="*/ 4212073 h 6703947"/>
+              <a:gd name="connsiteX23" fmla="*/ 1338221 w 4258651"/>
+              <a:gd name="connsiteY23" fmla="*/ 5135885 h 6703947"/>
+              <a:gd name="connsiteX24" fmla="*/ 1127206 w 4258651"/>
+              <a:gd name="connsiteY24" fmla="*/ 6138208 h 6703947"/>
+              <a:gd name="connsiteX25" fmla="*/ 845852 w 4258651"/>
+              <a:gd name="connsiteY25" fmla="*/ 6700915 h 6703947"/>
+              <a:gd name="connsiteX26" fmla="*/ 652421 w 4258651"/>
+              <a:gd name="connsiteY26" fmla="*/ 6331638 h 6703947"/>
+              <a:gd name="connsiteX0" fmla="*/ 652421 w 4258651"/>
+              <a:gd name="connsiteY0" fmla="*/ 6331638 h 6703947"/>
+              <a:gd name="connsiteX1" fmla="*/ 494160 w 4258651"/>
+              <a:gd name="connsiteY1" fmla="*/ 5434823 h 6703947"/>
+              <a:gd name="connsiteX2" fmla="*/ 388652 w 4258651"/>
+              <a:gd name="connsiteY2" fmla="*/ 4115977 h 6703947"/>
+              <a:gd name="connsiteX3" fmla="*/ 398063 w 4258651"/>
+              <a:gd name="connsiteY3" fmla="*/ 3105481 h 6703947"/>
+              <a:gd name="connsiteX4" fmla="*/ 177637 w 4258651"/>
+              <a:gd name="connsiteY4" fmla="*/ 2357515 h 6703947"/>
+              <a:gd name="connsiteX5" fmla="*/ 1791 w 4258651"/>
+              <a:gd name="connsiteY5" fmla="*/ 1249685 h 6703947"/>
+              <a:gd name="connsiteX6" fmla="*/ 142468 w 4258651"/>
+              <a:gd name="connsiteY6" fmla="*/ 300115 h 6703947"/>
+              <a:gd name="connsiteX7" fmla="*/ 881021 w 4258651"/>
+              <a:gd name="connsiteY7" fmla="*/ 1177 h 6703947"/>
+              <a:gd name="connsiteX8" fmla="*/ 2121357 w 4258651"/>
+              <a:gd name="connsiteY8" fmla="*/ 191140 h 6703947"/>
+              <a:gd name="connsiteX9" fmla="*/ 2811861 w 4258651"/>
+              <a:gd name="connsiteY9" fmla="*/ 63342 h 6703947"/>
+              <a:gd name="connsiteX10" fmla="*/ 3465960 w 4258651"/>
+              <a:gd name="connsiteY10" fmla="*/ 18761 h 6703947"/>
+              <a:gd name="connsiteX11" fmla="*/ 4054425 w 4258651"/>
+              <a:gd name="connsiteY11" fmla="*/ 236711 h 6703947"/>
+              <a:gd name="connsiteX12" fmla="*/ 4257268 w 4258651"/>
+              <a:gd name="connsiteY12" fmla="*/ 968331 h 6703947"/>
+              <a:gd name="connsiteX13" fmla="*/ 4126002 w 4258651"/>
+              <a:gd name="connsiteY13" fmla="*/ 2270582 h 6703947"/>
+              <a:gd name="connsiteX14" fmla="*/ 3800068 w 4258651"/>
+              <a:gd name="connsiteY14" fmla="*/ 3086658 h 6703947"/>
+              <a:gd name="connsiteX15" fmla="*/ 3800068 w 4258651"/>
+              <a:gd name="connsiteY15" fmla="*/ 3887377 h 6703947"/>
+              <a:gd name="connsiteX16" fmla="*/ 3712144 w 4258651"/>
+              <a:gd name="connsiteY16" fmla="*/ 5188638 h 6703947"/>
+              <a:gd name="connsiteX17" fmla="*/ 3348812 w 4258651"/>
+              <a:gd name="connsiteY17" fmla="*/ 6679864 h 6703947"/>
+              <a:gd name="connsiteX18" fmla="*/ 2780160 w 4258651"/>
+              <a:gd name="connsiteY18" fmla="*/ 5469992 h 6703947"/>
+              <a:gd name="connsiteX19" fmla="*/ 2530507 w 4258651"/>
+              <a:gd name="connsiteY19" fmla="*/ 4273000 h 6703947"/>
+              <a:gd name="connsiteX20" fmla="*/ 2272435 w 4258651"/>
+              <a:gd name="connsiteY20" fmla="*/ 3892083 h 6703947"/>
+              <a:gd name="connsiteX21" fmla="*/ 1857339 w 4258651"/>
+              <a:gd name="connsiteY21" fmla="*/ 3885147 h 6703947"/>
+              <a:gd name="connsiteX22" fmla="*/ 1512829 w 4258651"/>
+              <a:gd name="connsiteY22" fmla="*/ 4212073 h 6703947"/>
+              <a:gd name="connsiteX23" fmla="*/ 1338221 w 4258651"/>
+              <a:gd name="connsiteY23" fmla="*/ 5135885 h 6703947"/>
+              <a:gd name="connsiteX24" fmla="*/ 1127206 w 4258651"/>
+              <a:gd name="connsiteY24" fmla="*/ 6138208 h 6703947"/>
+              <a:gd name="connsiteX25" fmla="*/ 845852 w 4258651"/>
+              <a:gd name="connsiteY25" fmla="*/ 6700915 h 6703947"/>
+              <a:gd name="connsiteX26" fmla="*/ 652421 w 4258651"/>
+              <a:gd name="connsiteY26" fmla="*/ 6331638 h 6703947"/>
+              <a:gd name="connsiteX0" fmla="*/ 652421 w 4258651"/>
+              <a:gd name="connsiteY0" fmla="*/ 6331638 h 6703947"/>
+              <a:gd name="connsiteX1" fmla="*/ 494160 w 4258651"/>
+              <a:gd name="connsiteY1" fmla="*/ 5434823 h 6703947"/>
+              <a:gd name="connsiteX2" fmla="*/ 388652 w 4258651"/>
+              <a:gd name="connsiteY2" fmla="*/ 4115977 h 6703947"/>
+              <a:gd name="connsiteX3" fmla="*/ 398063 w 4258651"/>
+              <a:gd name="connsiteY3" fmla="*/ 3105481 h 6703947"/>
+              <a:gd name="connsiteX4" fmla="*/ 177637 w 4258651"/>
+              <a:gd name="connsiteY4" fmla="*/ 2357515 h 6703947"/>
+              <a:gd name="connsiteX5" fmla="*/ 1791 w 4258651"/>
+              <a:gd name="connsiteY5" fmla="*/ 1249685 h 6703947"/>
+              <a:gd name="connsiteX6" fmla="*/ 142468 w 4258651"/>
+              <a:gd name="connsiteY6" fmla="*/ 300115 h 6703947"/>
+              <a:gd name="connsiteX7" fmla="*/ 881021 w 4258651"/>
+              <a:gd name="connsiteY7" fmla="*/ 1177 h 6703947"/>
+              <a:gd name="connsiteX8" fmla="*/ 2121357 w 4258651"/>
+              <a:gd name="connsiteY8" fmla="*/ 191140 h 6703947"/>
+              <a:gd name="connsiteX9" fmla="*/ 2811861 w 4258651"/>
+              <a:gd name="connsiteY9" fmla="*/ 63342 h 6703947"/>
+              <a:gd name="connsiteX10" fmla="*/ 3465960 w 4258651"/>
+              <a:gd name="connsiteY10" fmla="*/ 18761 h 6703947"/>
+              <a:gd name="connsiteX11" fmla="*/ 4054425 w 4258651"/>
+              <a:gd name="connsiteY11" fmla="*/ 236711 h 6703947"/>
+              <a:gd name="connsiteX12" fmla="*/ 4257268 w 4258651"/>
+              <a:gd name="connsiteY12" fmla="*/ 968331 h 6703947"/>
+              <a:gd name="connsiteX13" fmla="*/ 4126002 w 4258651"/>
+              <a:gd name="connsiteY13" fmla="*/ 2270582 h 6703947"/>
+              <a:gd name="connsiteX14" fmla="*/ 3800068 w 4258651"/>
+              <a:gd name="connsiteY14" fmla="*/ 3086658 h 6703947"/>
+              <a:gd name="connsiteX15" fmla="*/ 3800068 w 4258651"/>
+              <a:gd name="connsiteY15" fmla="*/ 3887377 h 6703947"/>
+              <a:gd name="connsiteX16" fmla="*/ 3712144 w 4258651"/>
+              <a:gd name="connsiteY16" fmla="*/ 5188638 h 6703947"/>
+              <a:gd name="connsiteX17" fmla="*/ 3348812 w 4258651"/>
+              <a:gd name="connsiteY17" fmla="*/ 6679864 h 6703947"/>
+              <a:gd name="connsiteX18" fmla="*/ 2780160 w 4258651"/>
+              <a:gd name="connsiteY18" fmla="*/ 5469992 h 6703947"/>
+              <a:gd name="connsiteX19" fmla="*/ 2530507 w 4258651"/>
+              <a:gd name="connsiteY19" fmla="*/ 4273000 h 6703947"/>
+              <a:gd name="connsiteX20" fmla="*/ 2272435 w 4258651"/>
+              <a:gd name="connsiteY20" fmla="*/ 3892083 h 6703947"/>
+              <a:gd name="connsiteX21" fmla="*/ 1857339 w 4258651"/>
+              <a:gd name="connsiteY21" fmla="*/ 3885147 h 6703947"/>
+              <a:gd name="connsiteX22" fmla="*/ 1512829 w 4258651"/>
+              <a:gd name="connsiteY22" fmla="*/ 4212073 h 6703947"/>
+              <a:gd name="connsiteX23" fmla="*/ 1338221 w 4258651"/>
+              <a:gd name="connsiteY23" fmla="*/ 5135885 h 6703947"/>
+              <a:gd name="connsiteX24" fmla="*/ 1127206 w 4258651"/>
+              <a:gd name="connsiteY24" fmla="*/ 6138208 h 6703947"/>
+              <a:gd name="connsiteX25" fmla="*/ 845852 w 4258651"/>
+              <a:gd name="connsiteY25" fmla="*/ 6700915 h 6703947"/>
+              <a:gd name="connsiteX26" fmla="*/ 652421 w 4258651"/>
+              <a:gd name="connsiteY26" fmla="*/ 6331638 h 6703947"/>
+              <a:gd name="connsiteX0" fmla="*/ 652421 w 4258651"/>
+              <a:gd name="connsiteY0" fmla="*/ 6331638 h 6703947"/>
+              <a:gd name="connsiteX1" fmla="*/ 494160 w 4258651"/>
+              <a:gd name="connsiteY1" fmla="*/ 5434823 h 6703947"/>
+              <a:gd name="connsiteX2" fmla="*/ 388652 w 4258651"/>
+              <a:gd name="connsiteY2" fmla="*/ 4115977 h 6703947"/>
+              <a:gd name="connsiteX3" fmla="*/ 398063 w 4258651"/>
+              <a:gd name="connsiteY3" fmla="*/ 3105481 h 6703947"/>
+              <a:gd name="connsiteX4" fmla="*/ 177637 w 4258651"/>
+              <a:gd name="connsiteY4" fmla="*/ 2357515 h 6703947"/>
+              <a:gd name="connsiteX5" fmla="*/ 1791 w 4258651"/>
+              <a:gd name="connsiteY5" fmla="*/ 1249685 h 6703947"/>
+              <a:gd name="connsiteX6" fmla="*/ 142468 w 4258651"/>
+              <a:gd name="connsiteY6" fmla="*/ 300115 h 6703947"/>
+              <a:gd name="connsiteX7" fmla="*/ 881021 w 4258651"/>
+              <a:gd name="connsiteY7" fmla="*/ 1177 h 6703947"/>
+              <a:gd name="connsiteX8" fmla="*/ 2121357 w 4258651"/>
+              <a:gd name="connsiteY8" fmla="*/ 191140 h 6703947"/>
+              <a:gd name="connsiteX9" fmla="*/ 2811861 w 4258651"/>
+              <a:gd name="connsiteY9" fmla="*/ 63342 h 6703947"/>
+              <a:gd name="connsiteX10" fmla="*/ 3465960 w 4258651"/>
+              <a:gd name="connsiteY10" fmla="*/ 18761 h 6703947"/>
+              <a:gd name="connsiteX11" fmla="*/ 4054425 w 4258651"/>
+              <a:gd name="connsiteY11" fmla="*/ 236711 h 6703947"/>
+              <a:gd name="connsiteX12" fmla="*/ 4257268 w 4258651"/>
+              <a:gd name="connsiteY12" fmla="*/ 968331 h 6703947"/>
+              <a:gd name="connsiteX13" fmla="*/ 4126002 w 4258651"/>
+              <a:gd name="connsiteY13" fmla="*/ 2270582 h 6703947"/>
+              <a:gd name="connsiteX14" fmla="*/ 3800068 w 4258651"/>
+              <a:gd name="connsiteY14" fmla="*/ 3086658 h 6703947"/>
+              <a:gd name="connsiteX15" fmla="*/ 3800068 w 4258651"/>
+              <a:gd name="connsiteY15" fmla="*/ 3887377 h 6703947"/>
+              <a:gd name="connsiteX16" fmla="*/ 3712144 w 4258651"/>
+              <a:gd name="connsiteY16" fmla="*/ 5188638 h 6703947"/>
+              <a:gd name="connsiteX17" fmla="*/ 3348812 w 4258651"/>
+              <a:gd name="connsiteY17" fmla="*/ 6679864 h 6703947"/>
+              <a:gd name="connsiteX18" fmla="*/ 2780160 w 4258651"/>
+              <a:gd name="connsiteY18" fmla="*/ 5469992 h 6703947"/>
+              <a:gd name="connsiteX19" fmla="*/ 2530507 w 4258651"/>
+              <a:gd name="connsiteY19" fmla="*/ 4273000 h 6703947"/>
+              <a:gd name="connsiteX20" fmla="*/ 2272435 w 4258651"/>
+              <a:gd name="connsiteY20" fmla="*/ 3892083 h 6703947"/>
+              <a:gd name="connsiteX21" fmla="*/ 1857339 w 4258651"/>
+              <a:gd name="connsiteY21" fmla="*/ 3885147 h 6703947"/>
+              <a:gd name="connsiteX22" fmla="*/ 1512829 w 4258651"/>
+              <a:gd name="connsiteY22" fmla="*/ 4212073 h 6703947"/>
+              <a:gd name="connsiteX23" fmla="*/ 1338221 w 4258651"/>
+              <a:gd name="connsiteY23" fmla="*/ 5135885 h 6703947"/>
+              <a:gd name="connsiteX24" fmla="*/ 1127206 w 4258651"/>
+              <a:gd name="connsiteY24" fmla="*/ 6138208 h 6703947"/>
+              <a:gd name="connsiteX25" fmla="*/ 845852 w 4258651"/>
+              <a:gd name="connsiteY25" fmla="*/ 6700915 h 6703947"/>
+              <a:gd name="connsiteX26" fmla="*/ 652421 w 4258651"/>
+              <a:gd name="connsiteY26" fmla="*/ 6331638 h 6703947"/>
+              <a:gd name="connsiteX0" fmla="*/ 652421 w 4258651"/>
+              <a:gd name="connsiteY0" fmla="*/ 6331638 h 6703947"/>
+              <a:gd name="connsiteX1" fmla="*/ 494160 w 4258651"/>
+              <a:gd name="connsiteY1" fmla="*/ 5434823 h 6703947"/>
+              <a:gd name="connsiteX2" fmla="*/ 388652 w 4258651"/>
+              <a:gd name="connsiteY2" fmla="*/ 4115977 h 6703947"/>
+              <a:gd name="connsiteX3" fmla="*/ 398063 w 4258651"/>
+              <a:gd name="connsiteY3" fmla="*/ 3105481 h 6703947"/>
+              <a:gd name="connsiteX4" fmla="*/ 177637 w 4258651"/>
+              <a:gd name="connsiteY4" fmla="*/ 2357515 h 6703947"/>
+              <a:gd name="connsiteX5" fmla="*/ 1791 w 4258651"/>
+              <a:gd name="connsiteY5" fmla="*/ 1249685 h 6703947"/>
+              <a:gd name="connsiteX6" fmla="*/ 142468 w 4258651"/>
+              <a:gd name="connsiteY6" fmla="*/ 300115 h 6703947"/>
+              <a:gd name="connsiteX7" fmla="*/ 881021 w 4258651"/>
+              <a:gd name="connsiteY7" fmla="*/ 1177 h 6703947"/>
+              <a:gd name="connsiteX8" fmla="*/ 2121357 w 4258651"/>
+              <a:gd name="connsiteY8" fmla="*/ 191140 h 6703947"/>
+              <a:gd name="connsiteX9" fmla="*/ 2811861 w 4258651"/>
+              <a:gd name="connsiteY9" fmla="*/ 63342 h 6703947"/>
+              <a:gd name="connsiteX10" fmla="*/ 3465960 w 4258651"/>
+              <a:gd name="connsiteY10" fmla="*/ 18761 h 6703947"/>
+              <a:gd name="connsiteX11" fmla="*/ 4054425 w 4258651"/>
+              <a:gd name="connsiteY11" fmla="*/ 236711 h 6703947"/>
+              <a:gd name="connsiteX12" fmla="*/ 4257268 w 4258651"/>
+              <a:gd name="connsiteY12" fmla="*/ 968331 h 6703947"/>
+              <a:gd name="connsiteX13" fmla="*/ 4126002 w 4258651"/>
+              <a:gd name="connsiteY13" fmla="*/ 2270582 h 6703947"/>
+              <a:gd name="connsiteX14" fmla="*/ 3800068 w 4258651"/>
+              <a:gd name="connsiteY14" fmla="*/ 3086658 h 6703947"/>
+              <a:gd name="connsiteX15" fmla="*/ 3800068 w 4258651"/>
+              <a:gd name="connsiteY15" fmla="*/ 3887377 h 6703947"/>
+              <a:gd name="connsiteX16" fmla="*/ 3712144 w 4258651"/>
+              <a:gd name="connsiteY16" fmla="*/ 5188638 h 6703947"/>
+              <a:gd name="connsiteX17" fmla="*/ 3348812 w 4258651"/>
+              <a:gd name="connsiteY17" fmla="*/ 6679864 h 6703947"/>
+              <a:gd name="connsiteX18" fmla="*/ 2780160 w 4258651"/>
+              <a:gd name="connsiteY18" fmla="*/ 5469992 h 6703947"/>
+              <a:gd name="connsiteX19" fmla="*/ 2530507 w 4258651"/>
+              <a:gd name="connsiteY19" fmla="*/ 4273000 h 6703947"/>
+              <a:gd name="connsiteX20" fmla="*/ 2272435 w 4258651"/>
+              <a:gd name="connsiteY20" fmla="*/ 3892083 h 6703947"/>
+              <a:gd name="connsiteX21" fmla="*/ 1857339 w 4258651"/>
+              <a:gd name="connsiteY21" fmla="*/ 3885147 h 6703947"/>
+              <a:gd name="connsiteX22" fmla="*/ 1512829 w 4258651"/>
+              <a:gd name="connsiteY22" fmla="*/ 4212073 h 6703947"/>
+              <a:gd name="connsiteX23" fmla="*/ 1338221 w 4258651"/>
+              <a:gd name="connsiteY23" fmla="*/ 5135885 h 6703947"/>
+              <a:gd name="connsiteX24" fmla="*/ 1127206 w 4258651"/>
+              <a:gd name="connsiteY24" fmla="*/ 6138208 h 6703947"/>
+              <a:gd name="connsiteX25" fmla="*/ 845852 w 4258651"/>
+              <a:gd name="connsiteY25" fmla="*/ 6700915 h 6703947"/>
+              <a:gd name="connsiteX26" fmla="*/ 652421 w 4258651"/>
+              <a:gd name="connsiteY26" fmla="*/ 6331638 h 6703947"/>
+              <a:gd name="connsiteX0" fmla="*/ 652421 w 4258651"/>
+              <a:gd name="connsiteY0" fmla="*/ 6331638 h 6703947"/>
+              <a:gd name="connsiteX1" fmla="*/ 494160 w 4258651"/>
+              <a:gd name="connsiteY1" fmla="*/ 5434823 h 6703947"/>
+              <a:gd name="connsiteX2" fmla="*/ 388652 w 4258651"/>
+              <a:gd name="connsiteY2" fmla="*/ 4115977 h 6703947"/>
+              <a:gd name="connsiteX3" fmla="*/ 398063 w 4258651"/>
+              <a:gd name="connsiteY3" fmla="*/ 3105481 h 6703947"/>
+              <a:gd name="connsiteX4" fmla="*/ 177637 w 4258651"/>
+              <a:gd name="connsiteY4" fmla="*/ 2357515 h 6703947"/>
+              <a:gd name="connsiteX5" fmla="*/ 1791 w 4258651"/>
+              <a:gd name="connsiteY5" fmla="*/ 1249685 h 6703947"/>
+              <a:gd name="connsiteX6" fmla="*/ 142468 w 4258651"/>
+              <a:gd name="connsiteY6" fmla="*/ 300115 h 6703947"/>
+              <a:gd name="connsiteX7" fmla="*/ 881021 w 4258651"/>
+              <a:gd name="connsiteY7" fmla="*/ 1177 h 6703947"/>
+              <a:gd name="connsiteX8" fmla="*/ 2121357 w 4258651"/>
+              <a:gd name="connsiteY8" fmla="*/ 191140 h 6703947"/>
+              <a:gd name="connsiteX9" fmla="*/ 2811861 w 4258651"/>
+              <a:gd name="connsiteY9" fmla="*/ 63342 h 6703947"/>
+              <a:gd name="connsiteX10" fmla="*/ 3465960 w 4258651"/>
+              <a:gd name="connsiteY10" fmla="*/ 18761 h 6703947"/>
+              <a:gd name="connsiteX11" fmla="*/ 4054425 w 4258651"/>
+              <a:gd name="connsiteY11" fmla="*/ 236711 h 6703947"/>
+              <a:gd name="connsiteX12" fmla="*/ 4257268 w 4258651"/>
+              <a:gd name="connsiteY12" fmla="*/ 968331 h 6703947"/>
+              <a:gd name="connsiteX13" fmla="*/ 4126002 w 4258651"/>
+              <a:gd name="connsiteY13" fmla="*/ 2270582 h 6703947"/>
+              <a:gd name="connsiteX14" fmla="*/ 3800068 w 4258651"/>
+              <a:gd name="connsiteY14" fmla="*/ 3086658 h 6703947"/>
+              <a:gd name="connsiteX15" fmla="*/ 3800068 w 4258651"/>
+              <a:gd name="connsiteY15" fmla="*/ 3887377 h 6703947"/>
+              <a:gd name="connsiteX16" fmla="*/ 3712144 w 4258651"/>
+              <a:gd name="connsiteY16" fmla="*/ 5188638 h 6703947"/>
+              <a:gd name="connsiteX17" fmla="*/ 3348812 w 4258651"/>
+              <a:gd name="connsiteY17" fmla="*/ 6679864 h 6703947"/>
+              <a:gd name="connsiteX18" fmla="*/ 2780160 w 4258651"/>
+              <a:gd name="connsiteY18" fmla="*/ 5469992 h 6703947"/>
+              <a:gd name="connsiteX19" fmla="*/ 2530507 w 4258651"/>
+              <a:gd name="connsiteY19" fmla="*/ 4273000 h 6703947"/>
+              <a:gd name="connsiteX20" fmla="*/ 2272435 w 4258651"/>
+              <a:gd name="connsiteY20" fmla="*/ 3892083 h 6703947"/>
+              <a:gd name="connsiteX21" fmla="*/ 1857339 w 4258651"/>
+              <a:gd name="connsiteY21" fmla="*/ 3885147 h 6703947"/>
+              <a:gd name="connsiteX22" fmla="*/ 1512829 w 4258651"/>
+              <a:gd name="connsiteY22" fmla="*/ 4212073 h 6703947"/>
+              <a:gd name="connsiteX23" fmla="*/ 1338221 w 4258651"/>
+              <a:gd name="connsiteY23" fmla="*/ 5135885 h 6703947"/>
+              <a:gd name="connsiteX24" fmla="*/ 1127206 w 4258651"/>
+              <a:gd name="connsiteY24" fmla="*/ 6138208 h 6703947"/>
+              <a:gd name="connsiteX25" fmla="*/ 845852 w 4258651"/>
+              <a:gd name="connsiteY25" fmla="*/ 6700915 h 6703947"/>
+              <a:gd name="connsiteX26" fmla="*/ 652421 w 4258651"/>
+              <a:gd name="connsiteY26" fmla="*/ 6331638 h 6703947"/>
+              <a:gd name="connsiteX0" fmla="*/ 652421 w 4258651"/>
+              <a:gd name="connsiteY0" fmla="*/ 6331638 h 6703947"/>
+              <a:gd name="connsiteX1" fmla="*/ 494160 w 4258651"/>
+              <a:gd name="connsiteY1" fmla="*/ 5434823 h 6703947"/>
+              <a:gd name="connsiteX2" fmla="*/ 388652 w 4258651"/>
+              <a:gd name="connsiteY2" fmla="*/ 4115977 h 6703947"/>
+              <a:gd name="connsiteX3" fmla="*/ 398063 w 4258651"/>
+              <a:gd name="connsiteY3" fmla="*/ 3105481 h 6703947"/>
+              <a:gd name="connsiteX4" fmla="*/ 177637 w 4258651"/>
+              <a:gd name="connsiteY4" fmla="*/ 2357515 h 6703947"/>
+              <a:gd name="connsiteX5" fmla="*/ 1791 w 4258651"/>
+              <a:gd name="connsiteY5" fmla="*/ 1249685 h 6703947"/>
+              <a:gd name="connsiteX6" fmla="*/ 142468 w 4258651"/>
+              <a:gd name="connsiteY6" fmla="*/ 300115 h 6703947"/>
+              <a:gd name="connsiteX7" fmla="*/ 881021 w 4258651"/>
+              <a:gd name="connsiteY7" fmla="*/ 1177 h 6703947"/>
+              <a:gd name="connsiteX8" fmla="*/ 2121357 w 4258651"/>
+              <a:gd name="connsiteY8" fmla="*/ 191140 h 6703947"/>
+              <a:gd name="connsiteX9" fmla="*/ 2811861 w 4258651"/>
+              <a:gd name="connsiteY9" fmla="*/ 63342 h 6703947"/>
+              <a:gd name="connsiteX10" fmla="*/ 3465960 w 4258651"/>
+              <a:gd name="connsiteY10" fmla="*/ 18761 h 6703947"/>
+              <a:gd name="connsiteX11" fmla="*/ 4054425 w 4258651"/>
+              <a:gd name="connsiteY11" fmla="*/ 236711 h 6703947"/>
+              <a:gd name="connsiteX12" fmla="*/ 4257268 w 4258651"/>
+              <a:gd name="connsiteY12" fmla="*/ 968331 h 6703947"/>
+              <a:gd name="connsiteX13" fmla="*/ 4126002 w 4258651"/>
+              <a:gd name="connsiteY13" fmla="*/ 2270582 h 6703947"/>
+              <a:gd name="connsiteX14" fmla="*/ 3800068 w 4258651"/>
+              <a:gd name="connsiteY14" fmla="*/ 3086658 h 6703947"/>
+              <a:gd name="connsiteX15" fmla="*/ 3800068 w 4258651"/>
+              <a:gd name="connsiteY15" fmla="*/ 3887377 h 6703947"/>
+              <a:gd name="connsiteX16" fmla="*/ 3712144 w 4258651"/>
+              <a:gd name="connsiteY16" fmla="*/ 5188638 h 6703947"/>
+              <a:gd name="connsiteX17" fmla="*/ 3348812 w 4258651"/>
+              <a:gd name="connsiteY17" fmla="*/ 6679864 h 6703947"/>
+              <a:gd name="connsiteX18" fmla="*/ 2780160 w 4258651"/>
+              <a:gd name="connsiteY18" fmla="*/ 5469992 h 6703947"/>
+              <a:gd name="connsiteX19" fmla="*/ 2530507 w 4258651"/>
+              <a:gd name="connsiteY19" fmla="*/ 4273000 h 6703947"/>
+              <a:gd name="connsiteX20" fmla="*/ 2272435 w 4258651"/>
+              <a:gd name="connsiteY20" fmla="*/ 3892083 h 6703947"/>
+              <a:gd name="connsiteX21" fmla="*/ 1857339 w 4258651"/>
+              <a:gd name="connsiteY21" fmla="*/ 3885147 h 6703947"/>
+              <a:gd name="connsiteX22" fmla="*/ 1512829 w 4258651"/>
+              <a:gd name="connsiteY22" fmla="*/ 4212073 h 6703947"/>
+              <a:gd name="connsiteX23" fmla="*/ 1338221 w 4258651"/>
+              <a:gd name="connsiteY23" fmla="*/ 5135885 h 6703947"/>
+              <a:gd name="connsiteX24" fmla="*/ 1127206 w 4258651"/>
+              <a:gd name="connsiteY24" fmla="*/ 6138208 h 6703947"/>
+              <a:gd name="connsiteX25" fmla="*/ 845852 w 4258651"/>
+              <a:gd name="connsiteY25" fmla="*/ 6700915 h 6703947"/>
+              <a:gd name="connsiteX26" fmla="*/ 652421 w 4258651"/>
+              <a:gd name="connsiteY26" fmla="*/ 6331638 h 6703947"/>
+            </a:gdLst>
+            <a:ahLst/>
+            <a:cxnLst>
+              <a:cxn ang="0">
+                <a:pos x="connsiteX0" y="connsiteY0"/>
+              </a:cxn>
+              <a:cxn ang="0">
+                <a:pos x="connsiteX1" y="connsiteY1"/>
+              </a:cxn>
+              <a:cxn ang="0">
+                <a:pos x="connsiteX2" y="connsiteY2"/>
+              </a:cxn>
+              <a:cxn ang="0">
+                <a:pos x="connsiteX3" y="connsiteY3"/>
+              </a:cxn>
+              <a:cxn ang="0">
+                <a:pos x="connsiteX4" y="connsiteY4"/>
+              </a:cxn>
+              <a:cxn ang="0">
+                <a:pos x="connsiteX5" y="connsiteY5"/>
+              </a:cxn>
+              <a:cxn ang="0">
+                <a:pos x="connsiteX6" y="connsiteY6"/>
+              </a:cxn>
+              <a:cxn ang="0">
+                <a:pos x="connsiteX7" y="connsiteY7"/>
+              </a:cxn>
+              <a:cxn ang="0">
+                <a:pos x="connsiteX8" y="connsiteY8"/>
+              </a:cxn>
+              <a:cxn ang="0">
+                <a:pos x="connsiteX9" y="connsiteY9"/>
+              </a:cxn>
+              <a:cxn ang="0">
+                <a:pos x="connsiteX10" y="connsiteY10"/>
+              </a:cxn>
+              <a:cxn ang="0">
+                <a:pos x="connsiteX11" y="connsiteY11"/>
+              </a:cxn>
+              <a:cxn ang="0">
+                <a:pos x="connsiteX12" y="connsiteY12"/>
+              </a:cxn>
+              <a:cxn ang="0">
+                <a:pos x="connsiteX13" y="connsiteY13"/>
+              </a:cxn>
+              <a:cxn ang="0">
+                <a:pos x="connsiteX14" y="connsiteY14"/>
+              </a:cxn>
+              <a:cxn ang="0">
+                <a:pos x="connsiteX15" y="connsiteY15"/>
+              </a:cxn>
+              <a:cxn ang="0">
+                <a:pos x="connsiteX16" y="connsiteY16"/>
+              </a:cxn>
+              <a:cxn ang="0">
+                <a:pos x="connsiteX17" y="connsiteY17"/>
+              </a:cxn>
+              <a:cxn ang="0">
+                <a:pos x="connsiteX18" y="connsiteY18"/>
+              </a:cxn>
+              <a:cxn ang="0">
+                <a:pos x="connsiteX19" y="connsiteY19"/>
+              </a:cxn>
+              <a:cxn ang="0">
+                <a:pos x="connsiteX20" y="connsiteY20"/>
+              </a:cxn>
+              <a:cxn ang="0">
+                <a:pos x="connsiteX21" y="connsiteY21"/>
+              </a:cxn>
+              <a:cxn ang="0">
+                <a:pos x="connsiteX22" y="connsiteY22"/>
+              </a:cxn>
+              <a:cxn ang="0">
+                <a:pos x="connsiteX23" y="connsiteY23"/>
+              </a:cxn>
+              <a:cxn ang="0">
+                <a:pos x="connsiteX24" y="connsiteY24"/>
+              </a:cxn>
+              <a:cxn ang="0">
+                <a:pos x="connsiteX25" y="connsiteY25"/>
+              </a:cxn>
+              <a:cxn ang="0">
+                <a:pos x="connsiteX26" y="connsiteY26"/>
+              </a:cxn>
+            </a:cxnLst>
+            <a:rect l="l" t="t" r="r" b="b"/>
+            <a:pathLst>
+              <a:path w="4258651" h="6703947">
+                <a:moveTo>
+                  <a:pt x="652421" y="6331638"/>
+                </a:moveTo>
+                <a:cubicBezTo>
+                  <a:pt x="593806" y="6120623"/>
+                  <a:pt x="538121" y="5804100"/>
+                  <a:pt x="494160" y="5434823"/>
+                </a:cubicBezTo>
+                <a:cubicBezTo>
+                  <a:pt x="450198" y="5065546"/>
+                  <a:pt x="404668" y="4504201"/>
+                  <a:pt x="388652" y="4115977"/>
+                </a:cubicBezTo>
+                <a:cubicBezTo>
+                  <a:pt x="372636" y="3727753"/>
+                  <a:pt x="433232" y="3398558"/>
+                  <a:pt x="398063" y="3105481"/>
+                </a:cubicBezTo>
+                <a:cubicBezTo>
+                  <a:pt x="362894" y="2812404"/>
+                  <a:pt x="243682" y="2666814"/>
+                  <a:pt x="177637" y="2357515"/>
+                </a:cubicBezTo>
+                <a:cubicBezTo>
+                  <a:pt x="111592" y="2048216"/>
+                  <a:pt x="7652" y="1592585"/>
+                  <a:pt x="1791" y="1249685"/>
+                </a:cubicBezTo>
+                <a:cubicBezTo>
+                  <a:pt x="-4071" y="906785"/>
+                  <a:pt x="-4070" y="508200"/>
+                  <a:pt x="142468" y="300115"/>
+                </a:cubicBezTo>
+                <a:cubicBezTo>
+                  <a:pt x="289006" y="92030"/>
+                  <a:pt x="551206" y="19340"/>
+                  <a:pt x="881021" y="1177"/>
+                </a:cubicBezTo>
+                <a:cubicBezTo>
+                  <a:pt x="1210836" y="-16986"/>
+                  <a:pt x="1799550" y="180779"/>
+                  <a:pt x="2121357" y="191140"/>
+                </a:cubicBezTo>
+                <a:cubicBezTo>
+                  <a:pt x="2443164" y="201501"/>
+                  <a:pt x="2574882" y="111391"/>
+                  <a:pt x="2811861" y="63342"/>
+                </a:cubicBezTo>
+                <a:cubicBezTo>
+                  <a:pt x="3048840" y="15293"/>
+                  <a:pt x="3323260" y="2745"/>
+                  <a:pt x="3465960" y="18761"/>
+                </a:cubicBezTo>
+                <a:cubicBezTo>
+                  <a:pt x="3608660" y="34777"/>
+                  <a:pt x="3922540" y="78449"/>
+                  <a:pt x="4054425" y="236711"/>
+                </a:cubicBezTo>
+                <a:cubicBezTo>
+                  <a:pt x="4186310" y="394973"/>
+                  <a:pt x="4245339" y="629353"/>
+                  <a:pt x="4257268" y="968331"/>
+                </a:cubicBezTo>
+                <a:cubicBezTo>
+                  <a:pt x="4269197" y="1307309"/>
+                  <a:pt x="4202202" y="1917528"/>
+                  <a:pt x="4126002" y="2270582"/>
+                </a:cubicBezTo>
+                <a:cubicBezTo>
+                  <a:pt x="4049802" y="2623636"/>
+                  <a:pt x="3854390" y="2817192"/>
+                  <a:pt x="3800068" y="3086658"/>
+                </a:cubicBezTo>
+                <a:cubicBezTo>
+                  <a:pt x="3745746" y="3356124"/>
+                  <a:pt x="3814722" y="3537047"/>
+                  <a:pt x="3800068" y="3887377"/>
+                </a:cubicBezTo>
+                <a:cubicBezTo>
+                  <a:pt x="3785414" y="4237707"/>
+                  <a:pt x="3787353" y="4723223"/>
+                  <a:pt x="3712144" y="5188638"/>
+                </a:cubicBezTo>
+                <a:cubicBezTo>
+                  <a:pt x="3636935" y="5654053"/>
+                  <a:pt x="3504143" y="6632972"/>
+                  <a:pt x="3348812" y="6679864"/>
+                </a:cubicBezTo>
+                <a:cubicBezTo>
+                  <a:pt x="3193481" y="6726756"/>
+                  <a:pt x="2903665" y="5884015"/>
+                  <a:pt x="2780160" y="5469992"/>
+                </a:cubicBezTo>
+                <a:cubicBezTo>
+                  <a:pt x="2656655" y="5055969"/>
+                  <a:pt x="2615128" y="4535985"/>
+                  <a:pt x="2530507" y="4273000"/>
+                </a:cubicBezTo>
+                <a:cubicBezTo>
+                  <a:pt x="2445886" y="4010015"/>
+                  <a:pt x="2358871" y="3930968"/>
+                  <a:pt x="2272435" y="3892083"/>
+                </a:cubicBezTo>
+                <a:cubicBezTo>
+                  <a:pt x="2185999" y="3853198"/>
+                  <a:pt x="1983940" y="3831815"/>
+                  <a:pt x="1857339" y="3885147"/>
+                </a:cubicBezTo>
+                <a:cubicBezTo>
+                  <a:pt x="1730738" y="3938479"/>
+                  <a:pt x="1599349" y="4003617"/>
+                  <a:pt x="1512829" y="4212073"/>
+                </a:cubicBezTo>
+                <a:cubicBezTo>
+                  <a:pt x="1426309" y="4420529"/>
+                  <a:pt x="1402491" y="4814863"/>
+                  <a:pt x="1338221" y="5135885"/>
+                </a:cubicBezTo>
+                <a:cubicBezTo>
+                  <a:pt x="1273951" y="5456907"/>
+                  <a:pt x="1209267" y="5877370"/>
+                  <a:pt x="1127206" y="6138208"/>
+                </a:cubicBezTo>
+                <a:cubicBezTo>
+                  <a:pt x="1045145" y="6399046"/>
+                  <a:pt x="922052" y="6671607"/>
+                  <a:pt x="845852" y="6700915"/>
+                </a:cubicBezTo>
+                <a:cubicBezTo>
+                  <a:pt x="769652" y="6730223"/>
+                  <a:pt x="711036" y="6542653"/>
+                  <a:pt x="652421" y="6331638"/>
+                </a:cubicBezTo>
+                <a:close/>
+              </a:path>
+            </a:pathLst>
+          </a:custGeom>
+          <a:solidFill>
+            <a:schemeClr val="bg1">
+              <a:lumMod val="85000"/>
+            </a:schemeClr>
+          </a:solidFill>
+          <a:ln>
+            <a:noFill/>
+          </a:ln>
+        </p:spPr>
+        <p:style>
+          <a:lnRef idx="2">
+            <a:schemeClr val="accent1">
+              <a:shade val="50000"/>
+            </a:schemeClr>
+          </a:lnRef>
+          <a:fillRef idx="1">
+            <a:schemeClr val="accent1"/>
+          </a:fillRef>
+          <a:effectRef idx="0">
+            <a:schemeClr val="accent1"/>
+          </a:effectRef>
+          <a:fontRef idx="minor">
+            <a:schemeClr val="lt1"/>
+          </a:fontRef>
+        </p:style>
+        <p:txBody>
+          <a:bodyPr rtlCol="0" anchor="ctr"/>
+          <a:lstStyle/>
+          <a:p>
+            <a:pPr algn="ctr"/>
+            <a:endParaRPr lang="en-US" sz="1350"/>
+          </a:p>
+        </p:txBody>
+      </p:sp>
+      <p:sp>
+        <p:nvSpPr>
+          <p:cNvPr id="7" name="TextBox 6"/>
+          <p:cNvSpPr txBox="1"/>
+          <p:nvPr/>
+        </p:nvSpPr>
+        <p:spPr>
+          <a:xfrm>
+            <a:off x="1857154" y="6189757"/>
+            <a:ext cx="5429692" cy="1920526"/>
+          </a:xfrm>
+          <a:prstGeom prst="rect">
+            <a:avLst/>
+          </a:prstGeom>
+          <a:noFill/>
+          <a:ln>
+            <a:noFill/>
+          </a:ln>
+        </p:spPr>
+        <p:txBody>
+          <a:bodyPr wrap="none" rtlCol="0" anchor="ctr" anchorCtr="0">
+            <a:spAutoFit/>
+          </a:bodyPr>
+          <a:lstStyle/>
+          <a:p>
+            <a:pPr algn="ctr">
+              <a:lnSpc>
+                <a:spcPct val="90000"/>
+              </a:lnSpc>
+            </a:pPr>
+            <a:r>
+              <a:rPr lang="en-US" sz="6600" dirty="0" smtClean="0">
+                <a:solidFill>
+                  <a:srgbClr val="CDCDCD"/>
+                </a:solidFill>
+                <a:latin typeface="Roboto Light" charset="0"/>
+                <a:ea typeface="Roboto Light" charset="0"/>
+                <a:cs typeface="Roboto Light" charset="0"/>
+              </a:rPr>
+              <a:t>DELTA DELTA</a:t>
+            </a:r>
+          </a:p>
+          <a:p>
+            <a:pPr algn="ctr">
+              <a:lnSpc>
+                <a:spcPct val="90000"/>
+              </a:lnSpc>
+            </a:pPr>
+            <a:r>
+              <a:rPr lang="en-US" sz="6600" dirty="0" smtClean="0">
+                <a:solidFill>
+                  <a:srgbClr val="CDCDCD"/>
+                </a:solidFill>
+                <a:latin typeface="Roboto Light" charset="0"/>
+                <a:ea typeface="Roboto Light" charset="0"/>
+                <a:cs typeface="Roboto Light" charset="0"/>
+              </a:rPr>
+              <a:t>SIGMA</a:t>
+            </a:r>
+            <a:endParaRPr lang="en-US" sz="6600" dirty="0">
+              <a:solidFill>
+                <a:srgbClr val="CDCDCD"/>
+              </a:solidFill>
+              <a:latin typeface="Roboto Light" charset="0"/>
+              <a:ea typeface="Roboto Light" charset="0"/>
+              <a:cs typeface="Roboto Light" charset="0"/>
+            </a:endParaRPr>
+          </a:p>
+        </p:txBody>
+      </p:sp>
+    </p:spTree>
+    <p:extLst>
+      <p:ext uri="{BB962C8B-B14F-4D97-AF65-F5344CB8AC3E}">
+        <p14:creationId xmlns:p14="http://schemas.microsoft.com/office/powerpoint/2010/main" val="1015169755"/>
+      </p:ext>
+    </p:extLst>
+  </p:cSld>
+  <p:clrMapOvr>
+    <a:masterClrMapping/>
+  </p:clrMapOvr>
+  <p:timing>
+    <p:tnLst>
+      <p:par>
+        <p:cTn id="1" dur="indefinite" restart="never" nodeType="tmRoot"/>
+      </p:par>
+    </p:tnLst>
+  </p:timing>
+</p:sld>
+</file>
+
 <file path=ppt/theme/theme1.xml><?xml version="1.0" encoding="utf-8"?>
 <a:theme xmlns:a="http://schemas.openxmlformats.org/drawingml/2006/main" name="Office Theme">
   <a:themeElements>
